--- a/week3,4/졸업프로젝트_프로토타입.pptx
+++ b/week3,4/졸업프로젝트_프로토타입.pptx
@@ -7,14 +7,15 @@
   <p:sldIdLst>
     <p:sldId id="256" r:id="rId2"/>
     <p:sldId id="265" r:id="rId3"/>
-    <p:sldId id="260" r:id="rId4"/>
-    <p:sldId id="261" r:id="rId5"/>
-    <p:sldId id="262" r:id="rId6"/>
-    <p:sldId id="263" r:id="rId7"/>
-    <p:sldId id="264" r:id="rId8"/>
-    <p:sldId id="266" r:id="rId9"/>
-    <p:sldId id="273" r:id="rId10"/>
-    <p:sldId id="274" r:id="rId11"/>
+    <p:sldId id="275" r:id="rId4"/>
+    <p:sldId id="260" r:id="rId5"/>
+    <p:sldId id="261" r:id="rId6"/>
+    <p:sldId id="262" r:id="rId7"/>
+    <p:sldId id="263" r:id="rId8"/>
+    <p:sldId id="264" r:id="rId9"/>
+    <p:sldId id="266" r:id="rId10"/>
+    <p:sldId id="273" r:id="rId11"/>
+    <p:sldId id="274" r:id="rId12"/>
   </p:sldIdLst>
   <p:sldSz cx="12192000" cy="6858000"/>
   <p:notesSz cx="6858000" cy="9144000"/>
@@ -113,6 +114,11 @@
       </a:defRPr>
     </a:lvl9pPr>
   </p:defaultTextStyle>
+  <p:extLst>
+    <p:ext uri="{EFAFB233-063F-42B5-8137-9DF3F51BA10A}">
+      <p15:sldGuideLst xmlns:p15="http://schemas.microsoft.com/office/powerpoint/2012/main"/>
+    </p:ext>
+  </p:extLst>
 </p:presentation>
 </file>
 
@@ -265,7 +271,7 @@
           <a:p>
             <a:fld id="{84A4D8BF-13F2-F54C-9488-024A4EF6FFBF}" type="datetimeFigureOut">
               <a:rPr kumimoji="1" lang="ko-Kore-KR" altLang="en-US" smtClean="0"/>
-              <a:t>2020. 4. 18.</a:t>
+              <a:t>04/25/2020</a:t>
             </a:fld>
             <a:endParaRPr kumimoji="1" lang="ko-Kore-KR" altLang="en-US"/>
           </a:p>
@@ -465,7 +471,7 @@
           <a:p>
             <a:fld id="{84A4D8BF-13F2-F54C-9488-024A4EF6FFBF}" type="datetimeFigureOut">
               <a:rPr kumimoji="1" lang="ko-Kore-KR" altLang="en-US" smtClean="0"/>
-              <a:t>2020. 4. 18.</a:t>
+              <a:t>04/25/2020</a:t>
             </a:fld>
             <a:endParaRPr kumimoji="1" lang="ko-Kore-KR" altLang="en-US"/>
           </a:p>
@@ -675,7 +681,7 @@
           <a:p>
             <a:fld id="{84A4D8BF-13F2-F54C-9488-024A4EF6FFBF}" type="datetimeFigureOut">
               <a:rPr kumimoji="1" lang="ko-Kore-KR" altLang="en-US" smtClean="0"/>
-              <a:t>2020. 4. 18.</a:t>
+              <a:t>04/25/2020</a:t>
             </a:fld>
             <a:endParaRPr kumimoji="1" lang="ko-Kore-KR" altLang="en-US"/>
           </a:p>
@@ -875,7 +881,7 @@
           <a:p>
             <a:fld id="{84A4D8BF-13F2-F54C-9488-024A4EF6FFBF}" type="datetimeFigureOut">
               <a:rPr kumimoji="1" lang="ko-Kore-KR" altLang="en-US" smtClean="0"/>
-              <a:t>2020. 4. 18.</a:t>
+              <a:t>04/25/2020</a:t>
             </a:fld>
             <a:endParaRPr kumimoji="1" lang="ko-Kore-KR" altLang="en-US"/>
           </a:p>
@@ -1151,7 +1157,7 @@
           <a:p>
             <a:fld id="{84A4D8BF-13F2-F54C-9488-024A4EF6FFBF}" type="datetimeFigureOut">
               <a:rPr kumimoji="1" lang="ko-Kore-KR" altLang="en-US" smtClean="0"/>
-              <a:t>2020. 4. 18.</a:t>
+              <a:t>04/25/2020</a:t>
             </a:fld>
             <a:endParaRPr kumimoji="1" lang="ko-Kore-KR" altLang="en-US"/>
           </a:p>
@@ -1419,7 +1425,7 @@
           <a:p>
             <a:fld id="{84A4D8BF-13F2-F54C-9488-024A4EF6FFBF}" type="datetimeFigureOut">
               <a:rPr kumimoji="1" lang="ko-Kore-KR" altLang="en-US" smtClean="0"/>
-              <a:t>2020. 4. 18.</a:t>
+              <a:t>04/25/2020</a:t>
             </a:fld>
             <a:endParaRPr kumimoji="1" lang="ko-Kore-KR" altLang="en-US"/>
           </a:p>
@@ -1834,7 +1840,7 @@
           <a:p>
             <a:fld id="{84A4D8BF-13F2-F54C-9488-024A4EF6FFBF}" type="datetimeFigureOut">
               <a:rPr kumimoji="1" lang="ko-Kore-KR" altLang="en-US" smtClean="0"/>
-              <a:t>2020. 4. 18.</a:t>
+              <a:t>04/25/2020</a:t>
             </a:fld>
             <a:endParaRPr kumimoji="1" lang="ko-Kore-KR" altLang="en-US"/>
           </a:p>
@@ -1976,7 +1982,7 @@
           <a:p>
             <a:fld id="{84A4D8BF-13F2-F54C-9488-024A4EF6FFBF}" type="datetimeFigureOut">
               <a:rPr kumimoji="1" lang="ko-Kore-KR" altLang="en-US" smtClean="0"/>
-              <a:t>2020. 4. 18.</a:t>
+              <a:t>04/25/2020</a:t>
             </a:fld>
             <a:endParaRPr kumimoji="1" lang="ko-Kore-KR" altLang="en-US"/>
           </a:p>
@@ -2089,7 +2095,7 @@
           <a:p>
             <a:fld id="{84A4D8BF-13F2-F54C-9488-024A4EF6FFBF}" type="datetimeFigureOut">
               <a:rPr kumimoji="1" lang="ko-Kore-KR" altLang="en-US" smtClean="0"/>
-              <a:t>2020. 4. 18.</a:t>
+              <a:t>04/25/2020</a:t>
             </a:fld>
             <a:endParaRPr kumimoji="1" lang="ko-Kore-KR" altLang="en-US"/>
           </a:p>
@@ -2402,7 +2408,7 @@
           <a:p>
             <a:fld id="{84A4D8BF-13F2-F54C-9488-024A4EF6FFBF}" type="datetimeFigureOut">
               <a:rPr kumimoji="1" lang="ko-Kore-KR" altLang="en-US" smtClean="0"/>
-              <a:t>2020. 4. 18.</a:t>
+              <a:t>04/25/2020</a:t>
             </a:fld>
             <a:endParaRPr kumimoji="1" lang="ko-Kore-KR" altLang="en-US"/>
           </a:p>
@@ -2691,7 +2697,7 @@
           <a:p>
             <a:fld id="{84A4D8BF-13F2-F54C-9488-024A4EF6FFBF}" type="datetimeFigureOut">
               <a:rPr kumimoji="1" lang="ko-Kore-KR" altLang="en-US" smtClean="0"/>
-              <a:t>2020. 4. 18.</a:t>
+              <a:t>04/25/2020</a:t>
             </a:fld>
             <a:endParaRPr kumimoji="1" lang="ko-Kore-KR" altLang="en-US"/>
           </a:p>
@@ -2934,7 +2940,7 @@
           <a:p>
             <a:fld id="{84A4D8BF-13F2-F54C-9488-024A4EF6FFBF}" type="datetimeFigureOut">
               <a:rPr kumimoji="1" lang="ko-Kore-KR" altLang="en-US" smtClean="0"/>
-              <a:t>2020. 4. 18.</a:t>
+              <a:t>04/25/2020</a:t>
             </a:fld>
             <a:endParaRPr kumimoji="1" lang="ko-Kore-KR" altLang="en-US"/>
           </a:p>
@@ -4032,6 +4038,3954 @@
           <a:p>
             <a:pPr algn="ctr"/>
             <a:endParaRPr kumimoji="1" lang="ko-Kore-KR" altLang="en-US" sz="1801">
+              <a:latin typeface="Nanum Gothic" panose="020D0604000000000000" pitchFamily="34" charset="-127"/>
+              <a:ea typeface="Nanum Gothic" panose="020D0604000000000000" pitchFamily="34" charset="-127"/>
+            </a:endParaRPr>
+          </a:p>
+        </p:txBody>
+      </p:sp>
+      <p:sp>
+        <p:nvSpPr>
+          <p:cNvPr id="54" name="TextBox 53">
+            <a:extLst>
+              <a:ext uri="{FF2B5EF4-FFF2-40B4-BE49-F238E27FC236}">
+                <a16:creationId xmlns:a16="http://schemas.microsoft.com/office/drawing/2014/main" id="{79EED055-D183-7841-9D93-D1C3F8738DA3}"/>
+              </a:ext>
+            </a:extLst>
+          </p:cNvPr>
+          <p:cNvSpPr txBox="1"/>
+          <p:nvPr/>
+        </p:nvSpPr>
+        <p:spPr>
+          <a:xfrm>
+            <a:off x="830697" y="847367"/>
+            <a:ext cx="3008244" cy="400110"/>
+          </a:xfrm>
+          <a:prstGeom prst="rect">
+            <a:avLst/>
+          </a:prstGeom>
+          <a:noFill/>
+        </p:spPr>
+        <p:txBody>
+          <a:bodyPr wrap="square" rtlCol="0">
+            <a:spAutoFit/>
+          </a:bodyPr>
+          <a:lstStyle/>
+          <a:p>
+            <a:r>
+              <a:rPr kumimoji="1" lang="en-US" altLang="ko-KR" sz="2000" b="1" dirty="0">
+                <a:latin typeface="나눔고딕" panose="020D0604000000000000" pitchFamily="50" charset="-127"/>
+                <a:ea typeface="나눔고딕" panose="020D0604000000000000" pitchFamily="50" charset="-127"/>
+              </a:rPr>
+              <a:t>OOO</a:t>
+            </a:r>
+            <a:r>
+              <a:rPr kumimoji="1" lang="ko-KR" altLang="en-US" sz="2000" b="1" dirty="0">
+                <a:latin typeface="나눔고딕" panose="020D0604000000000000" pitchFamily="50" charset="-127"/>
+                <a:ea typeface="나눔고딕" panose="020D0604000000000000" pitchFamily="50" charset="-127"/>
+              </a:rPr>
+              <a:t>님 관심 분야 이벤트</a:t>
+            </a:r>
+            <a:endParaRPr kumimoji="1" lang="en-US" altLang="ko-KR" sz="2000" b="1" dirty="0">
+              <a:latin typeface="나눔고딕" panose="020D0604000000000000" pitchFamily="50" charset="-127"/>
+              <a:ea typeface="나눔고딕" panose="020D0604000000000000" pitchFamily="50" charset="-127"/>
+            </a:endParaRPr>
+          </a:p>
+        </p:txBody>
+      </p:sp>
+      <p:sp>
+        <p:nvSpPr>
+          <p:cNvPr id="66" name="직사각형 65">
+            <a:extLst>
+              <a:ext uri="{FF2B5EF4-FFF2-40B4-BE49-F238E27FC236}">
+                <a16:creationId xmlns:a16="http://schemas.microsoft.com/office/drawing/2014/main" id="{252EDC26-A5EC-C443-A9E1-353F50FE608F}"/>
+              </a:ext>
+            </a:extLst>
+          </p:cNvPr>
+          <p:cNvSpPr/>
+          <p:nvPr/>
+        </p:nvSpPr>
+        <p:spPr>
+          <a:xfrm>
+            <a:off x="11295530" y="1510035"/>
+            <a:ext cx="192889" cy="3371335"/>
+          </a:xfrm>
+          <a:prstGeom prst="rect">
+            <a:avLst/>
+          </a:prstGeom>
+          <a:solidFill>
+            <a:schemeClr val="bg1">
+              <a:lumMod val="95000"/>
+            </a:schemeClr>
+          </a:solidFill>
+          <a:ln>
+            <a:solidFill>
+              <a:schemeClr val="bg1">
+                <a:lumMod val="85000"/>
+              </a:schemeClr>
+            </a:solidFill>
+          </a:ln>
+        </p:spPr>
+        <p:style>
+          <a:lnRef idx="2">
+            <a:schemeClr val="accent1">
+              <a:shade val="50000"/>
+            </a:schemeClr>
+          </a:lnRef>
+          <a:fillRef idx="1">
+            <a:schemeClr val="accent1"/>
+          </a:fillRef>
+          <a:effectRef idx="0">
+            <a:schemeClr val="accent1"/>
+          </a:effectRef>
+          <a:fontRef idx="minor">
+            <a:schemeClr val="lt1"/>
+          </a:fontRef>
+        </p:style>
+        <p:txBody>
+          <a:bodyPr rtlCol="0" anchor="ctr"/>
+          <a:lstStyle/>
+          <a:p>
+            <a:pPr algn="ctr"/>
+            <a:endParaRPr kumimoji="1" lang="ko-Kore-KR" altLang="en-US">
+              <a:latin typeface="Nanum Gothic" panose="020D0604000000000000" pitchFamily="34" charset="-127"/>
+              <a:ea typeface="Nanum Gothic" panose="020D0604000000000000" pitchFamily="34" charset="-127"/>
+            </a:endParaRPr>
+          </a:p>
+        </p:txBody>
+      </p:sp>
+      <p:sp>
+        <p:nvSpPr>
+          <p:cNvPr id="67" name="직사각형 66">
+            <a:extLst>
+              <a:ext uri="{FF2B5EF4-FFF2-40B4-BE49-F238E27FC236}">
+                <a16:creationId xmlns:a16="http://schemas.microsoft.com/office/drawing/2014/main" id="{E2416FD2-09A5-7844-A89E-D5CB15AB6F7A}"/>
+              </a:ext>
+            </a:extLst>
+          </p:cNvPr>
+          <p:cNvSpPr/>
+          <p:nvPr/>
+        </p:nvSpPr>
+        <p:spPr>
+          <a:xfrm>
+            <a:off x="11295530" y="1510035"/>
+            <a:ext cx="192889" cy="209435"/>
+          </a:xfrm>
+          <a:prstGeom prst="rect">
+            <a:avLst/>
+          </a:prstGeom>
+          <a:solidFill>
+            <a:schemeClr val="bg1">
+              <a:lumMod val="85000"/>
+            </a:schemeClr>
+          </a:solidFill>
+          <a:ln>
+            <a:solidFill>
+              <a:schemeClr val="bg1">
+                <a:lumMod val="75000"/>
+              </a:schemeClr>
+            </a:solidFill>
+          </a:ln>
+        </p:spPr>
+        <p:style>
+          <a:lnRef idx="2">
+            <a:schemeClr val="accent1">
+              <a:shade val="50000"/>
+            </a:schemeClr>
+          </a:lnRef>
+          <a:fillRef idx="1">
+            <a:schemeClr val="accent1"/>
+          </a:fillRef>
+          <a:effectRef idx="0">
+            <a:schemeClr val="accent1"/>
+          </a:effectRef>
+          <a:fontRef idx="minor">
+            <a:schemeClr val="lt1"/>
+          </a:fontRef>
+        </p:style>
+        <p:txBody>
+          <a:bodyPr rtlCol="0" anchor="ctr"/>
+          <a:lstStyle/>
+          <a:p>
+            <a:pPr algn="ctr"/>
+            <a:endParaRPr kumimoji="1" lang="ko-Kore-KR" altLang="en-US">
+              <a:latin typeface="Nanum Gothic" panose="020D0604000000000000" pitchFamily="34" charset="-127"/>
+              <a:ea typeface="Nanum Gothic" panose="020D0604000000000000" pitchFamily="34" charset="-127"/>
+            </a:endParaRPr>
+          </a:p>
+        </p:txBody>
+      </p:sp>
+      <p:sp>
+        <p:nvSpPr>
+          <p:cNvPr id="69" name="병합 68">
+            <a:extLst>
+              <a:ext uri="{FF2B5EF4-FFF2-40B4-BE49-F238E27FC236}">
+                <a16:creationId xmlns:a16="http://schemas.microsoft.com/office/drawing/2014/main" id="{4189D5C9-3E4D-0145-A125-DA7C54CC4ECE}"/>
+              </a:ext>
+            </a:extLst>
+          </p:cNvPr>
+          <p:cNvSpPr/>
+          <p:nvPr/>
+        </p:nvSpPr>
+        <p:spPr>
+          <a:xfrm rot="10800000">
+            <a:off x="11324426" y="1543953"/>
+            <a:ext cx="134703" cy="134853"/>
+          </a:xfrm>
+          <a:prstGeom prst="flowChartMerge">
+            <a:avLst/>
+          </a:prstGeom>
+          <a:solidFill>
+            <a:schemeClr val="bg1">
+              <a:lumMod val="50000"/>
+            </a:schemeClr>
+          </a:solidFill>
+          <a:ln>
+            <a:noFill/>
+          </a:ln>
+        </p:spPr>
+        <p:style>
+          <a:lnRef idx="2">
+            <a:schemeClr val="accent1">
+              <a:shade val="50000"/>
+            </a:schemeClr>
+          </a:lnRef>
+          <a:fillRef idx="1">
+            <a:schemeClr val="accent1"/>
+          </a:fillRef>
+          <a:effectRef idx="0">
+            <a:schemeClr val="accent1"/>
+          </a:effectRef>
+          <a:fontRef idx="minor">
+            <a:schemeClr val="lt1"/>
+          </a:fontRef>
+        </p:style>
+        <p:txBody>
+          <a:bodyPr rot="0" spcFirstLastPara="0" vertOverflow="overflow" horzOverflow="overflow" vert="horz" wrap="square" lIns="91440" tIns="45721" rIns="91440" bIns="45721" numCol="1" spcCol="0" rtlCol="0" fromWordArt="0" anchor="ctr" anchorCtr="0" forceAA="0" compatLnSpc="1">
+            <a:prstTxWarp prst="textNoShape">
+              <a:avLst/>
+            </a:prstTxWarp>
+            <a:noAutofit/>
+          </a:bodyPr>
+          <a:lstStyle/>
+          <a:p>
+            <a:pPr algn="ctr"/>
+            <a:endParaRPr kumimoji="1" lang="ko-Kore-KR" altLang="en-US" sz="1801">
+              <a:latin typeface="Nanum Gothic" panose="020D0604000000000000" pitchFamily="34" charset="-127"/>
+              <a:ea typeface="Nanum Gothic" panose="020D0604000000000000" pitchFamily="34" charset="-127"/>
+            </a:endParaRPr>
+          </a:p>
+        </p:txBody>
+      </p:sp>
+      <p:graphicFrame>
+        <p:nvGraphicFramePr>
+          <p:cNvPr id="38" name="표 37">
+            <a:extLst>
+              <a:ext uri="{FF2B5EF4-FFF2-40B4-BE49-F238E27FC236}">
+                <a16:creationId xmlns:a16="http://schemas.microsoft.com/office/drawing/2014/main" id="{E48D890C-B46D-2D47-A61A-99EE289D9D87}"/>
+              </a:ext>
+            </a:extLst>
+          </p:cNvPr>
+          <p:cNvGraphicFramePr>
+            <a:graphicFrameLocks noGrp="1"/>
+          </p:cNvGraphicFramePr>
+          <p:nvPr/>
+        </p:nvGraphicFramePr>
+        <p:xfrm>
+          <a:off x="721057" y="1510035"/>
+          <a:ext cx="10573196" cy="3371336"/>
+        </p:xfrm>
+        <a:graphic>
+          <a:graphicData uri="http://schemas.openxmlformats.org/drawingml/2006/table">
+            <a:tbl>
+              <a:tblPr firstRow="1" bandRow="1">
+                <a:tableStyleId>{5C22544A-7EE6-4342-B048-85BDC9FD1C3A}</a:tableStyleId>
+              </a:tblPr>
+              <a:tblGrid>
+                <a:gridCol w="680360">
+                  <a:extLst>
+                    <a:ext uri="{9D8B030D-6E8A-4147-A177-3AD203B41FA5}">
+                      <a16:colId xmlns:a16="http://schemas.microsoft.com/office/drawing/2014/main" val="3572486638"/>
+                    </a:ext>
+                  </a:extLst>
+                </a:gridCol>
+                <a:gridCol w="5575853">
+                  <a:extLst>
+                    <a:ext uri="{9D8B030D-6E8A-4147-A177-3AD203B41FA5}">
+                      <a16:colId xmlns:a16="http://schemas.microsoft.com/office/drawing/2014/main" val="4241760782"/>
+                    </a:ext>
+                  </a:extLst>
+                </a:gridCol>
+                <a:gridCol w="2256182">
+                  <a:extLst>
+                    <a:ext uri="{9D8B030D-6E8A-4147-A177-3AD203B41FA5}">
+                      <a16:colId xmlns:a16="http://schemas.microsoft.com/office/drawing/2014/main" val="1334356257"/>
+                    </a:ext>
+                  </a:extLst>
+                </a:gridCol>
+                <a:gridCol w="2060801">
+                  <a:extLst>
+                    <a:ext uri="{9D8B030D-6E8A-4147-A177-3AD203B41FA5}">
+                      <a16:colId xmlns:a16="http://schemas.microsoft.com/office/drawing/2014/main" val="2708478360"/>
+                    </a:ext>
+                  </a:extLst>
+                </a:gridCol>
+              </a:tblGrid>
+              <a:tr h="385349">
+                <a:tc>
+                  <a:txBody>
+                    <a:bodyPr/>
+                    <a:lstStyle/>
+                    <a:p>
+                      <a:pPr algn="ctr">
+                        <a:lnSpc>
+                          <a:spcPct val="100000"/>
+                        </a:lnSpc>
+                      </a:pPr>
+                      <a:r>
+                        <a:rPr lang="ko-KR" altLang="en-US" sz="1100" dirty="0">
+                          <a:latin typeface="나눔고딕" panose="020D0604000000000000" pitchFamily="50" charset="-127"/>
+                          <a:ea typeface="나눔고딕" panose="020D0604000000000000" pitchFamily="50" charset="-127"/>
+                        </a:rPr>
+                        <a:t>번호</a:t>
+                      </a:r>
+                      <a:endParaRPr lang="ko-Kore-KR" altLang="en-US" sz="1100" dirty="0">
+                        <a:latin typeface="나눔고딕" panose="020D0604000000000000" pitchFamily="50" charset="-127"/>
+                        <a:ea typeface="나눔고딕" panose="020D0604000000000000" pitchFamily="50" charset="-127"/>
+                      </a:endParaRPr>
+                    </a:p>
+                  </a:txBody>
+                  <a:tcPr marT="45721" marB="45721" anchor="ctr">
+                    <a:lnL w="12700" cap="flat" cmpd="sng" algn="ctr">
+                      <a:solidFill>
+                        <a:schemeClr val="bg1">
+                          <a:lumMod val="85000"/>
+                        </a:schemeClr>
+                      </a:solidFill>
+                      <a:prstDash val="solid"/>
+                      <a:round/>
+                      <a:headEnd type="none" w="med" len="med"/>
+                      <a:tailEnd type="none" w="med" len="med"/>
+                    </a:lnL>
+                    <a:lnR w="12700" cap="flat" cmpd="sng" algn="ctr">
+                      <a:solidFill>
+                        <a:schemeClr val="bg1">
+                          <a:lumMod val="85000"/>
+                        </a:schemeClr>
+                      </a:solidFill>
+                      <a:prstDash val="solid"/>
+                      <a:round/>
+                      <a:headEnd type="none" w="med" len="med"/>
+                      <a:tailEnd type="none" w="med" len="med"/>
+                    </a:lnR>
+                    <a:lnT w="12700" cap="flat" cmpd="sng" algn="ctr">
+                      <a:solidFill>
+                        <a:schemeClr val="bg1">
+                          <a:lumMod val="85000"/>
+                        </a:schemeClr>
+                      </a:solidFill>
+                      <a:prstDash val="solid"/>
+                      <a:round/>
+                      <a:headEnd type="none" w="med" len="med"/>
+                      <a:tailEnd type="none" w="med" len="med"/>
+                    </a:lnT>
+                    <a:lnB w="12700" cap="flat" cmpd="sng" algn="ctr">
+                      <a:solidFill>
+                        <a:schemeClr val="bg1">
+                          <a:lumMod val="85000"/>
+                        </a:schemeClr>
+                      </a:solidFill>
+                      <a:prstDash val="solid"/>
+                      <a:round/>
+                      <a:headEnd type="none" w="med" len="med"/>
+                      <a:tailEnd type="none" w="med" len="med"/>
+                    </a:lnB>
+                    <a:lnTlToBr w="12700" cmpd="sng">
+                      <a:noFill/>
+                      <a:prstDash val="solid"/>
+                    </a:lnTlToBr>
+                    <a:lnBlToTr w="12700" cmpd="sng">
+                      <a:noFill/>
+                      <a:prstDash val="solid"/>
+                    </a:lnBlToTr>
+                    <a:solidFill>
+                      <a:srgbClr val="7F8FA6"/>
+                    </a:solidFill>
+                  </a:tcPr>
+                </a:tc>
+                <a:tc>
+                  <a:txBody>
+                    <a:bodyPr/>
+                    <a:lstStyle/>
+                    <a:p>
+                      <a:pPr algn="ctr">
+                        <a:lnSpc>
+                          <a:spcPct val="100000"/>
+                        </a:lnSpc>
+                      </a:pPr>
+                      <a:r>
+                        <a:rPr lang="ko-KR" altLang="en-US" sz="1100" dirty="0">
+                          <a:latin typeface="나눔고딕" panose="020D0604000000000000" pitchFamily="50" charset="-127"/>
+                          <a:ea typeface="나눔고딕" panose="020D0604000000000000" pitchFamily="50" charset="-127"/>
+                        </a:rPr>
+                        <a:t>관련 행사</a:t>
+                      </a:r>
+                      <a:endParaRPr lang="ko-Kore-KR" altLang="en-US" sz="1100" dirty="0">
+                        <a:latin typeface="나눔고딕" panose="020D0604000000000000" pitchFamily="50" charset="-127"/>
+                        <a:ea typeface="나눔고딕" panose="020D0604000000000000" pitchFamily="50" charset="-127"/>
+                      </a:endParaRPr>
+                    </a:p>
+                  </a:txBody>
+                  <a:tcPr marT="45721" marB="45721" anchor="ctr">
+                    <a:lnL w="12700" cap="flat" cmpd="sng" algn="ctr">
+                      <a:solidFill>
+                        <a:schemeClr val="bg1">
+                          <a:lumMod val="85000"/>
+                        </a:schemeClr>
+                      </a:solidFill>
+                      <a:prstDash val="solid"/>
+                      <a:round/>
+                      <a:headEnd type="none" w="med" len="med"/>
+                      <a:tailEnd type="none" w="med" len="med"/>
+                    </a:lnL>
+                    <a:lnR w="12700" cap="flat" cmpd="sng" algn="ctr">
+                      <a:solidFill>
+                        <a:schemeClr val="bg1">
+                          <a:lumMod val="85000"/>
+                        </a:schemeClr>
+                      </a:solidFill>
+                      <a:prstDash val="solid"/>
+                      <a:round/>
+                      <a:headEnd type="none" w="med" len="med"/>
+                      <a:tailEnd type="none" w="med" len="med"/>
+                    </a:lnR>
+                    <a:lnT w="12700" cap="flat" cmpd="sng" algn="ctr">
+                      <a:solidFill>
+                        <a:schemeClr val="bg1">
+                          <a:lumMod val="85000"/>
+                        </a:schemeClr>
+                      </a:solidFill>
+                      <a:prstDash val="solid"/>
+                      <a:round/>
+                      <a:headEnd type="none" w="med" len="med"/>
+                      <a:tailEnd type="none" w="med" len="med"/>
+                    </a:lnT>
+                    <a:lnB w="12700" cap="flat" cmpd="sng" algn="ctr">
+                      <a:solidFill>
+                        <a:schemeClr val="bg1">
+                          <a:lumMod val="85000"/>
+                        </a:schemeClr>
+                      </a:solidFill>
+                      <a:prstDash val="solid"/>
+                      <a:round/>
+                      <a:headEnd type="none" w="med" len="med"/>
+                      <a:tailEnd type="none" w="med" len="med"/>
+                    </a:lnB>
+                    <a:lnTlToBr w="12700" cmpd="sng">
+                      <a:noFill/>
+                      <a:prstDash val="solid"/>
+                    </a:lnTlToBr>
+                    <a:lnBlToTr w="12700" cmpd="sng">
+                      <a:noFill/>
+                      <a:prstDash val="solid"/>
+                    </a:lnBlToTr>
+                    <a:solidFill>
+                      <a:srgbClr val="7F8FA6"/>
+                    </a:solidFill>
+                  </a:tcPr>
+                </a:tc>
+                <a:tc>
+                  <a:txBody>
+                    <a:bodyPr/>
+                    <a:lstStyle/>
+                    <a:p>
+                      <a:pPr algn="ctr">
+                        <a:lnSpc>
+                          <a:spcPct val="100000"/>
+                        </a:lnSpc>
+                      </a:pPr>
+                      <a:r>
+                        <a:rPr lang="ko-KR" altLang="en-US" sz="1100" dirty="0">
+                          <a:latin typeface="나눔고딕" panose="020D0604000000000000" pitchFamily="50" charset="-127"/>
+                          <a:ea typeface="나눔고딕" panose="020D0604000000000000" pitchFamily="50" charset="-127"/>
+                        </a:rPr>
+                        <a:t>주최 기관</a:t>
+                      </a:r>
+                      <a:endParaRPr lang="ko-Kore-KR" altLang="en-US" sz="1100" dirty="0">
+                        <a:latin typeface="나눔고딕" panose="020D0604000000000000" pitchFamily="50" charset="-127"/>
+                        <a:ea typeface="나눔고딕" panose="020D0604000000000000" pitchFamily="50" charset="-127"/>
+                      </a:endParaRPr>
+                    </a:p>
+                  </a:txBody>
+                  <a:tcPr marT="45721" marB="45721" anchor="ctr">
+                    <a:lnL w="12700" cap="flat" cmpd="sng" algn="ctr">
+                      <a:solidFill>
+                        <a:schemeClr val="bg1">
+                          <a:lumMod val="85000"/>
+                        </a:schemeClr>
+                      </a:solidFill>
+                      <a:prstDash val="solid"/>
+                      <a:round/>
+                      <a:headEnd type="none" w="med" len="med"/>
+                      <a:tailEnd type="none" w="med" len="med"/>
+                    </a:lnL>
+                    <a:lnR w="12700" cap="flat" cmpd="sng" algn="ctr">
+                      <a:solidFill>
+                        <a:schemeClr val="bg1">
+                          <a:lumMod val="85000"/>
+                        </a:schemeClr>
+                      </a:solidFill>
+                      <a:prstDash val="solid"/>
+                      <a:round/>
+                      <a:headEnd type="none" w="med" len="med"/>
+                      <a:tailEnd type="none" w="med" len="med"/>
+                    </a:lnR>
+                    <a:lnT w="12700" cap="flat" cmpd="sng" algn="ctr">
+                      <a:solidFill>
+                        <a:schemeClr val="bg1">
+                          <a:lumMod val="85000"/>
+                        </a:schemeClr>
+                      </a:solidFill>
+                      <a:prstDash val="solid"/>
+                      <a:round/>
+                      <a:headEnd type="none" w="med" len="med"/>
+                      <a:tailEnd type="none" w="med" len="med"/>
+                    </a:lnT>
+                    <a:lnB w="12700" cap="flat" cmpd="sng" algn="ctr">
+                      <a:solidFill>
+                        <a:schemeClr val="bg1">
+                          <a:lumMod val="85000"/>
+                        </a:schemeClr>
+                      </a:solidFill>
+                      <a:prstDash val="solid"/>
+                      <a:round/>
+                      <a:headEnd type="none" w="med" len="med"/>
+                      <a:tailEnd type="none" w="med" len="med"/>
+                    </a:lnB>
+                    <a:lnTlToBr w="12700" cmpd="sng">
+                      <a:noFill/>
+                      <a:prstDash val="solid"/>
+                    </a:lnTlToBr>
+                    <a:lnBlToTr w="12700" cmpd="sng">
+                      <a:noFill/>
+                      <a:prstDash val="solid"/>
+                    </a:lnBlToTr>
+                    <a:solidFill>
+                      <a:srgbClr val="7F8FA6"/>
+                    </a:solidFill>
+                  </a:tcPr>
+                </a:tc>
+                <a:tc>
+                  <a:txBody>
+                    <a:bodyPr/>
+                    <a:lstStyle/>
+                    <a:p>
+                      <a:pPr algn="ctr">
+                        <a:lnSpc>
+                          <a:spcPct val="100000"/>
+                        </a:lnSpc>
+                      </a:pPr>
+                      <a:r>
+                        <a:rPr lang="ko-KR" altLang="en-US" sz="1100" dirty="0">
+                          <a:latin typeface="나눔고딕" panose="020D0604000000000000" pitchFamily="50" charset="-127"/>
+                          <a:ea typeface="나눔고딕" panose="020D0604000000000000" pitchFamily="50" charset="-127"/>
+                        </a:rPr>
+                        <a:t>신청기간</a:t>
+                      </a:r>
+                      <a:endParaRPr lang="ko-Kore-KR" altLang="en-US" sz="1100" dirty="0">
+                        <a:latin typeface="나눔고딕" panose="020D0604000000000000" pitchFamily="50" charset="-127"/>
+                        <a:ea typeface="나눔고딕" panose="020D0604000000000000" pitchFamily="50" charset="-127"/>
+                      </a:endParaRPr>
+                    </a:p>
+                  </a:txBody>
+                  <a:tcPr marT="45721" marB="45721" anchor="ctr">
+                    <a:lnL w="12700" cap="flat" cmpd="sng" algn="ctr">
+                      <a:solidFill>
+                        <a:schemeClr val="bg1">
+                          <a:lumMod val="85000"/>
+                        </a:schemeClr>
+                      </a:solidFill>
+                      <a:prstDash val="solid"/>
+                      <a:round/>
+                      <a:headEnd type="none" w="med" len="med"/>
+                      <a:tailEnd type="none" w="med" len="med"/>
+                    </a:lnL>
+                    <a:lnR w="12700" cap="flat" cmpd="sng" algn="ctr">
+                      <a:solidFill>
+                        <a:schemeClr val="bg1">
+                          <a:lumMod val="85000"/>
+                        </a:schemeClr>
+                      </a:solidFill>
+                      <a:prstDash val="solid"/>
+                      <a:round/>
+                      <a:headEnd type="none" w="med" len="med"/>
+                      <a:tailEnd type="none" w="med" len="med"/>
+                    </a:lnR>
+                    <a:lnT w="12700" cap="flat" cmpd="sng" algn="ctr">
+                      <a:solidFill>
+                        <a:schemeClr val="bg1">
+                          <a:lumMod val="85000"/>
+                        </a:schemeClr>
+                      </a:solidFill>
+                      <a:prstDash val="solid"/>
+                      <a:round/>
+                      <a:headEnd type="none" w="med" len="med"/>
+                      <a:tailEnd type="none" w="med" len="med"/>
+                    </a:lnT>
+                    <a:lnB w="12700" cap="flat" cmpd="sng" algn="ctr">
+                      <a:solidFill>
+                        <a:schemeClr val="bg1">
+                          <a:lumMod val="85000"/>
+                        </a:schemeClr>
+                      </a:solidFill>
+                      <a:prstDash val="solid"/>
+                      <a:round/>
+                      <a:headEnd type="none" w="med" len="med"/>
+                      <a:tailEnd type="none" w="med" len="med"/>
+                    </a:lnB>
+                    <a:lnTlToBr w="12700" cmpd="sng">
+                      <a:noFill/>
+                      <a:prstDash val="solid"/>
+                    </a:lnTlToBr>
+                    <a:lnBlToTr w="12700" cmpd="sng">
+                      <a:noFill/>
+                      <a:prstDash val="solid"/>
+                    </a:lnBlToTr>
+                    <a:solidFill>
+                      <a:srgbClr val="7F8FA6"/>
+                    </a:solidFill>
+                  </a:tcPr>
+                </a:tc>
+                <a:extLst>
+                  <a:ext uri="{0D108BD9-81ED-4DB2-BD59-A6C34878D82A}">
+                    <a16:rowId xmlns:a16="http://schemas.microsoft.com/office/drawing/2014/main" val="1420980905"/>
+                  </a:ext>
+                </a:extLst>
+              </a:tr>
+              <a:tr h="385349">
+                <a:tc>
+                  <a:txBody>
+                    <a:bodyPr/>
+                    <a:lstStyle/>
+                    <a:p>
+                      <a:pPr algn="ctr">
+                        <a:lnSpc>
+                          <a:spcPct val="100000"/>
+                        </a:lnSpc>
+                      </a:pPr>
+                      <a:r>
+                        <a:rPr lang="en-US" altLang="en-US" sz="1100" dirty="0">
+                          <a:latin typeface="나눔고딕" panose="020D0604000000000000" pitchFamily="50" charset="-127"/>
+                          <a:ea typeface="나눔고딕" panose="020D0604000000000000" pitchFamily="50" charset="-127"/>
+                        </a:rPr>
+                        <a:t>1</a:t>
+                      </a:r>
+                      <a:endParaRPr lang="ko-Kore-KR" altLang="en-US" sz="1100" dirty="0">
+                        <a:latin typeface="나눔고딕" panose="020D0604000000000000" pitchFamily="50" charset="-127"/>
+                        <a:ea typeface="나눔고딕" panose="020D0604000000000000" pitchFamily="50" charset="-127"/>
+                      </a:endParaRPr>
+                    </a:p>
+                  </a:txBody>
+                  <a:tcPr marT="45721" marB="45721" anchor="ctr">
+                    <a:lnL w="12700" cap="flat" cmpd="sng" algn="ctr">
+                      <a:solidFill>
+                        <a:schemeClr val="bg1">
+                          <a:lumMod val="85000"/>
+                        </a:schemeClr>
+                      </a:solidFill>
+                      <a:prstDash val="solid"/>
+                      <a:round/>
+                      <a:headEnd type="none" w="med" len="med"/>
+                      <a:tailEnd type="none" w="med" len="med"/>
+                    </a:lnL>
+                    <a:lnR w="12700" cap="flat" cmpd="sng" algn="ctr">
+                      <a:solidFill>
+                        <a:schemeClr val="bg1">
+                          <a:lumMod val="85000"/>
+                        </a:schemeClr>
+                      </a:solidFill>
+                      <a:prstDash val="solid"/>
+                      <a:round/>
+                      <a:headEnd type="none" w="med" len="med"/>
+                      <a:tailEnd type="none" w="med" len="med"/>
+                    </a:lnR>
+                    <a:lnT w="12700" cap="flat" cmpd="sng" algn="ctr">
+                      <a:solidFill>
+                        <a:schemeClr val="bg1">
+                          <a:lumMod val="85000"/>
+                        </a:schemeClr>
+                      </a:solidFill>
+                      <a:prstDash val="solid"/>
+                      <a:round/>
+                      <a:headEnd type="none" w="med" len="med"/>
+                      <a:tailEnd type="none" w="med" len="med"/>
+                    </a:lnT>
+                    <a:lnB w="12700" cap="flat" cmpd="sng" algn="ctr">
+                      <a:solidFill>
+                        <a:schemeClr val="bg1">
+                          <a:lumMod val="85000"/>
+                        </a:schemeClr>
+                      </a:solidFill>
+                      <a:prstDash val="solid"/>
+                      <a:round/>
+                      <a:headEnd type="none" w="med" len="med"/>
+                      <a:tailEnd type="none" w="med" len="med"/>
+                    </a:lnB>
+                    <a:lnTlToBr w="12700" cmpd="sng">
+                      <a:noFill/>
+                      <a:prstDash val="solid"/>
+                    </a:lnTlToBr>
+                    <a:lnBlToTr w="12700" cmpd="sng">
+                      <a:noFill/>
+                      <a:prstDash val="solid"/>
+                    </a:lnBlToTr>
+                    <a:solidFill>
+                      <a:srgbClr val="FFFFFF"/>
+                    </a:solidFill>
+                  </a:tcPr>
+                </a:tc>
+                <a:tc>
+                  <a:txBody>
+                    <a:bodyPr/>
+                    <a:lstStyle/>
+                    <a:p>
+                      <a:pPr marL="0" marR="0" lvl="0" indent="0" algn="ctr" defTabSz="914400" rtl="0" eaLnBrk="1" fontAlgn="auto" latinLnBrk="0" hangingPunct="1">
+                        <a:lnSpc>
+                          <a:spcPct val="100000"/>
+                        </a:lnSpc>
+                        <a:spcBef>
+                          <a:spcPts val="0"/>
+                        </a:spcBef>
+                        <a:spcAft>
+                          <a:spcPts val="0"/>
+                        </a:spcAft>
+                        <a:buClrTx/>
+                        <a:buSzTx/>
+                        <a:buFontTx/>
+                        <a:buNone/>
+                        <a:tabLst/>
+                        <a:defRPr/>
+                      </a:pPr>
+                      <a:r>
+                        <a:rPr lang="ko-KR" altLang="en-US" sz="1100" dirty="0" err="1">
+                          <a:latin typeface="나눔고딕" panose="020D0604000000000000" pitchFamily="50" charset="-127"/>
+                          <a:ea typeface="나눔고딕" panose="020D0604000000000000" pitchFamily="50" charset="-127"/>
+                        </a:rPr>
+                        <a:t>ㅁㅁㅁ</a:t>
+                      </a:r>
+                      <a:r>
+                        <a:rPr lang="ko-KR" altLang="en-US" sz="1100" dirty="0">
+                          <a:latin typeface="나눔고딕" panose="020D0604000000000000" pitchFamily="50" charset="-127"/>
+                          <a:ea typeface="나눔고딕" panose="020D0604000000000000" pitchFamily="50" charset="-127"/>
+                        </a:rPr>
+                        <a:t> 경진대회</a:t>
+                      </a:r>
+                      <a:endParaRPr lang="ko-Kore-KR" altLang="en-US" sz="1100" dirty="0">
+                        <a:latin typeface="나눔고딕" panose="020D0604000000000000" pitchFamily="50" charset="-127"/>
+                        <a:ea typeface="나눔고딕" panose="020D0604000000000000" pitchFamily="50" charset="-127"/>
+                      </a:endParaRPr>
+                    </a:p>
+                  </a:txBody>
+                  <a:tcPr marT="45721" marB="45721" anchor="ctr">
+                    <a:lnL w="12700" cap="flat" cmpd="sng" algn="ctr">
+                      <a:solidFill>
+                        <a:schemeClr val="bg1">
+                          <a:lumMod val="85000"/>
+                        </a:schemeClr>
+                      </a:solidFill>
+                      <a:prstDash val="solid"/>
+                      <a:round/>
+                      <a:headEnd type="none" w="med" len="med"/>
+                      <a:tailEnd type="none" w="med" len="med"/>
+                    </a:lnL>
+                    <a:lnR w="12700" cap="flat" cmpd="sng" algn="ctr">
+                      <a:solidFill>
+                        <a:schemeClr val="bg1">
+                          <a:lumMod val="85000"/>
+                        </a:schemeClr>
+                      </a:solidFill>
+                      <a:prstDash val="solid"/>
+                      <a:round/>
+                      <a:headEnd type="none" w="med" len="med"/>
+                      <a:tailEnd type="none" w="med" len="med"/>
+                    </a:lnR>
+                    <a:lnT w="12700" cap="flat" cmpd="sng" algn="ctr">
+                      <a:solidFill>
+                        <a:schemeClr val="bg1">
+                          <a:lumMod val="85000"/>
+                        </a:schemeClr>
+                      </a:solidFill>
+                      <a:prstDash val="solid"/>
+                      <a:round/>
+                      <a:headEnd type="none" w="med" len="med"/>
+                      <a:tailEnd type="none" w="med" len="med"/>
+                    </a:lnT>
+                    <a:lnB w="12700" cap="flat" cmpd="sng" algn="ctr">
+                      <a:solidFill>
+                        <a:schemeClr val="bg1">
+                          <a:lumMod val="85000"/>
+                        </a:schemeClr>
+                      </a:solidFill>
+                      <a:prstDash val="solid"/>
+                      <a:round/>
+                      <a:headEnd type="none" w="med" len="med"/>
+                      <a:tailEnd type="none" w="med" len="med"/>
+                    </a:lnB>
+                    <a:lnTlToBr w="12700" cmpd="sng">
+                      <a:noFill/>
+                      <a:prstDash val="solid"/>
+                    </a:lnTlToBr>
+                    <a:lnBlToTr w="12700" cmpd="sng">
+                      <a:noFill/>
+                      <a:prstDash val="solid"/>
+                    </a:lnBlToTr>
+                    <a:solidFill>
+                      <a:srgbClr val="FFFFFF"/>
+                    </a:solidFill>
+                  </a:tcPr>
+                </a:tc>
+                <a:tc>
+                  <a:txBody>
+                    <a:bodyPr/>
+                    <a:lstStyle/>
+                    <a:p>
+                      <a:pPr marL="0" marR="0" lvl="0" indent="0" algn="ctr" defTabSz="914422" rtl="0" eaLnBrk="1" fontAlgn="auto" latinLnBrk="0" hangingPunct="1">
+                        <a:lnSpc>
+                          <a:spcPct val="100000"/>
+                        </a:lnSpc>
+                        <a:spcBef>
+                          <a:spcPts val="0"/>
+                        </a:spcBef>
+                        <a:spcAft>
+                          <a:spcPts val="0"/>
+                        </a:spcAft>
+                        <a:buClrTx/>
+                        <a:buSzTx/>
+                        <a:buFontTx/>
+                        <a:buNone/>
+                        <a:tabLst/>
+                        <a:defRPr/>
+                      </a:pPr>
+                      <a:r>
+                        <a:rPr lang="ko-KR" altLang="en-US" sz="1100" dirty="0" err="1">
+                          <a:latin typeface="나눔고딕" panose="020D0604000000000000" pitchFamily="50" charset="-127"/>
+                          <a:ea typeface="나눔고딕" panose="020D0604000000000000" pitchFamily="50" charset="-127"/>
+                        </a:rPr>
+                        <a:t>ㅁㅁ연구소</a:t>
+                      </a:r>
+                      <a:endParaRPr lang="ko-Kore-KR" altLang="en-US" sz="1100" dirty="0">
+                        <a:latin typeface="나눔고딕" panose="020D0604000000000000" pitchFamily="50" charset="-127"/>
+                        <a:ea typeface="나눔고딕" panose="020D0604000000000000" pitchFamily="50" charset="-127"/>
+                      </a:endParaRPr>
+                    </a:p>
+                  </a:txBody>
+                  <a:tcPr marT="45721" marB="45721" anchor="ctr">
+                    <a:lnL w="12700" cap="flat" cmpd="sng" algn="ctr">
+                      <a:solidFill>
+                        <a:schemeClr val="bg1">
+                          <a:lumMod val="85000"/>
+                        </a:schemeClr>
+                      </a:solidFill>
+                      <a:prstDash val="solid"/>
+                      <a:round/>
+                      <a:headEnd type="none" w="med" len="med"/>
+                      <a:tailEnd type="none" w="med" len="med"/>
+                    </a:lnL>
+                    <a:lnR w="12700" cap="flat" cmpd="sng" algn="ctr">
+                      <a:solidFill>
+                        <a:schemeClr val="bg1">
+                          <a:lumMod val="85000"/>
+                        </a:schemeClr>
+                      </a:solidFill>
+                      <a:prstDash val="solid"/>
+                      <a:round/>
+                      <a:headEnd type="none" w="med" len="med"/>
+                      <a:tailEnd type="none" w="med" len="med"/>
+                    </a:lnR>
+                    <a:lnT w="12700" cap="flat" cmpd="sng" algn="ctr">
+                      <a:solidFill>
+                        <a:schemeClr val="bg1">
+                          <a:lumMod val="85000"/>
+                        </a:schemeClr>
+                      </a:solidFill>
+                      <a:prstDash val="solid"/>
+                      <a:round/>
+                      <a:headEnd type="none" w="med" len="med"/>
+                      <a:tailEnd type="none" w="med" len="med"/>
+                    </a:lnT>
+                    <a:lnB w="12700" cap="flat" cmpd="sng" algn="ctr">
+                      <a:solidFill>
+                        <a:schemeClr val="bg1">
+                          <a:lumMod val="85000"/>
+                        </a:schemeClr>
+                      </a:solidFill>
+                      <a:prstDash val="solid"/>
+                      <a:round/>
+                      <a:headEnd type="none" w="med" len="med"/>
+                      <a:tailEnd type="none" w="med" len="med"/>
+                    </a:lnB>
+                    <a:lnTlToBr w="12700" cmpd="sng">
+                      <a:noFill/>
+                      <a:prstDash val="solid"/>
+                    </a:lnTlToBr>
+                    <a:lnBlToTr w="12700" cmpd="sng">
+                      <a:noFill/>
+                      <a:prstDash val="solid"/>
+                    </a:lnBlToTr>
+                    <a:solidFill>
+                      <a:srgbClr val="FFFFFF"/>
+                    </a:solidFill>
+                  </a:tcPr>
+                </a:tc>
+                <a:tc>
+                  <a:txBody>
+                    <a:bodyPr/>
+                    <a:lstStyle/>
+                    <a:p>
+                      <a:pPr marL="0" marR="0" indent="0" algn="ctr" defTabSz="914422" rtl="0" eaLnBrk="1" fontAlgn="auto" latinLnBrk="0" hangingPunct="1">
+                        <a:lnSpc>
+                          <a:spcPct val="100000"/>
+                        </a:lnSpc>
+                        <a:spcBef>
+                          <a:spcPts val="0"/>
+                        </a:spcBef>
+                        <a:spcAft>
+                          <a:spcPts val="0"/>
+                        </a:spcAft>
+                        <a:buClrTx/>
+                        <a:buSzTx/>
+                        <a:buFontTx/>
+                        <a:buNone/>
+                        <a:tabLst/>
+                        <a:defRPr/>
+                      </a:pPr>
+                      <a:r>
+                        <a:rPr lang="en-US" altLang="en-US" sz="1100" dirty="0">
+                          <a:latin typeface="나눔고딕" panose="020D0604000000000000" pitchFamily="50" charset="-127"/>
+                          <a:ea typeface="나눔고딕" panose="020D0604000000000000" pitchFamily="50" charset="-127"/>
+                        </a:rPr>
+                        <a:t>2020.04.01~2020.04.10</a:t>
+                      </a:r>
+                      <a:endParaRPr lang="ko-Kore-KR" altLang="en-US" sz="1100" dirty="0">
+                        <a:latin typeface="나눔고딕" panose="020D0604000000000000" pitchFamily="50" charset="-127"/>
+                        <a:ea typeface="나눔고딕" panose="020D0604000000000000" pitchFamily="50" charset="-127"/>
+                      </a:endParaRPr>
+                    </a:p>
+                  </a:txBody>
+                  <a:tcPr marT="45721" marB="45721" anchor="ctr">
+                    <a:lnL w="12700" cap="flat" cmpd="sng" algn="ctr">
+                      <a:solidFill>
+                        <a:schemeClr val="bg1">
+                          <a:lumMod val="85000"/>
+                        </a:schemeClr>
+                      </a:solidFill>
+                      <a:prstDash val="solid"/>
+                      <a:round/>
+                      <a:headEnd type="none" w="med" len="med"/>
+                      <a:tailEnd type="none" w="med" len="med"/>
+                    </a:lnL>
+                    <a:lnR w="12700" cap="flat" cmpd="sng" algn="ctr">
+                      <a:solidFill>
+                        <a:schemeClr val="bg1">
+                          <a:lumMod val="85000"/>
+                        </a:schemeClr>
+                      </a:solidFill>
+                      <a:prstDash val="solid"/>
+                      <a:round/>
+                      <a:headEnd type="none" w="med" len="med"/>
+                      <a:tailEnd type="none" w="med" len="med"/>
+                    </a:lnR>
+                    <a:lnT w="12700" cap="flat" cmpd="sng" algn="ctr">
+                      <a:solidFill>
+                        <a:schemeClr val="bg1">
+                          <a:lumMod val="85000"/>
+                        </a:schemeClr>
+                      </a:solidFill>
+                      <a:prstDash val="solid"/>
+                      <a:round/>
+                      <a:headEnd type="none" w="med" len="med"/>
+                      <a:tailEnd type="none" w="med" len="med"/>
+                    </a:lnT>
+                    <a:lnB w="12700" cap="flat" cmpd="sng" algn="ctr">
+                      <a:solidFill>
+                        <a:schemeClr val="bg1">
+                          <a:lumMod val="85000"/>
+                        </a:schemeClr>
+                      </a:solidFill>
+                      <a:prstDash val="solid"/>
+                      <a:round/>
+                      <a:headEnd type="none" w="med" len="med"/>
+                      <a:tailEnd type="none" w="med" len="med"/>
+                    </a:lnB>
+                    <a:lnTlToBr w="12700" cmpd="sng">
+                      <a:noFill/>
+                      <a:prstDash val="solid"/>
+                    </a:lnTlToBr>
+                    <a:lnBlToTr w="12700" cmpd="sng">
+                      <a:noFill/>
+                      <a:prstDash val="solid"/>
+                    </a:lnBlToTr>
+                    <a:solidFill>
+                      <a:srgbClr val="FFFFFF"/>
+                    </a:solidFill>
+                  </a:tcPr>
+                </a:tc>
+                <a:extLst>
+                  <a:ext uri="{0D108BD9-81ED-4DB2-BD59-A6C34878D82A}">
+                    <a16:rowId xmlns:a16="http://schemas.microsoft.com/office/drawing/2014/main" val="1627901353"/>
+                  </a:ext>
+                </a:extLst>
+              </a:tr>
+              <a:tr h="385349">
+                <a:tc>
+                  <a:txBody>
+                    <a:bodyPr/>
+                    <a:lstStyle/>
+                    <a:p>
+                      <a:pPr algn="ctr">
+                        <a:lnSpc>
+                          <a:spcPct val="100000"/>
+                        </a:lnSpc>
+                      </a:pPr>
+                      <a:r>
+                        <a:rPr lang="en-US" altLang="en-US" sz="1100" dirty="0">
+                          <a:latin typeface="나눔고딕" panose="020D0604000000000000" pitchFamily="50" charset="-127"/>
+                          <a:ea typeface="나눔고딕" panose="020D0604000000000000" pitchFamily="50" charset="-127"/>
+                        </a:rPr>
+                        <a:t>2</a:t>
+                      </a:r>
+                      <a:endParaRPr lang="ko-Kore-KR" altLang="en-US" sz="1100" dirty="0">
+                        <a:latin typeface="나눔고딕" panose="020D0604000000000000" pitchFamily="50" charset="-127"/>
+                        <a:ea typeface="나눔고딕" panose="020D0604000000000000" pitchFamily="50" charset="-127"/>
+                      </a:endParaRPr>
+                    </a:p>
+                  </a:txBody>
+                  <a:tcPr marT="45721" marB="45721" anchor="ctr">
+                    <a:lnL w="12700" cap="flat" cmpd="sng" algn="ctr">
+                      <a:solidFill>
+                        <a:schemeClr val="bg1">
+                          <a:lumMod val="85000"/>
+                        </a:schemeClr>
+                      </a:solidFill>
+                      <a:prstDash val="solid"/>
+                      <a:round/>
+                      <a:headEnd type="none" w="med" len="med"/>
+                      <a:tailEnd type="none" w="med" len="med"/>
+                    </a:lnL>
+                    <a:lnR w="12700" cap="flat" cmpd="sng" algn="ctr">
+                      <a:solidFill>
+                        <a:schemeClr val="bg1">
+                          <a:lumMod val="85000"/>
+                        </a:schemeClr>
+                      </a:solidFill>
+                      <a:prstDash val="solid"/>
+                      <a:round/>
+                      <a:headEnd type="none" w="med" len="med"/>
+                      <a:tailEnd type="none" w="med" len="med"/>
+                    </a:lnR>
+                    <a:lnT w="12700" cap="flat" cmpd="sng" algn="ctr">
+                      <a:solidFill>
+                        <a:schemeClr val="bg1">
+                          <a:lumMod val="85000"/>
+                        </a:schemeClr>
+                      </a:solidFill>
+                      <a:prstDash val="solid"/>
+                      <a:round/>
+                      <a:headEnd type="none" w="med" len="med"/>
+                      <a:tailEnd type="none" w="med" len="med"/>
+                    </a:lnT>
+                    <a:lnB w="12700" cap="flat" cmpd="sng" algn="ctr">
+                      <a:solidFill>
+                        <a:schemeClr val="bg1">
+                          <a:lumMod val="85000"/>
+                        </a:schemeClr>
+                      </a:solidFill>
+                      <a:prstDash val="solid"/>
+                      <a:round/>
+                      <a:headEnd type="none" w="med" len="med"/>
+                      <a:tailEnd type="none" w="med" len="med"/>
+                    </a:lnB>
+                    <a:lnTlToBr w="12700" cmpd="sng">
+                      <a:noFill/>
+                      <a:prstDash val="solid"/>
+                    </a:lnTlToBr>
+                    <a:lnBlToTr w="12700" cmpd="sng">
+                      <a:noFill/>
+                      <a:prstDash val="solid"/>
+                    </a:lnBlToTr>
+                    <a:solidFill>
+                      <a:srgbClr val="F1F2F7"/>
+                    </a:solidFill>
+                  </a:tcPr>
+                </a:tc>
+                <a:tc>
+                  <a:txBody>
+                    <a:bodyPr/>
+                    <a:lstStyle/>
+                    <a:p>
+                      <a:pPr marL="0" marR="0" lvl="0" indent="0" algn="ctr" defTabSz="914400" rtl="0" eaLnBrk="1" fontAlgn="auto" latinLnBrk="0" hangingPunct="1">
+                        <a:lnSpc>
+                          <a:spcPct val="100000"/>
+                        </a:lnSpc>
+                        <a:spcBef>
+                          <a:spcPts val="0"/>
+                        </a:spcBef>
+                        <a:spcAft>
+                          <a:spcPts val="0"/>
+                        </a:spcAft>
+                        <a:buClrTx/>
+                        <a:buSzTx/>
+                        <a:buFontTx/>
+                        <a:buNone/>
+                        <a:tabLst/>
+                        <a:defRPr/>
+                      </a:pPr>
+                      <a:r>
+                        <a:rPr lang="en-US" altLang="en-US" sz="1100" dirty="0">
+                          <a:latin typeface="나눔고딕" panose="020D0604000000000000" pitchFamily="50" charset="-127"/>
+                          <a:ea typeface="나눔고딕" panose="020D0604000000000000" pitchFamily="50" charset="-127"/>
+                        </a:rPr>
+                        <a:t>**</a:t>
+                      </a:r>
+                      <a:r>
+                        <a:rPr lang="en-US" altLang="en-US" sz="1100" baseline="0" dirty="0">
+                          <a:latin typeface="나눔고딕" panose="020D0604000000000000" pitchFamily="50" charset="-127"/>
+                          <a:ea typeface="나눔고딕" panose="020D0604000000000000" pitchFamily="50" charset="-127"/>
+                        </a:rPr>
+                        <a:t> </a:t>
+                      </a:r>
+                      <a:r>
+                        <a:rPr lang="ko-KR" altLang="en-US" sz="1100" baseline="0" dirty="0">
+                          <a:latin typeface="나눔고딕" panose="020D0604000000000000" pitchFamily="50" charset="-127"/>
+                          <a:ea typeface="나눔고딕" panose="020D0604000000000000" pitchFamily="50" charset="-127"/>
+                        </a:rPr>
+                        <a:t>공모전</a:t>
+                      </a:r>
+                      <a:endParaRPr lang="ko-Kore-KR" altLang="en-US" sz="1100" dirty="0">
+                        <a:latin typeface="나눔고딕" panose="020D0604000000000000" pitchFamily="50" charset="-127"/>
+                        <a:ea typeface="나눔고딕" panose="020D0604000000000000" pitchFamily="50" charset="-127"/>
+                      </a:endParaRPr>
+                    </a:p>
+                  </a:txBody>
+                  <a:tcPr marT="45721" marB="45721" anchor="ctr">
+                    <a:lnL w="12700" cap="flat" cmpd="sng" algn="ctr">
+                      <a:solidFill>
+                        <a:schemeClr val="bg1">
+                          <a:lumMod val="85000"/>
+                        </a:schemeClr>
+                      </a:solidFill>
+                      <a:prstDash val="solid"/>
+                      <a:round/>
+                      <a:headEnd type="none" w="med" len="med"/>
+                      <a:tailEnd type="none" w="med" len="med"/>
+                    </a:lnL>
+                    <a:lnR w="12700" cap="flat" cmpd="sng" algn="ctr">
+                      <a:solidFill>
+                        <a:schemeClr val="bg1">
+                          <a:lumMod val="85000"/>
+                        </a:schemeClr>
+                      </a:solidFill>
+                      <a:prstDash val="solid"/>
+                      <a:round/>
+                      <a:headEnd type="none" w="med" len="med"/>
+                      <a:tailEnd type="none" w="med" len="med"/>
+                    </a:lnR>
+                    <a:lnT w="12700" cap="flat" cmpd="sng" algn="ctr">
+                      <a:solidFill>
+                        <a:schemeClr val="bg1">
+                          <a:lumMod val="85000"/>
+                        </a:schemeClr>
+                      </a:solidFill>
+                      <a:prstDash val="solid"/>
+                      <a:round/>
+                      <a:headEnd type="none" w="med" len="med"/>
+                      <a:tailEnd type="none" w="med" len="med"/>
+                    </a:lnT>
+                    <a:lnB w="12700" cap="flat" cmpd="sng" algn="ctr">
+                      <a:solidFill>
+                        <a:schemeClr val="bg1">
+                          <a:lumMod val="85000"/>
+                        </a:schemeClr>
+                      </a:solidFill>
+                      <a:prstDash val="solid"/>
+                      <a:round/>
+                      <a:headEnd type="none" w="med" len="med"/>
+                      <a:tailEnd type="none" w="med" len="med"/>
+                    </a:lnB>
+                    <a:lnTlToBr w="12700" cmpd="sng">
+                      <a:noFill/>
+                      <a:prstDash val="solid"/>
+                    </a:lnTlToBr>
+                    <a:lnBlToTr w="12700" cmpd="sng">
+                      <a:noFill/>
+                      <a:prstDash val="solid"/>
+                    </a:lnBlToTr>
+                    <a:solidFill>
+                      <a:srgbClr val="F1F2F7"/>
+                    </a:solidFill>
+                  </a:tcPr>
+                </a:tc>
+                <a:tc>
+                  <a:txBody>
+                    <a:bodyPr/>
+                    <a:lstStyle/>
+                    <a:p>
+                      <a:pPr marL="0" marR="0" lvl="0" indent="0" algn="ctr" defTabSz="914400" rtl="0" eaLnBrk="1" fontAlgn="auto" latinLnBrk="0" hangingPunct="1">
+                        <a:lnSpc>
+                          <a:spcPct val="100000"/>
+                        </a:lnSpc>
+                        <a:spcBef>
+                          <a:spcPts val="0"/>
+                        </a:spcBef>
+                        <a:spcAft>
+                          <a:spcPts val="0"/>
+                        </a:spcAft>
+                        <a:buClrTx/>
+                        <a:buSzTx/>
+                        <a:buFontTx/>
+                        <a:buNone/>
+                        <a:tabLst/>
+                        <a:defRPr/>
+                      </a:pPr>
+                      <a:r>
+                        <a:rPr lang="en-US" altLang="en-US" sz="1100" dirty="0">
+                          <a:latin typeface="나눔고딕" panose="020D0604000000000000" pitchFamily="50" charset="-127"/>
+                          <a:ea typeface="나눔고딕" panose="020D0604000000000000" pitchFamily="50" charset="-127"/>
+                        </a:rPr>
+                        <a:t>**</a:t>
+                      </a:r>
+                      <a:r>
+                        <a:rPr lang="ko-KR" altLang="en-US" sz="1100" dirty="0">
+                          <a:latin typeface="나눔고딕" panose="020D0604000000000000" pitchFamily="50" charset="-127"/>
+                          <a:ea typeface="나눔고딕" panose="020D0604000000000000" pitchFamily="50" charset="-127"/>
+                        </a:rPr>
+                        <a:t>사</a:t>
+                      </a:r>
+                      <a:endParaRPr lang="ko-Kore-KR" altLang="en-US" sz="1100" dirty="0">
+                        <a:latin typeface="나눔고딕" panose="020D0604000000000000" pitchFamily="50" charset="-127"/>
+                        <a:ea typeface="나눔고딕" panose="020D0604000000000000" pitchFamily="50" charset="-127"/>
+                      </a:endParaRPr>
+                    </a:p>
+                  </a:txBody>
+                  <a:tcPr marT="45721" marB="45721" anchor="ctr">
+                    <a:lnL w="12700" cap="flat" cmpd="sng" algn="ctr">
+                      <a:solidFill>
+                        <a:schemeClr val="bg1">
+                          <a:lumMod val="85000"/>
+                        </a:schemeClr>
+                      </a:solidFill>
+                      <a:prstDash val="solid"/>
+                      <a:round/>
+                      <a:headEnd type="none" w="med" len="med"/>
+                      <a:tailEnd type="none" w="med" len="med"/>
+                    </a:lnL>
+                    <a:lnR w="12700" cap="flat" cmpd="sng" algn="ctr">
+                      <a:solidFill>
+                        <a:schemeClr val="bg1">
+                          <a:lumMod val="85000"/>
+                        </a:schemeClr>
+                      </a:solidFill>
+                      <a:prstDash val="solid"/>
+                      <a:round/>
+                      <a:headEnd type="none" w="med" len="med"/>
+                      <a:tailEnd type="none" w="med" len="med"/>
+                    </a:lnR>
+                    <a:lnT w="12700" cap="flat" cmpd="sng" algn="ctr">
+                      <a:solidFill>
+                        <a:schemeClr val="bg1">
+                          <a:lumMod val="85000"/>
+                        </a:schemeClr>
+                      </a:solidFill>
+                      <a:prstDash val="solid"/>
+                      <a:round/>
+                      <a:headEnd type="none" w="med" len="med"/>
+                      <a:tailEnd type="none" w="med" len="med"/>
+                    </a:lnT>
+                    <a:lnB w="12700" cap="flat" cmpd="sng" algn="ctr">
+                      <a:solidFill>
+                        <a:schemeClr val="bg1">
+                          <a:lumMod val="85000"/>
+                        </a:schemeClr>
+                      </a:solidFill>
+                      <a:prstDash val="solid"/>
+                      <a:round/>
+                      <a:headEnd type="none" w="med" len="med"/>
+                      <a:tailEnd type="none" w="med" len="med"/>
+                    </a:lnB>
+                    <a:lnTlToBr w="12700" cmpd="sng">
+                      <a:noFill/>
+                      <a:prstDash val="solid"/>
+                    </a:lnTlToBr>
+                    <a:lnBlToTr w="12700" cmpd="sng">
+                      <a:noFill/>
+                      <a:prstDash val="solid"/>
+                    </a:lnBlToTr>
+                    <a:solidFill>
+                      <a:srgbClr val="F1F2F7"/>
+                    </a:solidFill>
+                  </a:tcPr>
+                </a:tc>
+                <a:tc>
+                  <a:txBody>
+                    <a:bodyPr/>
+                    <a:lstStyle/>
+                    <a:p>
+                      <a:pPr marL="0" marR="0" indent="0" algn="ctr" defTabSz="914422" rtl="0" eaLnBrk="1" fontAlgn="auto" latinLnBrk="0" hangingPunct="1">
+                        <a:lnSpc>
+                          <a:spcPct val="100000"/>
+                        </a:lnSpc>
+                        <a:spcBef>
+                          <a:spcPts val="0"/>
+                        </a:spcBef>
+                        <a:spcAft>
+                          <a:spcPts val="0"/>
+                        </a:spcAft>
+                        <a:buClrTx/>
+                        <a:buSzTx/>
+                        <a:buFontTx/>
+                        <a:buNone/>
+                        <a:tabLst/>
+                        <a:defRPr/>
+                      </a:pPr>
+                      <a:r>
+                        <a:rPr lang="en-US" altLang="en-US" sz="1100" dirty="0">
+                          <a:latin typeface="나눔고딕" panose="020D0604000000000000" pitchFamily="50" charset="-127"/>
+                          <a:ea typeface="나눔고딕" panose="020D0604000000000000" pitchFamily="50" charset="-127"/>
+                        </a:rPr>
+                        <a:t>2020.04.15~2020.05.10</a:t>
+                      </a:r>
+                      <a:endParaRPr lang="ko-Kore-KR" altLang="en-US" sz="1100" dirty="0">
+                        <a:latin typeface="나눔고딕" panose="020D0604000000000000" pitchFamily="50" charset="-127"/>
+                        <a:ea typeface="나눔고딕" panose="020D0604000000000000" pitchFamily="50" charset="-127"/>
+                      </a:endParaRPr>
+                    </a:p>
+                  </a:txBody>
+                  <a:tcPr marT="45721" marB="45721" anchor="ctr">
+                    <a:lnL w="12700" cap="flat" cmpd="sng" algn="ctr">
+                      <a:solidFill>
+                        <a:schemeClr val="bg1">
+                          <a:lumMod val="85000"/>
+                        </a:schemeClr>
+                      </a:solidFill>
+                      <a:prstDash val="solid"/>
+                      <a:round/>
+                      <a:headEnd type="none" w="med" len="med"/>
+                      <a:tailEnd type="none" w="med" len="med"/>
+                    </a:lnL>
+                    <a:lnR w="12700" cap="flat" cmpd="sng" algn="ctr">
+                      <a:solidFill>
+                        <a:schemeClr val="bg1">
+                          <a:lumMod val="85000"/>
+                        </a:schemeClr>
+                      </a:solidFill>
+                      <a:prstDash val="solid"/>
+                      <a:round/>
+                      <a:headEnd type="none" w="med" len="med"/>
+                      <a:tailEnd type="none" w="med" len="med"/>
+                    </a:lnR>
+                    <a:lnT w="12700" cap="flat" cmpd="sng" algn="ctr">
+                      <a:solidFill>
+                        <a:schemeClr val="bg1">
+                          <a:lumMod val="85000"/>
+                        </a:schemeClr>
+                      </a:solidFill>
+                      <a:prstDash val="solid"/>
+                      <a:round/>
+                      <a:headEnd type="none" w="med" len="med"/>
+                      <a:tailEnd type="none" w="med" len="med"/>
+                    </a:lnT>
+                    <a:lnB w="12700" cap="flat" cmpd="sng" algn="ctr">
+                      <a:solidFill>
+                        <a:schemeClr val="bg1">
+                          <a:lumMod val="85000"/>
+                        </a:schemeClr>
+                      </a:solidFill>
+                      <a:prstDash val="solid"/>
+                      <a:round/>
+                      <a:headEnd type="none" w="med" len="med"/>
+                      <a:tailEnd type="none" w="med" len="med"/>
+                    </a:lnB>
+                    <a:lnTlToBr w="12700" cmpd="sng">
+                      <a:noFill/>
+                      <a:prstDash val="solid"/>
+                    </a:lnTlToBr>
+                    <a:lnBlToTr w="12700" cmpd="sng">
+                      <a:noFill/>
+                      <a:prstDash val="solid"/>
+                    </a:lnBlToTr>
+                    <a:solidFill>
+                      <a:srgbClr val="F1F2F7"/>
+                    </a:solidFill>
+                  </a:tcPr>
+                </a:tc>
+                <a:extLst>
+                  <a:ext uri="{0D108BD9-81ED-4DB2-BD59-A6C34878D82A}">
+                    <a16:rowId xmlns:a16="http://schemas.microsoft.com/office/drawing/2014/main" val="2129157103"/>
+                  </a:ext>
+                </a:extLst>
+              </a:tr>
+              <a:tr h="385349">
+                <a:tc>
+                  <a:txBody>
+                    <a:bodyPr/>
+                    <a:lstStyle/>
+                    <a:p>
+                      <a:pPr algn="ctr">
+                        <a:lnSpc>
+                          <a:spcPct val="100000"/>
+                        </a:lnSpc>
+                      </a:pPr>
+                      <a:r>
+                        <a:rPr lang="en-US" altLang="en-US" sz="1100" dirty="0">
+                          <a:latin typeface="나눔고딕" panose="020D0604000000000000" pitchFamily="50" charset="-127"/>
+                          <a:ea typeface="나눔고딕" panose="020D0604000000000000" pitchFamily="50" charset="-127"/>
+                        </a:rPr>
+                        <a:t>3</a:t>
+                      </a:r>
+                      <a:endParaRPr lang="ko-Kore-KR" altLang="en-US" sz="1100" dirty="0">
+                        <a:latin typeface="나눔고딕" panose="020D0604000000000000" pitchFamily="50" charset="-127"/>
+                        <a:ea typeface="나눔고딕" panose="020D0604000000000000" pitchFamily="50" charset="-127"/>
+                      </a:endParaRPr>
+                    </a:p>
+                  </a:txBody>
+                  <a:tcPr marT="45721" marB="45721" anchor="ctr">
+                    <a:lnL w="12700" cap="flat" cmpd="sng" algn="ctr">
+                      <a:solidFill>
+                        <a:schemeClr val="bg1">
+                          <a:lumMod val="85000"/>
+                        </a:schemeClr>
+                      </a:solidFill>
+                      <a:prstDash val="solid"/>
+                      <a:round/>
+                      <a:headEnd type="none" w="med" len="med"/>
+                      <a:tailEnd type="none" w="med" len="med"/>
+                    </a:lnL>
+                    <a:lnR w="12700" cap="flat" cmpd="sng" algn="ctr">
+                      <a:solidFill>
+                        <a:schemeClr val="bg1">
+                          <a:lumMod val="85000"/>
+                        </a:schemeClr>
+                      </a:solidFill>
+                      <a:prstDash val="solid"/>
+                      <a:round/>
+                      <a:headEnd type="none" w="med" len="med"/>
+                      <a:tailEnd type="none" w="med" len="med"/>
+                    </a:lnR>
+                    <a:lnT w="12700" cap="flat" cmpd="sng" algn="ctr">
+                      <a:solidFill>
+                        <a:schemeClr val="bg1">
+                          <a:lumMod val="85000"/>
+                        </a:schemeClr>
+                      </a:solidFill>
+                      <a:prstDash val="solid"/>
+                      <a:round/>
+                      <a:headEnd type="none" w="med" len="med"/>
+                      <a:tailEnd type="none" w="med" len="med"/>
+                    </a:lnT>
+                    <a:lnB w="12700" cap="flat" cmpd="sng" algn="ctr">
+                      <a:solidFill>
+                        <a:schemeClr val="bg1">
+                          <a:lumMod val="85000"/>
+                        </a:schemeClr>
+                      </a:solidFill>
+                      <a:prstDash val="solid"/>
+                      <a:round/>
+                      <a:headEnd type="none" w="med" len="med"/>
+                      <a:tailEnd type="none" w="med" len="med"/>
+                    </a:lnB>
+                    <a:lnTlToBr w="12700" cmpd="sng">
+                      <a:noFill/>
+                      <a:prstDash val="solid"/>
+                    </a:lnTlToBr>
+                    <a:lnBlToTr w="12700" cmpd="sng">
+                      <a:noFill/>
+                      <a:prstDash val="solid"/>
+                    </a:lnBlToTr>
+                    <a:solidFill>
+                      <a:srgbClr val="FFFFFF"/>
+                    </a:solidFill>
+                  </a:tcPr>
+                </a:tc>
+                <a:tc>
+                  <a:txBody>
+                    <a:bodyPr/>
+                    <a:lstStyle/>
+                    <a:p>
+                      <a:pPr marL="0" marR="0" lvl="0" indent="0" algn="ctr" defTabSz="914400" rtl="0" eaLnBrk="1" fontAlgn="auto" latinLnBrk="0" hangingPunct="1">
+                        <a:lnSpc>
+                          <a:spcPct val="100000"/>
+                        </a:lnSpc>
+                        <a:spcBef>
+                          <a:spcPts val="0"/>
+                        </a:spcBef>
+                        <a:spcAft>
+                          <a:spcPts val="0"/>
+                        </a:spcAft>
+                        <a:buClrTx/>
+                        <a:buSzTx/>
+                        <a:buFontTx/>
+                        <a:buNone/>
+                        <a:tabLst/>
+                        <a:defRPr/>
+                      </a:pPr>
+                      <a:r>
+                        <a:rPr lang="ko-KR" altLang="en-US" sz="1100" dirty="0" err="1">
+                          <a:latin typeface="나눔고딕" panose="020D0604000000000000" pitchFamily="50" charset="-127"/>
+                          <a:ea typeface="나눔고딕" panose="020D0604000000000000" pitchFamily="50" charset="-127"/>
+                        </a:rPr>
+                        <a:t>ㄴㄴ</a:t>
+                      </a:r>
+                      <a:r>
+                        <a:rPr lang="ko-KR" altLang="en-US" sz="1100" dirty="0">
+                          <a:latin typeface="나눔고딕" panose="020D0604000000000000" pitchFamily="50" charset="-127"/>
+                          <a:ea typeface="나눔고딕" panose="020D0604000000000000" pitchFamily="50" charset="-127"/>
+                        </a:rPr>
+                        <a:t> </a:t>
+                      </a:r>
+                      <a:r>
+                        <a:rPr lang="ko-KR" altLang="en-US" sz="1100" dirty="0" err="1">
+                          <a:latin typeface="나눔고딕" panose="020D0604000000000000" pitchFamily="50" charset="-127"/>
+                          <a:ea typeface="나눔고딕" panose="020D0604000000000000" pitchFamily="50" charset="-127"/>
+                        </a:rPr>
+                        <a:t>논문대회</a:t>
+                      </a:r>
+                      <a:endParaRPr lang="ko-Kore-KR" altLang="en-US" sz="1100" dirty="0">
+                        <a:latin typeface="나눔고딕" panose="020D0604000000000000" pitchFamily="50" charset="-127"/>
+                        <a:ea typeface="나눔고딕" panose="020D0604000000000000" pitchFamily="50" charset="-127"/>
+                      </a:endParaRPr>
+                    </a:p>
+                  </a:txBody>
+                  <a:tcPr marT="45721" marB="45721" anchor="ctr">
+                    <a:lnL w="12700" cap="flat" cmpd="sng" algn="ctr">
+                      <a:solidFill>
+                        <a:schemeClr val="bg1">
+                          <a:lumMod val="85000"/>
+                        </a:schemeClr>
+                      </a:solidFill>
+                      <a:prstDash val="solid"/>
+                      <a:round/>
+                      <a:headEnd type="none" w="med" len="med"/>
+                      <a:tailEnd type="none" w="med" len="med"/>
+                    </a:lnL>
+                    <a:lnR w="12700" cap="flat" cmpd="sng" algn="ctr">
+                      <a:solidFill>
+                        <a:schemeClr val="bg1">
+                          <a:lumMod val="85000"/>
+                        </a:schemeClr>
+                      </a:solidFill>
+                      <a:prstDash val="solid"/>
+                      <a:round/>
+                      <a:headEnd type="none" w="med" len="med"/>
+                      <a:tailEnd type="none" w="med" len="med"/>
+                    </a:lnR>
+                    <a:lnT w="12700" cap="flat" cmpd="sng" algn="ctr">
+                      <a:solidFill>
+                        <a:schemeClr val="bg1">
+                          <a:lumMod val="85000"/>
+                        </a:schemeClr>
+                      </a:solidFill>
+                      <a:prstDash val="solid"/>
+                      <a:round/>
+                      <a:headEnd type="none" w="med" len="med"/>
+                      <a:tailEnd type="none" w="med" len="med"/>
+                    </a:lnT>
+                    <a:lnB w="12700" cap="flat" cmpd="sng" algn="ctr">
+                      <a:solidFill>
+                        <a:schemeClr val="bg1">
+                          <a:lumMod val="85000"/>
+                        </a:schemeClr>
+                      </a:solidFill>
+                      <a:prstDash val="solid"/>
+                      <a:round/>
+                      <a:headEnd type="none" w="med" len="med"/>
+                      <a:tailEnd type="none" w="med" len="med"/>
+                    </a:lnB>
+                    <a:lnTlToBr w="12700" cmpd="sng">
+                      <a:noFill/>
+                      <a:prstDash val="solid"/>
+                    </a:lnTlToBr>
+                    <a:lnBlToTr w="12700" cmpd="sng">
+                      <a:noFill/>
+                      <a:prstDash val="solid"/>
+                    </a:lnBlToTr>
+                    <a:solidFill>
+                      <a:srgbClr val="FFFFFF"/>
+                    </a:solidFill>
+                  </a:tcPr>
+                </a:tc>
+                <a:tc>
+                  <a:txBody>
+                    <a:bodyPr/>
+                    <a:lstStyle/>
+                    <a:p>
+                      <a:pPr marL="0" marR="0" lvl="0" indent="0" algn="ctr" defTabSz="914400" rtl="0" eaLnBrk="1" fontAlgn="auto" latinLnBrk="0" hangingPunct="1">
+                        <a:lnSpc>
+                          <a:spcPct val="100000"/>
+                        </a:lnSpc>
+                        <a:spcBef>
+                          <a:spcPts val="0"/>
+                        </a:spcBef>
+                        <a:spcAft>
+                          <a:spcPts val="0"/>
+                        </a:spcAft>
+                        <a:buClrTx/>
+                        <a:buSzTx/>
+                        <a:buFontTx/>
+                        <a:buNone/>
+                        <a:tabLst/>
+                        <a:defRPr/>
+                      </a:pPr>
+                      <a:r>
+                        <a:rPr lang="ko-KR" altLang="en-US" sz="1100" dirty="0" err="1">
+                          <a:latin typeface="나눔고딕" panose="020D0604000000000000" pitchFamily="50" charset="-127"/>
+                          <a:ea typeface="나눔고딕" panose="020D0604000000000000" pitchFamily="50" charset="-127"/>
+                        </a:rPr>
+                        <a:t>ㄴㄴ협회</a:t>
+                      </a:r>
+                      <a:endParaRPr lang="ko-Kore-KR" altLang="en-US" sz="1100" dirty="0">
+                        <a:latin typeface="나눔고딕" panose="020D0604000000000000" pitchFamily="50" charset="-127"/>
+                        <a:ea typeface="나눔고딕" panose="020D0604000000000000" pitchFamily="50" charset="-127"/>
+                      </a:endParaRPr>
+                    </a:p>
+                  </a:txBody>
+                  <a:tcPr marT="45721" marB="45721" anchor="ctr">
+                    <a:lnL w="12700" cap="flat" cmpd="sng" algn="ctr">
+                      <a:solidFill>
+                        <a:schemeClr val="bg1">
+                          <a:lumMod val="85000"/>
+                        </a:schemeClr>
+                      </a:solidFill>
+                      <a:prstDash val="solid"/>
+                      <a:round/>
+                      <a:headEnd type="none" w="med" len="med"/>
+                      <a:tailEnd type="none" w="med" len="med"/>
+                    </a:lnL>
+                    <a:lnR w="12700" cap="flat" cmpd="sng" algn="ctr">
+                      <a:solidFill>
+                        <a:schemeClr val="bg1">
+                          <a:lumMod val="85000"/>
+                        </a:schemeClr>
+                      </a:solidFill>
+                      <a:prstDash val="solid"/>
+                      <a:round/>
+                      <a:headEnd type="none" w="med" len="med"/>
+                      <a:tailEnd type="none" w="med" len="med"/>
+                    </a:lnR>
+                    <a:lnT w="12700" cap="flat" cmpd="sng" algn="ctr">
+                      <a:solidFill>
+                        <a:schemeClr val="bg1">
+                          <a:lumMod val="85000"/>
+                        </a:schemeClr>
+                      </a:solidFill>
+                      <a:prstDash val="solid"/>
+                      <a:round/>
+                      <a:headEnd type="none" w="med" len="med"/>
+                      <a:tailEnd type="none" w="med" len="med"/>
+                    </a:lnT>
+                    <a:lnB w="12700" cap="flat" cmpd="sng" algn="ctr">
+                      <a:solidFill>
+                        <a:schemeClr val="bg1">
+                          <a:lumMod val="85000"/>
+                        </a:schemeClr>
+                      </a:solidFill>
+                      <a:prstDash val="solid"/>
+                      <a:round/>
+                      <a:headEnd type="none" w="med" len="med"/>
+                      <a:tailEnd type="none" w="med" len="med"/>
+                    </a:lnB>
+                    <a:lnTlToBr w="12700" cmpd="sng">
+                      <a:noFill/>
+                      <a:prstDash val="solid"/>
+                    </a:lnTlToBr>
+                    <a:lnBlToTr w="12700" cmpd="sng">
+                      <a:noFill/>
+                      <a:prstDash val="solid"/>
+                    </a:lnBlToTr>
+                    <a:solidFill>
+                      <a:srgbClr val="FFFFFF"/>
+                    </a:solidFill>
+                  </a:tcPr>
+                </a:tc>
+                <a:tc>
+                  <a:txBody>
+                    <a:bodyPr/>
+                    <a:lstStyle/>
+                    <a:p>
+                      <a:pPr marL="0" marR="0" indent="0" algn="ctr" defTabSz="914422" rtl="0" eaLnBrk="1" fontAlgn="auto" latinLnBrk="0" hangingPunct="1">
+                        <a:lnSpc>
+                          <a:spcPct val="100000"/>
+                        </a:lnSpc>
+                        <a:spcBef>
+                          <a:spcPts val="0"/>
+                        </a:spcBef>
+                        <a:spcAft>
+                          <a:spcPts val="0"/>
+                        </a:spcAft>
+                        <a:buClrTx/>
+                        <a:buSzTx/>
+                        <a:buFontTx/>
+                        <a:buNone/>
+                        <a:tabLst/>
+                        <a:defRPr/>
+                      </a:pPr>
+                      <a:r>
+                        <a:rPr lang="en-US" altLang="en-US" sz="1100" dirty="0">
+                          <a:latin typeface="나눔고딕" panose="020D0604000000000000" pitchFamily="50" charset="-127"/>
+                          <a:ea typeface="나눔고딕" panose="020D0604000000000000" pitchFamily="50" charset="-127"/>
+                        </a:rPr>
+                        <a:t>2020.03.20~2020.04.25</a:t>
+                      </a:r>
+                      <a:endParaRPr lang="ko-Kore-KR" altLang="en-US" sz="1100" dirty="0">
+                        <a:latin typeface="나눔고딕" panose="020D0604000000000000" pitchFamily="50" charset="-127"/>
+                        <a:ea typeface="나눔고딕" panose="020D0604000000000000" pitchFamily="50" charset="-127"/>
+                      </a:endParaRPr>
+                    </a:p>
+                  </a:txBody>
+                  <a:tcPr marT="45721" marB="45721" anchor="ctr">
+                    <a:lnL w="12700" cap="flat" cmpd="sng" algn="ctr">
+                      <a:solidFill>
+                        <a:schemeClr val="bg1">
+                          <a:lumMod val="85000"/>
+                        </a:schemeClr>
+                      </a:solidFill>
+                      <a:prstDash val="solid"/>
+                      <a:round/>
+                      <a:headEnd type="none" w="med" len="med"/>
+                      <a:tailEnd type="none" w="med" len="med"/>
+                    </a:lnL>
+                    <a:lnR w="12700" cap="flat" cmpd="sng" algn="ctr">
+                      <a:solidFill>
+                        <a:schemeClr val="bg1">
+                          <a:lumMod val="85000"/>
+                        </a:schemeClr>
+                      </a:solidFill>
+                      <a:prstDash val="solid"/>
+                      <a:round/>
+                      <a:headEnd type="none" w="med" len="med"/>
+                      <a:tailEnd type="none" w="med" len="med"/>
+                    </a:lnR>
+                    <a:lnT w="12700" cap="flat" cmpd="sng" algn="ctr">
+                      <a:solidFill>
+                        <a:schemeClr val="bg1">
+                          <a:lumMod val="85000"/>
+                        </a:schemeClr>
+                      </a:solidFill>
+                      <a:prstDash val="solid"/>
+                      <a:round/>
+                      <a:headEnd type="none" w="med" len="med"/>
+                      <a:tailEnd type="none" w="med" len="med"/>
+                    </a:lnT>
+                    <a:lnB w="12700" cap="flat" cmpd="sng" algn="ctr">
+                      <a:solidFill>
+                        <a:schemeClr val="bg1">
+                          <a:lumMod val="85000"/>
+                        </a:schemeClr>
+                      </a:solidFill>
+                      <a:prstDash val="solid"/>
+                      <a:round/>
+                      <a:headEnd type="none" w="med" len="med"/>
+                      <a:tailEnd type="none" w="med" len="med"/>
+                    </a:lnB>
+                    <a:lnTlToBr w="12700" cmpd="sng">
+                      <a:noFill/>
+                      <a:prstDash val="solid"/>
+                    </a:lnTlToBr>
+                    <a:lnBlToTr w="12700" cmpd="sng">
+                      <a:noFill/>
+                      <a:prstDash val="solid"/>
+                    </a:lnBlToTr>
+                    <a:solidFill>
+                      <a:srgbClr val="FFFFFF"/>
+                    </a:solidFill>
+                  </a:tcPr>
+                </a:tc>
+                <a:extLst>
+                  <a:ext uri="{0D108BD9-81ED-4DB2-BD59-A6C34878D82A}">
+                    <a16:rowId xmlns:a16="http://schemas.microsoft.com/office/drawing/2014/main" val="958970538"/>
+                  </a:ext>
+                </a:extLst>
+              </a:tr>
+              <a:tr h="304990">
+                <a:tc>
+                  <a:txBody>
+                    <a:bodyPr/>
+                    <a:lstStyle/>
+                    <a:p>
+                      <a:pPr algn="ctr">
+                        <a:lnSpc>
+                          <a:spcPct val="100000"/>
+                        </a:lnSpc>
+                      </a:pPr>
+                      <a:r>
+                        <a:rPr lang="en-US" altLang="en-US" sz="1100" dirty="0">
+                          <a:latin typeface="나눔고딕" panose="020D0604000000000000" pitchFamily="50" charset="-127"/>
+                          <a:ea typeface="나눔고딕" panose="020D0604000000000000" pitchFamily="50" charset="-127"/>
+                        </a:rPr>
+                        <a:t>4</a:t>
+                      </a:r>
+                      <a:endParaRPr lang="ko-Kore-KR" altLang="en-US" sz="1100" dirty="0">
+                        <a:latin typeface="나눔고딕" panose="020D0604000000000000" pitchFamily="50" charset="-127"/>
+                        <a:ea typeface="나눔고딕" panose="020D0604000000000000" pitchFamily="50" charset="-127"/>
+                      </a:endParaRPr>
+                    </a:p>
+                  </a:txBody>
+                  <a:tcPr marT="45721" marB="45721" anchor="ctr">
+                    <a:lnL w="12700" cap="flat" cmpd="sng" algn="ctr">
+                      <a:solidFill>
+                        <a:schemeClr val="bg1">
+                          <a:lumMod val="85000"/>
+                        </a:schemeClr>
+                      </a:solidFill>
+                      <a:prstDash val="solid"/>
+                      <a:round/>
+                      <a:headEnd type="none" w="med" len="med"/>
+                      <a:tailEnd type="none" w="med" len="med"/>
+                    </a:lnL>
+                    <a:lnR w="12700" cap="flat" cmpd="sng" algn="ctr">
+                      <a:solidFill>
+                        <a:schemeClr val="bg1">
+                          <a:lumMod val="85000"/>
+                        </a:schemeClr>
+                      </a:solidFill>
+                      <a:prstDash val="solid"/>
+                      <a:round/>
+                      <a:headEnd type="none" w="med" len="med"/>
+                      <a:tailEnd type="none" w="med" len="med"/>
+                    </a:lnR>
+                    <a:lnT w="12700" cap="flat" cmpd="sng" algn="ctr">
+                      <a:solidFill>
+                        <a:schemeClr val="bg1">
+                          <a:lumMod val="85000"/>
+                        </a:schemeClr>
+                      </a:solidFill>
+                      <a:prstDash val="solid"/>
+                      <a:round/>
+                      <a:headEnd type="none" w="med" len="med"/>
+                      <a:tailEnd type="none" w="med" len="med"/>
+                    </a:lnT>
+                    <a:lnB w="12700" cap="flat" cmpd="sng" algn="ctr">
+                      <a:solidFill>
+                        <a:schemeClr val="bg1">
+                          <a:lumMod val="85000"/>
+                        </a:schemeClr>
+                      </a:solidFill>
+                      <a:prstDash val="solid"/>
+                      <a:round/>
+                      <a:headEnd type="none" w="med" len="med"/>
+                      <a:tailEnd type="none" w="med" len="med"/>
+                    </a:lnB>
+                    <a:lnTlToBr w="12700" cmpd="sng">
+                      <a:noFill/>
+                      <a:prstDash val="solid"/>
+                    </a:lnTlToBr>
+                    <a:lnBlToTr w="12700" cmpd="sng">
+                      <a:noFill/>
+                      <a:prstDash val="solid"/>
+                    </a:lnBlToTr>
+                    <a:solidFill>
+                      <a:srgbClr val="F1F2F7"/>
+                    </a:solidFill>
+                  </a:tcPr>
+                </a:tc>
+                <a:tc>
+                  <a:txBody>
+                    <a:bodyPr/>
+                    <a:lstStyle/>
+                    <a:p>
+                      <a:pPr algn="ctr">
+                        <a:lnSpc>
+                          <a:spcPct val="100000"/>
+                        </a:lnSpc>
+                      </a:pPr>
+                      <a:r>
+                        <a:rPr lang="en-US" altLang="en-US" sz="1100" dirty="0">
+                          <a:latin typeface="나눔고딕" panose="020D0604000000000000" pitchFamily="50" charset="-127"/>
+                          <a:ea typeface="나눔고딕" panose="020D0604000000000000" pitchFamily="50" charset="-127"/>
+                        </a:rPr>
+                        <a:t>N</a:t>
+                      </a:r>
+                      <a:r>
+                        <a:rPr lang="ko-KR" altLang="en-US" sz="1100" dirty="0">
+                          <a:latin typeface="나눔고딕" panose="020D0604000000000000" pitchFamily="50" charset="-127"/>
+                          <a:ea typeface="나눔고딕" panose="020D0604000000000000" pitchFamily="50" charset="-127"/>
+                        </a:rPr>
+                        <a:t>사 채용공고</a:t>
+                      </a:r>
+                      <a:endParaRPr lang="ko-Kore-KR" altLang="en-US" sz="1100" dirty="0">
+                        <a:latin typeface="나눔고딕" panose="020D0604000000000000" pitchFamily="50" charset="-127"/>
+                        <a:ea typeface="나눔고딕" panose="020D0604000000000000" pitchFamily="50" charset="-127"/>
+                      </a:endParaRPr>
+                    </a:p>
+                  </a:txBody>
+                  <a:tcPr marT="45721" marB="45721" anchor="ctr">
+                    <a:lnL w="12700" cap="flat" cmpd="sng" algn="ctr">
+                      <a:solidFill>
+                        <a:schemeClr val="bg1">
+                          <a:lumMod val="85000"/>
+                        </a:schemeClr>
+                      </a:solidFill>
+                      <a:prstDash val="solid"/>
+                      <a:round/>
+                      <a:headEnd type="none" w="med" len="med"/>
+                      <a:tailEnd type="none" w="med" len="med"/>
+                    </a:lnL>
+                    <a:lnR w="12700" cap="flat" cmpd="sng" algn="ctr">
+                      <a:solidFill>
+                        <a:schemeClr val="bg1">
+                          <a:lumMod val="85000"/>
+                        </a:schemeClr>
+                      </a:solidFill>
+                      <a:prstDash val="solid"/>
+                      <a:round/>
+                      <a:headEnd type="none" w="med" len="med"/>
+                      <a:tailEnd type="none" w="med" len="med"/>
+                    </a:lnR>
+                    <a:lnT w="12700" cap="flat" cmpd="sng" algn="ctr">
+                      <a:solidFill>
+                        <a:schemeClr val="bg1">
+                          <a:lumMod val="85000"/>
+                        </a:schemeClr>
+                      </a:solidFill>
+                      <a:prstDash val="solid"/>
+                      <a:round/>
+                      <a:headEnd type="none" w="med" len="med"/>
+                      <a:tailEnd type="none" w="med" len="med"/>
+                    </a:lnT>
+                    <a:lnB w="12700" cap="flat" cmpd="sng" algn="ctr">
+                      <a:solidFill>
+                        <a:schemeClr val="bg1">
+                          <a:lumMod val="85000"/>
+                        </a:schemeClr>
+                      </a:solidFill>
+                      <a:prstDash val="solid"/>
+                      <a:round/>
+                      <a:headEnd type="none" w="med" len="med"/>
+                      <a:tailEnd type="none" w="med" len="med"/>
+                    </a:lnB>
+                    <a:lnTlToBr w="12700" cmpd="sng">
+                      <a:noFill/>
+                      <a:prstDash val="solid"/>
+                    </a:lnTlToBr>
+                    <a:lnBlToTr w="12700" cmpd="sng">
+                      <a:noFill/>
+                      <a:prstDash val="solid"/>
+                    </a:lnBlToTr>
+                    <a:solidFill>
+                      <a:srgbClr val="F1F2F7"/>
+                    </a:solidFill>
+                  </a:tcPr>
+                </a:tc>
+                <a:tc>
+                  <a:txBody>
+                    <a:bodyPr/>
+                    <a:lstStyle/>
+                    <a:p>
+                      <a:pPr algn="ctr">
+                        <a:lnSpc>
+                          <a:spcPct val="100000"/>
+                        </a:lnSpc>
+                      </a:pPr>
+                      <a:r>
+                        <a:rPr lang="en-US" altLang="en-US" sz="1100" dirty="0">
+                          <a:latin typeface="나눔고딕" panose="020D0604000000000000" pitchFamily="50" charset="-127"/>
+                          <a:ea typeface="나눔고딕" panose="020D0604000000000000" pitchFamily="50" charset="-127"/>
+                        </a:rPr>
+                        <a:t>N</a:t>
+                      </a:r>
+                      <a:r>
+                        <a:rPr lang="ko-KR" altLang="en-US" sz="1100" dirty="0">
+                          <a:latin typeface="나눔고딕" panose="020D0604000000000000" pitchFamily="50" charset="-127"/>
+                          <a:ea typeface="나눔고딕" panose="020D0604000000000000" pitchFamily="50" charset="-127"/>
+                        </a:rPr>
+                        <a:t>사</a:t>
+                      </a:r>
+                      <a:endParaRPr lang="ko-Kore-KR" altLang="en-US" sz="1100" dirty="0">
+                        <a:latin typeface="나눔고딕" panose="020D0604000000000000" pitchFamily="50" charset="-127"/>
+                        <a:ea typeface="나눔고딕" panose="020D0604000000000000" pitchFamily="50" charset="-127"/>
+                      </a:endParaRPr>
+                    </a:p>
+                  </a:txBody>
+                  <a:tcPr marT="45721" marB="45721" anchor="ctr">
+                    <a:lnL w="12700" cap="flat" cmpd="sng" algn="ctr">
+                      <a:solidFill>
+                        <a:schemeClr val="bg1">
+                          <a:lumMod val="85000"/>
+                        </a:schemeClr>
+                      </a:solidFill>
+                      <a:prstDash val="solid"/>
+                      <a:round/>
+                      <a:headEnd type="none" w="med" len="med"/>
+                      <a:tailEnd type="none" w="med" len="med"/>
+                    </a:lnL>
+                    <a:lnR w="12700" cap="flat" cmpd="sng" algn="ctr">
+                      <a:solidFill>
+                        <a:schemeClr val="bg1">
+                          <a:lumMod val="85000"/>
+                        </a:schemeClr>
+                      </a:solidFill>
+                      <a:prstDash val="solid"/>
+                      <a:round/>
+                      <a:headEnd type="none" w="med" len="med"/>
+                      <a:tailEnd type="none" w="med" len="med"/>
+                    </a:lnR>
+                    <a:lnT w="12700" cap="flat" cmpd="sng" algn="ctr">
+                      <a:solidFill>
+                        <a:schemeClr val="bg1">
+                          <a:lumMod val="85000"/>
+                        </a:schemeClr>
+                      </a:solidFill>
+                      <a:prstDash val="solid"/>
+                      <a:round/>
+                      <a:headEnd type="none" w="med" len="med"/>
+                      <a:tailEnd type="none" w="med" len="med"/>
+                    </a:lnT>
+                    <a:lnB w="12700" cap="flat" cmpd="sng" algn="ctr">
+                      <a:solidFill>
+                        <a:schemeClr val="bg1">
+                          <a:lumMod val="85000"/>
+                        </a:schemeClr>
+                      </a:solidFill>
+                      <a:prstDash val="solid"/>
+                      <a:round/>
+                      <a:headEnd type="none" w="med" len="med"/>
+                      <a:tailEnd type="none" w="med" len="med"/>
+                    </a:lnB>
+                    <a:lnTlToBr w="12700" cmpd="sng">
+                      <a:noFill/>
+                      <a:prstDash val="solid"/>
+                    </a:lnTlToBr>
+                    <a:lnBlToTr w="12700" cmpd="sng">
+                      <a:noFill/>
+                      <a:prstDash val="solid"/>
+                    </a:lnBlToTr>
+                    <a:solidFill>
+                      <a:srgbClr val="F1F2F7"/>
+                    </a:solidFill>
+                  </a:tcPr>
+                </a:tc>
+                <a:tc>
+                  <a:txBody>
+                    <a:bodyPr/>
+                    <a:lstStyle/>
+                    <a:p>
+                      <a:pPr marL="0" marR="0" indent="0" algn="ctr" defTabSz="914422" rtl="0" eaLnBrk="1" fontAlgn="auto" latinLnBrk="0" hangingPunct="1">
+                        <a:lnSpc>
+                          <a:spcPct val="100000"/>
+                        </a:lnSpc>
+                        <a:spcBef>
+                          <a:spcPts val="0"/>
+                        </a:spcBef>
+                        <a:spcAft>
+                          <a:spcPts val="0"/>
+                        </a:spcAft>
+                        <a:buClrTx/>
+                        <a:buSzTx/>
+                        <a:buFontTx/>
+                        <a:buNone/>
+                        <a:tabLst/>
+                        <a:defRPr/>
+                      </a:pPr>
+                      <a:r>
+                        <a:rPr lang="en-US" altLang="en-US" sz="1100" dirty="0">
+                          <a:latin typeface="나눔고딕" panose="020D0604000000000000" pitchFamily="50" charset="-127"/>
+                          <a:ea typeface="나눔고딕" panose="020D0604000000000000" pitchFamily="50" charset="-127"/>
+                        </a:rPr>
+                        <a:t>2020.04.20~2020.04.25</a:t>
+                      </a:r>
+                      <a:endParaRPr lang="ko-Kore-KR" altLang="en-US" sz="1100" dirty="0">
+                        <a:latin typeface="나눔고딕" panose="020D0604000000000000" pitchFamily="50" charset="-127"/>
+                        <a:ea typeface="나눔고딕" panose="020D0604000000000000" pitchFamily="50" charset="-127"/>
+                      </a:endParaRPr>
+                    </a:p>
+                  </a:txBody>
+                  <a:tcPr marT="45721" marB="45721" anchor="ctr">
+                    <a:lnL w="12700" cap="flat" cmpd="sng" algn="ctr">
+                      <a:solidFill>
+                        <a:schemeClr val="bg1">
+                          <a:lumMod val="85000"/>
+                        </a:schemeClr>
+                      </a:solidFill>
+                      <a:prstDash val="solid"/>
+                      <a:round/>
+                      <a:headEnd type="none" w="med" len="med"/>
+                      <a:tailEnd type="none" w="med" len="med"/>
+                    </a:lnL>
+                    <a:lnR w="12700" cap="flat" cmpd="sng" algn="ctr">
+                      <a:solidFill>
+                        <a:schemeClr val="bg1">
+                          <a:lumMod val="85000"/>
+                        </a:schemeClr>
+                      </a:solidFill>
+                      <a:prstDash val="solid"/>
+                      <a:round/>
+                      <a:headEnd type="none" w="med" len="med"/>
+                      <a:tailEnd type="none" w="med" len="med"/>
+                    </a:lnR>
+                    <a:lnT w="12700" cap="flat" cmpd="sng" algn="ctr">
+                      <a:solidFill>
+                        <a:schemeClr val="bg1">
+                          <a:lumMod val="85000"/>
+                        </a:schemeClr>
+                      </a:solidFill>
+                      <a:prstDash val="solid"/>
+                      <a:round/>
+                      <a:headEnd type="none" w="med" len="med"/>
+                      <a:tailEnd type="none" w="med" len="med"/>
+                    </a:lnT>
+                    <a:lnB w="12700" cap="flat" cmpd="sng" algn="ctr">
+                      <a:solidFill>
+                        <a:schemeClr val="bg1">
+                          <a:lumMod val="85000"/>
+                        </a:schemeClr>
+                      </a:solidFill>
+                      <a:prstDash val="solid"/>
+                      <a:round/>
+                      <a:headEnd type="none" w="med" len="med"/>
+                      <a:tailEnd type="none" w="med" len="med"/>
+                    </a:lnB>
+                    <a:lnTlToBr w="12700" cmpd="sng">
+                      <a:noFill/>
+                      <a:prstDash val="solid"/>
+                    </a:lnTlToBr>
+                    <a:lnBlToTr w="12700" cmpd="sng">
+                      <a:noFill/>
+                      <a:prstDash val="solid"/>
+                    </a:lnBlToTr>
+                    <a:solidFill>
+                      <a:srgbClr val="F1F2F7"/>
+                    </a:solidFill>
+                  </a:tcPr>
+                </a:tc>
+                <a:extLst>
+                  <a:ext uri="{0D108BD9-81ED-4DB2-BD59-A6C34878D82A}">
+                    <a16:rowId xmlns:a16="http://schemas.microsoft.com/office/drawing/2014/main" val="4233150668"/>
+                  </a:ext>
+                </a:extLst>
+              </a:tr>
+              <a:tr h="304990">
+                <a:tc>
+                  <a:txBody>
+                    <a:bodyPr/>
+                    <a:lstStyle/>
+                    <a:p>
+                      <a:pPr algn="ctr">
+                        <a:lnSpc>
+                          <a:spcPct val="100000"/>
+                        </a:lnSpc>
+                      </a:pPr>
+                      <a:r>
+                        <a:rPr lang="en-US" altLang="en-US" sz="1100" dirty="0">
+                          <a:latin typeface="나눔고딕" panose="020D0604000000000000" pitchFamily="50" charset="-127"/>
+                          <a:ea typeface="나눔고딕" panose="020D0604000000000000" pitchFamily="50" charset="-127"/>
+                        </a:rPr>
+                        <a:t>5</a:t>
+                      </a:r>
+                      <a:endParaRPr lang="ko-Kore-KR" altLang="en-US" sz="1100" dirty="0">
+                        <a:latin typeface="나눔고딕" panose="020D0604000000000000" pitchFamily="50" charset="-127"/>
+                        <a:ea typeface="나눔고딕" panose="020D0604000000000000" pitchFamily="50" charset="-127"/>
+                      </a:endParaRPr>
+                    </a:p>
+                  </a:txBody>
+                  <a:tcPr marT="45721" marB="45721" anchor="ctr">
+                    <a:lnL w="12700" cap="flat" cmpd="sng" algn="ctr">
+                      <a:solidFill>
+                        <a:schemeClr val="bg1">
+                          <a:lumMod val="85000"/>
+                        </a:schemeClr>
+                      </a:solidFill>
+                      <a:prstDash val="solid"/>
+                      <a:round/>
+                      <a:headEnd type="none" w="med" len="med"/>
+                      <a:tailEnd type="none" w="med" len="med"/>
+                    </a:lnL>
+                    <a:lnR w="12700" cap="flat" cmpd="sng" algn="ctr">
+                      <a:solidFill>
+                        <a:schemeClr val="bg1">
+                          <a:lumMod val="85000"/>
+                        </a:schemeClr>
+                      </a:solidFill>
+                      <a:prstDash val="solid"/>
+                      <a:round/>
+                      <a:headEnd type="none" w="med" len="med"/>
+                      <a:tailEnd type="none" w="med" len="med"/>
+                    </a:lnR>
+                    <a:lnT w="12700" cap="flat" cmpd="sng" algn="ctr">
+                      <a:solidFill>
+                        <a:schemeClr val="bg1">
+                          <a:lumMod val="85000"/>
+                        </a:schemeClr>
+                      </a:solidFill>
+                      <a:prstDash val="solid"/>
+                      <a:round/>
+                      <a:headEnd type="none" w="med" len="med"/>
+                      <a:tailEnd type="none" w="med" len="med"/>
+                    </a:lnT>
+                    <a:lnB w="12700" cap="flat" cmpd="sng" algn="ctr">
+                      <a:solidFill>
+                        <a:schemeClr val="bg1">
+                          <a:lumMod val="85000"/>
+                        </a:schemeClr>
+                      </a:solidFill>
+                      <a:prstDash val="solid"/>
+                      <a:round/>
+                      <a:headEnd type="none" w="med" len="med"/>
+                      <a:tailEnd type="none" w="med" len="med"/>
+                    </a:lnB>
+                    <a:lnTlToBr w="12700" cmpd="sng">
+                      <a:noFill/>
+                      <a:prstDash val="solid"/>
+                    </a:lnTlToBr>
+                    <a:lnBlToTr w="12700" cmpd="sng">
+                      <a:noFill/>
+                      <a:prstDash val="solid"/>
+                    </a:lnBlToTr>
+                    <a:solidFill>
+                      <a:srgbClr val="FFFFFF"/>
+                    </a:solidFill>
+                  </a:tcPr>
+                </a:tc>
+                <a:tc>
+                  <a:txBody>
+                    <a:bodyPr/>
+                    <a:lstStyle/>
+                    <a:p>
+                      <a:pPr algn="ctr">
+                        <a:lnSpc>
+                          <a:spcPct val="100000"/>
+                        </a:lnSpc>
+                      </a:pPr>
+                      <a:r>
+                        <a:rPr lang="en-US" altLang="ko-Kore-KR" sz="1100" dirty="0">
+                          <a:latin typeface="나눔고딕" panose="020D0604000000000000" pitchFamily="50" charset="-127"/>
+                          <a:ea typeface="나눔고딕" panose="020D0604000000000000" pitchFamily="50" charset="-127"/>
+                        </a:rPr>
+                        <a:t>:</a:t>
+                      </a:r>
+                      <a:endParaRPr lang="ko-Kore-KR" altLang="en-US" sz="1100" dirty="0">
+                        <a:latin typeface="나눔고딕" panose="020D0604000000000000" pitchFamily="50" charset="-127"/>
+                        <a:ea typeface="나눔고딕" panose="020D0604000000000000" pitchFamily="50" charset="-127"/>
+                      </a:endParaRPr>
+                    </a:p>
+                  </a:txBody>
+                  <a:tcPr marT="45721" marB="45721" anchor="ctr">
+                    <a:lnL w="12700" cap="flat" cmpd="sng" algn="ctr">
+                      <a:solidFill>
+                        <a:schemeClr val="bg1">
+                          <a:lumMod val="85000"/>
+                        </a:schemeClr>
+                      </a:solidFill>
+                      <a:prstDash val="solid"/>
+                      <a:round/>
+                      <a:headEnd type="none" w="med" len="med"/>
+                      <a:tailEnd type="none" w="med" len="med"/>
+                    </a:lnL>
+                    <a:lnR w="12700" cap="flat" cmpd="sng" algn="ctr">
+                      <a:solidFill>
+                        <a:schemeClr val="bg1">
+                          <a:lumMod val="85000"/>
+                        </a:schemeClr>
+                      </a:solidFill>
+                      <a:prstDash val="solid"/>
+                      <a:round/>
+                      <a:headEnd type="none" w="med" len="med"/>
+                      <a:tailEnd type="none" w="med" len="med"/>
+                    </a:lnR>
+                    <a:lnT w="12700" cap="flat" cmpd="sng" algn="ctr">
+                      <a:solidFill>
+                        <a:schemeClr val="bg1">
+                          <a:lumMod val="85000"/>
+                        </a:schemeClr>
+                      </a:solidFill>
+                      <a:prstDash val="solid"/>
+                      <a:round/>
+                      <a:headEnd type="none" w="med" len="med"/>
+                      <a:tailEnd type="none" w="med" len="med"/>
+                    </a:lnT>
+                    <a:lnB w="12700" cap="flat" cmpd="sng" algn="ctr">
+                      <a:solidFill>
+                        <a:schemeClr val="bg1">
+                          <a:lumMod val="85000"/>
+                        </a:schemeClr>
+                      </a:solidFill>
+                      <a:prstDash val="solid"/>
+                      <a:round/>
+                      <a:headEnd type="none" w="med" len="med"/>
+                      <a:tailEnd type="none" w="med" len="med"/>
+                    </a:lnB>
+                    <a:lnTlToBr w="12700" cmpd="sng">
+                      <a:noFill/>
+                      <a:prstDash val="solid"/>
+                    </a:lnTlToBr>
+                    <a:lnBlToTr w="12700" cmpd="sng">
+                      <a:noFill/>
+                      <a:prstDash val="solid"/>
+                    </a:lnBlToTr>
+                    <a:solidFill>
+                      <a:srgbClr val="FFFFFF"/>
+                    </a:solidFill>
+                  </a:tcPr>
+                </a:tc>
+                <a:tc>
+                  <a:txBody>
+                    <a:bodyPr/>
+                    <a:lstStyle/>
+                    <a:p>
+                      <a:pPr algn="ctr">
+                        <a:lnSpc>
+                          <a:spcPct val="100000"/>
+                        </a:lnSpc>
+                      </a:pPr>
+                      <a:r>
+                        <a:rPr lang="en-US" altLang="ko-Kore-KR" sz="1100" dirty="0">
+                          <a:latin typeface="나눔고딕" panose="020D0604000000000000" pitchFamily="50" charset="-127"/>
+                          <a:ea typeface="나눔고딕" panose="020D0604000000000000" pitchFamily="50" charset="-127"/>
+                        </a:rPr>
+                        <a:t>:</a:t>
+                      </a:r>
+                      <a:endParaRPr lang="ko-Kore-KR" altLang="en-US" sz="1100" dirty="0">
+                        <a:latin typeface="나눔고딕" panose="020D0604000000000000" pitchFamily="50" charset="-127"/>
+                        <a:ea typeface="나눔고딕" panose="020D0604000000000000" pitchFamily="50" charset="-127"/>
+                      </a:endParaRPr>
+                    </a:p>
+                  </a:txBody>
+                  <a:tcPr marT="45721" marB="45721" anchor="ctr">
+                    <a:lnL w="12700" cap="flat" cmpd="sng" algn="ctr">
+                      <a:solidFill>
+                        <a:schemeClr val="bg1">
+                          <a:lumMod val="85000"/>
+                        </a:schemeClr>
+                      </a:solidFill>
+                      <a:prstDash val="solid"/>
+                      <a:round/>
+                      <a:headEnd type="none" w="med" len="med"/>
+                      <a:tailEnd type="none" w="med" len="med"/>
+                    </a:lnL>
+                    <a:lnR w="12700" cap="flat" cmpd="sng" algn="ctr">
+                      <a:solidFill>
+                        <a:schemeClr val="bg1">
+                          <a:lumMod val="85000"/>
+                        </a:schemeClr>
+                      </a:solidFill>
+                      <a:prstDash val="solid"/>
+                      <a:round/>
+                      <a:headEnd type="none" w="med" len="med"/>
+                      <a:tailEnd type="none" w="med" len="med"/>
+                    </a:lnR>
+                    <a:lnT w="12700" cap="flat" cmpd="sng" algn="ctr">
+                      <a:solidFill>
+                        <a:schemeClr val="bg1">
+                          <a:lumMod val="85000"/>
+                        </a:schemeClr>
+                      </a:solidFill>
+                      <a:prstDash val="solid"/>
+                      <a:round/>
+                      <a:headEnd type="none" w="med" len="med"/>
+                      <a:tailEnd type="none" w="med" len="med"/>
+                    </a:lnT>
+                    <a:lnB w="12700" cap="flat" cmpd="sng" algn="ctr">
+                      <a:solidFill>
+                        <a:schemeClr val="bg1">
+                          <a:lumMod val="85000"/>
+                        </a:schemeClr>
+                      </a:solidFill>
+                      <a:prstDash val="solid"/>
+                      <a:round/>
+                      <a:headEnd type="none" w="med" len="med"/>
+                      <a:tailEnd type="none" w="med" len="med"/>
+                    </a:lnB>
+                    <a:lnTlToBr w="12700" cmpd="sng">
+                      <a:noFill/>
+                      <a:prstDash val="solid"/>
+                    </a:lnTlToBr>
+                    <a:lnBlToTr w="12700" cmpd="sng">
+                      <a:noFill/>
+                      <a:prstDash val="solid"/>
+                    </a:lnBlToTr>
+                    <a:solidFill>
+                      <a:srgbClr val="FFFFFF"/>
+                    </a:solidFill>
+                  </a:tcPr>
+                </a:tc>
+                <a:tc>
+                  <a:txBody>
+                    <a:bodyPr/>
+                    <a:lstStyle/>
+                    <a:p>
+                      <a:pPr algn="ctr">
+                        <a:lnSpc>
+                          <a:spcPct val="100000"/>
+                        </a:lnSpc>
+                      </a:pPr>
+                      <a:r>
+                        <a:rPr lang="en-US" altLang="ko-Kore-KR" sz="1100" dirty="0">
+                          <a:latin typeface="나눔고딕" panose="020D0604000000000000" pitchFamily="50" charset="-127"/>
+                          <a:ea typeface="나눔고딕" panose="020D0604000000000000" pitchFamily="50" charset="-127"/>
+                        </a:rPr>
+                        <a:t>:</a:t>
+                      </a:r>
+                      <a:endParaRPr lang="ko-Kore-KR" altLang="en-US" sz="1100" dirty="0">
+                        <a:latin typeface="나눔고딕" panose="020D0604000000000000" pitchFamily="50" charset="-127"/>
+                        <a:ea typeface="나눔고딕" panose="020D0604000000000000" pitchFamily="50" charset="-127"/>
+                      </a:endParaRPr>
+                    </a:p>
+                  </a:txBody>
+                  <a:tcPr marT="45721" marB="45721" anchor="ctr">
+                    <a:lnL w="12700" cap="flat" cmpd="sng" algn="ctr">
+                      <a:solidFill>
+                        <a:schemeClr val="bg1">
+                          <a:lumMod val="85000"/>
+                        </a:schemeClr>
+                      </a:solidFill>
+                      <a:prstDash val="solid"/>
+                      <a:round/>
+                      <a:headEnd type="none" w="med" len="med"/>
+                      <a:tailEnd type="none" w="med" len="med"/>
+                    </a:lnL>
+                    <a:lnR w="12700" cap="flat" cmpd="sng" algn="ctr">
+                      <a:solidFill>
+                        <a:schemeClr val="bg1">
+                          <a:lumMod val="85000"/>
+                        </a:schemeClr>
+                      </a:solidFill>
+                      <a:prstDash val="solid"/>
+                      <a:round/>
+                      <a:headEnd type="none" w="med" len="med"/>
+                      <a:tailEnd type="none" w="med" len="med"/>
+                    </a:lnR>
+                    <a:lnT w="12700" cap="flat" cmpd="sng" algn="ctr">
+                      <a:solidFill>
+                        <a:schemeClr val="bg1">
+                          <a:lumMod val="85000"/>
+                        </a:schemeClr>
+                      </a:solidFill>
+                      <a:prstDash val="solid"/>
+                      <a:round/>
+                      <a:headEnd type="none" w="med" len="med"/>
+                      <a:tailEnd type="none" w="med" len="med"/>
+                    </a:lnT>
+                    <a:lnB w="12700" cap="flat" cmpd="sng" algn="ctr">
+                      <a:solidFill>
+                        <a:schemeClr val="bg1">
+                          <a:lumMod val="85000"/>
+                        </a:schemeClr>
+                      </a:solidFill>
+                      <a:prstDash val="solid"/>
+                      <a:round/>
+                      <a:headEnd type="none" w="med" len="med"/>
+                      <a:tailEnd type="none" w="med" len="med"/>
+                    </a:lnB>
+                    <a:lnTlToBr w="12700" cmpd="sng">
+                      <a:noFill/>
+                      <a:prstDash val="solid"/>
+                    </a:lnTlToBr>
+                    <a:lnBlToTr w="12700" cmpd="sng">
+                      <a:noFill/>
+                      <a:prstDash val="solid"/>
+                    </a:lnBlToTr>
+                    <a:solidFill>
+                      <a:srgbClr val="FFFFFF"/>
+                    </a:solidFill>
+                  </a:tcPr>
+                </a:tc>
+                <a:extLst>
+                  <a:ext uri="{0D108BD9-81ED-4DB2-BD59-A6C34878D82A}">
+                    <a16:rowId xmlns:a16="http://schemas.microsoft.com/office/drawing/2014/main" val="1856142232"/>
+                  </a:ext>
+                </a:extLst>
+              </a:tr>
+              <a:tr h="304990">
+                <a:tc>
+                  <a:txBody>
+                    <a:bodyPr/>
+                    <a:lstStyle/>
+                    <a:p>
+                      <a:pPr algn="ctr">
+                        <a:lnSpc>
+                          <a:spcPct val="100000"/>
+                        </a:lnSpc>
+                      </a:pPr>
+                      <a:r>
+                        <a:rPr lang="en-US" altLang="en-US" sz="1100" dirty="0">
+                          <a:latin typeface="나눔고딕" panose="020D0604000000000000" pitchFamily="50" charset="-127"/>
+                          <a:ea typeface="나눔고딕" panose="020D0604000000000000" pitchFamily="50" charset="-127"/>
+                        </a:rPr>
+                        <a:t>6</a:t>
+                      </a:r>
+                      <a:endParaRPr lang="ko-Kore-KR" altLang="en-US" sz="1100" dirty="0">
+                        <a:latin typeface="나눔고딕" panose="020D0604000000000000" pitchFamily="50" charset="-127"/>
+                        <a:ea typeface="나눔고딕" panose="020D0604000000000000" pitchFamily="50" charset="-127"/>
+                      </a:endParaRPr>
+                    </a:p>
+                  </a:txBody>
+                  <a:tcPr marT="45721" marB="45721" anchor="ctr">
+                    <a:lnL w="12700" cap="flat" cmpd="sng" algn="ctr">
+                      <a:solidFill>
+                        <a:schemeClr val="bg1">
+                          <a:lumMod val="85000"/>
+                        </a:schemeClr>
+                      </a:solidFill>
+                      <a:prstDash val="solid"/>
+                      <a:round/>
+                      <a:headEnd type="none" w="med" len="med"/>
+                      <a:tailEnd type="none" w="med" len="med"/>
+                    </a:lnL>
+                    <a:lnR w="12700" cap="flat" cmpd="sng" algn="ctr">
+                      <a:solidFill>
+                        <a:schemeClr val="bg1">
+                          <a:lumMod val="85000"/>
+                        </a:schemeClr>
+                      </a:solidFill>
+                      <a:prstDash val="solid"/>
+                      <a:round/>
+                      <a:headEnd type="none" w="med" len="med"/>
+                      <a:tailEnd type="none" w="med" len="med"/>
+                    </a:lnR>
+                    <a:lnT w="12700" cap="flat" cmpd="sng" algn="ctr">
+                      <a:solidFill>
+                        <a:schemeClr val="bg1">
+                          <a:lumMod val="85000"/>
+                        </a:schemeClr>
+                      </a:solidFill>
+                      <a:prstDash val="solid"/>
+                      <a:round/>
+                      <a:headEnd type="none" w="med" len="med"/>
+                      <a:tailEnd type="none" w="med" len="med"/>
+                    </a:lnT>
+                    <a:lnB w="12700" cap="flat" cmpd="sng" algn="ctr">
+                      <a:solidFill>
+                        <a:schemeClr val="bg1">
+                          <a:lumMod val="85000"/>
+                        </a:schemeClr>
+                      </a:solidFill>
+                      <a:prstDash val="solid"/>
+                      <a:round/>
+                      <a:headEnd type="none" w="med" len="med"/>
+                      <a:tailEnd type="none" w="med" len="med"/>
+                    </a:lnB>
+                    <a:lnTlToBr w="12700" cmpd="sng">
+                      <a:noFill/>
+                      <a:prstDash val="solid"/>
+                    </a:lnTlToBr>
+                    <a:lnBlToTr w="12700" cmpd="sng">
+                      <a:noFill/>
+                      <a:prstDash val="solid"/>
+                    </a:lnBlToTr>
+                    <a:solidFill>
+                      <a:srgbClr val="F1F2F7"/>
+                    </a:solidFill>
+                  </a:tcPr>
+                </a:tc>
+                <a:tc>
+                  <a:txBody>
+                    <a:bodyPr/>
+                    <a:lstStyle/>
+                    <a:p>
+                      <a:pPr algn="ctr">
+                        <a:lnSpc>
+                          <a:spcPct val="100000"/>
+                        </a:lnSpc>
+                      </a:pPr>
+                      <a:r>
+                        <a:rPr lang="en-US" altLang="en-US" sz="1100" dirty="0">
+                          <a:latin typeface="나눔고딕" panose="020D0604000000000000" pitchFamily="50" charset="-127"/>
+                          <a:ea typeface="나눔고딕" panose="020D0604000000000000" pitchFamily="50" charset="-127"/>
+                        </a:rPr>
+                        <a:t>:</a:t>
+                      </a:r>
+                      <a:endParaRPr lang="ko-Kore-KR" altLang="en-US" sz="1100" dirty="0">
+                        <a:latin typeface="나눔고딕" panose="020D0604000000000000" pitchFamily="50" charset="-127"/>
+                        <a:ea typeface="나눔고딕" panose="020D0604000000000000" pitchFamily="50" charset="-127"/>
+                      </a:endParaRPr>
+                    </a:p>
+                  </a:txBody>
+                  <a:tcPr marT="45721" marB="45721" anchor="ctr">
+                    <a:lnL w="12700" cap="flat" cmpd="sng" algn="ctr">
+                      <a:solidFill>
+                        <a:schemeClr val="bg1">
+                          <a:lumMod val="85000"/>
+                        </a:schemeClr>
+                      </a:solidFill>
+                      <a:prstDash val="solid"/>
+                      <a:round/>
+                      <a:headEnd type="none" w="med" len="med"/>
+                      <a:tailEnd type="none" w="med" len="med"/>
+                    </a:lnL>
+                    <a:lnR w="12700" cap="flat" cmpd="sng" algn="ctr">
+                      <a:solidFill>
+                        <a:schemeClr val="bg1">
+                          <a:lumMod val="85000"/>
+                        </a:schemeClr>
+                      </a:solidFill>
+                      <a:prstDash val="solid"/>
+                      <a:round/>
+                      <a:headEnd type="none" w="med" len="med"/>
+                      <a:tailEnd type="none" w="med" len="med"/>
+                    </a:lnR>
+                    <a:lnT w="12700" cap="flat" cmpd="sng" algn="ctr">
+                      <a:solidFill>
+                        <a:schemeClr val="bg1">
+                          <a:lumMod val="85000"/>
+                        </a:schemeClr>
+                      </a:solidFill>
+                      <a:prstDash val="solid"/>
+                      <a:round/>
+                      <a:headEnd type="none" w="med" len="med"/>
+                      <a:tailEnd type="none" w="med" len="med"/>
+                    </a:lnT>
+                    <a:lnB w="12700" cap="flat" cmpd="sng" algn="ctr">
+                      <a:solidFill>
+                        <a:schemeClr val="bg1">
+                          <a:lumMod val="85000"/>
+                        </a:schemeClr>
+                      </a:solidFill>
+                      <a:prstDash val="solid"/>
+                      <a:round/>
+                      <a:headEnd type="none" w="med" len="med"/>
+                      <a:tailEnd type="none" w="med" len="med"/>
+                    </a:lnB>
+                    <a:lnTlToBr w="12700" cmpd="sng">
+                      <a:noFill/>
+                      <a:prstDash val="solid"/>
+                    </a:lnTlToBr>
+                    <a:lnBlToTr w="12700" cmpd="sng">
+                      <a:noFill/>
+                      <a:prstDash val="solid"/>
+                    </a:lnBlToTr>
+                    <a:solidFill>
+                      <a:srgbClr val="F1F2F7"/>
+                    </a:solidFill>
+                  </a:tcPr>
+                </a:tc>
+                <a:tc>
+                  <a:txBody>
+                    <a:bodyPr/>
+                    <a:lstStyle/>
+                    <a:p>
+                      <a:pPr algn="ctr">
+                        <a:lnSpc>
+                          <a:spcPct val="100000"/>
+                        </a:lnSpc>
+                      </a:pPr>
+                      <a:r>
+                        <a:rPr lang="en-US" altLang="en-US" sz="1100" dirty="0">
+                          <a:latin typeface="나눔고딕" panose="020D0604000000000000" pitchFamily="50" charset="-127"/>
+                          <a:ea typeface="나눔고딕" panose="020D0604000000000000" pitchFamily="50" charset="-127"/>
+                        </a:rPr>
+                        <a:t>:</a:t>
+                      </a:r>
+                      <a:endParaRPr lang="ko-Kore-KR" altLang="en-US" sz="1100" dirty="0">
+                        <a:latin typeface="나눔고딕" panose="020D0604000000000000" pitchFamily="50" charset="-127"/>
+                        <a:ea typeface="나눔고딕" panose="020D0604000000000000" pitchFamily="50" charset="-127"/>
+                      </a:endParaRPr>
+                    </a:p>
+                  </a:txBody>
+                  <a:tcPr marT="45721" marB="45721" anchor="ctr">
+                    <a:lnL w="12700" cap="flat" cmpd="sng" algn="ctr">
+                      <a:solidFill>
+                        <a:schemeClr val="bg1">
+                          <a:lumMod val="85000"/>
+                        </a:schemeClr>
+                      </a:solidFill>
+                      <a:prstDash val="solid"/>
+                      <a:round/>
+                      <a:headEnd type="none" w="med" len="med"/>
+                      <a:tailEnd type="none" w="med" len="med"/>
+                    </a:lnL>
+                    <a:lnR w="12700" cap="flat" cmpd="sng" algn="ctr">
+                      <a:solidFill>
+                        <a:schemeClr val="bg1">
+                          <a:lumMod val="85000"/>
+                        </a:schemeClr>
+                      </a:solidFill>
+                      <a:prstDash val="solid"/>
+                      <a:round/>
+                      <a:headEnd type="none" w="med" len="med"/>
+                      <a:tailEnd type="none" w="med" len="med"/>
+                    </a:lnR>
+                    <a:lnT w="12700" cap="flat" cmpd="sng" algn="ctr">
+                      <a:solidFill>
+                        <a:schemeClr val="bg1">
+                          <a:lumMod val="85000"/>
+                        </a:schemeClr>
+                      </a:solidFill>
+                      <a:prstDash val="solid"/>
+                      <a:round/>
+                      <a:headEnd type="none" w="med" len="med"/>
+                      <a:tailEnd type="none" w="med" len="med"/>
+                    </a:lnT>
+                    <a:lnB w="12700" cap="flat" cmpd="sng" algn="ctr">
+                      <a:solidFill>
+                        <a:schemeClr val="bg1">
+                          <a:lumMod val="85000"/>
+                        </a:schemeClr>
+                      </a:solidFill>
+                      <a:prstDash val="solid"/>
+                      <a:round/>
+                      <a:headEnd type="none" w="med" len="med"/>
+                      <a:tailEnd type="none" w="med" len="med"/>
+                    </a:lnB>
+                    <a:lnTlToBr w="12700" cmpd="sng">
+                      <a:noFill/>
+                      <a:prstDash val="solid"/>
+                    </a:lnTlToBr>
+                    <a:lnBlToTr w="12700" cmpd="sng">
+                      <a:noFill/>
+                      <a:prstDash val="solid"/>
+                    </a:lnBlToTr>
+                    <a:solidFill>
+                      <a:srgbClr val="F1F2F7"/>
+                    </a:solidFill>
+                  </a:tcPr>
+                </a:tc>
+                <a:tc>
+                  <a:txBody>
+                    <a:bodyPr/>
+                    <a:lstStyle/>
+                    <a:p>
+                      <a:pPr algn="ctr">
+                        <a:lnSpc>
+                          <a:spcPct val="100000"/>
+                        </a:lnSpc>
+                      </a:pPr>
+                      <a:r>
+                        <a:rPr lang="en-US" altLang="en-US" sz="1100" dirty="0">
+                          <a:latin typeface="나눔고딕" panose="020D0604000000000000" pitchFamily="50" charset="-127"/>
+                          <a:ea typeface="나눔고딕" panose="020D0604000000000000" pitchFamily="50" charset="-127"/>
+                        </a:rPr>
+                        <a:t>:</a:t>
+                      </a:r>
+                      <a:endParaRPr lang="ko-Kore-KR" altLang="en-US" sz="1100" dirty="0">
+                        <a:latin typeface="나눔고딕" panose="020D0604000000000000" pitchFamily="50" charset="-127"/>
+                        <a:ea typeface="나눔고딕" panose="020D0604000000000000" pitchFamily="50" charset="-127"/>
+                      </a:endParaRPr>
+                    </a:p>
+                  </a:txBody>
+                  <a:tcPr marT="45721" marB="45721" anchor="ctr">
+                    <a:lnL w="12700" cap="flat" cmpd="sng" algn="ctr">
+                      <a:solidFill>
+                        <a:schemeClr val="bg1">
+                          <a:lumMod val="85000"/>
+                        </a:schemeClr>
+                      </a:solidFill>
+                      <a:prstDash val="solid"/>
+                      <a:round/>
+                      <a:headEnd type="none" w="med" len="med"/>
+                      <a:tailEnd type="none" w="med" len="med"/>
+                    </a:lnL>
+                    <a:lnR w="12700" cap="flat" cmpd="sng" algn="ctr">
+                      <a:solidFill>
+                        <a:schemeClr val="bg1">
+                          <a:lumMod val="85000"/>
+                        </a:schemeClr>
+                      </a:solidFill>
+                      <a:prstDash val="solid"/>
+                      <a:round/>
+                      <a:headEnd type="none" w="med" len="med"/>
+                      <a:tailEnd type="none" w="med" len="med"/>
+                    </a:lnR>
+                    <a:lnT w="12700" cap="flat" cmpd="sng" algn="ctr">
+                      <a:solidFill>
+                        <a:schemeClr val="bg1">
+                          <a:lumMod val="85000"/>
+                        </a:schemeClr>
+                      </a:solidFill>
+                      <a:prstDash val="solid"/>
+                      <a:round/>
+                      <a:headEnd type="none" w="med" len="med"/>
+                      <a:tailEnd type="none" w="med" len="med"/>
+                    </a:lnT>
+                    <a:lnB w="12700" cap="flat" cmpd="sng" algn="ctr">
+                      <a:solidFill>
+                        <a:schemeClr val="bg1">
+                          <a:lumMod val="85000"/>
+                        </a:schemeClr>
+                      </a:solidFill>
+                      <a:prstDash val="solid"/>
+                      <a:round/>
+                      <a:headEnd type="none" w="med" len="med"/>
+                      <a:tailEnd type="none" w="med" len="med"/>
+                    </a:lnB>
+                    <a:lnTlToBr w="12700" cmpd="sng">
+                      <a:noFill/>
+                      <a:prstDash val="solid"/>
+                    </a:lnTlToBr>
+                    <a:lnBlToTr w="12700" cmpd="sng">
+                      <a:noFill/>
+                      <a:prstDash val="solid"/>
+                    </a:lnBlToTr>
+                    <a:solidFill>
+                      <a:srgbClr val="F1F2F7"/>
+                    </a:solidFill>
+                  </a:tcPr>
+                </a:tc>
+                <a:extLst>
+                  <a:ext uri="{0D108BD9-81ED-4DB2-BD59-A6C34878D82A}">
+                    <a16:rowId xmlns:a16="http://schemas.microsoft.com/office/drawing/2014/main" val="383494259"/>
+                  </a:ext>
+                </a:extLst>
+              </a:tr>
+              <a:tr h="304990">
+                <a:tc>
+                  <a:txBody>
+                    <a:bodyPr/>
+                    <a:lstStyle/>
+                    <a:p>
+                      <a:pPr algn="ctr">
+                        <a:lnSpc>
+                          <a:spcPct val="100000"/>
+                        </a:lnSpc>
+                      </a:pPr>
+                      <a:r>
+                        <a:rPr lang="en-US" altLang="en-US" sz="1100" dirty="0">
+                          <a:latin typeface="나눔고딕" panose="020D0604000000000000" pitchFamily="50" charset="-127"/>
+                          <a:ea typeface="나눔고딕" panose="020D0604000000000000" pitchFamily="50" charset="-127"/>
+                        </a:rPr>
+                        <a:t>7</a:t>
+                      </a:r>
+                      <a:endParaRPr lang="ko-Kore-KR" altLang="en-US" sz="1100" dirty="0">
+                        <a:latin typeface="나눔고딕" panose="020D0604000000000000" pitchFamily="50" charset="-127"/>
+                        <a:ea typeface="나눔고딕" panose="020D0604000000000000" pitchFamily="50" charset="-127"/>
+                      </a:endParaRPr>
+                    </a:p>
+                  </a:txBody>
+                  <a:tcPr marT="45721" marB="45721" anchor="ctr">
+                    <a:lnL w="12700" cap="flat" cmpd="sng" algn="ctr">
+                      <a:solidFill>
+                        <a:schemeClr val="bg1">
+                          <a:lumMod val="85000"/>
+                        </a:schemeClr>
+                      </a:solidFill>
+                      <a:prstDash val="solid"/>
+                      <a:round/>
+                      <a:headEnd type="none" w="med" len="med"/>
+                      <a:tailEnd type="none" w="med" len="med"/>
+                    </a:lnL>
+                    <a:lnR w="12700" cap="flat" cmpd="sng" algn="ctr">
+                      <a:solidFill>
+                        <a:schemeClr val="bg1">
+                          <a:lumMod val="85000"/>
+                        </a:schemeClr>
+                      </a:solidFill>
+                      <a:prstDash val="solid"/>
+                      <a:round/>
+                      <a:headEnd type="none" w="med" len="med"/>
+                      <a:tailEnd type="none" w="med" len="med"/>
+                    </a:lnR>
+                    <a:lnT w="12700" cap="flat" cmpd="sng" algn="ctr">
+                      <a:solidFill>
+                        <a:schemeClr val="bg1">
+                          <a:lumMod val="85000"/>
+                        </a:schemeClr>
+                      </a:solidFill>
+                      <a:prstDash val="solid"/>
+                      <a:round/>
+                      <a:headEnd type="none" w="med" len="med"/>
+                      <a:tailEnd type="none" w="med" len="med"/>
+                    </a:lnT>
+                    <a:lnB w="12700" cap="flat" cmpd="sng" algn="ctr">
+                      <a:solidFill>
+                        <a:schemeClr val="bg1">
+                          <a:lumMod val="85000"/>
+                        </a:schemeClr>
+                      </a:solidFill>
+                      <a:prstDash val="solid"/>
+                      <a:round/>
+                      <a:headEnd type="none" w="med" len="med"/>
+                      <a:tailEnd type="none" w="med" len="med"/>
+                    </a:lnB>
+                    <a:lnTlToBr w="12700" cmpd="sng">
+                      <a:noFill/>
+                      <a:prstDash val="solid"/>
+                    </a:lnTlToBr>
+                    <a:lnBlToTr w="12700" cmpd="sng">
+                      <a:noFill/>
+                      <a:prstDash val="solid"/>
+                    </a:lnBlToTr>
+                    <a:solidFill>
+                      <a:srgbClr val="FFFFFF"/>
+                    </a:solidFill>
+                  </a:tcPr>
+                </a:tc>
+                <a:tc>
+                  <a:txBody>
+                    <a:bodyPr/>
+                    <a:lstStyle/>
+                    <a:p>
+                      <a:pPr algn="ctr">
+                        <a:lnSpc>
+                          <a:spcPct val="100000"/>
+                        </a:lnSpc>
+                      </a:pPr>
+                      <a:r>
+                        <a:rPr lang="en-US" altLang="ko-Kore-KR" sz="1100" dirty="0">
+                          <a:latin typeface="나눔고딕" panose="020D0604000000000000" pitchFamily="50" charset="-127"/>
+                          <a:ea typeface="나눔고딕" panose="020D0604000000000000" pitchFamily="50" charset="-127"/>
+                        </a:rPr>
+                        <a:t>:</a:t>
+                      </a:r>
+                      <a:endParaRPr lang="ko-Kore-KR" altLang="en-US" sz="1100" dirty="0">
+                        <a:latin typeface="나눔고딕" panose="020D0604000000000000" pitchFamily="50" charset="-127"/>
+                        <a:ea typeface="나눔고딕" panose="020D0604000000000000" pitchFamily="50" charset="-127"/>
+                      </a:endParaRPr>
+                    </a:p>
+                  </a:txBody>
+                  <a:tcPr marT="45721" marB="45721" anchor="ctr">
+                    <a:lnL w="12700" cap="flat" cmpd="sng" algn="ctr">
+                      <a:solidFill>
+                        <a:schemeClr val="bg1">
+                          <a:lumMod val="85000"/>
+                        </a:schemeClr>
+                      </a:solidFill>
+                      <a:prstDash val="solid"/>
+                      <a:round/>
+                      <a:headEnd type="none" w="med" len="med"/>
+                      <a:tailEnd type="none" w="med" len="med"/>
+                    </a:lnL>
+                    <a:lnR w="12700" cap="flat" cmpd="sng" algn="ctr">
+                      <a:solidFill>
+                        <a:schemeClr val="bg1">
+                          <a:lumMod val="85000"/>
+                        </a:schemeClr>
+                      </a:solidFill>
+                      <a:prstDash val="solid"/>
+                      <a:round/>
+                      <a:headEnd type="none" w="med" len="med"/>
+                      <a:tailEnd type="none" w="med" len="med"/>
+                    </a:lnR>
+                    <a:lnT w="12700" cap="flat" cmpd="sng" algn="ctr">
+                      <a:solidFill>
+                        <a:schemeClr val="bg1">
+                          <a:lumMod val="85000"/>
+                        </a:schemeClr>
+                      </a:solidFill>
+                      <a:prstDash val="solid"/>
+                      <a:round/>
+                      <a:headEnd type="none" w="med" len="med"/>
+                      <a:tailEnd type="none" w="med" len="med"/>
+                    </a:lnT>
+                    <a:lnB w="12700" cap="flat" cmpd="sng" algn="ctr">
+                      <a:solidFill>
+                        <a:schemeClr val="bg1">
+                          <a:lumMod val="85000"/>
+                        </a:schemeClr>
+                      </a:solidFill>
+                      <a:prstDash val="solid"/>
+                      <a:round/>
+                      <a:headEnd type="none" w="med" len="med"/>
+                      <a:tailEnd type="none" w="med" len="med"/>
+                    </a:lnB>
+                    <a:lnTlToBr w="12700" cmpd="sng">
+                      <a:noFill/>
+                      <a:prstDash val="solid"/>
+                    </a:lnTlToBr>
+                    <a:lnBlToTr w="12700" cmpd="sng">
+                      <a:noFill/>
+                      <a:prstDash val="solid"/>
+                    </a:lnBlToTr>
+                    <a:solidFill>
+                      <a:srgbClr val="FFFFFF"/>
+                    </a:solidFill>
+                  </a:tcPr>
+                </a:tc>
+                <a:tc>
+                  <a:txBody>
+                    <a:bodyPr/>
+                    <a:lstStyle/>
+                    <a:p>
+                      <a:pPr algn="ctr">
+                        <a:lnSpc>
+                          <a:spcPct val="100000"/>
+                        </a:lnSpc>
+                      </a:pPr>
+                      <a:r>
+                        <a:rPr lang="en-US" altLang="ko-Kore-KR" sz="1100" dirty="0">
+                          <a:latin typeface="나눔고딕" panose="020D0604000000000000" pitchFamily="50" charset="-127"/>
+                          <a:ea typeface="나눔고딕" panose="020D0604000000000000" pitchFamily="50" charset="-127"/>
+                        </a:rPr>
+                        <a:t>:</a:t>
+                      </a:r>
+                      <a:endParaRPr lang="ko-Kore-KR" altLang="en-US" sz="1100" dirty="0">
+                        <a:latin typeface="나눔고딕" panose="020D0604000000000000" pitchFamily="50" charset="-127"/>
+                        <a:ea typeface="나눔고딕" panose="020D0604000000000000" pitchFamily="50" charset="-127"/>
+                      </a:endParaRPr>
+                    </a:p>
+                  </a:txBody>
+                  <a:tcPr marT="45721" marB="45721" anchor="ctr">
+                    <a:lnL w="12700" cap="flat" cmpd="sng" algn="ctr">
+                      <a:solidFill>
+                        <a:schemeClr val="bg1">
+                          <a:lumMod val="85000"/>
+                        </a:schemeClr>
+                      </a:solidFill>
+                      <a:prstDash val="solid"/>
+                      <a:round/>
+                      <a:headEnd type="none" w="med" len="med"/>
+                      <a:tailEnd type="none" w="med" len="med"/>
+                    </a:lnL>
+                    <a:lnR w="12700" cap="flat" cmpd="sng" algn="ctr">
+                      <a:solidFill>
+                        <a:schemeClr val="bg1">
+                          <a:lumMod val="85000"/>
+                        </a:schemeClr>
+                      </a:solidFill>
+                      <a:prstDash val="solid"/>
+                      <a:round/>
+                      <a:headEnd type="none" w="med" len="med"/>
+                      <a:tailEnd type="none" w="med" len="med"/>
+                    </a:lnR>
+                    <a:lnT w="12700" cap="flat" cmpd="sng" algn="ctr">
+                      <a:solidFill>
+                        <a:schemeClr val="bg1">
+                          <a:lumMod val="85000"/>
+                        </a:schemeClr>
+                      </a:solidFill>
+                      <a:prstDash val="solid"/>
+                      <a:round/>
+                      <a:headEnd type="none" w="med" len="med"/>
+                      <a:tailEnd type="none" w="med" len="med"/>
+                    </a:lnT>
+                    <a:lnB w="12700" cap="flat" cmpd="sng" algn="ctr">
+                      <a:solidFill>
+                        <a:schemeClr val="bg1">
+                          <a:lumMod val="85000"/>
+                        </a:schemeClr>
+                      </a:solidFill>
+                      <a:prstDash val="solid"/>
+                      <a:round/>
+                      <a:headEnd type="none" w="med" len="med"/>
+                      <a:tailEnd type="none" w="med" len="med"/>
+                    </a:lnB>
+                    <a:lnTlToBr w="12700" cmpd="sng">
+                      <a:noFill/>
+                      <a:prstDash val="solid"/>
+                    </a:lnTlToBr>
+                    <a:lnBlToTr w="12700" cmpd="sng">
+                      <a:noFill/>
+                      <a:prstDash val="solid"/>
+                    </a:lnBlToTr>
+                    <a:solidFill>
+                      <a:srgbClr val="FFFFFF"/>
+                    </a:solidFill>
+                  </a:tcPr>
+                </a:tc>
+                <a:tc>
+                  <a:txBody>
+                    <a:bodyPr/>
+                    <a:lstStyle/>
+                    <a:p>
+                      <a:pPr algn="ctr">
+                        <a:lnSpc>
+                          <a:spcPct val="100000"/>
+                        </a:lnSpc>
+                      </a:pPr>
+                      <a:r>
+                        <a:rPr lang="en-US" altLang="ko-Kore-KR" sz="1100" dirty="0">
+                          <a:latin typeface="나눔고딕" panose="020D0604000000000000" pitchFamily="50" charset="-127"/>
+                          <a:ea typeface="나눔고딕" panose="020D0604000000000000" pitchFamily="50" charset="-127"/>
+                        </a:rPr>
+                        <a:t>:</a:t>
+                      </a:r>
+                      <a:endParaRPr lang="ko-Kore-KR" altLang="en-US" sz="1100" dirty="0">
+                        <a:latin typeface="나눔고딕" panose="020D0604000000000000" pitchFamily="50" charset="-127"/>
+                        <a:ea typeface="나눔고딕" panose="020D0604000000000000" pitchFamily="50" charset="-127"/>
+                      </a:endParaRPr>
+                    </a:p>
+                  </a:txBody>
+                  <a:tcPr marT="45721" marB="45721" anchor="ctr">
+                    <a:lnL w="12700" cap="flat" cmpd="sng" algn="ctr">
+                      <a:solidFill>
+                        <a:schemeClr val="bg1">
+                          <a:lumMod val="85000"/>
+                        </a:schemeClr>
+                      </a:solidFill>
+                      <a:prstDash val="solid"/>
+                      <a:round/>
+                      <a:headEnd type="none" w="med" len="med"/>
+                      <a:tailEnd type="none" w="med" len="med"/>
+                    </a:lnL>
+                    <a:lnR w="12700" cap="flat" cmpd="sng" algn="ctr">
+                      <a:solidFill>
+                        <a:schemeClr val="bg1">
+                          <a:lumMod val="85000"/>
+                        </a:schemeClr>
+                      </a:solidFill>
+                      <a:prstDash val="solid"/>
+                      <a:round/>
+                      <a:headEnd type="none" w="med" len="med"/>
+                      <a:tailEnd type="none" w="med" len="med"/>
+                    </a:lnR>
+                    <a:lnT w="12700" cap="flat" cmpd="sng" algn="ctr">
+                      <a:solidFill>
+                        <a:schemeClr val="bg1">
+                          <a:lumMod val="85000"/>
+                        </a:schemeClr>
+                      </a:solidFill>
+                      <a:prstDash val="solid"/>
+                      <a:round/>
+                      <a:headEnd type="none" w="med" len="med"/>
+                      <a:tailEnd type="none" w="med" len="med"/>
+                    </a:lnT>
+                    <a:lnB w="12700" cap="flat" cmpd="sng" algn="ctr">
+                      <a:solidFill>
+                        <a:schemeClr val="bg1">
+                          <a:lumMod val="85000"/>
+                        </a:schemeClr>
+                      </a:solidFill>
+                      <a:prstDash val="solid"/>
+                      <a:round/>
+                      <a:headEnd type="none" w="med" len="med"/>
+                      <a:tailEnd type="none" w="med" len="med"/>
+                    </a:lnB>
+                    <a:lnTlToBr w="12700" cmpd="sng">
+                      <a:noFill/>
+                      <a:prstDash val="solid"/>
+                    </a:lnTlToBr>
+                    <a:lnBlToTr w="12700" cmpd="sng">
+                      <a:noFill/>
+                      <a:prstDash val="solid"/>
+                    </a:lnBlToTr>
+                    <a:solidFill>
+                      <a:srgbClr val="FFFFFF"/>
+                    </a:solidFill>
+                  </a:tcPr>
+                </a:tc>
+                <a:extLst>
+                  <a:ext uri="{0D108BD9-81ED-4DB2-BD59-A6C34878D82A}">
+                    <a16:rowId xmlns:a16="http://schemas.microsoft.com/office/drawing/2014/main" val="1916491588"/>
+                  </a:ext>
+                </a:extLst>
+              </a:tr>
+              <a:tr h="304990">
+                <a:tc>
+                  <a:txBody>
+                    <a:bodyPr/>
+                    <a:lstStyle/>
+                    <a:p>
+                      <a:pPr algn="ctr">
+                        <a:lnSpc>
+                          <a:spcPct val="100000"/>
+                        </a:lnSpc>
+                      </a:pPr>
+                      <a:endParaRPr lang="ko-Kore-KR" altLang="en-US" sz="1100" dirty="0">
+                        <a:latin typeface="나눔고딕" panose="020D0604000000000000" pitchFamily="50" charset="-127"/>
+                        <a:ea typeface="나눔고딕" panose="020D0604000000000000" pitchFamily="50" charset="-127"/>
+                      </a:endParaRPr>
+                    </a:p>
+                  </a:txBody>
+                  <a:tcPr marT="45721" marB="45721" anchor="ctr">
+                    <a:lnL w="12700" cap="flat" cmpd="sng" algn="ctr">
+                      <a:solidFill>
+                        <a:schemeClr val="bg1">
+                          <a:lumMod val="85000"/>
+                        </a:schemeClr>
+                      </a:solidFill>
+                      <a:prstDash val="solid"/>
+                      <a:round/>
+                      <a:headEnd type="none" w="med" len="med"/>
+                      <a:tailEnd type="none" w="med" len="med"/>
+                    </a:lnL>
+                    <a:lnR w="12700" cap="flat" cmpd="sng" algn="ctr">
+                      <a:solidFill>
+                        <a:schemeClr val="bg1">
+                          <a:lumMod val="85000"/>
+                        </a:schemeClr>
+                      </a:solidFill>
+                      <a:prstDash val="solid"/>
+                      <a:round/>
+                      <a:headEnd type="none" w="med" len="med"/>
+                      <a:tailEnd type="none" w="med" len="med"/>
+                    </a:lnR>
+                    <a:lnT w="12700" cap="flat" cmpd="sng" algn="ctr">
+                      <a:solidFill>
+                        <a:schemeClr val="bg1">
+                          <a:lumMod val="85000"/>
+                        </a:schemeClr>
+                      </a:solidFill>
+                      <a:prstDash val="solid"/>
+                      <a:round/>
+                      <a:headEnd type="none" w="med" len="med"/>
+                      <a:tailEnd type="none" w="med" len="med"/>
+                    </a:lnT>
+                    <a:lnB w="12700" cap="flat" cmpd="sng" algn="ctr">
+                      <a:solidFill>
+                        <a:schemeClr val="bg1">
+                          <a:lumMod val="85000"/>
+                        </a:schemeClr>
+                      </a:solidFill>
+                      <a:prstDash val="solid"/>
+                      <a:round/>
+                      <a:headEnd type="none" w="med" len="med"/>
+                      <a:tailEnd type="none" w="med" len="med"/>
+                    </a:lnB>
+                    <a:lnTlToBr w="12700" cmpd="sng">
+                      <a:noFill/>
+                      <a:prstDash val="solid"/>
+                    </a:lnTlToBr>
+                    <a:lnBlToTr w="12700" cmpd="sng">
+                      <a:noFill/>
+                      <a:prstDash val="solid"/>
+                    </a:lnBlToTr>
+                    <a:solidFill>
+                      <a:srgbClr val="F1F2F7"/>
+                    </a:solidFill>
+                  </a:tcPr>
+                </a:tc>
+                <a:tc>
+                  <a:txBody>
+                    <a:bodyPr/>
+                    <a:lstStyle/>
+                    <a:p>
+                      <a:pPr algn="ctr">
+                        <a:lnSpc>
+                          <a:spcPct val="100000"/>
+                        </a:lnSpc>
+                      </a:pPr>
+                      <a:endParaRPr lang="ko-Kore-KR" altLang="en-US" sz="1100" dirty="0">
+                        <a:latin typeface="나눔고딕" panose="020D0604000000000000" pitchFamily="50" charset="-127"/>
+                        <a:ea typeface="나눔고딕" panose="020D0604000000000000" pitchFamily="50" charset="-127"/>
+                      </a:endParaRPr>
+                    </a:p>
+                  </a:txBody>
+                  <a:tcPr marT="45721" marB="45721" anchor="ctr">
+                    <a:lnL w="12700" cap="flat" cmpd="sng" algn="ctr">
+                      <a:solidFill>
+                        <a:schemeClr val="bg1">
+                          <a:lumMod val="85000"/>
+                        </a:schemeClr>
+                      </a:solidFill>
+                      <a:prstDash val="solid"/>
+                      <a:round/>
+                      <a:headEnd type="none" w="med" len="med"/>
+                      <a:tailEnd type="none" w="med" len="med"/>
+                    </a:lnL>
+                    <a:lnR w="12700" cap="flat" cmpd="sng" algn="ctr">
+                      <a:solidFill>
+                        <a:schemeClr val="bg1">
+                          <a:lumMod val="85000"/>
+                        </a:schemeClr>
+                      </a:solidFill>
+                      <a:prstDash val="solid"/>
+                      <a:round/>
+                      <a:headEnd type="none" w="med" len="med"/>
+                      <a:tailEnd type="none" w="med" len="med"/>
+                    </a:lnR>
+                    <a:lnT w="12700" cap="flat" cmpd="sng" algn="ctr">
+                      <a:solidFill>
+                        <a:schemeClr val="bg1">
+                          <a:lumMod val="85000"/>
+                        </a:schemeClr>
+                      </a:solidFill>
+                      <a:prstDash val="solid"/>
+                      <a:round/>
+                      <a:headEnd type="none" w="med" len="med"/>
+                      <a:tailEnd type="none" w="med" len="med"/>
+                    </a:lnT>
+                    <a:lnB w="12700" cap="flat" cmpd="sng" algn="ctr">
+                      <a:solidFill>
+                        <a:schemeClr val="bg1">
+                          <a:lumMod val="85000"/>
+                        </a:schemeClr>
+                      </a:solidFill>
+                      <a:prstDash val="solid"/>
+                      <a:round/>
+                      <a:headEnd type="none" w="med" len="med"/>
+                      <a:tailEnd type="none" w="med" len="med"/>
+                    </a:lnB>
+                    <a:lnTlToBr w="12700" cmpd="sng">
+                      <a:noFill/>
+                      <a:prstDash val="solid"/>
+                    </a:lnTlToBr>
+                    <a:lnBlToTr w="12700" cmpd="sng">
+                      <a:noFill/>
+                      <a:prstDash val="solid"/>
+                    </a:lnBlToTr>
+                    <a:solidFill>
+                      <a:srgbClr val="F1F2F7"/>
+                    </a:solidFill>
+                  </a:tcPr>
+                </a:tc>
+                <a:tc>
+                  <a:txBody>
+                    <a:bodyPr/>
+                    <a:lstStyle/>
+                    <a:p>
+                      <a:pPr algn="ctr">
+                        <a:lnSpc>
+                          <a:spcPct val="100000"/>
+                        </a:lnSpc>
+                      </a:pPr>
+                      <a:endParaRPr lang="ko-Kore-KR" altLang="en-US" sz="1100" dirty="0">
+                        <a:latin typeface="나눔고딕" panose="020D0604000000000000" pitchFamily="50" charset="-127"/>
+                        <a:ea typeface="나눔고딕" panose="020D0604000000000000" pitchFamily="50" charset="-127"/>
+                      </a:endParaRPr>
+                    </a:p>
+                  </a:txBody>
+                  <a:tcPr marT="45721" marB="45721" anchor="ctr">
+                    <a:lnL w="12700" cap="flat" cmpd="sng" algn="ctr">
+                      <a:solidFill>
+                        <a:schemeClr val="bg1">
+                          <a:lumMod val="85000"/>
+                        </a:schemeClr>
+                      </a:solidFill>
+                      <a:prstDash val="solid"/>
+                      <a:round/>
+                      <a:headEnd type="none" w="med" len="med"/>
+                      <a:tailEnd type="none" w="med" len="med"/>
+                    </a:lnL>
+                    <a:lnR w="12700" cap="flat" cmpd="sng" algn="ctr">
+                      <a:solidFill>
+                        <a:schemeClr val="bg1">
+                          <a:lumMod val="85000"/>
+                        </a:schemeClr>
+                      </a:solidFill>
+                      <a:prstDash val="solid"/>
+                      <a:round/>
+                      <a:headEnd type="none" w="med" len="med"/>
+                      <a:tailEnd type="none" w="med" len="med"/>
+                    </a:lnR>
+                    <a:lnT w="12700" cap="flat" cmpd="sng" algn="ctr">
+                      <a:solidFill>
+                        <a:schemeClr val="bg1">
+                          <a:lumMod val="85000"/>
+                        </a:schemeClr>
+                      </a:solidFill>
+                      <a:prstDash val="solid"/>
+                      <a:round/>
+                      <a:headEnd type="none" w="med" len="med"/>
+                      <a:tailEnd type="none" w="med" len="med"/>
+                    </a:lnT>
+                    <a:lnB w="12700" cap="flat" cmpd="sng" algn="ctr">
+                      <a:solidFill>
+                        <a:schemeClr val="bg1">
+                          <a:lumMod val="85000"/>
+                        </a:schemeClr>
+                      </a:solidFill>
+                      <a:prstDash val="solid"/>
+                      <a:round/>
+                      <a:headEnd type="none" w="med" len="med"/>
+                      <a:tailEnd type="none" w="med" len="med"/>
+                    </a:lnB>
+                    <a:lnTlToBr w="12700" cmpd="sng">
+                      <a:noFill/>
+                      <a:prstDash val="solid"/>
+                    </a:lnTlToBr>
+                    <a:lnBlToTr w="12700" cmpd="sng">
+                      <a:noFill/>
+                      <a:prstDash val="solid"/>
+                    </a:lnBlToTr>
+                    <a:solidFill>
+                      <a:srgbClr val="F1F2F7"/>
+                    </a:solidFill>
+                  </a:tcPr>
+                </a:tc>
+                <a:tc>
+                  <a:txBody>
+                    <a:bodyPr/>
+                    <a:lstStyle/>
+                    <a:p>
+                      <a:pPr algn="ctr">
+                        <a:lnSpc>
+                          <a:spcPct val="100000"/>
+                        </a:lnSpc>
+                      </a:pPr>
+                      <a:endParaRPr lang="ko-Kore-KR" altLang="en-US" sz="1100" dirty="0">
+                        <a:latin typeface="나눔고딕" panose="020D0604000000000000" pitchFamily="50" charset="-127"/>
+                        <a:ea typeface="나눔고딕" panose="020D0604000000000000" pitchFamily="50" charset="-127"/>
+                      </a:endParaRPr>
+                    </a:p>
+                  </a:txBody>
+                  <a:tcPr marT="45721" marB="45721" anchor="ctr">
+                    <a:lnL w="12700" cap="flat" cmpd="sng" algn="ctr">
+                      <a:solidFill>
+                        <a:schemeClr val="bg1">
+                          <a:lumMod val="85000"/>
+                        </a:schemeClr>
+                      </a:solidFill>
+                      <a:prstDash val="solid"/>
+                      <a:round/>
+                      <a:headEnd type="none" w="med" len="med"/>
+                      <a:tailEnd type="none" w="med" len="med"/>
+                    </a:lnL>
+                    <a:lnR w="12700" cap="flat" cmpd="sng" algn="ctr">
+                      <a:solidFill>
+                        <a:schemeClr val="bg1">
+                          <a:lumMod val="85000"/>
+                        </a:schemeClr>
+                      </a:solidFill>
+                      <a:prstDash val="solid"/>
+                      <a:round/>
+                      <a:headEnd type="none" w="med" len="med"/>
+                      <a:tailEnd type="none" w="med" len="med"/>
+                    </a:lnR>
+                    <a:lnT w="12700" cap="flat" cmpd="sng" algn="ctr">
+                      <a:solidFill>
+                        <a:schemeClr val="bg1">
+                          <a:lumMod val="85000"/>
+                        </a:schemeClr>
+                      </a:solidFill>
+                      <a:prstDash val="solid"/>
+                      <a:round/>
+                      <a:headEnd type="none" w="med" len="med"/>
+                      <a:tailEnd type="none" w="med" len="med"/>
+                    </a:lnT>
+                    <a:lnB w="12700" cap="flat" cmpd="sng" algn="ctr">
+                      <a:solidFill>
+                        <a:schemeClr val="bg1">
+                          <a:lumMod val="85000"/>
+                        </a:schemeClr>
+                      </a:solidFill>
+                      <a:prstDash val="solid"/>
+                      <a:round/>
+                      <a:headEnd type="none" w="med" len="med"/>
+                      <a:tailEnd type="none" w="med" len="med"/>
+                    </a:lnB>
+                    <a:lnTlToBr w="12700" cmpd="sng">
+                      <a:noFill/>
+                      <a:prstDash val="solid"/>
+                    </a:lnTlToBr>
+                    <a:lnBlToTr w="12700" cmpd="sng">
+                      <a:noFill/>
+                      <a:prstDash val="solid"/>
+                    </a:lnBlToTr>
+                    <a:solidFill>
+                      <a:srgbClr val="F1F2F7"/>
+                    </a:solidFill>
+                  </a:tcPr>
+                </a:tc>
+                <a:extLst>
+                  <a:ext uri="{0D108BD9-81ED-4DB2-BD59-A6C34878D82A}">
+                    <a16:rowId xmlns:a16="http://schemas.microsoft.com/office/drawing/2014/main" val="3921890218"/>
+                  </a:ext>
+                </a:extLst>
+              </a:tr>
+              <a:tr h="304990">
+                <a:tc>
+                  <a:txBody>
+                    <a:bodyPr/>
+                    <a:lstStyle/>
+                    <a:p>
+                      <a:pPr algn="ctr">
+                        <a:lnSpc>
+                          <a:spcPct val="100000"/>
+                        </a:lnSpc>
+                      </a:pPr>
+                      <a:endParaRPr lang="ko-Kore-KR" altLang="en-US" sz="1100" dirty="0">
+                        <a:latin typeface="나눔고딕" panose="020D0604000000000000" pitchFamily="50" charset="-127"/>
+                        <a:ea typeface="나눔고딕" panose="020D0604000000000000" pitchFamily="50" charset="-127"/>
+                      </a:endParaRPr>
+                    </a:p>
+                  </a:txBody>
+                  <a:tcPr marT="45721" marB="45721" anchor="ctr">
+                    <a:lnL w="12700" cap="flat" cmpd="sng" algn="ctr">
+                      <a:solidFill>
+                        <a:schemeClr val="bg1">
+                          <a:lumMod val="85000"/>
+                        </a:schemeClr>
+                      </a:solidFill>
+                      <a:prstDash val="solid"/>
+                      <a:round/>
+                      <a:headEnd type="none" w="med" len="med"/>
+                      <a:tailEnd type="none" w="med" len="med"/>
+                    </a:lnL>
+                    <a:lnR w="12700" cap="flat" cmpd="sng" algn="ctr">
+                      <a:solidFill>
+                        <a:schemeClr val="bg1">
+                          <a:lumMod val="85000"/>
+                        </a:schemeClr>
+                      </a:solidFill>
+                      <a:prstDash val="solid"/>
+                      <a:round/>
+                      <a:headEnd type="none" w="med" len="med"/>
+                      <a:tailEnd type="none" w="med" len="med"/>
+                    </a:lnR>
+                    <a:lnT w="12700" cap="flat" cmpd="sng" algn="ctr">
+                      <a:solidFill>
+                        <a:schemeClr val="bg1">
+                          <a:lumMod val="85000"/>
+                        </a:schemeClr>
+                      </a:solidFill>
+                      <a:prstDash val="solid"/>
+                      <a:round/>
+                      <a:headEnd type="none" w="med" len="med"/>
+                      <a:tailEnd type="none" w="med" len="med"/>
+                    </a:lnT>
+                    <a:lnB w="12700" cap="flat" cmpd="sng" algn="ctr">
+                      <a:solidFill>
+                        <a:schemeClr val="bg1">
+                          <a:lumMod val="85000"/>
+                        </a:schemeClr>
+                      </a:solidFill>
+                      <a:prstDash val="solid"/>
+                      <a:round/>
+                      <a:headEnd type="none" w="med" len="med"/>
+                      <a:tailEnd type="none" w="med" len="med"/>
+                    </a:lnB>
+                    <a:lnTlToBr w="12700" cmpd="sng">
+                      <a:noFill/>
+                      <a:prstDash val="solid"/>
+                    </a:lnTlToBr>
+                    <a:lnBlToTr w="12700" cmpd="sng">
+                      <a:noFill/>
+                      <a:prstDash val="solid"/>
+                    </a:lnBlToTr>
+                    <a:solidFill>
+                      <a:srgbClr val="FFFFFF"/>
+                    </a:solidFill>
+                  </a:tcPr>
+                </a:tc>
+                <a:tc>
+                  <a:txBody>
+                    <a:bodyPr/>
+                    <a:lstStyle/>
+                    <a:p>
+                      <a:pPr algn="ctr">
+                        <a:lnSpc>
+                          <a:spcPct val="100000"/>
+                        </a:lnSpc>
+                      </a:pPr>
+                      <a:endParaRPr lang="ko-Kore-KR" altLang="en-US" sz="1100" dirty="0">
+                        <a:latin typeface="나눔고딕" panose="020D0604000000000000" pitchFamily="50" charset="-127"/>
+                        <a:ea typeface="나눔고딕" panose="020D0604000000000000" pitchFamily="50" charset="-127"/>
+                      </a:endParaRPr>
+                    </a:p>
+                  </a:txBody>
+                  <a:tcPr marT="45721" marB="45721" anchor="ctr">
+                    <a:lnL w="12700" cap="flat" cmpd="sng" algn="ctr">
+                      <a:solidFill>
+                        <a:schemeClr val="bg1">
+                          <a:lumMod val="85000"/>
+                        </a:schemeClr>
+                      </a:solidFill>
+                      <a:prstDash val="solid"/>
+                      <a:round/>
+                      <a:headEnd type="none" w="med" len="med"/>
+                      <a:tailEnd type="none" w="med" len="med"/>
+                    </a:lnL>
+                    <a:lnR w="12700" cap="flat" cmpd="sng" algn="ctr">
+                      <a:solidFill>
+                        <a:schemeClr val="bg1">
+                          <a:lumMod val="85000"/>
+                        </a:schemeClr>
+                      </a:solidFill>
+                      <a:prstDash val="solid"/>
+                      <a:round/>
+                      <a:headEnd type="none" w="med" len="med"/>
+                      <a:tailEnd type="none" w="med" len="med"/>
+                    </a:lnR>
+                    <a:lnT w="12700" cap="flat" cmpd="sng" algn="ctr">
+                      <a:solidFill>
+                        <a:schemeClr val="bg1">
+                          <a:lumMod val="85000"/>
+                        </a:schemeClr>
+                      </a:solidFill>
+                      <a:prstDash val="solid"/>
+                      <a:round/>
+                      <a:headEnd type="none" w="med" len="med"/>
+                      <a:tailEnd type="none" w="med" len="med"/>
+                    </a:lnT>
+                    <a:lnB w="12700" cap="flat" cmpd="sng" algn="ctr">
+                      <a:solidFill>
+                        <a:schemeClr val="bg1">
+                          <a:lumMod val="85000"/>
+                        </a:schemeClr>
+                      </a:solidFill>
+                      <a:prstDash val="solid"/>
+                      <a:round/>
+                      <a:headEnd type="none" w="med" len="med"/>
+                      <a:tailEnd type="none" w="med" len="med"/>
+                    </a:lnB>
+                    <a:lnTlToBr w="12700" cmpd="sng">
+                      <a:noFill/>
+                      <a:prstDash val="solid"/>
+                    </a:lnTlToBr>
+                    <a:lnBlToTr w="12700" cmpd="sng">
+                      <a:noFill/>
+                      <a:prstDash val="solid"/>
+                    </a:lnBlToTr>
+                    <a:solidFill>
+                      <a:srgbClr val="FFFFFF"/>
+                    </a:solidFill>
+                  </a:tcPr>
+                </a:tc>
+                <a:tc>
+                  <a:txBody>
+                    <a:bodyPr/>
+                    <a:lstStyle/>
+                    <a:p>
+                      <a:pPr algn="ctr">
+                        <a:lnSpc>
+                          <a:spcPct val="100000"/>
+                        </a:lnSpc>
+                      </a:pPr>
+                      <a:endParaRPr lang="ko-Kore-KR" altLang="en-US" sz="1100" dirty="0">
+                        <a:latin typeface="나눔고딕" panose="020D0604000000000000" pitchFamily="50" charset="-127"/>
+                        <a:ea typeface="나눔고딕" panose="020D0604000000000000" pitchFamily="50" charset="-127"/>
+                      </a:endParaRPr>
+                    </a:p>
+                  </a:txBody>
+                  <a:tcPr marT="45721" marB="45721" anchor="ctr">
+                    <a:lnL w="12700" cap="flat" cmpd="sng" algn="ctr">
+                      <a:solidFill>
+                        <a:schemeClr val="bg1">
+                          <a:lumMod val="85000"/>
+                        </a:schemeClr>
+                      </a:solidFill>
+                      <a:prstDash val="solid"/>
+                      <a:round/>
+                      <a:headEnd type="none" w="med" len="med"/>
+                      <a:tailEnd type="none" w="med" len="med"/>
+                    </a:lnL>
+                    <a:lnR w="12700" cap="flat" cmpd="sng" algn="ctr">
+                      <a:solidFill>
+                        <a:schemeClr val="bg1">
+                          <a:lumMod val="85000"/>
+                        </a:schemeClr>
+                      </a:solidFill>
+                      <a:prstDash val="solid"/>
+                      <a:round/>
+                      <a:headEnd type="none" w="med" len="med"/>
+                      <a:tailEnd type="none" w="med" len="med"/>
+                    </a:lnR>
+                    <a:lnT w="12700" cap="flat" cmpd="sng" algn="ctr">
+                      <a:solidFill>
+                        <a:schemeClr val="bg1">
+                          <a:lumMod val="85000"/>
+                        </a:schemeClr>
+                      </a:solidFill>
+                      <a:prstDash val="solid"/>
+                      <a:round/>
+                      <a:headEnd type="none" w="med" len="med"/>
+                      <a:tailEnd type="none" w="med" len="med"/>
+                    </a:lnT>
+                    <a:lnB w="12700" cap="flat" cmpd="sng" algn="ctr">
+                      <a:solidFill>
+                        <a:schemeClr val="bg1">
+                          <a:lumMod val="85000"/>
+                        </a:schemeClr>
+                      </a:solidFill>
+                      <a:prstDash val="solid"/>
+                      <a:round/>
+                      <a:headEnd type="none" w="med" len="med"/>
+                      <a:tailEnd type="none" w="med" len="med"/>
+                    </a:lnB>
+                    <a:lnTlToBr w="12700" cmpd="sng">
+                      <a:noFill/>
+                      <a:prstDash val="solid"/>
+                    </a:lnTlToBr>
+                    <a:lnBlToTr w="12700" cmpd="sng">
+                      <a:noFill/>
+                      <a:prstDash val="solid"/>
+                    </a:lnBlToTr>
+                    <a:solidFill>
+                      <a:srgbClr val="FFFFFF"/>
+                    </a:solidFill>
+                  </a:tcPr>
+                </a:tc>
+                <a:tc>
+                  <a:txBody>
+                    <a:bodyPr/>
+                    <a:lstStyle/>
+                    <a:p>
+                      <a:pPr algn="ctr">
+                        <a:lnSpc>
+                          <a:spcPct val="100000"/>
+                        </a:lnSpc>
+                      </a:pPr>
+                      <a:endParaRPr lang="ko-Kore-KR" altLang="en-US" sz="1100" dirty="0">
+                        <a:latin typeface="나눔고딕" panose="020D0604000000000000" pitchFamily="50" charset="-127"/>
+                        <a:ea typeface="나눔고딕" panose="020D0604000000000000" pitchFamily="50" charset="-127"/>
+                      </a:endParaRPr>
+                    </a:p>
+                  </a:txBody>
+                  <a:tcPr marT="45721" marB="45721" anchor="ctr">
+                    <a:lnL w="12700" cap="flat" cmpd="sng" algn="ctr">
+                      <a:solidFill>
+                        <a:schemeClr val="bg1">
+                          <a:lumMod val="85000"/>
+                        </a:schemeClr>
+                      </a:solidFill>
+                      <a:prstDash val="solid"/>
+                      <a:round/>
+                      <a:headEnd type="none" w="med" len="med"/>
+                      <a:tailEnd type="none" w="med" len="med"/>
+                    </a:lnL>
+                    <a:lnR w="12700" cap="flat" cmpd="sng" algn="ctr">
+                      <a:solidFill>
+                        <a:schemeClr val="bg1">
+                          <a:lumMod val="85000"/>
+                        </a:schemeClr>
+                      </a:solidFill>
+                      <a:prstDash val="solid"/>
+                      <a:round/>
+                      <a:headEnd type="none" w="med" len="med"/>
+                      <a:tailEnd type="none" w="med" len="med"/>
+                    </a:lnR>
+                    <a:lnT w="12700" cap="flat" cmpd="sng" algn="ctr">
+                      <a:solidFill>
+                        <a:schemeClr val="bg1">
+                          <a:lumMod val="85000"/>
+                        </a:schemeClr>
+                      </a:solidFill>
+                      <a:prstDash val="solid"/>
+                      <a:round/>
+                      <a:headEnd type="none" w="med" len="med"/>
+                      <a:tailEnd type="none" w="med" len="med"/>
+                    </a:lnT>
+                    <a:lnB w="12700" cap="flat" cmpd="sng" algn="ctr">
+                      <a:solidFill>
+                        <a:schemeClr val="bg1">
+                          <a:lumMod val="85000"/>
+                        </a:schemeClr>
+                      </a:solidFill>
+                      <a:prstDash val="solid"/>
+                      <a:round/>
+                      <a:headEnd type="none" w="med" len="med"/>
+                      <a:tailEnd type="none" w="med" len="med"/>
+                    </a:lnB>
+                    <a:lnTlToBr w="12700" cmpd="sng">
+                      <a:noFill/>
+                      <a:prstDash val="solid"/>
+                    </a:lnTlToBr>
+                    <a:lnBlToTr w="12700" cmpd="sng">
+                      <a:noFill/>
+                      <a:prstDash val="solid"/>
+                    </a:lnBlToTr>
+                    <a:solidFill>
+                      <a:srgbClr val="FFFFFF"/>
+                    </a:solidFill>
+                  </a:tcPr>
+                </a:tc>
+                <a:extLst>
+                  <a:ext uri="{0D108BD9-81ED-4DB2-BD59-A6C34878D82A}">
+                    <a16:rowId xmlns:a16="http://schemas.microsoft.com/office/drawing/2014/main" val="2960650416"/>
+                  </a:ext>
+                </a:extLst>
+              </a:tr>
+            </a:tbl>
+          </a:graphicData>
+        </a:graphic>
+      </p:graphicFrame>
+      <p:sp>
+        <p:nvSpPr>
+          <p:cNvPr id="39" name="직사각형 38">
+            <a:extLst>
+              <a:ext uri="{FF2B5EF4-FFF2-40B4-BE49-F238E27FC236}">
+                <a16:creationId xmlns:a16="http://schemas.microsoft.com/office/drawing/2014/main" id="{0C1765B6-42DD-1544-905F-B4740BD8CBDE}"/>
+              </a:ext>
+            </a:extLst>
+          </p:cNvPr>
+          <p:cNvSpPr/>
+          <p:nvPr/>
+        </p:nvSpPr>
+        <p:spPr>
+          <a:xfrm>
+            <a:off x="11295524" y="4660171"/>
+            <a:ext cx="191625" cy="231540"/>
+          </a:xfrm>
+          <a:prstGeom prst="rect">
+            <a:avLst/>
+          </a:prstGeom>
+          <a:solidFill>
+            <a:schemeClr val="bg1">
+              <a:lumMod val="85000"/>
+            </a:schemeClr>
+          </a:solidFill>
+          <a:ln>
+            <a:solidFill>
+              <a:schemeClr val="bg1">
+                <a:lumMod val="75000"/>
+              </a:schemeClr>
+            </a:solidFill>
+          </a:ln>
+        </p:spPr>
+        <p:style>
+          <a:lnRef idx="2">
+            <a:schemeClr val="accent1">
+              <a:shade val="50000"/>
+            </a:schemeClr>
+          </a:lnRef>
+          <a:fillRef idx="1">
+            <a:schemeClr val="accent1"/>
+          </a:fillRef>
+          <a:effectRef idx="0">
+            <a:schemeClr val="accent1"/>
+          </a:effectRef>
+          <a:fontRef idx="minor">
+            <a:schemeClr val="lt1"/>
+          </a:fontRef>
+        </p:style>
+        <p:txBody>
+          <a:bodyPr rtlCol="0" anchor="ctr"/>
+          <a:lstStyle/>
+          <a:p>
+            <a:pPr algn="ctr"/>
+            <a:endParaRPr kumimoji="1" lang="ko-Kore-KR" altLang="en-US">
+              <a:latin typeface="Nanum Gothic" panose="020D0604000000000000" pitchFamily="34" charset="-127"/>
+              <a:ea typeface="Nanum Gothic" panose="020D0604000000000000" pitchFamily="34" charset="-127"/>
+            </a:endParaRPr>
+          </a:p>
+        </p:txBody>
+      </p:sp>
+      <p:sp>
+        <p:nvSpPr>
+          <p:cNvPr id="40" name="병합 69">
+            <a:extLst>
+              <a:ext uri="{FF2B5EF4-FFF2-40B4-BE49-F238E27FC236}">
+                <a16:creationId xmlns:a16="http://schemas.microsoft.com/office/drawing/2014/main" id="{F9760229-99D6-2646-835C-E5D50C47CEAC}"/>
+              </a:ext>
+            </a:extLst>
+          </p:cNvPr>
+          <p:cNvSpPr/>
+          <p:nvPr/>
+        </p:nvSpPr>
+        <p:spPr>
+          <a:xfrm>
+            <a:off x="11324427" y="4713121"/>
+            <a:ext cx="134702" cy="135133"/>
+          </a:xfrm>
+          <a:prstGeom prst="flowChartMerge">
+            <a:avLst/>
+          </a:prstGeom>
+          <a:solidFill>
+            <a:schemeClr val="bg1">
+              <a:lumMod val="50000"/>
+            </a:schemeClr>
+          </a:solidFill>
+          <a:ln>
+            <a:noFill/>
+          </a:ln>
+        </p:spPr>
+        <p:style>
+          <a:lnRef idx="2">
+            <a:schemeClr val="accent1">
+              <a:shade val="50000"/>
+            </a:schemeClr>
+          </a:lnRef>
+          <a:fillRef idx="1">
+            <a:schemeClr val="accent1"/>
+          </a:fillRef>
+          <a:effectRef idx="0">
+            <a:schemeClr val="accent1"/>
+          </a:effectRef>
+          <a:fontRef idx="minor">
+            <a:schemeClr val="lt1"/>
+          </a:fontRef>
+        </p:style>
+        <p:txBody>
+          <a:bodyPr rot="0" spcFirstLastPara="0" vertOverflow="overflow" horzOverflow="overflow" vert="horz" wrap="square" lIns="91440" tIns="45721" rIns="91440" bIns="45721" numCol="1" spcCol="0" rtlCol="0" fromWordArt="0" anchor="ctr" anchorCtr="0" forceAA="0" compatLnSpc="1">
+            <a:prstTxWarp prst="textNoShape">
+              <a:avLst/>
+            </a:prstTxWarp>
+            <a:noAutofit/>
+          </a:bodyPr>
+          <a:lstStyle/>
+          <a:p>
+            <a:pPr algn="ctr"/>
+            <a:endParaRPr kumimoji="1" lang="ko-Kore-KR" altLang="en-US" sz="1801">
+              <a:latin typeface="Nanum Gothic" panose="020D0604000000000000" pitchFamily="34" charset="-127"/>
+              <a:ea typeface="Nanum Gothic" panose="020D0604000000000000" pitchFamily="34" charset="-127"/>
+            </a:endParaRPr>
+          </a:p>
+        </p:txBody>
+      </p:sp>
+    </p:spTree>
+    <p:extLst>
+      <p:ext uri="{BB962C8B-B14F-4D97-AF65-F5344CB8AC3E}">
+        <p14:creationId xmlns:p14="http://schemas.microsoft.com/office/powerpoint/2010/main" val="225296146"/>
+      </p:ext>
+    </p:extLst>
+  </p:cSld>
+  <p:clrMapOvr>
+    <a:masterClrMapping/>
+  </p:clrMapOvr>
+</p:sld>
+</file>
+
+<file path=ppt/slides/slide11.xml><?xml version="1.0" encoding="utf-8"?>
+<p:sld xmlns:a="http://schemas.openxmlformats.org/drawingml/2006/main" xmlns:r="http://schemas.openxmlformats.org/officeDocument/2006/relationships" xmlns:p="http://schemas.openxmlformats.org/presentationml/2006/main">
+  <p:cSld>
+    <p:bg>
+      <p:bgPr>
+        <a:solidFill>
+          <a:srgbClr val="E8E7E7"/>
+        </a:solidFill>
+        <a:effectLst/>
+      </p:bgPr>
+    </p:bg>
+    <p:spTree>
+      <p:nvGrpSpPr>
+        <p:cNvPr id="1" name=""/>
+        <p:cNvGrpSpPr/>
+        <p:nvPr/>
+      </p:nvGrpSpPr>
+      <p:grpSpPr>
+        <a:xfrm>
+          <a:off x="0" y="0"/>
+          <a:ext cx="0" cy="0"/>
+          <a:chOff x="0" y="0"/>
+          <a:chExt cx="0" cy="0"/>
+        </a:xfrm>
+      </p:grpSpPr>
+      <p:sp>
+        <p:nvSpPr>
+          <p:cNvPr id="53" name="모서리가 둥근 직사각형 52">
+            <a:extLst>
+              <a:ext uri="{FF2B5EF4-FFF2-40B4-BE49-F238E27FC236}">
+                <a16:creationId xmlns:a16="http://schemas.microsoft.com/office/drawing/2014/main" id="{DE12EC24-A406-0343-A242-2E460051B0A6}"/>
+              </a:ext>
+            </a:extLst>
+          </p:cNvPr>
+          <p:cNvSpPr/>
+          <p:nvPr/>
+        </p:nvSpPr>
+        <p:spPr>
+          <a:xfrm>
+            <a:off x="486228" y="490055"/>
+            <a:ext cx="11219543" cy="5877889"/>
+          </a:xfrm>
+          <a:prstGeom prst="roundRect">
+            <a:avLst>
+              <a:gd name="adj" fmla="val 3091"/>
+            </a:avLst>
+          </a:prstGeom>
+          <a:solidFill>
+            <a:schemeClr val="bg1"/>
+          </a:solidFill>
+          <a:ln>
+            <a:solidFill>
+              <a:schemeClr val="bg1">
+                <a:lumMod val="85000"/>
+              </a:schemeClr>
+            </a:solidFill>
+          </a:ln>
+        </p:spPr>
+        <p:style>
+          <a:lnRef idx="2">
+            <a:schemeClr val="accent1">
+              <a:shade val="50000"/>
+            </a:schemeClr>
+          </a:lnRef>
+          <a:fillRef idx="1">
+            <a:schemeClr val="accent1"/>
+          </a:fillRef>
+          <a:effectRef idx="0">
+            <a:schemeClr val="accent1"/>
+          </a:effectRef>
+          <a:fontRef idx="minor">
+            <a:schemeClr val="lt1"/>
+          </a:fontRef>
+        </p:style>
+        <p:txBody>
+          <a:bodyPr rot="0" spcFirstLastPara="0" vertOverflow="overflow" horzOverflow="overflow" vert="horz" wrap="square" lIns="91440" tIns="45721" rIns="91440" bIns="45721" numCol="1" spcCol="0" rtlCol="0" fromWordArt="0" anchor="ctr" anchorCtr="0" forceAA="0" compatLnSpc="1">
+            <a:prstTxWarp prst="textNoShape">
+              <a:avLst/>
+            </a:prstTxWarp>
+            <a:noAutofit/>
+          </a:bodyPr>
+          <a:lstStyle/>
+          <a:p>
+            <a:pPr algn="ctr"/>
+            <a:endParaRPr kumimoji="1" lang="ko-Kore-KR" altLang="en-US" sz="1801">
               <a:latin typeface="나눔고딕" panose="020D0604000000000000" pitchFamily="50" charset="-127"/>
               <a:ea typeface="나눔고딕" panose="020D0604000000000000" pitchFamily="50" charset="-127"/>
             </a:endParaRPr>
@@ -8758,14 +12712,6 @@
 <file path=ppt/slides/slide3.xml><?xml version="1.0" encoding="utf-8"?>
 <p:sld xmlns:a="http://schemas.openxmlformats.org/drawingml/2006/main" xmlns:r="http://schemas.openxmlformats.org/officeDocument/2006/relationships" xmlns:p="http://schemas.openxmlformats.org/presentationml/2006/main">
   <p:cSld>
-    <p:bg>
-      <p:bgPr>
-        <a:solidFill>
-          <a:srgbClr val="E8E7E7"/>
-        </a:solidFill>
-        <a:effectLst/>
-      </p:bgPr>
-    </p:bg>
     <p:spTree>
       <p:nvGrpSpPr>
         <p:cNvPr id="1" name=""/>
@@ -9252,6 +13198,673 @@
     </p:spTree>
     <p:extLst>
       <p:ext uri="{BB962C8B-B14F-4D97-AF65-F5344CB8AC3E}">
+        <p14:creationId xmlns:p14="http://schemas.microsoft.com/office/powerpoint/2010/main" val="3788199712"/>
+      </p:ext>
+    </p:extLst>
+  </p:cSld>
+  <p:clrMapOvr>
+    <a:masterClrMapping/>
+  </p:clrMapOvr>
+</p:sld>
+</file>
+
+<file path=ppt/slides/slide4.xml><?xml version="1.0" encoding="utf-8"?>
+<p:sld xmlns:a="http://schemas.openxmlformats.org/drawingml/2006/main" xmlns:r="http://schemas.openxmlformats.org/officeDocument/2006/relationships" xmlns:p="http://schemas.openxmlformats.org/presentationml/2006/main">
+  <p:cSld>
+    <p:bg>
+      <p:bgPr>
+        <a:solidFill>
+          <a:srgbClr val="E8E7E7"/>
+        </a:solidFill>
+        <a:effectLst/>
+      </p:bgPr>
+    </p:bg>
+    <p:spTree>
+      <p:nvGrpSpPr>
+        <p:cNvPr id="1" name=""/>
+        <p:cNvGrpSpPr/>
+        <p:nvPr/>
+      </p:nvGrpSpPr>
+      <p:grpSpPr>
+        <a:xfrm>
+          <a:off x="0" y="0"/>
+          <a:ext cx="0" cy="0"/>
+          <a:chOff x="0" y="0"/>
+          <a:chExt cx="0" cy="0"/>
+        </a:xfrm>
+      </p:grpSpPr>
+      <p:sp>
+        <p:nvSpPr>
+          <p:cNvPr id="12" name="모서리가 둥근 직사각형 11">
+            <a:extLst>
+              <a:ext uri="{FF2B5EF4-FFF2-40B4-BE49-F238E27FC236}">
+                <a16:creationId xmlns:a16="http://schemas.microsoft.com/office/drawing/2014/main" id="{DE12EC24-A406-0343-A242-2E460051B0A6}"/>
+              </a:ext>
+            </a:extLst>
+          </p:cNvPr>
+          <p:cNvSpPr/>
+          <p:nvPr/>
+        </p:nvSpPr>
+        <p:spPr>
+          <a:xfrm>
+            <a:off x="564167" y="445623"/>
+            <a:ext cx="11069033" cy="5917078"/>
+          </a:xfrm>
+          <a:prstGeom prst="roundRect">
+            <a:avLst>
+              <a:gd name="adj" fmla="val 3091"/>
+            </a:avLst>
+          </a:prstGeom>
+          <a:solidFill>
+            <a:schemeClr val="bg1"/>
+          </a:solidFill>
+          <a:ln>
+            <a:solidFill>
+              <a:schemeClr val="bg1">
+                <a:lumMod val="85000"/>
+              </a:schemeClr>
+            </a:solidFill>
+          </a:ln>
+        </p:spPr>
+        <p:style>
+          <a:lnRef idx="2">
+            <a:schemeClr val="accent1">
+              <a:shade val="50000"/>
+            </a:schemeClr>
+          </a:lnRef>
+          <a:fillRef idx="1">
+            <a:schemeClr val="accent1"/>
+          </a:fillRef>
+          <a:effectRef idx="0">
+            <a:schemeClr val="accent1"/>
+          </a:effectRef>
+          <a:fontRef idx="minor">
+            <a:schemeClr val="lt1"/>
+          </a:fontRef>
+        </p:style>
+        <p:txBody>
+          <a:bodyPr rot="0" spcFirstLastPara="0" vertOverflow="overflow" horzOverflow="overflow" vert="horz" wrap="square" lIns="91440" tIns="45721" rIns="91440" bIns="45721" numCol="1" spcCol="0" rtlCol="0" fromWordArt="0" anchor="ctr" anchorCtr="0" forceAA="0" compatLnSpc="1">
+            <a:prstTxWarp prst="textNoShape">
+              <a:avLst/>
+            </a:prstTxWarp>
+            <a:noAutofit/>
+          </a:bodyPr>
+          <a:lstStyle/>
+          <a:p>
+            <a:pPr algn="ctr"/>
+            <a:endParaRPr kumimoji="1" lang="ko-Kore-KR" altLang="en-US" sz="1801">
+              <a:latin typeface="Nanum Gothic" panose="020D0604000000000000" pitchFamily="34" charset="-127"/>
+              <a:ea typeface="Nanum Gothic" panose="020D0604000000000000" pitchFamily="34" charset="-127"/>
+            </a:endParaRPr>
+          </a:p>
+        </p:txBody>
+      </p:sp>
+      <p:sp>
+        <p:nvSpPr>
+          <p:cNvPr id="53" name="모서리가 둥근 직사각형 52">
+            <a:extLst>
+              <a:ext uri="{FF2B5EF4-FFF2-40B4-BE49-F238E27FC236}">
+                <a16:creationId xmlns:a16="http://schemas.microsoft.com/office/drawing/2014/main" id="{DE12EC24-A406-0343-A242-2E460051B0A6}"/>
+              </a:ext>
+            </a:extLst>
+          </p:cNvPr>
+          <p:cNvSpPr/>
+          <p:nvPr/>
+        </p:nvSpPr>
+        <p:spPr>
+          <a:xfrm>
+            <a:off x="852954" y="1005813"/>
+            <a:ext cx="5060066" cy="4607587"/>
+          </a:xfrm>
+          <a:prstGeom prst="roundRect">
+            <a:avLst>
+              <a:gd name="adj" fmla="val 3091"/>
+            </a:avLst>
+          </a:prstGeom>
+          <a:solidFill>
+            <a:schemeClr val="bg1"/>
+          </a:solidFill>
+          <a:ln>
+            <a:solidFill>
+              <a:schemeClr val="bg1">
+                <a:lumMod val="85000"/>
+              </a:schemeClr>
+            </a:solidFill>
+          </a:ln>
+        </p:spPr>
+        <p:style>
+          <a:lnRef idx="2">
+            <a:schemeClr val="accent1">
+              <a:shade val="50000"/>
+            </a:schemeClr>
+          </a:lnRef>
+          <a:fillRef idx="1">
+            <a:schemeClr val="accent1"/>
+          </a:fillRef>
+          <a:effectRef idx="0">
+            <a:schemeClr val="accent1"/>
+          </a:effectRef>
+          <a:fontRef idx="minor">
+            <a:schemeClr val="lt1"/>
+          </a:fontRef>
+        </p:style>
+        <p:txBody>
+          <a:bodyPr rot="0" spcFirstLastPara="0" vertOverflow="overflow" horzOverflow="overflow" vert="horz" wrap="square" lIns="91440" tIns="45721" rIns="91440" bIns="45721" numCol="1" spcCol="0" rtlCol="0" fromWordArt="0" anchor="ctr" anchorCtr="0" forceAA="0" compatLnSpc="1">
+            <a:prstTxWarp prst="textNoShape">
+              <a:avLst/>
+            </a:prstTxWarp>
+            <a:noAutofit/>
+          </a:bodyPr>
+          <a:lstStyle/>
+          <a:p>
+            <a:pPr algn="ctr"/>
+            <a:endParaRPr kumimoji="1" lang="ko-Kore-KR" altLang="en-US" sz="1801">
+              <a:latin typeface="Nanum Gothic" panose="020D0604000000000000" pitchFamily="34" charset="-127"/>
+              <a:ea typeface="Nanum Gothic" panose="020D0604000000000000" pitchFamily="34" charset="-127"/>
+            </a:endParaRPr>
+          </a:p>
+        </p:txBody>
+      </p:sp>
+      <p:sp>
+        <p:nvSpPr>
+          <p:cNvPr id="54" name="TextBox 53">
+            <a:extLst>
+              <a:ext uri="{FF2B5EF4-FFF2-40B4-BE49-F238E27FC236}">
+                <a16:creationId xmlns:a16="http://schemas.microsoft.com/office/drawing/2014/main" id="{79EED055-D183-7841-9D93-D1C3F8738DA3}"/>
+              </a:ext>
+            </a:extLst>
+          </p:cNvPr>
+          <p:cNvSpPr txBox="1"/>
+          <p:nvPr/>
+        </p:nvSpPr>
+        <p:spPr>
+          <a:xfrm>
+            <a:off x="1087782" y="1312004"/>
+            <a:ext cx="2713465" cy="400110"/>
+          </a:xfrm>
+          <a:prstGeom prst="rect">
+            <a:avLst/>
+          </a:prstGeom>
+          <a:noFill/>
+        </p:spPr>
+        <p:txBody>
+          <a:bodyPr wrap="square" rtlCol="0">
+            <a:spAutoFit/>
+          </a:bodyPr>
+          <a:lstStyle/>
+          <a:p>
+            <a:r>
+              <a:rPr kumimoji="1" lang="en-US" altLang="ko-KR" sz="2000" b="1" dirty="0">
+                <a:latin typeface="Nanum Gothic" panose="020D0604000000000000" pitchFamily="34" charset="-127"/>
+                <a:ea typeface="Nanum Gothic" panose="020D0604000000000000" pitchFamily="34" charset="-127"/>
+              </a:rPr>
+              <a:t>Korean</a:t>
+            </a:r>
+          </a:p>
+        </p:txBody>
+      </p:sp>
+      <p:sp>
+        <p:nvSpPr>
+          <p:cNvPr id="14" name="모서리가 둥근 직사각형 13">
+            <a:extLst>
+              <a:ext uri="{FF2B5EF4-FFF2-40B4-BE49-F238E27FC236}">
+                <a16:creationId xmlns:a16="http://schemas.microsoft.com/office/drawing/2014/main" id="{7544A3C4-1EBE-3241-B9C1-C2ADF115F8EE}"/>
+              </a:ext>
+            </a:extLst>
+          </p:cNvPr>
+          <p:cNvSpPr/>
+          <p:nvPr/>
+        </p:nvSpPr>
+        <p:spPr>
+          <a:xfrm>
+            <a:off x="1132762" y="1838424"/>
+            <a:ext cx="4555287" cy="3524615"/>
+          </a:xfrm>
+          <a:prstGeom prst="roundRect">
+            <a:avLst>
+              <a:gd name="adj" fmla="val 3091"/>
+            </a:avLst>
+          </a:prstGeom>
+          <a:solidFill>
+            <a:schemeClr val="bg1"/>
+          </a:solidFill>
+          <a:ln>
+            <a:solidFill>
+              <a:schemeClr val="bg1">
+                <a:lumMod val="85000"/>
+              </a:schemeClr>
+            </a:solidFill>
+          </a:ln>
+        </p:spPr>
+        <p:style>
+          <a:lnRef idx="2">
+            <a:schemeClr val="accent1">
+              <a:shade val="50000"/>
+            </a:schemeClr>
+          </a:lnRef>
+          <a:fillRef idx="1">
+            <a:schemeClr val="accent1"/>
+          </a:fillRef>
+          <a:effectRef idx="0">
+            <a:schemeClr val="accent1"/>
+          </a:effectRef>
+          <a:fontRef idx="minor">
+            <a:schemeClr val="lt1"/>
+          </a:fontRef>
+        </p:style>
+        <p:txBody>
+          <a:bodyPr rot="0" spcFirstLastPara="0" vertOverflow="overflow" horzOverflow="overflow" vert="horz" wrap="square" lIns="91440" tIns="45721" rIns="91440" bIns="45721" numCol="1" spcCol="0" rtlCol="0" fromWordArt="0" anchor="ctr" anchorCtr="0" forceAA="0" compatLnSpc="1">
+            <a:prstTxWarp prst="textNoShape">
+              <a:avLst/>
+            </a:prstTxWarp>
+            <a:noAutofit/>
+          </a:bodyPr>
+          <a:lstStyle/>
+          <a:p>
+            <a:pPr algn="ctr"/>
+            <a:endParaRPr kumimoji="1" lang="ko-Kore-KR" altLang="en-US" sz="1801">
+              <a:latin typeface="Nanum Gothic" panose="020D0604000000000000" pitchFamily="34" charset="-127"/>
+              <a:ea typeface="Nanum Gothic" panose="020D0604000000000000" pitchFamily="34" charset="-127"/>
+            </a:endParaRPr>
+          </a:p>
+        </p:txBody>
+      </p:sp>
+      <p:sp>
+        <p:nvSpPr>
+          <p:cNvPr id="16" name="모서리가 둥근 직사각형 15">
+            <a:extLst>
+              <a:ext uri="{FF2B5EF4-FFF2-40B4-BE49-F238E27FC236}">
+                <a16:creationId xmlns:a16="http://schemas.microsoft.com/office/drawing/2014/main" id="{EF0A88E6-36E8-D64C-9830-4A1FA4FE0B87}"/>
+              </a:ext>
+            </a:extLst>
+          </p:cNvPr>
+          <p:cNvSpPr/>
+          <p:nvPr/>
+        </p:nvSpPr>
+        <p:spPr>
+          <a:xfrm>
+            <a:off x="6210908" y="1005813"/>
+            <a:ext cx="5060066" cy="4607587"/>
+          </a:xfrm>
+          <a:prstGeom prst="roundRect">
+            <a:avLst>
+              <a:gd name="adj" fmla="val 3091"/>
+            </a:avLst>
+          </a:prstGeom>
+          <a:solidFill>
+            <a:schemeClr val="bg1"/>
+          </a:solidFill>
+          <a:ln>
+            <a:solidFill>
+              <a:schemeClr val="bg1">
+                <a:lumMod val="85000"/>
+              </a:schemeClr>
+            </a:solidFill>
+          </a:ln>
+        </p:spPr>
+        <p:style>
+          <a:lnRef idx="2">
+            <a:schemeClr val="accent1">
+              <a:shade val="50000"/>
+            </a:schemeClr>
+          </a:lnRef>
+          <a:fillRef idx="1">
+            <a:schemeClr val="accent1"/>
+          </a:fillRef>
+          <a:effectRef idx="0">
+            <a:schemeClr val="accent1"/>
+          </a:effectRef>
+          <a:fontRef idx="minor">
+            <a:schemeClr val="lt1"/>
+          </a:fontRef>
+        </p:style>
+        <p:txBody>
+          <a:bodyPr rot="0" spcFirstLastPara="0" vertOverflow="overflow" horzOverflow="overflow" vert="horz" wrap="square" lIns="91440" tIns="45721" rIns="91440" bIns="45721" numCol="1" spcCol="0" rtlCol="0" fromWordArt="0" anchor="ctr" anchorCtr="0" forceAA="0" compatLnSpc="1">
+            <a:prstTxWarp prst="textNoShape">
+              <a:avLst/>
+            </a:prstTxWarp>
+            <a:noAutofit/>
+          </a:bodyPr>
+          <a:lstStyle/>
+          <a:p>
+            <a:pPr algn="ctr"/>
+            <a:endParaRPr kumimoji="1" lang="ko-Kore-KR" altLang="en-US" sz="1801">
+              <a:latin typeface="Nanum Gothic" panose="020D0604000000000000" pitchFamily="34" charset="-127"/>
+              <a:ea typeface="Nanum Gothic" panose="020D0604000000000000" pitchFamily="34" charset="-127"/>
+            </a:endParaRPr>
+          </a:p>
+        </p:txBody>
+      </p:sp>
+      <p:sp>
+        <p:nvSpPr>
+          <p:cNvPr id="17" name="TextBox 16">
+            <a:extLst>
+              <a:ext uri="{FF2B5EF4-FFF2-40B4-BE49-F238E27FC236}">
+                <a16:creationId xmlns:a16="http://schemas.microsoft.com/office/drawing/2014/main" id="{E28E96E8-ECF4-1F44-B8AF-8224605723AE}"/>
+              </a:ext>
+            </a:extLst>
+          </p:cNvPr>
+          <p:cNvSpPr txBox="1"/>
+          <p:nvPr/>
+        </p:nvSpPr>
+        <p:spPr>
+          <a:xfrm>
+            <a:off x="6445736" y="1312004"/>
+            <a:ext cx="2713465" cy="400110"/>
+          </a:xfrm>
+          <a:prstGeom prst="rect">
+            <a:avLst/>
+          </a:prstGeom>
+          <a:noFill/>
+        </p:spPr>
+        <p:txBody>
+          <a:bodyPr wrap="square" rtlCol="0">
+            <a:spAutoFit/>
+          </a:bodyPr>
+          <a:lstStyle/>
+          <a:p>
+            <a:r>
+              <a:rPr kumimoji="1" lang="en-US" altLang="ko-KR" sz="2000" b="1" dirty="0">
+                <a:latin typeface="Nanum Gothic" panose="020D0604000000000000" pitchFamily="34" charset="-127"/>
+                <a:ea typeface="Nanum Gothic" panose="020D0604000000000000" pitchFamily="34" charset="-127"/>
+              </a:rPr>
+              <a:t>English</a:t>
+            </a:r>
+          </a:p>
+        </p:txBody>
+      </p:sp>
+      <p:sp>
+        <p:nvSpPr>
+          <p:cNvPr id="18" name="모서리가 둥근 직사각형 17">
+            <a:extLst>
+              <a:ext uri="{FF2B5EF4-FFF2-40B4-BE49-F238E27FC236}">
+                <a16:creationId xmlns:a16="http://schemas.microsoft.com/office/drawing/2014/main" id="{24C19C21-659F-FE46-AAF6-80BB732D19BF}"/>
+              </a:ext>
+            </a:extLst>
+          </p:cNvPr>
+          <p:cNvSpPr/>
+          <p:nvPr/>
+        </p:nvSpPr>
+        <p:spPr>
+          <a:xfrm>
+            <a:off x="6490716" y="1838424"/>
+            <a:ext cx="4555287" cy="3524615"/>
+          </a:xfrm>
+          <a:prstGeom prst="roundRect">
+            <a:avLst>
+              <a:gd name="adj" fmla="val 3091"/>
+            </a:avLst>
+          </a:prstGeom>
+          <a:solidFill>
+            <a:schemeClr val="bg1"/>
+          </a:solidFill>
+          <a:ln>
+            <a:solidFill>
+              <a:schemeClr val="bg1">
+                <a:lumMod val="85000"/>
+              </a:schemeClr>
+            </a:solidFill>
+          </a:ln>
+        </p:spPr>
+        <p:style>
+          <a:lnRef idx="2">
+            <a:schemeClr val="accent1">
+              <a:shade val="50000"/>
+            </a:schemeClr>
+          </a:lnRef>
+          <a:fillRef idx="1">
+            <a:schemeClr val="accent1"/>
+          </a:fillRef>
+          <a:effectRef idx="0">
+            <a:schemeClr val="accent1"/>
+          </a:effectRef>
+          <a:fontRef idx="minor">
+            <a:schemeClr val="lt1"/>
+          </a:fontRef>
+        </p:style>
+        <p:txBody>
+          <a:bodyPr rot="0" spcFirstLastPara="0" vertOverflow="overflow" horzOverflow="overflow" vert="horz" wrap="square" lIns="91440" tIns="45721" rIns="91440" bIns="45721" numCol="1" spcCol="0" rtlCol="0" fromWordArt="0" anchor="ctr" anchorCtr="0" forceAA="0" compatLnSpc="1">
+            <a:prstTxWarp prst="textNoShape">
+              <a:avLst/>
+            </a:prstTxWarp>
+            <a:noAutofit/>
+          </a:bodyPr>
+          <a:lstStyle/>
+          <a:p>
+            <a:pPr algn="ctr"/>
+            <a:endParaRPr kumimoji="1" lang="ko-Kore-KR" altLang="en-US" sz="1801">
+              <a:latin typeface="Nanum Gothic" panose="020D0604000000000000" pitchFamily="34" charset="-127"/>
+              <a:ea typeface="Nanum Gothic" panose="020D0604000000000000" pitchFamily="34" charset="-127"/>
+            </a:endParaRPr>
+          </a:p>
+        </p:txBody>
+      </p:sp>
+      <p:sp>
+        <p:nvSpPr>
+          <p:cNvPr id="19" name="모서리가 둥근 직사각형 18">
+            <a:extLst>
+              <a:ext uri="{FF2B5EF4-FFF2-40B4-BE49-F238E27FC236}">
+                <a16:creationId xmlns:a16="http://schemas.microsoft.com/office/drawing/2014/main" id="{CC2D22CA-D3F4-6049-B8F3-68CF44C556AF}"/>
+              </a:ext>
+            </a:extLst>
+          </p:cNvPr>
+          <p:cNvSpPr/>
+          <p:nvPr/>
+        </p:nvSpPr>
+        <p:spPr>
+          <a:xfrm>
+            <a:off x="10223205" y="5786853"/>
+            <a:ext cx="1047769" cy="402395"/>
+          </a:xfrm>
+          <a:prstGeom prst="roundRect">
+            <a:avLst>
+              <a:gd name="adj" fmla="val 20226"/>
+            </a:avLst>
+          </a:prstGeom>
+          <a:solidFill>
+            <a:srgbClr val="3499DC"/>
+          </a:solidFill>
+          <a:ln>
+            <a:solidFill>
+              <a:schemeClr val="bg1"/>
+            </a:solidFill>
+          </a:ln>
+        </p:spPr>
+        <p:style>
+          <a:lnRef idx="2">
+            <a:schemeClr val="accent1">
+              <a:shade val="50000"/>
+            </a:schemeClr>
+          </a:lnRef>
+          <a:fillRef idx="1">
+            <a:schemeClr val="accent1"/>
+          </a:fillRef>
+          <a:effectRef idx="0">
+            <a:schemeClr val="accent1"/>
+          </a:effectRef>
+          <a:fontRef idx="minor">
+            <a:schemeClr val="lt1"/>
+          </a:fontRef>
+        </p:style>
+        <p:txBody>
+          <a:bodyPr rot="0" spcFirstLastPara="0" vertOverflow="overflow" horzOverflow="overflow" vert="horz" wrap="square" lIns="91440" tIns="45721" rIns="91440" bIns="45721" numCol="1" spcCol="0" rtlCol="0" fromWordArt="0" anchor="ctr" anchorCtr="0" forceAA="0" compatLnSpc="1">
+            <a:prstTxWarp prst="textNoShape">
+              <a:avLst/>
+            </a:prstTxWarp>
+            <a:noAutofit/>
+          </a:bodyPr>
+          <a:lstStyle/>
+          <a:p>
+            <a:pPr algn="ctr"/>
+            <a:r>
+              <a:rPr kumimoji="1" lang="ko-KR" altLang="en-US" dirty="0" smtClean="0">
+                <a:solidFill>
+                  <a:schemeClr val="bg1"/>
+                </a:solidFill>
+                <a:latin typeface="Nanum Gothic" panose="020D0604000000000000" pitchFamily="34" charset="-127"/>
+                <a:ea typeface="Nanum Gothic" panose="020D0604000000000000" pitchFamily="34" charset="-127"/>
+              </a:rPr>
+              <a:t>제출</a:t>
+            </a:r>
+            <a:endParaRPr kumimoji="1" lang="ko-Kore-KR" altLang="en-US" dirty="0">
+              <a:solidFill>
+                <a:schemeClr val="bg1"/>
+              </a:solidFill>
+              <a:latin typeface="Nanum Gothic" panose="020D0604000000000000" pitchFamily="34" charset="-127"/>
+              <a:ea typeface="Nanum Gothic" panose="020D0604000000000000" pitchFamily="34" charset="-127"/>
+            </a:endParaRPr>
+          </a:p>
+        </p:txBody>
+      </p:sp>
+      <p:sp>
+        <p:nvSpPr>
+          <p:cNvPr id="20" name="TextBox 19">
+            <a:extLst>
+              <a:ext uri="{FF2B5EF4-FFF2-40B4-BE49-F238E27FC236}">
+                <a16:creationId xmlns:a16="http://schemas.microsoft.com/office/drawing/2014/main" id="{993CF795-18CF-9C46-A382-8E70138C9A03}"/>
+              </a:ext>
+            </a:extLst>
+          </p:cNvPr>
+          <p:cNvSpPr txBox="1"/>
+          <p:nvPr/>
+        </p:nvSpPr>
+        <p:spPr>
+          <a:xfrm>
+            <a:off x="1337163" y="2144616"/>
+            <a:ext cx="3756713" cy="400110"/>
+          </a:xfrm>
+          <a:prstGeom prst="rect">
+            <a:avLst/>
+          </a:prstGeom>
+          <a:noFill/>
+        </p:spPr>
+        <p:txBody>
+          <a:bodyPr wrap="square" rtlCol="0">
+            <a:spAutoFit/>
+          </a:bodyPr>
+          <a:lstStyle/>
+          <a:p>
+            <a:r>
+              <a:rPr kumimoji="1" lang="ko-KR" altLang="en-US" sz="2000" b="1" dirty="0" smtClean="0">
+                <a:solidFill>
+                  <a:schemeClr val="bg1">
+                    <a:lumMod val="50000"/>
+                  </a:schemeClr>
+                </a:solidFill>
+                <a:latin typeface="Nanum Gothic" panose="020D0604000000000000" pitchFamily="34" charset="-127"/>
+                <a:ea typeface="Nanum Gothic" panose="020D0604000000000000" pitchFamily="34" charset="-127"/>
+              </a:rPr>
+              <a:t>한국어 논문을 입력해주세요</a:t>
+            </a:r>
+            <a:endParaRPr kumimoji="1" lang="en-US" altLang="ko-KR" sz="2000" b="1" dirty="0">
+              <a:solidFill>
+                <a:schemeClr val="bg1">
+                  <a:lumMod val="50000"/>
+                </a:schemeClr>
+              </a:solidFill>
+              <a:latin typeface="Nanum Gothic" panose="020D0604000000000000" pitchFamily="34" charset="-127"/>
+              <a:ea typeface="Nanum Gothic" panose="020D0604000000000000" pitchFamily="34" charset="-127"/>
+            </a:endParaRPr>
+          </a:p>
+        </p:txBody>
+      </p:sp>
+      <p:sp>
+        <p:nvSpPr>
+          <p:cNvPr id="13" name="TextBox 12">
+            <a:extLst>
+              <a:ext uri="{FF2B5EF4-FFF2-40B4-BE49-F238E27FC236}">
+                <a16:creationId xmlns:a16="http://schemas.microsoft.com/office/drawing/2014/main" id="{79EED055-D183-7841-9D93-D1C3F8738DA3}"/>
+              </a:ext>
+            </a:extLst>
+          </p:cNvPr>
+          <p:cNvSpPr txBox="1"/>
+          <p:nvPr/>
+        </p:nvSpPr>
+        <p:spPr>
+          <a:xfrm>
+            <a:off x="1087781" y="537015"/>
+            <a:ext cx="2713465" cy="400110"/>
+          </a:xfrm>
+          <a:prstGeom prst="rect">
+            <a:avLst/>
+          </a:prstGeom>
+          <a:noFill/>
+        </p:spPr>
+        <p:txBody>
+          <a:bodyPr wrap="square" rtlCol="0">
+            <a:spAutoFit/>
+          </a:bodyPr>
+          <a:lstStyle/>
+          <a:p>
+            <a:r>
+              <a:rPr kumimoji="1" lang="ko-KR" altLang="en-US" sz="2000" b="1" dirty="0" smtClean="0">
+                <a:latin typeface="Nanum Gothic" panose="020D0604000000000000" pitchFamily="34" charset="-127"/>
+                <a:ea typeface="Nanum Gothic" panose="020D0604000000000000" pitchFamily="34" charset="-127"/>
+              </a:rPr>
+              <a:t>데이터 기여</a:t>
+            </a:r>
+            <a:endParaRPr kumimoji="1" lang="en-US" altLang="ko-KR" sz="2000" b="1" dirty="0">
+              <a:latin typeface="Nanum Gothic" panose="020D0604000000000000" pitchFamily="34" charset="-127"/>
+              <a:ea typeface="Nanum Gothic" panose="020D0604000000000000" pitchFamily="34" charset="-127"/>
+            </a:endParaRPr>
+          </a:p>
+        </p:txBody>
+      </p:sp>
+      <p:sp>
+        <p:nvSpPr>
+          <p:cNvPr id="15" name="TextBox 14">
+            <a:extLst>
+              <a:ext uri="{FF2B5EF4-FFF2-40B4-BE49-F238E27FC236}">
+                <a16:creationId xmlns:a16="http://schemas.microsoft.com/office/drawing/2014/main" id="{79EED055-D183-7841-9D93-D1C3F8738DA3}"/>
+              </a:ext>
+            </a:extLst>
+          </p:cNvPr>
+          <p:cNvSpPr txBox="1"/>
+          <p:nvPr/>
+        </p:nvSpPr>
+        <p:spPr>
+          <a:xfrm>
+            <a:off x="6764682" y="2144615"/>
+            <a:ext cx="3725518" cy="400110"/>
+          </a:xfrm>
+          <a:prstGeom prst="rect">
+            <a:avLst/>
+          </a:prstGeom>
+          <a:noFill/>
+        </p:spPr>
+        <p:txBody>
+          <a:bodyPr wrap="square" rtlCol="0">
+            <a:spAutoFit/>
+          </a:bodyPr>
+          <a:lstStyle/>
+          <a:p>
+            <a:r>
+              <a:rPr kumimoji="1" lang="ko-KR" altLang="en-US" sz="2000" b="1" dirty="0" smtClean="0">
+                <a:solidFill>
+                  <a:schemeClr val="bg1">
+                    <a:lumMod val="50000"/>
+                  </a:schemeClr>
+                </a:solidFill>
+                <a:latin typeface="Nanum Gothic" panose="020D0604000000000000" pitchFamily="34" charset="-127"/>
+                <a:ea typeface="Nanum Gothic" panose="020D0604000000000000" pitchFamily="34" charset="-127"/>
+              </a:rPr>
+              <a:t>영어 논문을 입력해주세요</a:t>
+            </a:r>
+            <a:endParaRPr kumimoji="1" lang="en-US" altLang="ko-KR" sz="2000" b="1" dirty="0">
+              <a:solidFill>
+                <a:schemeClr val="bg1">
+                  <a:lumMod val="50000"/>
+                </a:schemeClr>
+              </a:solidFill>
+              <a:latin typeface="Nanum Gothic" panose="020D0604000000000000" pitchFamily="34" charset="-127"/>
+              <a:ea typeface="Nanum Gothic" panose="020D0604000000000000" pitchFamily="34" charset="-127"/>
+            </a:endParaRPr>
+          </a:p>
+        </p:txBody>
+      </p:sp>
+    </p:spTree>
+    <p:extLst>
+      <p:ext uri="{BB962C8B-B14F-4D97-AF65-F5344CB8AC3E}">
         <p14:creationId xmlns:p14="http://schemas.microsoft.com/office/powerpoint/2010/main" val="4011574979"/>
       </p:ext>
     </p:extLst>
@@ -9262,7 +13875,7 @@
 </p:sld>
 </file>
 
-<file path=ppt/slides/slide4.xml><?xml version="1.0" encoding="utf-8"?>
+<file path=ppt/slides/slide5.xml><?xml version="1.0" encoding="utf-8"?>
 <p:sld xmlns:a="http://schemas.openxmlformats.org/drawingml/2006/main" xmlns:r="http://schemas.openxmlformats.org/officeDocument/2006/relationships" xmlns:p="http://schemas.openxmlformats.org/presentationml/2006/main">
   <p:cSld>
     <p:bg>
@@ -10432,7 +15045,7 @@
           <a:p>
             <a:pPr algn="ctr"/>
             <a:r>
-              <a:rPr kumimoji="1" lang="ko-KR" altLang="en-US" dirty="0">
+              <a:rPr kumimoji="1" lang="ko-KR" altLang="en-US" sz="1600" dirty="0">
                 <a:solidFill>
                   <a:schemeClr val="bg1"/>
                 </a:solidFill>
@@ -10441,7 +15054,7 @@
               </a:rPr>
               <a:t>이상 확인</a:t>
             </a:r>
-            <a:endParaRPr kumimoji="1" lang="ko-Kore-KR" altLang="en-US" dirty="0">
+            <a:endParaRPr kumimoji="1" lang="ko-Kore-KR" altLang="en-US" sz="1600" dirty="0">
               <a:solidFill>
                 <a:schemeClr val="bg1"/>
               </a:solidFill>
@@ -10541,7 +15154,7 @@
 </p:sld>
 </file>
 
-<file path=ppt/slides/slide5.xml><?xml version="1.0" encoding="utf-8"?>
+<file path=ppt/slides/slide6.xml><?xml version="1.0" encoding="utf-8"?>
 <p:sld xmlns:a="http://schemas.openxmlformats.org/drawingml/2006/main" xmlns:r="http://schemas.openxmlformats.org/officeDocument/2006/relationships" xmlns:p="http://schemas.openxmlformats.org/presentationml/2006/main">
   <p:cSld>
     <p:bg>
@@ -12430,7 +17043,7 @@
 </p:sld>
 </file>
 
-<file path=ppt/slides/slide6.xml><?xml version="1.0" encoding="utf-8"?>
+<file path=ppt/slides/slide7.xml><?xml version="1.0" encoding="utf-8"?>
 <p:sld xmlns:a="http://schemas.openxmlformats.org/drawingml/2006/main" xmlns:r="http://schemas.openxmlformats.org/officeDocument/2006/relationships" xmlns:p="http://schemas.openxmlformats.org/presentationml/2006/main">
   <p:cSld>
     <p:bg>
@@ -13172,7 +17785,7 @@
 </p:sld>
 </file>
 
-<file path=ppt/slides/slide7.xml><?xml version="1.0" encoding="utf-8"?>
+<file path=ppt/slides/slide8.xml><?xml version="1.0" encoding="utf-8"?>
 <p:sld xmlns:a="http://schemas.openxmlformats.org/drawingml/2006/main" xmlns:r="http://schemas.openxmlformats.org/officeDocument/2006/relationships" xmlns:p="http://schemas.openxmlformats.org/presentationml/2006/main">
   <p:cSld>
     <p:spTree>
@@ -13873,3970 +18486,6 @@
     <p:extLst>
       <p:ext uri="{BB962C8B-B14F-4D97-AF65-F5344CB8AC3E}">
         <p14:creationId xmlns:p14="http://schemas.microsoft.com/office/powerpoint/2010/main" val="2958123497"/>
-      </p:ext>
-    </p:extLst>
-  </p:cSld>
-  <p:clrMapOvr>
-    <a:masterClrMapping/>
-  </p:clrMapOvr>
-</p:sld>
-</file>
-
-<file path=ppt/slides/slide8.xml><?xml version="1.0" encoding="utf-8"?>
-<p:sld xmlns:a="http://schemas.openxmlformats.org/drawingml/2006/main" xmlns:r="http://schemas.openxmlformats.org/officeDocument/2006/relationships" xmlns:p="http://schemas.openxmlformats.org/presentationml/2006/main">
-  <p:cSld>
-    <p:bg>
-      <p:bgPr>
-        <a:solidFill>
-          <a:srgbClr val="E8E7E7"/>
-        </a:solidFill>
-        <a:effectLst/>
-      </p:bgPr>
-    </p:bg>
-    <p:spTree>
-      <p:nvGrpSpPr>
-        <p:cNvPr id="1" name=""/>
-        <p:cNvGrpSpPr/>
-        <p:nvPr/>
-      </p:nvGrpSpPr>
-      <p:grpSpPr>
-        <a:xfrm>
-          <a:off x="0" y="0"/>
-          <a:ext cx="0" cy="0"/>
-          <a:chOff x="0" y="0"/>
-          <a:chExt cx="0" cy="0"/>
-        </a:xfrm>
-      </p:grpSpPr>
-      <p:sp>
-        <p:nvSpPr>
-          <p:cNvPr id="53" name="모서리가 둥근 직사각형 52">
-            <a:extLst>
-              <a:ext uri="{FF2B5EF4-FFF2-40B4-BE49-F238E27FC236}">
-                <a16:creationId xmlns:a16="http://schemas.microsoft.com/office/drawing/2014/main" id="{DE12EC24-A406-0343-A242-2E460051B0A6}"/>
-              </a:ext>
-            </a:extLst>
-          </p:cNvPr>
-          <p:cNvSpPr/>
-          <p:nvPr/>
-        </p:nvSpPr>
-        <p:spPr>
-          <a:xfrm>
-            <a:off x="486228" y="490055"/>
-            <a:ext cx="11219543" cy="5877889"/>
-          </a:xfrm>
-          <a:prstGeom prst="roundRect">
-            <a:avLst>
-              <a:gd name="adj" fmla="val 3091"/>
-            </a:avLst>
-          </a:prstGeom>
-          <a:solidFill>
-            <a:schemeClr val="bg1"/>
-          </a:solidFill>
-          <a:ln>
-            <a:solidFill>
-              <a:schemeClr val="bg1">
-                <a:lumMod val="85000"/>
-              </a:schemeClr>
-            </a:solidFill>
-          </a:ln>
-        </p:spPr>
-        <p:style>
-          <a:lnRef idx="2">
-            <a:schemeClr val="accent1">
-              <a:shade val="50000"/>
-            </a:schemeClr>
-          </a:lnRef>
-          <a:fillRef idx="1">
-            <a:schemeClr val="accent1"/>
-          </a:fillRef>
-          <a:effectRef idx="0">
-            <a:schemeClr val="accent1"/>
-          </a:effectRef>
-          <a:fontRef idx="minor">
-            <a:schemeClr val="lt1"/>
-          </a:fontRef>
-        </p:style>
-        <p:txBody>
-          <a:bodyPr rot="0" spcFirstLastPara="0" vertOverflow="overflow" horzOverflow="overflow" vert="horz" wrap="square" lIns="91440" tIns="45721" rIns="91440" bIns="45721" numCol="1" spcCol="0" rtlCol="0" fromWordArt="0" anchor="ctr" anchorCtr="0" forceAA="0" compatLnSpc="1">
-            <a:prstTxWarp prst="textNoShape">
-              <a:avLst/>
-            </a:prstTxWarp>
-            <a:noAutofit/>
-          </a:bodyPr>
-          <a:lstStyle/>
-          <a:p>
-            <a:pPr algn="ctr"/>
-            <a:endParaRPr kumimoji="1" lang="ko-Kore-KR" altLang="en-US" sz="1801">
-              <a:latin typeface="Nanum Gothic" panose="020D0604000000000000" pitchFamily="34" charset="-127"/>
-              <a:ea typeface="Nanum Gothic" panose="020D0604000000000000" pitchFamily="34" charset="-127"/>
-            </a:endParaRPr>
-          </a:p>
-        </p:txBody>
-      </p:sp>
-      <p:sp>
-        <p:nvSpPr>
-          <p:cNvPr id="54" name="TextBox 53">
-            <a:extLst>
-              <a:ext uri="{FF2B5EF4-FFF2-40B4-BE49-F238E27FC236}">
-                <a16:creationId xmlns:a16="http://schemas.microsoft.com/office/drawing/2014/main" id="{79EED055-D183-7841-9D93-D1C3F8738DA3}"/>
-              </a:ext>
-            </a:extLst>
-          </p:cNvPr>
-          <p:cNvSpPr txBox="1"/>
-          <p:nvPr/>
-        </p:nvSpPr>
-        <p:spPr>
-          <a:xfrm>
-            <a:off x="719787" y="820091"/>
-            <a:ext cx="3008244" cy="400110"/>
-          </a:xfrm>
-          <a:prstGeom prst="rect">
-            <a:avLst/>
-          </a:prstGeom>
-          <a:noFill/>
-        </p:spPr>
-        <p:txBody>
-          <a:bodyPr wrap="square" rtlCol="0">
-            <a:spAutoFit/>
-          </a:bodyPr>
-          <a:lstStyle/>
-          <a:p>
-            <a:r>
-              <a:rPr kumimoji="1" lang="ko-KR" altLang="en-US" sz="2000" b="1" dirty="0">
-                <a:latin typeface="나눔고딕" panose="020D0604000000000000" pitchFamily="50" charset="-127"/>
-                <a:ea typeface="나눔고딕" panose="020D0604000000000000" pitchFamily="50" charset="-127"/>
-              </a:rPr>
-              <a:t>관심 주제별 게시판</a:t>
-            </a:r>
-            <a:endParaRPr kumimoji="1" lang="en-US" altLang="ko-KR" sz="2000" b="1" dirty="0">
-              <a:latin typeface="나눔고딕" panose="020D0604000000000000" pitchFamily="50" charset="-127"/>
-              <a:ea typeface="나눔고딕" panose="020D0604000000000000" pitchFamily="50" charset="-127"/>
-            </a:endParaRPr>
-          </a:p>
-        </p:txBody>
-      </p:sp>
-      <p:sp>
-        <p:nvSpPr>
-          <p:cNvPr id="66" name="직사각형 65">
-            <a:extLst>
-              <a:ext uri="{FF2B5EF4-FFF2-40B4-BE49-F238E27FC236}">
-                <a16:creationId xmlns:a16="http://schemas.microsoft.com/office/drawing/2014/main" id="{252EDC26-A5EC-C443-A9E1-353F50FE608F}"/>
-              </a:ext>
-            </a:extLst>
-          </p:cNvPr>
-          <p:cNvSpPr/>
-          <p:nvPr/>
-        </p:nvSpPr>
-        <p:spPr>
-          <a:xfrm>
-            <a:off x="11294260" y="1877782"/>
-            <a:ext cx="192889" cy="3371335"/>
-          </a:xfrm>
-          <a:prstGeom prst="rect">
-            <a:avLst/>
-          </a:prstGeom>
-          <a:solidFill>
-            <a:schemeClr val="bg1">
-              <a:lumMod val="95000"/>
-            </a:schemeClr>
-          </a:solidFill>
-          <a:ln>
-            <a:solidFill>
-              <a:schemeClr val="bg1">
-                <a:lumMod val="85000"/>
-              </a:schemeClr>
-            </a:solidFill>
-          </a:ln>
-        </p:spPr>
-        <p:style>
-          <a:lnRef idx="2">
-            <a:schemeClr val="accent1">
-              <a:shade val="50000"/>
-            </a:schemeClr>
-          </a:lnRef>
-          <a:fillRef idx="1">
-            <a:schemeClr val="accent1"/>
-          </a:fillRef>
-          <a:effectRef idx="0">
-            <a:schemeClr val="accent1"/>
-          </a:effectRef>
-          <a:fontRef idx="minor">
-            <a:schemeClr val="lt1"/>
-          </a:fontRef>
-        </p:style>
-        <p:txBody>
-          <a:bodyPr rtlCol="0" anchor="ctr"/>
-          <a:lstStyle/>
-          <a:p>
-            <a:pPr algn="ctr"/>
-            <a:endParaRPr kumimoji="1" lang="ko-Kore-KR" altLang="en-US">
-              <a:latin typeface="Nanum Gothic" panose="020D0604000000000000" pitchFamily="34" charset="-127"/>
-              <a:ea typeface="Nanum Gothic" panose="020D0604000000000000" pitchFamily="34" charset="-127"/>
-            </a:endParaRPr>
-          </a:p>
-        </p:txBody>
-      </p:sp>
-      <p:sp>
-        <p:nvSpPr>
-          <p:cNvPr id="67" name="직사각형 66">
-            <a:extLst>
-              <a:ext uri="{FF2B5EF4-FFF2-40B4-BE49-F238E27FC236}">
-                <a16:creationId xmlns:a16="http://schemas.microsoft.com/office/drawing/2014/main" id="{E2416FD2-09A5-7844-A89E-D5CB15AB6F7A}"/>
-              </a:ext>
-            </a:extLst>
-          </p:cNvPr>
-          <p:cNvSpPr/>
-          <p:nvPr/>
-        </p:nvSpPr>
-        <p:spPr>
-          <a:xfrm>
-            <a:off x="11294260" y="1877782"/>
-            <a:ext cx="192889" cy="209435"/>
-          </a:xfrm>
-          <a:prstGeom prst="rect">
-            <a:avLst/>
-          </a:prstGeom>
-          <a:solidFill>
-            <a:schemeClr val="bg1">
-              <a:lumMod val="85000"/>
-            </a:schemeClr>
-          </a:solidFill>
-          <a:ln>
-            <a:solidFill>
-              <a:schemeClr val="bg1">
-                <a:lumMod val="75000"/>
-              </a:schemeClr>
-            </a:solidFill>
-          </a:ln>
-        </p:spPr>
-        <p:style>
-          <a:lnRef idx="2">
-            <a:schemeClr val="accent1">
-              <a:shade val="50000"/>
-            </a:schemeClr>
-          </a:lnRef>
-          <a:fillRef idx="1">
-            <a:schemeClr val="accent1"/>
-          </a:fillRef>
-          <a:effectRef idx="0">
-            <a:schemeClr val="accent1"/>
-          </a:effectRef>
-          <a:fontRef idx="minor">
-            <a:schemeClr val="lt1"/>
-          </a:fontRef>
-        </p:style>
-        <p:txBody>
-          <a:bodyPr rtlCol="0" anchor="ctr"/>
-          <a:lstStyle/>
-          <a:p>
-            <a:pPr algn="ctr"/>
-            <a:endParaRPr kumimoji="1" lang="ko-Kore-KR" altLang="en-US">
-              <a:latin typeface="Nanum Gothic" panose="020D0604000000000000" pitchFamily="34" charset="-127"/>
-              <a:ea typeface="Nanum Gothic" panose="020D0604000000000000" pitchFamily="34" charset="-127"/>
-            </a:endParaRPr>
-          </a:p>
-        </p:txBody>
-      </p:sp>
-      <p:sp>
-        <p:nvSpPr>
-          <p:cNvPr id="69" name="병합 68">
-            <a:extLst>
-              <a:ext uri="{FF2B5EF4-FFF2-40B4-BE49-F238E27FC236}">
-                <a16:creationId xmlns:a16="http://schemas.microsoft.com/office/drawing/2014/main" id="{4189D5C9-3E4D-0145-A125-DA7C54CC4ECE}"/>
-              </a:ext>
-            </a:extLst>
-          </p:cNvPr>
-          <p:cNvSpPr/>
-          <p:nvPr/>
-        </p:nvSpPr>
-        <p:spPr>
-          <a:xfrm rot="10800000">
-            <a:off x="11323156" y="1911700"/>
-            <a:ext cx="134703" cy="134853"/>
-          </a:xfrm>
-          <a:prstGeom prst="flowChartMerge">
-            <a:avLst/>
-          </a:prstGeom>
-          <a:solidFill>
-            <a:schemeClr val="bg1">
-              <a:lumMod val="50000"/>
-            </a:schemeClr>
-          </a:solidFill>
-          <a:ln>
-            <a:noFill/>
-          </a:ln>
-        </p:spPr>
-        <p:style>
-          <a:lnRef idx="2">
-            <a:schemeClr val="accent1">
-              <a:shade val="50000"/>
-            </a:schemeClr>
-          </a:lnRef>
-          <a:fillRef idx="1">
-            <a:schemeClr val="accent1"/>
-          </a:fillRef>
-          <a:effectRef idx="0">
-            <a:schemeClr val="accent1"/>
-          </a:effectRef>
-          <a:fontRef idx="minor">
-            <a:schemeClr val="lt1"/>
-          </a:fontRef>
-        </p:style>
-        <p:txBody>
-          <a:bodyPr rot="0" spcFirstLastPara="0" vertOverflow="overflow" horzOverflow="overflow" vert="horz" wrap="square" lIns="91440" tIns="45721" rIns="91440" bIns="45721" numCol="1" spcCol="0" rtlCol="0" fromWordArt="0" anchor="ctr" anchorCtr="0" forceAA="0" compatLnSpc="1">
-            <a:prstTxWarp prst="textNoShape">
-              <a:avLst/>
-            </a:prstTxWarp>
-            <a:noAutofit/>
-          </a:bodyPr>
-          <a:lstStyle/>
-          <a:p>
-            <a:pPr algn="ctr"/>
-            <a:endParaRPr kumimoji="1" lang="ko-Kore-KR" altLang="en-US" sz="1801">
-              <a:latin typeface="Nanum Gothic" panose="020D0604000000000000" pitchFamily="34" charset="-127"/>
-              <a:ea typeface="Nanum Gothic" panose="020D0604000000000000" pitchFamily="34" charset="-127"/>
-            </a:endParaRPr>
-          </a:p>
-        </p:txBody>
-      </p:sp>
-      <p:graphicFrame>
-        <p:nvGraphicFramePr>
-          <p:cNvPr id="38" name="표 37">
-            <a:extLst>
-              <a:ext uri="{FF2B5EF4-FFF2-40B4-BE49-F238E27FC236}">
-                <a16:creationId xmlns:a16="http://schemas.microsoft.com/office/drawing/2014/main" id="{E48D890C-B46D-2D47-A61A-99EE289D9D87}"/>
-              </a:ext>
-            </a:extLst>
-          </p:cNvPr>
-          <p:cNvGraphicFramePr>
-            <a:graphicFrameLocks noGrp="1"/>
-          </p:cNvGraphicFramePr>
-          <p:nvPr/>
-        </p:nvGraphicFramePr>
-        <p:xfrm>
-          <a:off x="719787" y="1877782"/>
-          <a:ext cx="10573196" cy="3371336"/>
-        </p:xfrm>
-        <a:graphic>
-          <a:graphicData uri="http://schemas.openxmlformats.org/drawingml/2006/table">
-            <a:tbl>
-              <a:tblPr firstRow="1" bandRow="1">
-                <a:tableStyleId>{5C22544A-7EE6-4342-B048-85BDC9FD1C3A}</a:tableStyleId>
-              </a:tblPr>
-              <a:tblGrid>
-                <a:gridCol w="680360">
-                  <a:extLst>
-                    <a:ext uri="{9D8B030D-6E8A-4147-A177-3AD203B41FA5}">
-                      <a16:colId xmlns:a16="http://schemas.microsoft.com/office/drawing/2014/main" val="3572486638"/>
-                    </a:ext>
-                  </a:extLst>
-                </a:gridCol>
-                <a:gridCol w="5575853">
-                  <a:extLst>
-                    <a:ext uri="{9D8B030D-6E8A-4147-A177-3AD203B41FA5}">
-                      <a16:colId xmlns:a16="http://schemas.microsoft.com/office/drawing/2014/main" val="4241760782"/>
-                    </a:ext>
-                  </a:extLst>
-                </a:gridCol>
-                <a:gridCol w="2256182">
-                  <a:extLst>
-                    <a:ext uri="{9D8B030D-6E8A-4147-A177-3AD203B41FA5}">
-                      <a16:colId xmlns:a16="http://schemas.microsoft.com/office/drawing/2014/main" val="1334356257"/>
-                    </a:ext>
-                  </a:extLst>
-                </a:gridCol>
-                <a:gridCol w="2060801">
-                  <a:extLst>
-                    <a:ext uri="{9D8B030D-6E8A-4147-A177-3AD203B41FA5}">
-                      <a16:colId xmlns:a16="http://schemas.microsoft.com/office/drawing/2014/main" val="2708478360"/>
-                    </a:ext>
-                  </a:extLst>
-                </a:gridCol>
-              </a:tblGrid>
-              <a:tr h="385349">
-                <a:tc>
-                  <a:txBody>
-                    <a:bodyPr/>
-                    <a:lstStyle/>
-                    <a:p>
-                      <a:pPr algn="ctr">
-                        <a:lnSpc>
-                          <a:spcPct val="100000"/>
-                        </a:lnSpc>
-                      </a:pPr>
-                      <a:r>
-                        <a:rPr lang="ko-KR" altLang="en-US" sz="1100" dirty="0">
-                          <a:latin typeface="나눔고딕" panose="020D0604000000000000" pitchFamily="50" charset="-127"/>
-                          <a:ea typeface="나눔고딕" panose="020D0604000000000000" pitchFamily="50" charset="-127"/>
-                        </a:rPr>
-                        <a:t>번호</a:t>
-                      </a:r>
-                      <a:endParaRPr lang="ko-Kore-KR" altLang="en-US" sz="1100" dirty="0">
-                        <a:latin typeface="나눔고딕" panose="020D0604000000000000" pitchFamily="50" charset="-127"/>
-                        <a:ea typeface="나눔고딕" panose="020D0604000000000000" pitchFamily="50" charset="-127"/>
-                      </a:endParaRPr>
-                    </a:p>
-                  </a:txBody>
-                  <a:tcPr marT="45721" marB="45721" anchor="ctr">
-                    <a:lnL w="12700" cap="flat" cmpd="sng" algn="ctr">
-                      <a:solidFill>
-                        <a:schemeClr val="bg1">
-                          <a:lumMod val="85000"/>
-                        </a:schemeClr>
-                      </a:solidFill>
-                      <a:prstDash val="solid"/>
-                      <a:round/>
-                      <a:headEnd type="none" w="med" len="med"/>
-                      <a:tailEnd type="none" w="med" len="med"/>
-                    </a:lnL>
-                    <a:lnR w="12700" cap="flat" cmpd="sng" algn="ctr">
-                      <a:solidFill>
-                        <a:schemeClr val="bg1">
-                          <a:lumMod val="85000"/>
-                        </a:schemeClr>
-                      </a:solidFill>
-                      <a:prstDash val="solid"/>
-                      <a:round/>
-                      <a:headEnd type="none" w="med" len="med"/>
-                      <a:tailEnd type="none" w="med" len="med"/>
-                    </a:lnR>
-                    <a:lnT w="12700" cap="flat" cmpd="sng" algn="ctr">
-                      <a:solidFill>
-                        <a:schemeClr val="bg1">
-                          <a:lumMod val="85000"/>
-                        </a:schemeClr>
-                      </a:solidFill>
-                      <a:prstDash val="solid"/>
-                      <a:round/>
-                      <a:headEnd type="none" w="med" len="med"/>
-                      <a:tailEnd type="none" w="med" len="med"/>
-                    </a:lnT>
-                    <a:lnB w="12700" cap="flat" cmpd="sng" algn="ctr">
-                      <a:solidFill>
-                        <a:schemeClr val="bg1">
-                          <a:lumMod val="85000"/>
-                        </a:schemeClr>
-                      </a:solidFill>
-                      <a:prstDash val="solid"/>
-                      <a:round/>
-                      <a:headEnd type="none" w="med" len="med"/>
-                      <a:tailEnd type="none" w="med" len="med"/>
-                    </a:lnB>
-                    <a:lnTlToBr w="12700" cmpd="sng">
-                      <a:noFill/>
-                      <a:prstDash val="solid"/>
-                    </a:lnTlToBr>
-                    <a:lnBlToTr w="12700" cmpd="sng">
-                      <a:noFill/>
-                      <a:prstDash val="solid"/>
-                    </a:lnBlToTr>
-                    <a:solidFill>
-                      <a:srgbClr val="7F8FA6"/>
-                    </a:solidFill>
-                  </a:tcPr>
-                </a:tc>
-                <a:tc>
-                  <a:txBody>
-                    <a:bodyPr/>
-                    <a:lstStyle/>
-                    <a:p>
-                      <a:pPr algn="ctr">
-                        <a:lnSpc>
-                          <a:spcPct val="100000"/>
-                        </a:lnSpc>
-                      </a:pPr>
-                      <a:r>
-                        <a:rPr lang="ko-KR" altLang="en-US" sz="1100" dirty="0" err="1">
-                          <a:latin typeface="나눔고딕" panose="020D0604000000000000" pitchFamily="50" charset="-127"/>
-                          <a:ea typeface="나눔고딕" panose="020D0604000000000000" pitchFamily="50" charset="-127"/>
-                        </a:rPr>
-                        <a:t>글제목</a:t>
-                      </a:r>
-                      <a:endParaRPr lang="ko-Kore-KR" altLang="en-US" sz="1100" dirty="0">
-                        <a:latin typeface="나눔고딕" panose="020D0604000000000000" pitchFamily="50" charset="-127"/>
-                        <a:ea typeface="나눔고딕" panose="020D0604000000000000" pitchFamily="50" charset="-127"/>
-                      </a:endParaRPr>
-                    </a:p>
-                  </a:txBody>
-                  <a:tcPr marT="45721" marB="45721" anchor="ctr">
-                    <a:lnL w="12700" cap="flat" cmpd="sng" algn="ctr">
-                      <a:solidFill>
-                        <a:schemeClr val="bg1">
-                          <a:lumMod val="85000"/>
-                        </a:schemeClr>
-                      </a:solidFill>
-                      <a:prstDash val="solid"/>
-                      <a:round/>
-                      <a:headEnd type="none" w="med" len="med"/>
-                      <a:tailEnd type="none" w="med" len="med"/>
-                    </a:lnL>
-                    <a:lnR w="12700" cap="flat" cmpd="sng" algn="ctr">
-                      <a:solidFill>
-                        <a:schemeClr val="bg1">
-                          <a:lumMod val="85000"/>
-                        </a:schemeClr>
-                      </a:solidFill>
-                      <a:prstDash val="solid"/>
-                      <a:round/>
-                      <a:headEnd type="none" w="med" len="med"/>
-                      <a:tailEnd type="none" w="med" len="med"/>
-                    </a:lnR>
-                    <a:lnT w="12700" cap="flat" cmpd="sng" algn="ctr">
-                      <a:solidFill>
-                        <a:schemeClr val="bg1">
-                          <a:lumMod val="85000"/>
-                        </a:schemeClr>
-                      </a:solidFill>
-                      <a:prstDash val="solid"/>
-                      <a:round/>
-                      <a:headEnd type="none" w="med" len="med"/>
-                      <a:tailEnd type="none" w="med" len="med"/>
-                    </a:lnT>
-                    <a:lnB w="12700" cap="flat" cmpd="sng" algn="ctr">
-                      <a:solidFill>
-                        <a:schemeClr val="bg1">
-                          <a:lumMod val="85000"/>
-                        </a:schemeClr>
-                      </a:solidFill>
-                      <a:prstDash val="solid"/>
-                      <a:round/>
-                      <a:headEnd type="none" w="med" len="med"/>
-                      <a:tailEnd type="none" w="med" len="med"/>
-                    </a:lnB>
-                    <a:lnTlToBr w="12700" cmpd="sng">
-                      <a:noFill/>
-                      <a:prstDash val="solid"/>
-                    </a:lnTlToBr>
-                    <a:lnBlToTr w="12700" cmpd="sng">
-                      <a:noFill/>
-                      <a:prstDash val="solid"/>
-                    </a:lnBlToTr>
-                    <a:solidFill>
-                      <a:srgbClr val="7F8FA6"/>
-                    </a:solidFill>
-                  </a:tcPr>
-                </a:tc>
-                <a:tc>
-                  <a:txBody>
-                    <a:bodyPr/>
-                    <a:lstStyle/>
-                    <a:p>
-                      <a:pPr algn="ctr">
-                        <a:lnSpc>
-                          <a:spcPct val="100000"/>
-                        </a:lnSpc>
-                      </a:pPr>
-                      <a:r>
-                        <a:rPr lang="ko-KR" altLang="en-US" sz="1100" dirty="0">
-                          <a:latin typeface="나눔고딕" panose="020D0604000000000000" pitchFamily="50" charset="-127"/>
-                          <a:ea typeface="나눔고딕" panose="020D0604000000000000" pitchFamily="50" charset="-127"/>
-                        </a:rPr>
-                        <a:t>작성자</a:t>
-                      </a:r>
-                      <a:endParaRPr lang="ko-Kore-KR" altLang="en-US" sz="1100" dirty="0">
-                        <a:latin typeface="나눔고딕" panose="020D0604000000000000" pitchFamily="50" charset="-127"/>
-                        <a:ea typeface="나눔고딕" panose="020D0604000000000000" pitchFamily="50" charset="-127"/>
-                      </a:endParaRPr>
-                    </a:p>
-                  </a:txBody>
-                  <a:tcPr marT="45721" marB="45721" anchor="ctr">
-                    <a:lnL w="12700" cap="flat" cmpd="sng" algn="ctr">
-                      <a:solidFill>
-                        <a:schemeClr val="bg1">
-                          <a:lumMod val="85000"/>
-                        </a:schemeClr>
-                      </a:solidFill>
-                      <a:prstDash val="solid"/>
-                      <a:round/>
-                      <a:headEnd type="none" w="med" len="med"/>
-                      <a:tailEnd type="none" w="med" len="med"/>
-                    </a:lnL>
-                    <a:lnR w="12700" cap="flat" cmpd="sng" algn="ctr">
-                      <a:solidFill>
-                        <a:schemeClr val="bg1">
-                          <a:lumMod val="85000"/>
-                        </a:schemeClr>
-                      </a:solidFill>
-                      <a:prstDash val="solid"/>
-                      <a:round/>
-                      <a:headEnd type="none" w="med" len="med"/>
-                      <a:tailEnd type="none" w="med" len="med"/>
-                    </a:lnR>
-                    <a:lnT w="12700" cap="flat" cmpd="sng" algn="ctr">
-                      <a:solidFill>
-                        <a:schemeClr val="bg1">
-                          <a:lumMod val="85000"/>
-                        </a:schemeClr>
-                      </a:solidFill>
-                      <a:prstDash val="solid"/>
-                      <a:round/>
-                      <a:headEnd type="none" w="med" len="med"/>
-                      <a:tailEnd type="none" w="med" len="med"/>
-                    </a:lnT>
-                    <a:lnB w="12700" cap="flat" cmpd="sng" algn="ctr">
-                      <a:solidFill>
-                        <a:schemeClr val="bg1">
-                          <a:lumMod val="85000"/>
-                        </a:schemeClr>
-                      </a:solidFill>
-                      <a:prstDash val="solid"/>
-                      <a:round/>
-                      <a:headEnd type="none" w="med" len="med"/>
-                      <a:tailEnd type="none" w="med" len="med"/>
-                    </a:lnB>
-                    <a:lnTlToBr w="12700" cmpd="sng">
-                      <a:noFill/>
-                      <a:prstDash val="solid"/>
-                    </a:lnTlToBr>
-                    <a:lnBlToTr w="12700" cmpd="sng">
-                      <a:noFill/>
-                      <a:prstDash val="solid"/>
-                    </a:lnBlToTr>
-                    <a:solidFill>
-                      <a:srgbClr val="7F8FA6"/>
-                    </a:solidFill>
-                  </a:tcPr>
-                </a:tc>
-                <a:tc>
-                  <a:txBody>
-                    <a:bodyPr/>
-                    <a:lstStyle/>
-                    <a:p>
-                      <a:pPr algn="ctr">
-                        <a:lnSpc>
-                          <a:spcPct val="100000"/>
-                        </a:lnSpc>
-                      </a:pPr>
-                      <a:r>
-                        <a:rPr lang="ko-KR" altLang="en-US" sz="1100" dirty="0" err="1">
-                          <a:latin typeface="나눔고딕" panose="020D0604000000000000" pitchFamily="50" charset="-127"/>
-                          <a:ea typeface="나눔고딕" panose="020D0604000000000000" pitchFamily="50" charset="-127"/>
-                        </a:rPr>
-                        <a:t>작성날짜</a:t>
-                      </a:r>
-                      <a:endParaRPr lang="ko-Kore-KR" altLang="en-US" sz="1100" dirty="0">
-                        <a:latin typeface="나눔고딕" panose="020D0604000000000000" pitchFamily="50" charset="-127"/>
-                        <a:ea typeface="나눔고딕" panose="020D0604000000000000" pitchFamily="50" charset="-127"/>
-                      </a:endParaRPr>
-                    </a:p>
-                  </a:txBody>
-                  <a:tcPr marT="45721" marB="45721" anchor="ctr">
-                    <a:lnL w="12700" cap="flat" cmpd="sng" algn="ctr">
-                      <a:solidFill>
-                        <a:schemeClr val="bg1">
-                          <a:lumMod val="85000"/>
-                        </a:schemeClr>
-                      </a:solidFill>
-                      <a:prstDash val="solid"/>
-                      <a:round/>
-                      <a:headEnd type="none" w="med" len="med"/>
-                      <a:tailEnd type="none" w="med" len="med"/>
-                    </a:lnL>
-                    <a:lnR w="12700" cap="flat" cmpd="sng" algn="ctr">
-                      <a:solidFill>
-                        <a:schemeClr val="bg1">
-                          <a:lumMod val="85000"/>
-                        </a:schemeClr>
-                      </a:solidFill>
-                      <a:prstDash val="solid"/>
-                      <a:round/>
-                      <a:headEnd type="none" w="med" len="med"/>
-                      <a:tailEnd type="none" w="med" len="med"/>
-                    </a:lnR>
-                    <a:lnT w="12700" cap="flat" cmpd="sng" algn="ctr">
-                      <a:solidFill>
-                        <a:schemeClr val="bg1">
-                          <a:lumMod val="85000"/>
-                        </a:schemeClr>
-                      </a:solidFill>
-                      <a:prstDash val="solid"/>
-                      <a:round/>
-                      <a:headEnd type="none" w="med" len="med"/>
-                      <a:tailEnd type="none" w="med" len="med"/>
-                    </a:lnT>
-                    <a:lnB w="12700" cap="flat" cmpd="sng" algn="ctr">
-                      <a:solidFill>
-                        <a:schemeClr val="bg1">
-                          <a:lumMod val="85000"/>
-                        </a:schemeClr>
-                      </a:solidFill>
-                      <a:prstDash val="solid"/>
-                      <a:round/>
-                      <a:headEnd type="none" w="med" len="med"/>
-                      <a:tailEnd type="none" w="med" len="med"/>
-                    </a:lnB>
-                    <a:lnTlToBr w="12700" cmpd="sng">
-                      <a:noFill/>
-                      <a:prstDash val="solid"/>
-                    </a:lnTlToBr>
-                    <a:lnBlToTr w="12700" cmpd="sng">
-                      <a:noFill/>
-                      <a:prstDash val="solid"/>
-                    </a:lnBlToTr>
-                    <a:solidFill>
-                      <a:srgbClr val="7F8FA6"/>
-                    </a:solidFill>
-                  </a:tcPr>
-                </a:tc>
-                <a:extLst>
-                  <a:ext uri="{0D108BD9-81ED-4DB2-BD59-A6C34878D82A}">
-                    <a16:rowId xmlns:a16="http://schemas.microsoft.com/office/drawing/2014/main" val="1420980905"/>
-                  </a:ext>
-                </a:extLst>
-              </a:tr>
-              <a:tr h="385349">
-                <a:tc>
-                  <a:txBody>
-                    <a:bodyPr/>
-                    <a:lstStyle/>
-                    <a:p>
-                      <a:pPr algn="ctr">
-                        <a:lnSpc>
-                          <a:spcPct val="100000"/>
-                        </a:lnSpc>
-                      </a:pPr>
-                      <a:r>
-                        <a:rPr lang="en-US" altLang="en-US" sz="1100" dirty="0">
-                          <a:latin typeface="나눔고딕" panose="020D0604000000000000" pitchFamily="50" charset="-127"/>
-                          <a:ea typeface="나눔고딕" panose="020D0604000000000000" pitchFamily="50" charset="-127"/>
-                        </a:rPr>
-                        <a:t>1</a:t>
-                      </a:r>
-                      <a:endParaRPr lang="ko-Kore-KR" altLang="en-US" sz="1100" dirty="0">
-                        <a:latin typeface="나눔고딕" panose="020D0604000000000000" pitchFamily="50" charset="-127"/>
-                        <a:ea typeface="나눔고딕" panose="020D0604000000000000" pitchFamily="50" charset="-127"/>
-                      </a:endParaRPr>
-                    </a:p>
-                  </a:txBody>
-                  <a:tcPr marT="45721" marB="45721" anchor="ctr">
-                    <a:lnL w="12700" cap="flat" cmpd="sng" algn="ctr">
-                      <a:solidFill>
-                        <a:schemeClr val="bg1">
-                          <a:lumMod val="85000"/>
-                        </a:schemeClr>
-                      </a:solidFill>
-                      <a:prstDash val="solid"/>
-                      <a:round/>
-                      <a:headEnd type="none" w="med" len="med"/>
-                      <a:tailEnd type="none" w="med" len="med"/>
-                    </a:lnL>
-                    <a:lnR w="12700" cap="flat" cmpd="sng" algn="ctr">
-                      <a:solidFill>
-                        <a:schemeClr val="bg1">
-                          <a:lumMod val="85000"/>
-                        </a:schemeClr>
-                      </a:solidFill>
-                      <a:prstDash val="solid"/>
-                      <a:round/>
-                      <a:headEnd type="none" w="med" len="med"/>
-                      <a:tailEnd type="none" w="med" len="med"/>
-                    </a:lnR>
-                    <a:lnT w="12700" cap="flat" cmpd="sng" algn="ctr">
-                      <a:solidFill>
-                        <a:schemeClr val="bg1">
-                          <a:lumMod val="85000"/>
-                        </a:schemeClr>
-                      </a:solidFill>
-                      <a:prstDash val="solid"/>
-                      <a:round/>
-                      <a:headEnd type="none" w="med" len="med"/>
-                      <a:tailEnd type="none" w="med" len="med"/>
-                    </a:lnT>
-                    <a:lnB w="12700" cap="flat" cmpd="sng" algn="ctr">
-                      <a:solidFill>
-                        <a:schemeClr val="bg1">
-                          <a:lumMod val="85000"/>
-                        </a:schemeClr>
-                      </a:solidFill>
-                      <a:prstDash val="solid"/>
-                      <a:round/>
-                      <a:headEnd type="none" w="med" len="med"/>
-                      <a:tailEnd type="none" w="med" len="med"/>
-                    </a:lnB>
-                    <a:lnTlToBr w="12700" cmpd="sng">
-                      <a:noFill/>
-                      <a:prstDash val="solid"/>
-                    </a:lnTlToBr>
-                    <a:lnBlToTr w="12700" cmpd="sng">
-                      <a:noFill/>
-                      <a:prstDash val="solid"/>
-                    </a:lnBlToTr>
-                    <a:solidFill>
-                      <a:srgbClr val="FFFFFF"/>
-                    </a:solidFill>
-                  </a:tcPr>
-                </a:tc>
-                <a:tc>
-                  <a:txBody>
-                    <a:bodyPr/>
-                    <a:lstStyle/>
-                    <a:p>
-                      <a:pPr marL="0" marR="0" lvl="0" indent="0" algn="ctr" defTabSz="914400" rtl="0" eaLnBrk="1" fontAlgn="auto" latinLnBrk="0" hangingPunct="1">
-                        <a:lnSpc>
-                          <a:spcPct val="100000"/>
-                        </a:lnSpc>
-                        <a:spcBef>
-                          <a:spcPts val="0"/>
-                        </a:spcBef>
-                        <a:spcAft>
-                          <a:spcPts val="0"/>
-                        </a:spcAft>
-                        <a:buClrTx/>
-                        <a:buSzTx/>
-                        <a:buFontTx/>
-                        <a:buNone/>
-                        <a:tabLst/>
-                        <a:defRPr/>
-                      </a:pPr>
-                      <a:r>
-                        <a:rPr lang="ko-KR" altLang="en-US" sz="1100" dirty="0">
-                          <a:latin typeface="나눔고딕" panose="020D0604000000000000" pitchFamily="50" charset="-127"/>
-                          <a:ea typeface="나눔고딕" panose="020D0604000000000000" pitchFamily="50" charset="-127"/>
-                        </a:rPr>
-                        <a:t>이번 논문 주제</a:t>
-                      </a:r>
-                      <a:r>
-                        <a:rPr lang="en-US" altLang="ko-KR" sz="1100" dirty="0">
-                          <a:latin typeface="나눔고딕" panose="020D0604000000000000" pitchFamily="50" charset="-127"/>
-                          <a:ea typeface="나눔고딕" panose="020D0604000000000000" pitchFamily="50" charset="-127"/>
-                        </a:rPr>
-                        <a:t>…</a:t>
-                      </a:r>
-                      <a:endParaRPr lang="ko-Kore-KR" altLang="en-US" sz="1100" dirty="0">
-                        <a:latin typeface="나눔고딕" panose="020D0604000000000000" pitchFamily="50" charset="-127"/>
-                        <a:ea typeface="나눔고딕" panose="020D0604000000000000" pitchFamily="50" charset="-127"/>
-                      </a:endParaRPr>
-                    </a:p>
-                  </a:txBody>
-                  <a:tcPr marT="45721" marB="45721" anchor="ctr">
-                    <a:lnL w="12700" cap="flat" cmpd="sng" algn="ctr">
-                      <a:solidFill>
-                        <a:schemeClr val="bg1">
-                          <a:lumMod val="85000"/>
-                        </a:schemeClr>
-                      </a:solidFill>
-                      <a:prstDash val="solid"/>
-                      <a:round/>
-                      <a:headEnd type="none" w="med" len="med"/>
-                      <a:tailEnd type="none" w="med" len="med"/>
-                    </a:lnL>
-                    <a:lnR w="12700" cap="flat" cmpd="sng" algn="ctr">
-                      <a:solidFill>
-                        <a:schemeClr val="bg1">
-                          <a:lumMod val="85000"/>
-                        </a:schemeClr>
-                      </a:solidFill>
-                      <a:prstDash val="solid"/>
-                      <a:round/>
-                      <a:headEnd type="none" w="med" len="med"/>
-                      <a:tailEnd type="none" w="med" len="med"/>
-                    </a:lnR>
-                    <a:lnT w="12700" cap="flat" cmpd="sng" algn="ctr">
-                      <a:solidFill>
-                        <a:schemeClr val="bg1">
-                          <a:lumMod val="85000"/>
-                        </a:schemeClr>
-                      </a:solidFill>
-                      <a:prstDash val="solid"/>
-                      <a:round/>
-                      <a:headEnd type="none" w="med" len="med"/>
-                      <a:tailEnd type="none" w="med" len="med"/>
-                    </a:lnT>
-                    <a:lnB w="12700" cap="flat" cmpd="sng" algn="ctr">
-                      <a:solidFill>
-                        <a:schemeClr val="bg1">
-                          <a:lumMod val="85000"/>
-                        </a:schemeClr>
-                      </a:solidFill>
-                      <a:prstDash val="solid"/>
-                      <a:round/>
-                      <a:headEnd type="none" w="med" len="med"/>
-                      <a:tailEnd type="none" w="med" len="med"/>
-                    </a:lnB>
-                    <a:lnTlToBr w="12700" cmpd="sng">
-                      <a:noFill/>
-                      <a:prstDash val="solid"/>
-                    </a:lnTlToBr>
-                    <a:lnBlToTr w="12700" cmpd="sng">
-                      <a:noFill/>
-                      <a:prstDash val="solid"/>
-                    </a:lnBlToTr>
-                    <a:solidFill>
-                      <a:srgbClr val="FFFFFF"/>
-                    </a:solidFill>
-                  </a:tcPr>
-                </a:tc>
-                <a:tc>
-                  <a:txBody>
-                    <a:bodyPr/>
-                    <a:lstStyle/>
-                    <a:p>
-                      <a:pPr marL="0" marR="0" lvl="0" indent="0" algn="ctr" defTabSz="914422" rtl="0" eaLnBrk="1" fontAlgn="auto" latinLnBrk="0" hangingPunct="1">
-                        <a:lnSpc>
-                          <a:spcPct val="100000"/>
-                        </a:lnSpc>
-                        <a:spcBef>
-                          <a:spcPts val="0"/>
-                        </a:spcBef>
-                        <a:spcAft>
-                          <a:spcPts val="0"/>
-                        </a:spcAft>
-                        <a:buClrTx/>
-                        <a:buSzTx/>
-                        <a:buFontTx/>
-                        <a:buNone/>
-                        <a:tabLst/>
-                        <a:defRPr/>
-                      </a:pPr>
-                      <a:r>
-                        <a:rPr lang="ko-KR" altLang="en-US" sz="1100" dirty="0">
-                          <a:latin typeface="나눔고딕" panose="020D0604000000000000" pitchFamily="50" charset="-127"/>
-                          <a:ea typeface="나눔고딕" panose="020D0604000000000000" pitchFamily="50" charset="-127"/>
-                        </a:rPr>
-                        <a:t>김</a:t>
-                      </a:r>
-                      <a:r>
-                        <a:rPr lang="en-US" altLang="ko-KR" sz="1100" dirty="0">
-                          <a:latin typeface="나눔고딕" panose="020D0604000000000000" pitchFamily="50" charset="-127"/>
-                          <a:ea typeface="나눔고딕" panose="020D0604000000000000" pitchFamily="50" charset="-127"/>
-                        </a:rPr>
-                        <a:t>*</a:t>
-                      </a:r>
-                      <a:r>
-                        <a:rPr lang="ko-KR" altLang="en-US" sz="1100" dirty="0">
-                          <a:latin typeface="나눔고딕" panose="020D0604000000000000" pitchFamily="50" charset="-127"/>
-                          <a:ea typeface="나눔고딕" panose="020D0604000000000000" pitchFamily="50" charset="-127"/>
-                        </a:rPr>
-                        <a:t>운</a:t>
-                      </a:r>
-                      <a:endParaRPr lang="ko-Kore-KR" altLang="en-US" sz="1100" dirty="0">
-                        <a:latin typeface="나눔고딕" panose="020D0604000000000000" pitchFamily="50" charset="-127"/>
-                        <a:ea typeface="나눔고딕" panose="020D0604000000000000" pitchFamily="50" charset="-127"/>
-                      </a:endParaRPr>
-                    </a:p>
-                  </a:txBody>
-                  <a:tcPr marT="45721" marB="45721" anchor="ctr">
-                    <a:lnL w="12700" cap="flat" cmpd="sng" algn="ctr">
-                      <a:solidFill>
-                        <a:schemeClr val="bg1">
-                          <a:lumMod val="85000"/>
-                        </a:schemeClr>
-                      </a:solidFill>
-                      <a:prstDash val="solid"/>
-                      <a:round/>
-                      <a:headEnd type="none" w="med" len="med"/>
-                      <a:tailEnd type="none" w="med" len="med"/>
-                    </a:lnL>
-                    <a:lnR w="12700" cap="flat" cmpd="sng" algn="ctr">
-                      <a:solidFill>
-                        <a:schemeClr val="bg1">
-                          <a:lumMod val="85000"/>
-                        </a:schemeClr>
-                      </a:solidFill>
-                      <a:prstDash val="solid"/>
-                      <a:round/>
-                      <a:headEnd type="none" w="med" len="med"/>
-                      <a:tailEnd type="none" w="med" len="med"/>
-                    </a:lnR>
-                    <a:lnT w="12700" cap="flat" cmpd="sng" algn="ctr">
-                      <a:solidFill>
-                        <a:schemeClr val="bg1">
-                          <a:lumMod val="85000"/>
-                        </a:schemeClr>
-                      </a:solidFill>
-                      <a:prstDash val="solid"/>
-                      <a:round/>
-                      <a:headEnd type="none" w="med" len="med"/>
-                      <a:tailEnd type="none" w="med" len="med"/>
-                    </a:lnT>
-                    <a:lnB w="12700" cap="flat" cmpd="sng" algn="ctr">
-                      <a:solidFill>
-                        <a:schemeClr val="bg1">
-                          <a:lumMod val="85000"/>
-                        </a:schemeClr>
-                      </a:solidFill>
-                      <a:prstDash val="solid"/>
-                      <a:round/>
-                      <a:headEnd type="none" w="med" len="med"/>
-                      <a:tailEnd type="none" w="med" len="med"/>
-                    </a:lnB>
-                    <a:lnTlToBr w="12700" cmpd="sng">
-                      <a:noFill/>
-                      <a:prstDash val="solid"/>
-                    </a:lnTlToBr>
-                    <a:lnBlToTr w="12700" cmpd="sng">
-                      <a:noFill/>
-                      <a:prstDash val="solid"/>
-                    </a:lnBlToTr>
-                    <a:solidFill>
-                      <a:srgbClr val="FFFFFF"/>
-                    </a:solidFill>
-                  </a:tcPr>
-                </a:tc>
-                <a:tc>
-                  <a:txBody>
-                    <a:bodyPr/>
-                    <a:lstStyle/>
-                    <a:p>
-                      <a:pPr algn="ctr">
-                        <a:lnSpc>
-                          <a:spcPct val="100000"/>
-                        </a:lnSpc>
-                      </a:pPr>
-                      <a:r>
-                        <a:rPr lang="en-US" altLang="en-US" sz="1100" dirty="0">
-                          <a:latin typeface="나눔고딕" panose="020D0604000000000000" pitchFamily="50" charset="-127"/>
-                          <a:ea typeface="나눔고딕" panose="020D0604000000000000" pitchFamily="50" charset="-127"/>
-                        </a:rPr>
-                        <a:t>2020.04.01</a:t>
-                      </a:r>
-                      <a:endParaRPr lang="ko-Kore-KR" altLang="en-US" sz="1100" dirty="0">
-                        <a:latin typeface="나눔고딕" panose="020D0604000000000000" pitchFamily="50" charset="-127"/>
-                        <a:ea typeface="나눔고딕" panose="020D0604000000000000" pitchFamily="50" charset="-127"/>
-                      </a:endParaRPr>
-                    </a:p>
-                  </a:txBody>
-                  <a:tcPr marT="45721" marB="45721" anchor="ctr">
-                    <a:lnL w="12700" cap="flat" cmpd="sng" algn="ctr">
-                      <a:solidFill>
-                        <a:schemeClr val="bg1">
-                          <a:lumMod val="85000"/>
-                        </a:schemeClr>
-                      </a:solidFill>
-                      <a:prstDash val="solid"/>
-                      <a:round/>
-                      <a:headEnd type="none" w="med" len="med"/>
-                      <a:tailEnd type="none" w="med" len="med"/>
-                    </a:lnL>
-                    <a:lnR w="12700" cap="flat" cmpd="sng" algn="ctr">
-                      <a:solidFill>
-                        <a:schemeClr val="bg1">
-                          <a:lumMod val="85000"/>
-                        </a:schemeClr>
-                      </a:solidFill>
-                      <a:prstDash val="solid"/>
-                      <a:round/>
-                      <a:headEnd type="none" w="med" len="med"/>
-                      <a:tailEnd type="none" w="med" len="med"/>
-                    </a:lnR>
-                    <a:lnT w="12700" cap="flat" cmpd="sng" algn="ctr">
-                      <a:solidFill>
-                        <a:schemeClr val="bg1">
-                          <a:lumMod val="85000"/>
-                        </a:schemeClr>
-                      </a:solidFill>
-                      <a:prstDash val="solid"/>
-                      <a:round/>
-                      <a:headEnd type="none" w="med" len="med"/>
-                      <a:tailEnd type="none" w="med" len="med"/>
-                    </a:lnT>
-                    <a:lnB w="12700" cap="flat" cmpd="sng" algn="ctr">
-                      <a:solidFill>
-                        <a:schemeClr val="bg1">
-                          <a:lumMod val="85000"/>
-                        </a:schemeClr>
-                      </a:solidFill>
-                      <a:prstDash val="solid"/>
-                      <a:round/>
-                      <a:headEnd type="none" w="med" len="med"/>
-                      <a:tailEnd type="none" w="med" len="med"/>
-                    </a:lnB>
-                    <a:lnTlToBr w="12700" cmpd="sng">
-                      <a:noFill/>
-                      <a:prstDash val="solid"/>
-                    </a:lnTlToBr>
-                    <a:lnBlToTr w="12700" cmpd="sng">
-                      <a:noFill/>
-                      <a:prstDash val="solid"/>
-                    </a:lnBlToTr>
-                    <a:solidFill>
-                      <a:srgbClr val="FFFFFF"/>
-                    </a:solidFill>
-                  </a:tcPr>
-                </a:tc>
-                <a:extLst>
-                  <a:ext uri="{0D108BD9-81ED-4DB2-BD59-A6C34878D82A}">
-                    <a16:rowId xmlns:a16="http://schemas.microsoft.com/office/drawing/2014/main" val="1627901353"/>
-                  </a:ext>
-                </a:extLst>
-              </a:tr>
-              <a:tr h="385349">
-                <a:tc>
-                  <a:txBody>
-                    <a:bodyPr/>
-                    <a:lstStyle/>
-                    <a:p>
-                      <a:pPr algn="ctr">
-                        <a:lnSpc>
-                          <a:spcPct val="100000"/>
-                        </a:lnSpc>
-                      </a:pPr>
-                      <a:r>
-                        <a:rPr lang="en-US" altLang="en-US" sz="1100" dirty="0">
-                          <a:latin typeface="나눔고딕" panose="020D0604000000000000" pitchFamily="50" charset="-127"/>
-                          <a:ea typeface="나눔고딕" panose="020D0604000000000000" pitchFamily="50" charset="-127"/>
-                        </a:rPr>
-                        <a:t>2</a:t>
-                      </a:r>
-                      <a:endParaRPr lang="ko-Kore-KR" altLang="en-US" sz="1100" dirty="0">
-                        <a:latin typeface="나눔고딕" panose="020D0604000000000000" pitchFamily="50" charset="-127"/>
-                        <a:ea typeface="나눔고딕" panose="020D0604000000000000" pitchFamily="50" charset="-127"/>
-                      </a:endParaRPr>
-                    </a:p>
-                  </a:txBody>
-                  <a:tcPr marT="45721" marB="45721" anchor="ctr">
-                    <a:lnL w="12700" cap="flat" cmpd="sng" algn="ctr">
-                      <a:solidFill>
-                        <a:schemeClr val="bg1">
-                          <a:lumMod val="85000"/>
-                        </a:schemeClr>
-                      </a:solidFill>
-                      <a:prstDash val="solid"/>
-                      <a:round/>
-                      <a:headEnd type="none" w="med" len="med"/>
-                      <a:tailEnd type="none" w="med" len="med"/>
-                    </a:lnL>
-                    <a:lnR w="12700" cap="flat" cmpd="sng" algn="ctr">
-                      <a:solidFill>
-                        <a:schemeClr val="bg1">
-                          <a:lumMod val="85000"/>
-                        </a:schemeClr>
-                      </a:solidFill>
-                      <a:prstDash val="solid"/>
-                      <a:round/>
-                      <a:headEnd type="none" w="med" len="med"/>
-                      <a:tailEnd type="none" w="med" len="med"/>
-                    </a:lnR>
-                    <a:lnT w="12700" cap="flat" cmpd="sng" algn="ctr">
-                      <a:solidFill>
-                        <a:schemeClr val="bg1">
-                          <a:lumMod val="85000"/>
-                        </a:schemeClr>
-                      </a:solidFill>
-                      <a:prstDash val="solid"/>
-                      <a:round/>
-                      <a:headEnd type="none" w="med" len="med"/>
-                      <a:tailEnd type="none" w="med" len="med"/>
-                    </a:lnT>
-                    <a:lnB w="12700" cap="flat" cmpd="sng" algn="ctr">
-                      <a:solidFill>
-                        <a:schemeClr val="bg1">
-                          <a:lumMod val="85000"/>
-                        </a:schemeClr>
-                      </a:solidFill>
-                      <a:prstDash val="solid"/>
-                      <a:round/>
-                      <a:headEnd type="none" w="med" len="med"/>
-                      <a:tailEnd type="none" w="med" len="med"/>
-                    </a:lnB>
-                    <a:lnTlToBr w="12700" cmpd="sng">
-                      <a:noFill/>
-                      <a:prstDash val="solid"/>
-                    </a:lnTlToBr>
-                    <a:lnBlToTr w="12700" cmpd="sng">
-                      <a:noFill/>
-                      <a:prstDash val="solid"/>
-                    </a:lnBlToTr>
-                    <a:solidFill>
-                      <a:srgbClr val="F1F2F7"/>
-                    </a:solidFill>
-                  </a:tcPr>
-                </a:tc>
-                <a:tc>
-                  <a:txBody>
-                    <a:bodyPr/>
-                    <a:lstStyle/>
-                    <a:p>
-                      <a:pPr marL="0" marR="0" lvl="0" indent="0" algn="ctr" defTabSz="914400" rtl="0" eaLnBrk="1" fontAlgn="auto" latinLnBrk="0" hangingPunct="1">
-                        <a:lnSpc>
-                          <a:spcPct val="100000"/>
-                        </a:lnSpc>
-                        <a:spcBef>
-                          <a:spcPts val="0"/>
-                        </a:spcBef>
-                        <a:spcAft>
-                          <a:spcPts val="0"/>
-                        </a:spcAft>
-                        <a:buClrTx/>
-                        <a:buSzTx/>
-                        <a:buFontTx/>
-                        <a:buNone/>
-                        <a:tabLst/>
-                        <a:defRPr/>
-                      </a:pPr>
-                      <a:r>
-                        <a:rPr lang="ko-KR" altLang="en-US" sz="1100" dirty="0">
-                          <a:latin typeface="나눔고딕" panose="020D0604000000000000" pitchFamily="50" charset="-127"/>
-                          <a:ea typeface="나눔고딕" panose="020D0604000000000000" pitchFamily="50" charset="-127"/>
-                        </a:rPr>
-                        <a:t>과제 수행에 대해</a:t>
-                      </a:r>
-                      <a:r>
-                        <a:rPr lang="en-US" altLang="ko-KR" sz="1100" dirty="0">
-                          <a:latin typeface="나눔고딕" panose="020D0604000000000000" pitchFamily="50" charset="-127"/>
-                          <a:ea typeface="나눔고딕" panose="020D0604000000000000" pitchFamily="50" charset="-127"/>
-                        </a:rPr>
-                        <a:t>…</a:t>
-                      </a:r>
-                      <a:endParaRPr lang="ko-Kore-KR" altLang="en-US" sz="1100" dirty="0">
-                        <a:latin typeface="나눔고딕" panose="020D0604000000000000" pitchFamily="50" charset="-127"/>
-                        <a:ea typeface="나눔고딕" panose="020D0604000000000000" pitchFamily="50" charset="-127"/>
-                      </a:endParaRPr>
-                    </a:p>
-                  </a:txBody>
-                  <a:tcPr marT="45721" marB="45721" anchor="ctr">
-                    <a:lnL w="12700" cap="flat" cmpd="sng" algn="ctr">
-                      <a:solidFill>
-                        <a:schemeClr val="bg1">
-                          <a:lumMod val="85000"/>
-                        </a:schemeClr>
-                      </a:solidFill>
-                      <a:prstDash val="solid"/>
-                      <a:round/>
-                      <a:headEnd type="none" w="med" len="med"/>
-                      <a:tailEnd type="none" w="med" len="med"/>
-                    </a:lnL>
-                    <a:lnR w="12700" cap="flat" cmpd="sng" algn="ctr">
-                      <a:solidFill>
-                        <a:schemeClr val="bg1">
-                          <a:lumMod val="85000"/>
-                        </a:schemeClr>
-                      </a:solidFill>
-                      <a:prstDash val="solid"/>
-                      <a:round/>
-                      <a:headEnd type="none" w="med" len="med"/>
-                      <a:tailEnd type="none" w="med" len="med"/>
-                    </a:lnR>
-                    <a:lnT w="12700" cap="flat" cmpd="sng" algn="ctr">
-                      <a:solidFill>
-                        <a:schemeClr val="bg1">
-                          <a:lumMod val="85000"/>
-                        </a:schemeClr>
-                      </a:solidFill>
-                      <a:prstDash val="solid"/>
-                      <a:round/>
-                      <a:headEnd type="none" w="med" len="med"/>
-                      <a:tailEnd type="none" w="med" len="med"/>
-                    </a:lnT>
-                    <a:lnB w="12700" cap="flat" cmpd="sng" algn="ctr">
-                      <a:solidFill>
-                        <a:schemeClr val="bg1">
-                          <a:lumMod val="85000"/>
-                        </a:schemeClr>
-                      </a:solidFill>
-                      <a:prstDash val="solid"/>
-                      <a:round/>
-                      <a:headEnd type="none" w="med" len="med"/>
-                      <a:tailEnd type="none" w="med" len="med"/>
-                    </a:lnB>
-                    <a:lnTlToBr w="12700" cmpd="sng">
-                      <a:noFill/>
-                      <a:prstDash val="solid"/>
-                    </a:lnTlToBr>
-                    <a:lnBlToTr w="12700" cmpd="sng">
-                      <a:noFill/>
-                      <a:prstDash val="solid"/>
-                    </a:lnBlToTr>
-                    <a:solidFill>
-                      <a:srgbClr val="F1F2F7"/>
-                    </a:solidFill>
-                  </a:tcPr>
-                </a:tc>
-                <a:tc>
-                  <a:txBody>
-                    <a:bodyPr/>
-                    <a:lstStyle/>
-                    <a:p>
-                      <a:pPr marL="0" marR="0" lvl="0" indent="0" algn="ctr" defTabSz="914400" rtl="0" eaLnBrk="1" fontAlgn="auto" latinLnBrk="0" hangingPunct="1">
-                        <a:lnSpc>
-                          <a:spcPct val="100000"/>
-                        </a:lnSpc>
-                        <a:spcBef>
-                          <a:spcPts val="0"/>
-                        </a:spcBef>
-                        <a:spcAft>
-                          <a:spcPts val="0"/>
-                        </a:spcAft>
-                        <a:buClrTx/>
-                        <a:buSzTx/>
-                        <a:buFontTx/>
-                        <a:buNone/>
-                        <a:tabLst/>
-                        <a:defRPr/>
-                      </a:pPr>
-                      <a:r>
-                        <a:rPr lang="ko-KR" altLang="en-US" sz="1100" dirty="0">
-                          <a:latin typeface="나눔고딕" panose="020D0604000000000000" pitchFamily="50" charset="-127"/>
-                          <a:ea typeface="나눔고딕" panose="020D0604000000000000" pitchFamily="50" charset="-127"/>
-                        </a:rPr>
-                        <a:t>정</a:t>
-                      </a:r>
-                      <a:r>
-                        <a:rPr lang="en-US" altLang="ko-KR" sz="1100" dirty="0">
-                          <a:latin typeface="나눔고딕" panose="020D0604000000000000" pitchFamily="50" charset="-127"/>
-                          <a:ea typeface="나눔고딕" panose="020D0604000000000000" pitchFamily="50" charset="-127"/>
-                        </a:rPr>
-                        <a:t>*</a:t>
-                      </a:r>
-                      <a:r>
-                        <a:rPr lang="ko-KR" altLang="en-US" sz="1100" dirty="0">
-                          <a:latin typeface="나눔고딕" panose="020D0604000000000000" pitchFamily="50" charset="-127"/>
-                          <a:ea typeface="나눔고딕" panose="020D0604000000000000" pitchFamily="50" charset="-127"/>
-                        </a:rPr>
-                        <a:t>수</a:t>
-                      </a:r>
-                      <a:endParaRPr lang="ko-Kore-KR" altLang="en-US" sz="1100" dirty="0">
-                        <a:latin typeface="나눔고딕" panose="020D0604000000000000" pitchFamily="50" charset="-127"/>
-                        <a:ea typeface="나눔고딕" panose="020D0604000000000000" pitchFamily="50" charset="-127"/>
-                      </a:endParaRPr>
-                    </a:p>
-                  </a:txBody>
-                  <a:tcPr marT="45721" marB="45721" anchor="ctr">
-                    <a:lnL w="12700" cap="flat" cmpd="sng" algn="ctr">
-                      <a:solidFill>
-                        <a:schemeClr val="bg1">
-                          <a:lumMod val="85000"/>
-                        </a:schemeClr>
-                      </a:solidFill>
-                      <a:prstDash val="solid"/>
-                      <a:round/>
-                      <a:headEnd type="none" w="med" len="med"/>
-                      <a:tailEnd type="none" w="med" len="med"/>
-                    </a:lnL>
-                    <a:lnR w="12700" cap="flat" cmpd="sng" algn="ctr">
-                      <a:solidFill>
-                        <a:schemeClr val="bg1">
-                          <a:lumMod val="85000"/>
-                        </a:schemeClr>
-                      </a:solidFill>
-                      <a:prstDash val="solid"/>
-                      <a:round/>
-                      <a:headEnd type="none" w="med" len="med"/>
-                      <a:tailEnd type="none" w="med" len="med"/>
-                    </a:lnR>
-                    <a:lnT w="12700" cap="flat" cmpd="sng" algn="ctr">
-                      <a:solidFill>
-                        <a:schemeClr val="bg1">
-                          <a:lumMod val="85000"/>
-                        </a:schemeClr>
-                      </a:solidFill>
-                      <a:prstDash val="solid"/>
-                      <a:round/>
-                      <a:headEnd type="none" w="med" len="med"/>
-                      <a:tailEnd type="none" w="med" len="med"/>
-                    </a:lnT>
-                    <a:lnB w="12700" cap="flat" cmpd="sng" algn="ctr">
-                      <a:solidFill>
-                        <a:schemeClr val="bg1">
-                          <a:lumMod val="85000"/>
-                        </a:schemeClr>
-                      </a:solidFill>
-                      <a:prstDash val="solid"/>
-                      <a:round/>
-                      <a:headEnd type="none" w="med" len="med"/>
-                      <a:tailEnd type="none" w="med" len="med"/>
-                    </a:lnB>
-                    <a:lnTlToBr w="12700" cmpd="sng">
-                      <a:noFill/>
-                      <a:prstDash val="solid"/>
-                    </a:lnTlToBr>
-                    <a:lnBlToTr w="12700" cmpd="sng">
-                      <a:noFill/>
-                      <a:prstDash val="solid"/>
-                    </a:lnBlToTr>
-                    <a:solidFill>
-                      <a:srgbClr val="F1F2F7"/>
-                    </a:solidFill>
-                  </a:tcPr>
-                </a:tc>
-                <a:tc>
-                  <a:txBody>
-                    <a:bodyPr/>
-                    <a:lstStyle/>
-                    <a:p>
-                      <a:pPr algn="ctr">
-                        <a:lnSpc>
-                          <a:spcPct val="100000"/>
-                        </a:lnSpc>
-                      </a:pPr>
-                      <a:r>
-                        <a:rPr lang="en-US" altLang="en-US" sz="1100" dirty="0">
-                          <a:latin typeface="나눔고딕" panose="020D0604000000000000" pitchFamily="50" charset="-127"/>
-                          <a:ea typeface="나눔고딕" panose="020D0604000000000000" pitchFamily="50" charset="-127"/>
-                        </a:rPr>
-                        <a:t>2020.04.10</a:t>
-                      </a:r>
-                      <a:endParaRPr lang="ko-Kore-KR" altLang="en-US" sz="1100" dirty="0">
-                        <a:latin typeface="나눔고딕" panose="020D0604000000000000" pitchFamily="50" charset="-127"/>
-                        <a:ea typeface="나눔고딕" panose="020D0604000000000000" pitchFamily="50" charset="-127"/>
-                      </a:endParaRPr>
-                    </a:p>
-                  </a:txBody>
-                  <a:tcPr marT="45721" marB="45721" anchor="ctr">
-                    <a:lnL w="12700" cap="flat" cmpd="sng" algn="ctr">
-                      <a:solidFill>
-                        <a:schemeClr val="bg1">
-                          <a:lumMod val="85000"/>
-                        </a:schemeClr>
-                      </a:solidFill>
-                      <a:prstDash val="solid"/>
-                      <a:round/>
-                      <a:headEnd type="none" w="med" len="med"/>
-                      <a:tailEnd type="none" w="med" len="med"/>
-                    </a:lnL>
-                    <a:lnR w="12700" cap="flat" cmpd="sng" algn="ctr">
-                      <a:solidFill>
-                        <a:schemeClr val="bg1">
-                          <a:lumMod val="85000"/>
-                        </a:schemeClr>
-                      </a:solidFill>
-                      <a:prstDash val="solid"/>
-                      <a:round/>
-                      <a:headEnd type="none" w="med" len="med"/>
-                      <a:tailEnd type="none" w="med" len="med"/>
-                    </a:lnR>
-                    <a:lnT w="12700" cap="flat" cmpd="sng" algn="ctr">
-                      <a:solidFill>
-                        <a:schemeClr val="bg1">
-                          <a:lumMod val="85000"/>
-                        </a:schemeClr>
-                      </a:solidFill>
-                      <a:prstDash val="solid"/>
-                      <a:round/>
-                      <a:headEnd type="none" w="med" len="med"/>
-                      <a:tailEnd type="none" w="med" len="med"/>
-                    </a:lnT>
-                    <a:lnB w="12700" cap="flat" cmpd="sng" algn="ctr">
-                      <a:solidFill>
-                        <a:schemeClr val="bg1">
-                          <a:lumMod val="85000"/>
-                        </a:schemeClr>
-                      </a:solidFill>
-                      <a:prstDash val="solid"/>
-                      <a:round/>
-                      <a:headEnd type="none" w="med" len="med"/>
-                      <a:tailEnd type="none" w="med" len="med"/>
-                    </a:lnB>
-                    <a:lnTlToBr w="12700" cmpd="sng">
-                      <a:noFill/>
-                      <a:prstDash val="solid"/>
-                    </a:lnTlToBr>
-                    <a:lnBlToTr w="12700" cmpd="sng">
-                      <a:noFill/>
-                      <a:prstDash val="solid"/>
-                    </a:lnBlToTr>
-                    <a:solidFill>
-                      <a:srgbClr val="F1F2F7"/>
-                    </a:solidFill>
-                  </a:tcPr>
-                </a:tc>
-                <a:extLst>
-                  <a:ext uri="{0D108BD9-81ED-4DB2-BD59-A6C34878D82A}">
-                    <a16:rowId xmlns:a16="http://schemas.microsoft.com/office/drawing/2014/main" val="2129157103"/>
-                  </a:ext>
-                </a:extLst>
-              </a:tr>
-              <a:tr h="385349">
-                <a:tc>
-                  <a:txBody>
-                    <a:bodyPr/>
-                    <a:lstStyle/>
-                    <a:p>
-                      <a:pPr algn="ctr">
-                        <a:lnSpc>
-                          <a:spcPct val="100000"/>
-                        </a:lnSpc>
-                      </a:pPr>
-                      <a:r>
-                        <a:rPr lang="en-US" altLang="en-US" sz="1100" dirty="0">
-                          <a:latin typeface="나눔고딕" panose="020D0604000000000000" pitchFamily="50" charset="-127"/>
-                          <a:ea typeface="나눔고딕" panose="020D0604000000000000" pitchFamily="50" charset="-127"/>
-                        </a:rPr>
-                        <a:t>3</a:t>
-                      </a:r>
-                      <a:endParaRPr lang="ko-Kore-KR" altLang="en-US" sz="1100" dirty="0">
-                        <a:latin typeface="나눔고딕" panose="020D0604000000000000" pitchFamily="50" charset="-127"/>
-                        <a:ea typeface="나눔고딕" panose="020D0604000000000000" pitchFamily="50" charset="-127"/>
-                      </a:endParaRPr>
-                    </a:p>
-                  </a:txBody>
-                  <a:tcPr marT="45721" marB="45721" anchor="ctr">
-                    <a:lnL w="12700" cap="flat" cmpd="sng" algn="ctr">
-                      <a:solidFill>
-                        <a:schemeClr val="bg1">
-                          <a:lumMod val="85000"/>
-                        </a:schemeClr>
-                      </a:solidFill>
-                      <a:prstDash val="solid"/>
-                      <a:round/>
-                      <a:headEnd type="none" w="med" len="med"/>
-                      <a:tailEnd type="none" w="med" len="med"/>
-                    </a:lnL>
-                    <a:lnR w="12700" cap="flat" cmpd="sng" algn="ctr">
-                      <a:solidFill>
-                        <a:schemeClr val="bg1">
-                          <a:lumMod val="85000"/>
-                        </a:schemeClr>
-                      </a:solidFill>
-                      <a:prstDash val="solid"/>
-                      <a:round/>
-                      <a:headEnd type="none" w="med" len="med"/>
-                      <a:tailEnd type="none" w="med" len="med"/>
-                    </a:lnR>
-                    <a:lnT w="12700" cap="flat" cmpd="sng" algn="ctr">
-                      <a:solidFill>
-                        <a:schemeClr val="bg1">
-                          <a:lumMod val="85000"/>
-                        </a:schemeClr>
-                      </a:solidFill>
-                      <a:prstDash val="solid"/>
-                      <a:round/>
-                      <a:headEnd type="none" w="med" len="med"/>
-                      <a:tailEnd type="none" w="med" len="med"/>
-                    </a:lnT>
-                    <a:lnB w="12700" cap="flat" cmpd="sng" algn="ctr">
-                      <a:solidFill>
-                        <a:schemeClr val="bg1">
-                          <a:lumMod val="85000"/>
-                        </a:schemeClr>
-                      </a:solidFill>
-                      <a:prstDash val="solid"/>
-                      <a:round/>
-                      <a:headEnd type="none" w="med" len="med"/>
-                      <a:tailEnd type="none" w="med" len="med"/>
-                    </a:lnB>
-                    <a:lnTlToBr w="12700" cmpd="sng">
-                      <a:noFill/>
-                      <a:prstDash val="solid"/>
-                    </a:lnTlToBr>
-                    <a:lnBlToTr w="12700" cmpd="sng">
-                      <a:noFill/>
-                      <a:prstDash val="solid"/>
-                    </a:lnBlToTr>
-                    <a:solidFill>
-                      <a:srgbClr val="FFFFFF"/>
-                    </a:solidFill>
-                  </a:tcPr>
-                </a:tc>
-                <a:tc>
-                  <a:txBody>
-                    <a:bodyPr/>
-                    <a:lstStyle/>
-                    <a:p>
-                      <a:pPr marL="0" marR="0" lvl="0" indent="0" algn="ctr" defTabSz="914400" rtl="0" eaLnBrk="1" fontAlgn="auto" latinLnBrk="0" hangingPunct="1">
-                        <a:lnSpc>
-                          <a:spcPct val="100000"/>
-                        </a:lnSpc>
-                        <a:spcBef>
-                          <a:spcPts val="0"/>
-                        </a:spcBef>
-                        <a:spcAft>
-                          <a:spcPts val="0"/>
-                        </a:spcAft>
-                        <a:buClrTx/>
-                        <a:buSzTx/>
-                        <a:buFontTx/>
-                        <a:buNone/>
-                        <a:tabLst/>
-                        <a:defRPr/>
-                      </a:pPr>
-                      <a:r>
-                        <a:rPr lang="ko-KR" altLang="en-US" sz="1100" dirty="0">
-                          <a:latin typeface="나눔고딕" panose="020D0604000000000000" pitchFamily="50" charset="-127"/>
-                          <a:ea typeface="나눔고딕" panose="020D0604000000000000" pitchFamily="50" charset="-127"/>
-                        </a:rPr>
-                        <a:t>최근 논문 동향</a:t>
-                      </a:r>
-                      <a:r>
-                        <a:rPr lang="en-US" altLang="ko-KR" sz="1100" dirty="0">
-                          <a:latin typeface="나눔고딕" panose="020D0604000000000000" pitchFamily="50" charset="-127"/>
-                          <a:ea typeface="나눔고딕" panose="020D0604000000000000" pitchFamily="50" charset="-127"/>
-                        </a:rPr>
-                        <a:t>…</a:t>
-                      </a:r>
-                      <a:endParaRPr lang="ko-Kore-KR" altLang="en-US" sz="1100" dirty="0">
-                        <a:latin typeface="나눔고딕" panose="020D0604000000000000" pitchFamily="50" charset="-127"/>
-                        <a:ea typeface="나눔고딕" panose="020D0604000000000000" pitchFamily="50" charset="-127"/>
-                      </a:endParaRPr>
-                    </a:p>
-                  </a:txBody>
-                  <a:tcPr marT="45721" marB="45721" anchor="ctr">
-                    <a:lnL w="12700" cap="flat" cmpd="sng" algn="ctr">
-                      <a:solidFill>
-                        <a:schemeClr val="bg1">
-                          <a:lumMod val="85000"/>
-                        </a:schemeClr>
-                      </a:solidFill>
-                      <a:prstDash val="solid"/>
-                      <a:round/>
-                      <a:headEnd type="none" w="med" len="med"/>
-                      <a:tailEnd type="none" w="med" len="med"/>
-                    </a:lnL>
-                    <a:lnR w="12700" cap="flat" cmpd="sng" algn="ctr">
-                      <a:solidFill>
-                        <a:schemeClr val="bg1">
-                          <a:lumMod val="85000"/>
-                        </a:schemeClr>
-                      </a:solidFill>
-                      <a:prstDash val="solid"/>
-                      <a:round/>
-                      <a:headEnd type="none" w="med" len="med"/>
-                      <a:tailEnd type="none" w="med" len="med"/>
-                    </a:lnR>
-                    <a:lnT w="12700" cap="flat" cmpd="sng" algn="ctr">
-                      <a:solidFill>
-                        <a:schemeClr val="bg1">
-                          <a:lumMod val="85000"/>
-                        </a:schemeClr>
-                      </a:solidFill>
-                      <a:prstDash val="solid"/>
-                      <a:round/>
-                      <a:headEnd type="none" w="med" len="med"/>
-                      <a:tailEnd type="none" w="med" len="med"/>
-                    </a:lnT>
-                    <a:lnB w="12700" cap="flat" cmpd="sng" algn="ctr">
-                      <a:solidFill>
-                        <a:schemeClr val="bg1">
-                          <a:lumMod val="85000"/>
-                        </a:schemeClr>
-                      </a:solidFill>
-                      <a:prstDash val="solid"/>
-                      <a:round/>
-                      <a:headEnd type="none" w="med" len="med"/>
-                      <a:tailEnd type="none" w="med" len="med"/>
-                    </a:lnB>
-                    <a:lnTlToBr w="12700" cmpd="sng">
-                      <a:noFill/>
-                      <a:prstDash val="solid"/>
-                    </a:lnTlToBr>
-                    <a:lnBlToTr w="12700" cmpd="sng">
-                      <a:noFill/>
-                      <a:prstDash val="solid"/>
-                    </a:lnBlToTr>
-                    <a:solidFill>
-                      <a:srgbClr val="FFFFFF"/>
-                    </a:solidFill>
-                  </a:tcPr>
-                </a:tc>
-                <a:tc>
-                  <a:txBody>
-                    <a:bodyPr/>
-                    <a:lstStyle/>
-                    <a:p>
-                      <a:pPr marL="0" marR="0" lvl="0" indent="0" algn="ctr" defTabSz="914400" rtl="0" eaLnBrk="1" fontAlgn="auto" latinLnBrk="0" hangingPunct="1">
-                        <a:lnSpc>
-                          <a:spcPct val="100000"/>
-                        </a:lnSpc>
-                        <a:spcBef>
-                          <a:spcPts val="0"/>
-                        </a:spcBef>
-                        <a:spcAft>
-                          <a:spcPts val="0"/>
-                        </a:spcAft>
-                        <a:buClrTx/>
-                        <a:buSzTx/>
-                        <a:buFontTx/>
-                        <a:buNone/>
-                        <a:tabLst/>
-                        <a:defRPr/>
-                      </a:pPr>
-                      <a:r>
-                        <a:rPr lang="ko-KR" altLang="en-US" sz="1100" dirty="0">
-                          <a:latin typeface="나눔고딕" panose="020D0604000000000000" pitchFamily="50" charset="-127"/>
-                          <a:ea typeface="나눔고딕" panose="020D0604000000000000" pitchFamily="50" charset="-127"/>
-                        </a:rPr>
-                        <a:t>정</a:t>
-                      </a:r>
-                      <a:r>
-                        <a:rPr lang="en-US" altLang="ko-KR" sz="1100" dirty="0">
-                          <a:latin typeface="나눔고딕" panose="020D0604000000000000" pitchFamily="50" charset="-127"/>
-                          <a:ea typeface="나눔고딕" panose="020D0604000000000000" pitchFamily="50" charset="-127"/>
-                        </a:rPr>
-                        <a:t>*</a:t>
-                      </a:r>
-                      <a:r>
-                        <a:rPr lang="ko-KR" altLang="en-US" sz="1100" dirty="0">
-                          <a:latin typeface="나눔고딕" panose="020D0604000000000000" pitchFamily="50" charset="-127"/>
-                          <a:ea typeface="나눔고딕" panose="020D0604000000000000" pitchFamily="50" charset="-127"/>
-                        </a:rPr>
-                        <a:t>경</a:t>
-                      </a:r>
-                      <a:endParaRPr lang="ko-Kore-KR" altLang="en-US" sz="1100" dirty="0">
-                        <a:latin typeface="나눔고딕" panose="020D0604000000000000" pitchFamily="50" charset="-127"/>
-                        <a:ea typeface="나눔고딕" panose="020D0604000000000000" pitchFamily="50" charset="-127"/>
-                      </a:endParaRPr>
-                    </a:p>
-                  </a:txBody>
-                  <a:tcPr marT="45721" marB="45721" anchor="ctr">
-                    <a:lnL w="12700" cap="flat" cmpd="sng" algn="ctr">
-                      <a:solidFill>
-                        <a:schemeClr val="bg1">
-                          <a:lumMod val="85000"/>
-                        </a:schemeClr>
-                      </a:solidFill>
-                      <a:prstDash val="solid"/>
-                      <a:round/>
-                      <a:headEnd type="none" w="med" len="med"/>
-                      <a:tailEnd type="none" w="med" len="med"/>
-                    </a:lnL>
-                    <a:lnR w="12700" cap="flat" cmpd="sng" algn="ctr">
-                      <a:solidFill>
-                        <a:schemeClr val="bg1">
-                          <a:lumMod val="85000"/>
-                        </a:schemeClr>
-                      </a:solidFill>
-                      <a:prstDash val="solid"/>
-                      <a:round/>
-                      <a:headEnd type="none" w="med" len="med"/>
-                      <a:tailEnd type="none" w="med" len="med"/>
-                    </a:lnR>
-                    <a:lnT w="12700" cap="flat" cmpd="sng" algn="ctr">
-                      <a:solidFill>
-                        <a:schemeClr val="bg1">
-                          <a:lumMod val="85000"/>
-                        </a:schemeClr>
-                      </a:solidFill>
-                      <a:prstDash val="solid"/>
-                      <a:round/>
-                      <a:headEnd type="none" w="med" len="med"/>
-                      <a:tailEnd type="none" w="med" len="med"/>
-                    </a:lnT>
-                    <a:lnB w="12700" cap="flat" cmpd="sng" algn="ctr">
-                      <a:solidFill>
-                        <a:schemeClr val="bg1">
-                          <a:lumMod val="85000"/>
-                        </a:schemeClr>
-                      </a:solidFill>
-                      <a:prstDash val="solid"/>
-                      <a:round/>
-                      <a:headEnd type="none" w="med" len="med"/>
-                      <a:tailEnd type="none" w="med" len="med"/>
-                    </a:lnB>
-                    <a:lnTlToBr w="12700" cmpd="sng">
-                      <a:noFill/>
-                      <a:prstDash val="solid"/>
-                    </a:lnTlToBr>
-                    <a:lnBlToTr w="12700" cmpd="sng">
-                      <a:noFill/>
-                      <a:prstDash val="solid"/>
-                    </a:lnBlToTr>
-                    <a:solidFill>
-                      <a:srgbClr val="FFFFFF"/>
-                    </a:solidFill>
-                  </a:tcPr>
-                </a:tc>
-                <a:tc>
-                  <a:txBody>
-                    <a:bodyPr/>
-                    <a:lstStyle/>
-                    <a:p>
-                      <a:pPr algn="ctr">
-                        <a:lnSpc>
-                          <a:spcPct val="100000"/>
-                        </a:lnSpc>
-                      </a:pPr>
-                      <a:r>
-                        <a:rPr lang="en-US" altLang="en-US" sz="1100" dirty="0">
-                          <a:latin typeface="나눔고딕" panose="020D0604000000000000" pitchFamily="50" charset="-127"/>
-                          <a:ea typeface="나눔고딕" panose="020D0604000000000000" pitchFamily="50" charset="-127"/>
-                        </a:rPr>
-                        <a:t>2020.04.20</a:t>
-                      </a:r>
-                      <a:endParaRPr lang="ko-Kore-KR" altLang="en-US" sz="1100" dirty="0">
-                        <a:latin typeface="나눔고딕" panose="020D0604000000000000" pitchFamily="50" charset="-127"/>
-                        <a:ea typeface="나눔고딕" panose="020D0604000000000000" pitchFamily="50" charset="-127"/>
-                      </a:endParaRPr>
-                    </a:p>
-                  </a:txBody>
-                  <a:tcPr marT="45721" marB="45721" anchor="ctr">
-                    <a:lnL w="12700" cap="flat" cmpd="sng" algn="ctr">
-                      <a:solidFill>
-                        <a:schemeClr val="bg1">
-                          <a:lumMod val="85000"/>
-                        </a:schemeClr>
-                      </a:solidFill>
-                      <a:prstDash val="solid"/>
-                      <a:round/>
-                      <a:headEnd type="none" w="med" len="med"/>
-                      <a:tailEnd type="none" w="med" len="med"/>
-                    </a:lnL>
-                    <a:lnR w="12700" cap="flat" cmpd="sng" algn="ctr">
-                      <a:solidFill>
-                        <a:schemeClr val="bg1">
-                          <a:lumMod val="85000"/>
-                        </a:schemeClr>
-                      </a:solidFill>
-                      <a:prstDash val="solid"/>
-                      <a:round/>
-                      <a:headEnd type="none" w="med" len="med"/>
-                      <a:tailEnd type="none" w="med" len="med"/>
-                    </a:lnR>
-                    <a:lnT w="12700" cap="flat" cmpd="sng" algn="ctr">
-                      <a:solidFill>
-                        <a:schemeClr val="bg1">
-                          <a:lumMod val="85000"/>
-                        </a:schemeClr>
-                      </a:solidFill>
-                      <a:prstDash val="solid"/>
-                      <a:round/>
-                      <a:headEnd type="none" w="med" len="med"/>
-                      <a:tailEnd type="none" w="med" len="med"/>
-                    </a:lnT>
-                    <a:lnB w="12700" cap="flat" cmpd="sng" algn="ctr">
-                      <a:solidFill>
-                        <a:schemeClr val="bg1">
-                          <a:lumMod val="85000"/>
-                        </a:schemeClr>
-                      </a:solidFill>
-                      <a:prstDash val="solid"/>
-                      <a:round/>
-                      <a:headEnd type="none" w="med" len="med"/>
-                      <a:tailEnd type="none" w="med" len="med"/>
-                    </a:lnB>
-                    <a:lnTlToBr w="12700" cmpd="sng">
-                      <a:noFill/>
-                      <a:prstDash val="solid"/>
-                    </a:lnTlToBr>
-                    <a:lnBlToTr w="12700" cmpd="sng">
-                      <a:noFill/>
-                      <a:prstDash val="solid"/>
-                    </a:lnBlToTr>
-                    <a:solidFill>
-                      <a:srgbClr val="FFFFFF"/>
-                    </a:solidFill>
-                  </a:tcPr>
-                </a:tc>
-                <a:extLst>
-                  <a:ext uri="{0D108BD9-81ED-4DB2-BD59-A6C34878D82A}">
-                    <a16:rowId xmlns:a16="http://schemas.microsoft.com/office/drawing/2014/main" val="958970538"/>
-                  </a:ext>
-                </a:extLst>
-              </a:tr>
-              <a:tr h="304990">
-                <a:tc>
-                  <a:txBody>
-                    <a:bodyPr/>
-                    <a:lstStyle/>
-                    <a:p>
-                      <a:pPr algn="ctr">
-                        <a:lnSpc>
-                          <a:spcPct val="100000"/>
-                        </a:lnSpc>
-                      </a:pPr>
-                      <a:r>
-                        <a:rPr lang="en-US" altLang="en-US" sz="1100" dirty="0">
-                          <a:latin typeface="나눔고딕" panose="020D0604000000000000" pitchFamily="50" charset="-127"/>
-                          <a:ea typeface="나눔고딕" panose="020D0604000000000000" pitchFamily="50" charset="-127"/>
-                        </a:rPr>
-                        <a:t>4</a:t>
-                      </a:r>
-                      <a:endParaRPr lang="ko-Kore-KR" altLang="en-US" sz="1100" dirty="0">
-                        <a:latin typeface="나눔고딕" panose="020D0604000000000000" pitchFamily="50" charset="-127"/>
-                        <a:ea typeface="나눔고딕" panose="020D0604000000000000" pitchFamily="50" charset="-127"/>
-                      </a:endParaRPr>
-                    </a:p>
-                  </a:txBody>
-                  <a:tcPr marT="45721" marB="45721" anchor="ctr">
-                    <a:lnL w="12700" cap="flat" cmpd="sng" algn="ctr">
-                      <a:solidFill>
-                        <a:schemeClr val="bg1">
-                          <a:lumMod val="85000"/>
-                        </a:schemeClr>
-                      </a:solidFill>
-                      <a:prstDash val="solid"/>
-                      <a:round/>
-                      <a:headEnd type="none" w="med" len="med"/>
-                      <a:tailEnd type="none" w="med" len="med"/>
-                    </a:lnL>
-                    <a:lnR w="12700" cap="flat" cmpd="sng" algn="ctr">
-                      <a:solidFill>
-                        <a:schemeClr val="bg1">
-                          <a:lumMod val="85000"/>
-                        </a:schemeClr>
-                      </a:solidFill>
-                      <a:prstDash val="solid"/>
-                      <a:round/>
-                      <a:headEnd type="none" w="med" len="med"/>
-                      <a:tailEnd type="none" w="med" len="med"/>
-                    </a:lnR>
-                    <a:lnT w="12700" cap="flat" cmpd="sng" algn="ctr">
-                      <a:solidFill>
-                        <a:schemeClr val="bg1">
-                          <a:lumMod val="85000"/>
-                        </a:schemeClr>
-                      </a:solidFill>
-                      <a:prstDash val="solid"/>
-                      <a:round/>
-                      <a:headEnd type="none" w="med" len="med"/>
-                      <a:tailEnd type="none" w="med" len="med"/>
-                    </a:lnT>
-                    <a:lnB w="12700" cap="flat" cmpd="sng" algn="ctr">
-                      <a:solidFill>
-                        <a:schemeClr val="bg1">
-                          <a:lumMod val="85000"/>
-                        </a:schemeClr>
-                      </a:solidFill>
-                      <a:prstDash val="solid"/>
-                      <a:round/>
-                      <a:headEnd type="none" w="med" len="med"/>
-                      <a:tailEnd type="none" w="med" len="med"/>
-                    </a:lnB>
-                    <a:lnTlToBr w="12700" cmpd="sng">
-                      <a:noFill/>
-                      <a:prstDash val="solid"/>
-                    </a:lnTlToBr>
-                    <a:lnBlToTr w="12700" cmpd="sng">
-                      <a:noFill/>
-                      <a:prstDash val="solid"/>
-                    </a:lnBlToTr>
-                    <a:solidFill>
-                      <a:srgbClr val="F1F2F7"/>
-                    </a:solidFill>
-                  </a:tcPr>
-                </a:tc>
-                <a:tc>
-                  <a:txBody>
-                    <a:bodyPr/>
-                    <a:lstStyle/>
-                    <a:p>
-                      <a:pPr algn="ctr">
-                        <a:lnSpc>
-                          <a:spcPct val="100000"/>
-                        </a:lnSpc>
-                      </a:pPr>
-                      <a:r>
-                        <a:rPr lang="en-US" altLang="en-US" sz="1100" dirty="0">
-                          <a:latin typeface="나눔고딕" panose="020D0604000000000000" pitchFamily="50" charset="-127"/>
-                          <a:ea typeface="나눔고딕" panose="020D0604000000000000" pitchFamily="50" charset="-127"/>
-                        </a:rPr>
-                        <a:t>:</a:t>
-                      </a:r>
-                      <a:endParaRPr lang="ko-Kore-KR" altLang="en-US" sz="1100" dirty="0">
-                        <a:latin typeface="나눔고딕" panose="020D0604000000000000" pitchFamily="50" charset="-127"/>
-                        <a:ea typeface="나눔고딕" panose="020D0604000000000000" pitchFamily="50" charset="-127"/>
-                      </a:endParaRPr>
-                    </a:p>
-                  </a:txBody>
-                  <a:tcPr marT="45721" marB="45721" anchor="ctr">
-                    <a:lnL w="12700" cap="flat" cmpd="sng" algn="ctr">
-                      <a:solidFill>
-                        <a:schemeClr val="bg1">
-                          <a:lumMod val="85000"/>
-                        </a:schemeClr>
-                      </a:solidFill>
-                      <a:prstDash val="solid"/>
-                      <a:round/>
-                      <a:headEnd type="none" w="med" len="med"/>
-                      <a:tailEnd type="none" w="med" len="med"/>
-                    </a:lnL>
-                    <a:lnR w="12700" cap="flat" cmpd="sng" algn="ctr">
-                      <a:solidFill>
-                        <a:schemeClr val="bg1">
-                          <a:lumMod val="85000"/>
-                        </a:schemeClr>
-                      </a:solidFill>
-                      <a:prstDash val="solid"/>
-                      <a:round/>
-                      <a:headEnd type="none" w="med" len="med"/>
-                      <a:tailEnd type="none" w="med" len="med"/>
-                    </a:lnR>
-                    <a:lnT w="12700" cap="flat" cmpd="sng" algn="ctr">
-                      <a:solidFill>
-                        <a:schemeClr val="bg1">
-                          <a:lumMod val="85000"/>
-                        </a:schemeClr>
-                      </a:solidFill>
-                      <a:prstDash val="solid"/>
-                      <a:round/>
-                      <a:headEnd type="none" w="med" len="med"/>
-                      <a:tailEnd type="none" w="med" len="med"/>
-                    </a:lnT>
-                    <a:lnB w="12700" cap="flat" cmpd="sng" algn="ctr">
-                      <a:solidFill>
-                        <a:schemeClr val="bg1">
-                          <a:lumMod val="85000"/>
-                        </a:schemeClr>
-                      </a:solidFill>
-                      <a:prstDash val="solid"/>
-                      <a:round/>
-                      <a:headEnd type="none" w="med" len="med"/>
-                      <a:tailEnd type="none" w="med" len="med"/>
-                    </a:lnB>
-                    <a:lnTlToBr w="12700" cmpd="sng">
-                      <a:noFill/>
-                      <a:prstDash val="solid"/>
-                    </a:lnTlToBr>
-                    <a:lnBlToTr w="12700" cmpd="sng">
-                      <a:noFill/>
-                      <a:prstDash val="solid"/>
-                    </a:lnBlToTr>
-                    <a:solidFill>
-                      <a:srgbClr val="F1F2F7"/>
-                    </a:solidFill>
-                  </a:tcPr>
-                </a:tc>
-                <a:tc>
-                  <a:txBody>
-                    <a:bodyPr/>
-                    <a:lstStyle/>
-                    <a:p>
-                      <a:pPr algn="ctr">
-                        <a:lnSpc>
-                          <a:spcPct val="100000"/>
-                        </a:lnSpc>
-                      </a:pPr>
-                      <a:r>
-                        <a:rPr lang="en-US" altLang="en-US" sz="1100" dirty="0">
-                          <a:latin typeface="나눔고딕" panose="020D0604000000000000" pitchFamily="50" charset="-127"/>
-                          <a:ea typeface="나눔고딕" panose="020D0604000000000000" pitchFamily="50" charset="-127"/>
-                        </a:rPr>
-                        <a:t>:</a:t>
-                      </a:r>
-                      <a:endParaRPr lang="ko-Kore-KR" altLang="en-US" sz="1100" dirty="0">
-                        <a:latin typeface="나눔고딕" panose="020D0604000000000000" pitchFamily="50" charset="-127"/>
-                        <a:ea typeface="나눔고딕" panose="020D0604000000000000" pitchFamily="50" charset="-127"/>
-                      </a:endParaRPr>
-                    </a:p>
-                  </a:txBody>
-                  <a:tcPr marT="45721" marB="45721" anchor="ctr">
-                    <a:lnL w="12700" cap="flat" cmpd="sng" algn="ctr">
-                      <a:solidFill>
-                        <a:schemeClr val="bg1">
-                          <a:lumMod val="85000"/>
-                        </a:schemeClr>
-                      </a:solidFill>
-                      <a:prstDash val="solid"/>
-                      <a:round/>
-                      <a:headEnd type="none" w="med" len="med"/>
-                      <a:tailEnd type="none" w="med" len="med"/>
-                    </a:lnL>
-                    <a:lnR w="12700" cap="flat" cmpd="sng" algn="ctr">
-                      <a:solidFill>
-                        <a:schemeClr val="bg1">
-                          <a:lumMod val="85000"/>
-                        </a:schemeClr>
-                      </a:solidFill>
-                      <a:prstDash val="solid"/>
-                      <a:round/>
-                      <a:headEnd type="none" w="med" len="med"/>
-                      <a:tailEnd type="none" w="med" len="med"/>
-                    </a:lnR>
-                    <a:lnT w="12700" cap="flat" cmpd="sng" algn="ctr">
-                      <a:solidFill>
-                        <a:schemeClr val="bg1">
-                          <a:lumMod val="85000"/>
-                        </a:schemeClr>
-                      </a:solidFill>
-                      <a:prstDash val="solid"/>
-                      <a:round/>
-                      <a:headEnd type="none" w="med" len="med"/>
-                      <a:tailEnd type="none" w="med" len="med"/>
-                    </a:lnT>
-                    <a:lnB w="12700" cap="flat" cmpd="sng" algn="ctr">
-                      <a:solidFill>
-                        <a:schemeClr val="bg1">
-                          <a:lumMod val="85000"/>
-                        </a:schemeClr>
-                      </a:solidFill>
-                      <a:prstDash val="solid"/>
-                      <a:round/>
-                      <a:headEnd type="none" w="med" len="med"/>
-                      <a:tailEnd type="none" w="med" len="med"/>
-                    </a:lnB>
-                    <a:lnTlToBr w="12700" cmpd="sng">
-                      <a:noFill/>
-                      <a:prstDash val="solid"/>
-                    </a:lnTlToBr>
-                    <a:lnBlToTr w="12700" cmpd="sng">
-                      <a:noFill/>
-                      <a:prstDash val="solid"/>
-                    </a:lnBlToTr>
-                    <a:solidFill>
-                      <a:srgbClr val="F1F2F7"/>
-                    </a:solidFill>
-                  </a:tcPr>
-                </a:tc>
-                <a:tc>
-                  <a:txBody>
-                    <a:bodyPr/>
-                    <a:lstStyle/>
-                    <a:p>
-                      <a:pPr algn="ctr">
-                        <a:lnSpc>
-                          <a:spcPct val="100000"/>
-                        </a:lnSpc>
-                      </a:pPr>
-                      <a:r>
-                        <a:rPr lang="en-US" altLang="en-US" sz="1100" dirty="0">
-                          <a:latin typeface="나눔고딕" panose="020D0604000000000000" pitchFamily="50" charset="-127"/>
-                          <a:ea typeface="나눔고딕" panose="020D0604000000000000" pitchFamily="50" charset="-127"/>
-                        </a:rPr>
-                        <a:t>:</a:t>
-                      </a:r>
-                      <a:endParaRPr lang="ko-Kore-KR" altLang="en-US" sz="1100" dirty="0">
-                        <a:latin typeface="나눔고딕" panose="020D0604000000000000" pitchFamily="50" charset="-127"/>
-                        <a:ea typeface="나눔고딕" panose="020D0604000000000000" pitchFamily="50" charset="-127"/>
-                      </a:endParaRPr>
-                    </a:p>
-                  </a:txBody>
-                  <a:tcPr marT="45721" marB="45721" anchor="ctr">
-                    <a:lnL w="12700" cap="flat" cmpd="sng" algn="ctr">
-                      <a:solidFill>
-                        <a:schemeClr val="bg1">
-                          <a:lumMod val="85000"/>
-                        </a:schemeClr>
-                      </a:solidFill>
-                      <a:prstDash val="solid"/>
-                      <a:round/>
-                      <a:headEnd type="none" w="med" len="med"/>
-                      <a:tailEnd type="none" w="med" len="med"/>
-                    </a:lnL>
-                    <a:lnR w="12700" cap="flat" cmpd="sng" algn="ctr">
-                      <a:solidFill>
-                        <a:schemeClr val="bg1">
-                          <a:lumMod val="85000"/>
-                        </a:schemeClr>
-                      </a:solidFill>
-                      <a:prstDash val="solid"/>
-                      <a:round/>
-                      <a:headEnd type="none" w="med" len="med"/>
-                      <a:tailEnd type="none" w="med" len="med"/>
-                    </a:lnR>
-                    <a:lnT w="12700" cap="flat" cmpd="sng" algn="ctr">
-                      <a:solidFill>
-                        <a:schemeClr val="bg1">
-                          <a:lumMod val="85000"/>
-                        </a:schemeClr>
-                      </a:solidFill>
-                      <a:prstDash val="solid"/>
-                      <a:round/>
-                      <a:headEnd type="none" w="med" len="med"/>
-                      <a:tailEnd type="none" w="med" len="med"/>
-                    </a:lnT>
-                    <a:lnB w="12700" cap="flat" cmpd="sng" algn="ctr">
-                      <a:solidFill>
-                        <a:schemeClr val="bg1">
-                          <a:lumMod val="85000"/>
-                        </a:schemeClr>
-                      </a:solidFill>
-                      <a:prstDash val="solid"/>
-                      <a:round/>
-                      <a:headEnd type="none" w="med" len="med"/>
-                      <a:tailEnd type="none" w="med" len="med"/>
-                    </a:lnB>
-                    <a:lnTlToBr w="12700" cmpd="sng">
-                      <a:noFill/>
-                      <a:prstDash val="solid"/>
-                    </a:lnTlToBr>
-                    <a:lnBlToTr w="12700" cmpd="sng">
-                      <a:noFill/>
-                      <a:prstDash val="solid"/>
-                    </a:lnBlToTr>
-                    <a:solidFill>
-                      <a:srgbClr val="F1F2F7"/>
-                    </a:solidFill>
-                  </a:tcPr>
-                </a:tc>
-                <a:extLst>
-                  <a:ext uri="{0D108BD9-81ED-4DB2-BD59-A6C34878D82A}">
-                    <a16:rowId xmlns:a16="http://schemas.microsoft.com/office/drawing/2014/main" val="4233150668"/>
-                  </a:ext>
-                </a:extLst>
-              </a:tr>
-              <a:tr h="304990">
-                <a:tc>
-                  <a:txBody>
-                    <a:bodyPr/>
-                    <a:lstStyle/>
-                    <a:p>
-                      <a:pPr algn="ctr">
-                        <a:lnSpc>
-                          <a:spcPct val="100000"/>
-                        </a:lnSpc>
-                      </a:pPr>
-                      <a:r>
-                        <a:rPr lang="en-US" altLang="en-US" sz="1100" dirty="0">
-                          <a:latin typeface="나눔고딕" panose="020D0604000000000000" pitchFamily="50" charset="-127"/>
-                          <a:ea typeface="나눔고딕" panose="020D0604000000000000" pitchFamily="50" charset="-127"/>
-                        </a:rPr>
-                        <a:t>5</a:t>
-                      </a:r>
-                      <a:endParaRPr lang="ko-Kore-KR" altLang="en-US" sz="1100" dirty="0">
-                        <a:latin typeface="나눔고딕" panose="020D0604000000000000" pitchFamily="50" charset="-127"/>
-                        <a:ea typeface="나눔고딕" panose="020D0604000000000000" pitchFamily="50" charset="-127"/>
-                      </a:endParaRPr>
-                    </a:p>
-                  </a:txBody>
-                  <a:tcPr marT="45721" marB="45721" anchor="ctr">
-                    <a:lnL w="12700" cap="flat" cmpd="sng" algn="ctr">
-                      <a:solidFill>
-                        <a:schemeClr val="bg1">
-                          <a:lumMod val="85000"/>
-                        </a:schemeClr>
-                      </a:solidFill>
-                      <a:prstDash val="solid"/>
-                      <a:round/>
-                      <a:headEnd type="none" w="med" len="med"/>
-                      <a:tailEnd type="none" w="med" len="med"/>
-                    </a:lnL>
-                    <a:lnR w="12700" cap="flat" cmpd="sng" algn="ctr">
-                      <a:solidFill>
-                        <a:schemeClr val="bg1">
-                          <a:lumMod val="85000"/>
-                        </a:schemeClr>
-                      </a:solidFill>
-                      <a:prstDash val="solid"/>
-                      <a:round/>
-                      <a:headEnd type="none" w="med" len="med"/>
-                      <a:tailEnd type="none" w="med" len="med"/>
-                    </a:lnR>
-                    <a:lnT w="12700" cap="flat" cmpd="sng" algn="ctr">
-                      <a:solidFill>
-                        <a:schemeClr val="bg1">
-                          <a:lumMod val="85000"/>
-                        </a:schemeClr>
-                      </a:solidFill>
-                      <a:prstDash val="solid"/>
-                      <a:round/>
-                      <a:headEnd type="none" w="med" len="med"/>
-                      <a:tailEnd type="none" w="med" len="med"/>
-                    </a:lnT>
-                    <a:lnB w="12700" cap="flat" cmpd="sng" algn="ctr">
-                      <a:solidFill>
-                        <a:schemeClr val="bg1">
-                          <a:lumMod val="85000"/>
-                        </a:schemeClr>
-                      </a:solidFill>
-                      <a:prstDash val="solid"/>
-                      <a:round/>
-                      <a:headEnd type="none" w="med" len="med"/>
-                      <a:tailEnd type="none" w="med" len="med"/>
-                    </a:lnB>
-                    <a:lnTlToBr w="12700" cmpd="sng">
-                      <a:noFill/>
-                      <a:prstDash val="solid"/>
-                    </a:lnTlToBr>
-                    <a:lnBlToTr w="12700" cmpd="sng">
-                      <a:noFill/>
-                      <a:prstDash val="solid"/>
-                    </a:lnBlToTr>
-                    <a:solidFill>
-                      <a:srgbClr val="FFFFFF"/>
-                    </a:solidFill>
-                  </a:tcPr>
-                </a:tc>
-                <a:tc>
-                  <a:txBody>
-                    <a:bodyPr/>
-                    <a:lstStyle/>
-                    <a:p>
-                      <a:pPr algn="ctr">
-                        <a:lnSpc>
-                          <a:spcPct val="100000"/>
-                        </a:lnSpc>
-                      </a:pPr>
-                      <a:r>
-                        <a:rPr lang="en-US" altLang="ko-Kore-KR" sz="1100" dirty="0">
-                          <a:latin typeface="나눔고딕" panose="020D0604000000000000" pitchFamily="50" charset="-127"/>
-                          <a:ea typeface="나눔고딕" panose="020D0604000000000000" pitchFamily="50" charset="-127"/>
-                        </a:rPr>
-                        <a:t>:</a:t>
-                      </a:r>
-                      <a:endParaRPr lang="ko-Kore-KR" altLang="en-US" sz="1100" dirty="0">
-                        <a:latin typeface="나눔고딕" panose="020D0604000000000000" pitchFamily="50" charset="-127"/>
-                        <a:ea typeface="나눔고딕" panose="020D0604000000000000" pitchFamily="50" charset="-127"/>
-                      </a:endParaRPr>
-                    </a:p>
-                  </a:txBody>
-                  <a:tcPr marT="45721" marB="45721" anchor="ctr">
-                    <a:lnL w="12700" cap="flat" cmpd="sng" algn="ctr">
-                      <a:solidFill>
-                        <a:schemeClr val="bg1">
-                          <a:lumMod val="85000"/>
-                        </a:schemeClr>
-                      </a:solidFill>
-                      <a:prstDash val="solid"/>
-                      <a:round/>
-                      <a:headEnd type="none" w="med" len="med"/>
-                      <a:tailEnd type="none" w="med" len="med"/>
-                    </a:lnL>
-                    <a:lnR w="12700" cap="flat" cmpd="sng" algn="ctr">
-                      <a:solidFill>
-                        <a:schemeClr val="bg1">
-                          <a:lumMod val="85000"/>
-                        </a:schemeClr>
-                      </a:solidFill>
-                      <a:prstDash val="solid"/>
-                      <a:round/>
-                      <a:headEnd type="none" w="med" len="med"/>
-                      <a:tailEnd type="none" w="med" len="med"/>
-                    </a:lnR>
-                    <a:lnT w="12700" cap="flat" cmpd="sng" algn="ctr">
-                      <a:solidFill>
-                        <a:schemeClr val="bg1">
-                          <a:lumMod val="85000"/>
-                        </a:schemeClr>
-                      </a:solidFill>
-                      <a:prstDash val="solid"/>
-                      <a:round/>
-                      <a:headEnd type="none" w="med" len="med"/>
-                      <a:tailEnd type="none" w="med" len="med"/>
-                    </a:lnT>
-                    <a:lnB w="12700" cap="flat" cmpd="sng" algn="ctr">
-                      <a:solidFill>
-                        <a:schemeClr val="bg1">
-                          <a:lumMod val="85000"/>
-                        </a:schemeClr>
-                      </a:solidFill>
-                      <a:prstDash val="solid"/>
-                      <a:round/>
-                      <a:headEnd type="none" w="med" len="med"/>
-                      <a:tailEnd type="none" w="med" len="med"/>
-                    </a:lnB>
-                    <a:lnTlToBr w="12700" cmpd="sng">
-                      <a:noFill/>
-                      <a:prstDash val="solid"/>
-                    </a:lnTlToBr>
-                    <a:lnBlToTr w="12700" cmpd="sng">
-                      <a:noFill/>
-                      <a:prstDash val="solid"/>
-                    </a:lnBlToTr>
-                    <a:solidFill>
-                      <a:srgbClr val="FFFFFF"/>
-                    </a:solidFill>
-                  </a:tcPr>
-                </a:tc>
-                <a:tc>
-                  <a:txBody>
-                    <a:bodyPr/>
-                    <a:lstStyle/>
-                    <a:p>
-                      <a:pPr algn="ctr">
-                        <a:lnSpc>
-                          <a:spcPct val="100000"/>
-                        </a:lnSpc>
-                      </a:pPr>
-                      <a:r>
-                        <a:rPr lang="en-US" altLang="ko-Kore-KR" sz="1100" dirty="0">
-                          <a:latin typeface="나눔고딕" panose="020D0604000000000000" pitchFamily="50" charset="-127"/>
-                          <a:ea typeface="나눔고딕" panose="020D0604000000000000" pitchFamily="50" charset="-127"/>
-                        </a:rPr>
-                        <a:t>:</a:t>
-                      </a:r>
-                      <a:endParaRPr lang="ko-Kore-KR" altLang="en-US" sz="1100" dirty="0">
-                        <a:latin typeface="나눔고딕" panose="020D0604000000000000" pitchFamily="50" charset="-127"/>
-                        <a:ea typeface="나눔고딕" panose="020D0604000000000000" pitchFamily="50" charset="-127"/>
-                      </a:endParaRPr>
-                    </a:p>
-                  </a:txBody>
-                  <a:tcPr marT="45721" marB="45721" anchor="ctr">
-                    <a:lnL w="12700" cap="flat" cmpd="sng" algn="ctr">
-                      <a:solidFill>
-                        <a:schemeClr val="bg1">
-                          <a:lumMod val="85000"/>
-                        </a:schemeClr>
-                      </a:solidFill>
-                      <a:prstDash val="solid"/>
-                      <a:round/>
-                      <a:headEnd type="none" w="med" len="med"/>
-                      <a:tailEnd type="none" w="med" len="med"/>
-                    </a:lnL>
-                    <a:lnR w="12700" cap="flat" cmpd="sng" algn="ctr">
-                      <a:solidFill>
-                        <a:schemeClr val="bg1">
-                          <a:lumMod val="85000"/>
-                        </a:schemeClr>
-                      </a:solidFill>
-                      <a:prstDash val="solid"/>
-                      <a:round/>
-                      <a:headEnd type="none" w="med" len="med"/>
-                      <a:tailEnd type="none" w="med" len="med"/>
-                    </a:lnR>
-                    <a:lnT w="12700" cap="flat" cmpd="sng" algn="ctr">
-                      <a:solidFill>
-                        <a:schemeClr val="bg1">
-                          <a:lumMod val="85000"/>
-                        </a:schemeClr>
-                      </a:solidFill>
-                      <a:prstDash val="solid"/>
-                      <a:round/>
-                      <a:headEnd type="none" w="med" len="med"/>
-                      <a:tailEnd type="none" w="med" len="med"/>
-                    </a:lnT>
-                    <a:lnB w="12700" cap="flat" cmpd="sng" algn="ctr">
-                      <a:solidFill>
-                        <a:schemeClr val="bg1">
-                          <a:lumMod val="85000"/>
-                        </a:schemeClr>
-                      </a:solidFill>
-                      <a:prstDash val="solid"/>
-                      <a:round/>
-                      <a:headEnd type="none" w="med" len="med"/>
-                      <a:tailEnd type="none" w="med" len="med"/>
-                    </a:lnB>
-                    <a:lnTlToBr w="12700" cmpd="sng">
-                      <a:noFill/>
-                      <a:prstDash val="solid"/>
-                    </a:lnTlToBr>
-                    <a:lnBlToTr w="12700" cmpd="sng">
-                      <a:noFill/>
-                      <a:prstDash val="solid"/>
-                    </a:lnBlToTr>
-                    <a:solidFill>
-                      <a:srgbClr val="FFFFFF"/>
-                    </a:solidFill>
-                  </a:tcPr>
-                </a:tc>
-                <a:tc>
-                  <a:txBody>
-                    <a:bodyPr/>
-                    <a:lstStyle/>
-                    <a:p>
-                      <a:pPr algn="ctr">
-                        <a:lnSpc>
-                          <a:spcPct val="100000"/>
-                        </a:lnSpc>
-                      </a:pPr>
-                      <a:r>
-                        <a:rPr lang="en-US" altLang="ko-Kore-KR" sz="1100" dirty="0">
-                          <a:latin typeface="나눔고딕" panose="020D0604000000000000" pitchFamily="50" charset="-127"/>
-                          <a:ea typeface="나눔고딕" panose="020D0604000000000000" pitchFamily="50" charset="-127"/>
-                        </a:rPr>
-                        <a:t>:</a:t>
-                      </a:r>
-                      <a:endParaRPr lang="ko-Kore-KR" altLang="en-US" sz="1100" dirty="0">
-                        <a:latin typeface="나눔고딕" panose="020D0604000000000000" pitchFamily="50" charset="-127"/>
-                        <a:ea typeface="나눔고딕" panose="020D0604000000000000" pitchFamily="50" charset="-127"/>
-                      </a:endParaRPr>
-                    </a:p>
-                  </a:txBody>
-                  <a:tcPr marT="45721" marB="45721" anchor="ctr">
-                    <a:lnL w="12700" cap="flat" cmpd="sng" algn="ctr">
-                      <a:solidFill>
-                        <a:schemeClr val="bg1">
-                          <a:lumMod val="85000"/>
-                        </a:schemeClr>
-                      </a:solidFill>
-                      <a:prstDash val="solid"/>
-                      <a:round/>
-                      <a:headEnd type="none" w="med" len="med"/>
-                      <a:tailEnd type="none" w="med" len="med"/>
-                    </a:lnL>
-                    <a:lnR w="12700" cap="flat" cmpd="sng" algn="ctr">
-                      <a:solidFill>
-                        <a:schemeClr val="bg1">
-                          <a:lumMod val="85000"/>
-                        </a:schemeClr>
-                      </a:solidFill>
-                      <a:prstDash val="solid"/>
-                      <a:round/>
-                      <a:headEnd type="none" w="med" len="med"/>
-                      <a:tailEnd type="none" w="med" len="med"/>
-                    </a:lnR>
-                    <a:lnT w="12700" cap="flat" cmpd="sng" algn="ctr">
-                      <a:solidFill>
-                        <a:schemeClr val="bg1">
-                          <a:lumMod val="85000"/>
-                        </a:schemeClr>
-                      </a:solidFill>
-                      <a:prstDash val="solid"/>
-                      <a:round/>
-                      <a:headEnd type="none" w="med" len="med"/>
-                      <a:tailEnd type="none" w="med" len="med"/>
-                    </a:lnT>
-                    <a:lnB w="12700" cap="flat" cmpd="sng" algn="ctr">
-                      <a:solidFill>
-                        <a:schemeClr val="bg1">
-                          <a:lumMod val="85000"/>
-                        </a:schemeClr>
-                      </a:solidFill>
-                      <a:prstDash val="solid"/>
-                      <a:round/>
-                      <a:headEnd type="none" w="med" len="med"/>
-                      <a:tailEnd type="none" w="med" len="med"/>
-                    </a:lnB>
-                    <a:lnTlToBr w="12700" cmpd="sng">
-                      <a:noFill/>
-                      <a:prstDash val="solid"/>
-                    </a:lnTlToBr>
-                    <a:lnBlToTr w="12700" cmpd="sng">
-                      <a:noFill/>
-                      <a:prstDash val="solid"/>
-                    </a:lnBlToTr>
-                    <a:solidFill>
-                      <a:srgbClr val="FFFFFF"/>
-                    </a:solidFill>
-                  </a:tcPr>
-                </a:tc>
-                <a:extLst>
-                  <a:ext uri="{0D108BD9-81ED-4DB2-BD59-A6C34878D82A}">
-                    <a16:rowId xmlns:a16="http://schemas.microsoft.com/office/drawing/2014/main" val="1856142232"/>
-                  </a:ext>
-                </a:extLst>
-              </a:tr>
-              <a:tr h="304990">
-                <a:tc>
-                  <a:txBody>
-                    <a:bodyPr/>
-                    <a:lstStyle/>
-                    <a:p>
-                      <a:pPr algn="ctr">
-                        <a:lnSpc>
-                          <a:spcPct val="100000"/>
-                        </a:lnSpc>
-                      </a:pPr>
-                      <a:r>
-                        <a:rPr lang="en-US" altLang="en-US" sz="1100" dirty="0">
-                          <a:latin typeface="나눔고딕" panose="020D0604000000000000" pitchFamily="50" charset="-127"/>
-                          <a:ea typeface="나눔고딕" panose="020D0604000000000000" pitchFamily="50" charset="-127"/>
-                        </a:rPr>
-                        <a:t>6</a:t>
-                      </a:r>
-                      <a:endParaRPr lang="ko-Kore-KR" altLang="en-US" sz="1100" dirty="0">
-                        <a:latin typeface="나눔고딕" panose="020D0604000000000000" pitchFamily="50" charset="-127"/>
-                        <a:ea typeface="나눔고딕" panose="020D0604000000000000" pitchFamily="50" charset="-127"/>
-                      </a:endParaRPr>
-                    </a:p>
-                  </a:txBody>
-                  <a:tcPr marT="45721" marB="45721" anchor="ctr">
-                    <a:lnL w="12700" cap="flat" cmpd="sng" algn="ctr">
-                      <a:solidFill>
-                        <a:schemeClr val="bg1">
-                          <a:lumMod val="85000"/>
-                        </a:schemeClr>
-                      </a:solidFill>
-                      <a:prstDash val="solid"/>
-                      <a:round/>
-                      <a:headEnd type="none" w="med" len="med"/>
-                      <a:tailEnd type="none" w="med" len="med"/>
-                    </a:lnL>
-                    <a:lnR w="12700" cap="flat" cmpd="sng" algn="ctr">
-                      <a:solidFill>
-                        <a:schemeClr val="bg1">
-                          <a:lumMod val="85000"/>
-                        </a:schemeClr>
-                      </a:solidFill>
-                      <a:prstDash val="solid"/>
-                      <a:round/>
-                      <a:headEnd type="none" w="med" len="med"/>
-                      <a:tailEnd type="none" w="med" len="med"/>
-                    </a:lnR>
-                    <a:lnT w="12700" cap="flat" cmpd="sng" algn="ctr">
-                      <a:solidFill>
-                        <a:schemeClr val="bg1">
-                          <a:lumMod val="85000"/>
-                        </a:schemeClr>
-                      </a:solidFill>
-                      <a:prstDash val="solid"/>
-                      <a:round/>
-                      <a:headEnd type="none" w="med" len="med"/>
-                      <a:tailEnd type="none" w="med" len="med"/>
-                    </a:lnT>
-                    <a:lnB w="12700" cap="flat" cmpd="sng" algn="ctr">
-                      <a:solidFill>
-                        <a:schemeClr val="bg1">
-                          <a:lumMod val="85000"/>
-                        </a:schemeClr>
-                      </a:solidFill>
-                      <a:prstDash val="solid"/>
-                      <a:round/>
-                      <a:headEnd type="none" w="med" len="med"/>
-                      <a:tailEnd type="none" w="med" len="med"/>
-                    </a:lnB>
-                    <a:lnTlToBr w="12700" cmpd="sng">
-                      <a:noFill/>
-                      <a:prstDash val="solid"/>
-                    </a:lnTlToBr>
-                    <a:lnBlToTr w="12700" cmpd="sng">
-                      <a:noFill/>
-                      <a:prstDash val="solid"/>
-                    </a:lnBlToTr>
-                    <a:solidFill>
-                      <a:srgbClr val="F1F2F7"/>
-                    </a:solidFill>
-                  </a:tcPr>
-                </a:tc>
-                <a:tc>
-                  <a:txBody>
-                    <a:bodyPr/>
-                    <a:lstStyle/>
-                    <a:p>
-                      <a:pPr algn="ctr">
-                        <a:lnSpc>
-                          <a:spcPct val="100000"/>
-                        </a:lnSpc>
-                      </a:pPr>
-                      <a:r>
-                        <a:rPr lang="en-US" altLang="en-US" sz="1100" dirty="0">
-                          <a:latin typeface="나눔고딕" panose="020D0604000000000000" pitchFamily="50" charset="-127"/>
-                          <a:ea typeface="나눔고딕" panose="020D0604000000000000" pitchFamily="50" charset="-127"/>
-                        </a:rPr>
-                        <a:t>:</a:t>
-                      </a:r>
-                      <a:endParaRPr lang="ko-Kore-KR" altLang="en-US" sz="1100" dirty="0">
-                        <a:latin typeface="나눔고딕" panose="020D0604000000000000" pitchFamily="50" charset="-127"/>
-                        <a:ea typeface="나눔고딕" panose="020D0604000000000000" pitchFamily="50" charset="-127"/>
-                      </a:endParaRPr>
-                    </a:p>
-                  </a:txBody>
-                  <a:tcPr marT="45721" marB="45721" anchor="ctr">
-                    <a:lnL w="12700" cap="flat" cmpd="sng" algn="ctr">
-                      <a:solidFill>
-                        <a:schemeClr val="bg1">
-                          <a:lumMod val="85000"/>
-                        </a:schemeClr>
-                      </a:solidFill>
-                      <a:prstDash val="solid"/>
-                      <a:round/>
-                      <a:headEnd type="none" w="med" len="med"/>
-                      <a:tailEnd type="none" w="med" len="med"/>
-                    </a:lnL>
-                    <a:lnR w="12700" cap="flat" cmpd="sng" algn="ctr">
-                      <a:solidFill>
-                        <a:schemeClr val="bg1">
-                          <a:lumMod val="85000"/>
-                        </a:schemeClr>
-                      </a:solidFill>
-                      <a:prstDash val="solid"/>
-                      <a:round/>
-                      <a:headEnd type="none" w="med" len="med"/>
-                      <a:tailEnd type="none" w="med" len="med"/>
-                    </a:lnR>
-                    <a:lnT w="12700" cap="flat" cmpd="sng" algn="ctr">
-                      <a:solidFill>
-                        <a:schemeClr val="bg1">
-                          <a:lumMod val="85000"/>
-                        </a:schemeClr>
-                      </a:solidFill>
-                      <a:prstDash val="solid"/>
-                      <a:round/>
-                      <a:headEnd type="none" w="med" len="med"/>
-                      <a:tailEnd type="none" w="med" len="med"/>
-                    </a:lnT>
-                    <a:lnB w="12700" cap="flat" cmpd="sng" algn="ctr">
-                      <a:solidFill>
-                        <a:schemeClr val="bg1">
-                          <a:lumMod val="85000"/>
-                        </a:schemeClr>
-                      </a:solidFill>
-                      <a:prstDash val="solid"/>
-                      <a:round/>
-                      <a:headEnd type="none" w="med" len="med"/>
-                      <a:tailEnd type="none" w="med" len="med"/>
-                    </a:lnB>
-                    <a:lnTlToBr w="12700" cmpd="sng">
-                      <a:noFill/>
-                      <a:prstDash val="solid"/>
-                    </a:lnTlToBr>
-                    <a:lnBlToTr w="12700" cmpd="sng">
-                      <a:noFill/>
-                      <a:prstDash val="solid"/>
-                    </a:lnBlToTr>
-                    <a:solidFill>
-                      <a:srgbClr val="F1F2F7"/>
-                    </a:solidFill>
-                  </a:tcPr>
-                </a:tc>
-                <a:tc>
-                  <a:txBody>
-                    <a:bodyPr/>
-                    <a:lstStyle/>
-                    <a:p>
-                      <a:pPr algn="ctr">
-                        <a:lnSpc>
-                          <a:spcPct val="100000"/>
-                        </a:lnSpc>
-                      </a:pPr>
-                      <a:r>
-                        <a:rPr lang="en-US" altLang="en-US" sz="1100" dirty="0">
-                          <a:latin typeface="나눔고딕" panose="020D0604000000000000" pitchFamily="50" charset="-127"/>
-                          <a:ea typeface="나눔고딕" panose="020D0604000000000000" pitchFamily="50" charset="-127"/>
-                        </a:rPr>
-                        <a:t>:</a:t>
-                      </a:r>
-                      <a:endParaRPr lang="ko-Kore-KR" altLang="en-US" sz="1100" dirty="0">
-                        <a:latin typeface="나눔고딕" panose="020D0604000000000000" pitchFamily="50" charset="-127"/>
-                        <a:ea typeface="나눔고딕" panose="020D0604000000000000" pitchFamily="50" charset="-127"/>
-                      </a:endParaRPr>
-                    </a:p>
-                  </a:txBody>
-                  <a:tcPr marT="45721" marB="45721" anchor="ctr">
-                    <a:lnL w="12700" cap="flat" cmpd="sng" algn="ctr">
-                      <a:solidFill>
-                        <a:schemeClr val="bg1">
-                          <a:lumMod val="85000"/>
-                        </a:schemeClr>
-                      </a:solidFill>
-                      <a:prstDash val="solid"/>
-                      <a:round/>
-                      <a:headEnd type="none" w="med" len="med"/>
-                      <a:tailEnd type="none" w="med" len="med"/>
-                    </a:lnL>
-                    <a:lnR w="12700" cap="flat" cmpd="sng" algn="ctr">
-                      <a:solidFill>
-                        <a:schemeClr val="bg1">
-                          <a:lumMod val="85000"/>
-                        </a:schemeClr>
-                      </a:solidFill>
-                      <a:prstDash val="solid"/>
-                      <a:round/>
-                      <a:headEnd type="none" w="med" len="med"/>
-                      <a:tailEnd type="none" w="med" len="med"/>
-                    </a:lnR>
-                    <a:lnT w="12700" cap="flat" cmpd="sng" algn="ctr">
-                      <a:solidFill>
-                        <a:schemeClr val="bg1">
-                          <a:lumMod val="85000"/>
-                        </a:schemeClr>
-                      </a:solidFill>
-                      <a:prstDash val="solid"/>
-                      <a:round/>
-                      <a:headEnd type="none" w="med" len="med"/>
-                      <a:tailEnd type="none" w="med" len="med"/>
-                    </a:lnT>
-                    <a:lnB w="12700" cap="flat" cmpd="sng" algn="ctr">
-                      <a:solidFill>
-                        <a:schemeClr val="bg1">
-                          <a:lumMod val="85000"/>
-                        </a:schemeClr>
-                      </a:solidFill>
-                      <a:prstDash val="solid"/>
-                      <a:round/>
-                      <a:headEnd type="none" w="med" len="med"/>
-                      <a:tailEnd type="none" w="med" len="med"/>
-                    </a:lnB>
-                    <a:lnTlToBr w="12700" cmpd="sng">
-                      <a:noFill/>
-                      <a:prstDash val="solid"/>
-                    </a:lnTlToBr>
-                    <a:lnBlToTr w="12700" cmpd="sng">
-                      <a:noFill/>
-                      <a:prstDash val="solid"/>
-                    </a:lnBlToTr>
-                    <a:solidFill>
-                      <a:srgbClr val="F1F2F7"/>
-                    </a:solidFill>
-                  </a:tcPr>
-                </a:tc>
-                <a:tc>
-                  <a:txBody>
-                    <a:bodyPr/>
-                    <a:lstStyle/>
-                    <a:p>
-                      <a:pPr algn="ctr">
-                        <a:lnSpc>
-                          <a:spcPct val="100000"/>
-                        </a:lnSpc>
-                      </a:pPr>
-                      <a:r>
-                        <a:rPr lang="en-US" altLang="en-US" sz="1100" dirty="0">
-                          <a:latin typeface="나눔고딕" panose="020D0604000000000000" pitchFamily="50" charset="-127"/>
-                          <a:ea typeface="나눔고딕" panose="020D0604000000000000" pitchFamily="50" charset="-127"/>
-                        </a:rPr>
-                        <a:t>:</a:t>
-                      </a:r>
-                      <a:endParaRPr lang="ko-Kore-KR" altLang="en-US" sz="1100" dirty="0">
-                        <a:latin typeface="나눔고딕" panose="020D0604000000000000" pitchFamily="50" charset="-127"/>
-                        <a:ea typeface="나눔고딕" panose="020D0604000000000000" pitchFamily="50" charset="-127"/>
-                      </a:endParaRPr>
-                    </a:p>
-                  </a:txBody>
-                  <a:tcPr marT="45721" marB="45721" anchor="ctr">
-                    <a:lnL w="12700" cap="flat" cmpd="sng" algn="ctr">
-                      <a:solidFill>
-                        <a:schemeClr val="bg1">
-                          <a:lumMod val="85000"/>
-                        </a:schemeClr>
-                      </a:solidFill>
-                      <a:prstDash val="solid"/>
-                      <a:round/>
-                      <a:headEnd type="none" w="med" len="med"/>
-                      <a:tailEnd type="none" w="med" len="med"/>
-                    </a:lnL>
-                    <a:lnR w="12700" cap="flat" cmpd="sng" algn="ctr">
-                      <a:solidFill>
-                        <a:schemeClr val="bg1">
-                          <a:lumMod val="85000"/>
-                        </a:schemeClr>
-                      </a:solidFill>
-                      <a:prstDash val="solid"/>
-                      <a:round/>
-                      <a:headEnd type="none" w="med" len="med"/>
-                      <a:tailEnd type="none" w="med" len="med"/>
-                    </a:lnR>
-                    <a:lnT w="12700" cap="flat" cmpd="sng" algn="ctr">
-                      <a:solidFill>
-                        <a:schemeClr val="bg1">
-                          <a:lumMod val="85000"/>
-                        </a:schemeClr>
-                      </a:solidFill>
-                      <a:prstDash val="solid"/>
-                      <a:round/>
-                      <a:headEnd type="none" w="med" len="med"/>
-                      <a:tailEnd type="none" w="med" len="med"/>
-                    </a:lnT>
-                    <a:lnB w="12700" cap="flat" cmpd="sng" algn="ctr">
-                      <a:solidFill>
-                        <a:schemeClr val="bg1">
-                          <a:lumMod val="85000"/>
-                        </a:schemeClr>
-                      </a:solidFill>
-                      <a:prstDash val="solid"/>
-                      <a:round/>
-                      <a:headEnd type="none" w="med" len="med"/>
-                      <a:tailEnd type="none" w="med" len="med"/>
-                    </a:lnB>
-                    <a:lnTlToBr w="12700" cmpd="sng">
-                      <a:noFill/>
-                      <a:prstDash val="solid"/>
-                    </a:lnTlToBr>
-                    <a:lnBlToTr w="12700" cmpd="sng">
-                      <a:noFill/>
-                      <a:prstDash val="solid"/>
-                    </a:lnBlToTr>
-                    <a:solidFill>
-                      <a:srgbClr val="F1F2F7"/>
-                    </a:solidFill>
-                  </a:tcPr>
-                </a:tc>
-                <a:extLst>
-                  <a:ext uri="{0D108BD9-81ED-4DB2-BD59-A6C34878D82A}">
-                    <a16:rowId xmlns:a16="http://schemas.microsoft.com/office/drawing/2014/main" val="383494259"/>
-                  </a:ext>
-                </a:extLst>
-              </a:tr>
-              <a:tr h="304990">
-                <a:tc>
-                  <a:txBody>
-                    <a:bodyPr/>
-                    <a:lstStyle/>
-                    <a:p>
-                      <a:pPr algn="ctr">
-                        <a:lnSpc>
-                          <a:spcPct val="100000"/>
-                        </a:lnSpc>
-                      </a:pPr>
-                      <a:r>
-                        <a:rPr lang="en-US" altLang="en-US" sz="1100" dirty="0">
-                          <a:latin typeface="나눔고딕" panose="020D0604000000000000" pitchFamily="50" charset="-127"/>
-                          <a:ea typeface="나눔고딕" panose="020D0604000000000000" pitchFamily="50" charset="-127"/>
-                        </a:rPr>
-                        <a:t>7</a:t>
-                      </a:r>
-                      <a:endParaRPr lang="ko-Kore-KR" altLang="en-US" sz="1100" dirty="0">
-                        <a:latin typeface="나눔고딕" panose="020D0604000000000000" pitchFamily="50" charset="-127"/>
-                        <a:ea typeface="나눔고딕" panose="020D0604000000000000" pitchFamily="50" charset="-127"/>
-                      </a:endParaRPr>
-                    </a:p>
-                  </a:txBody>
-                  <a:tcPr marT="45721" marB="45721" anchor="ctr">
-                    <a:lnL w="12700" cap="flat" cmpd="sng" algn="ctr">
-                      <a:solidFill>
-                        <a:schemeClr val="bg1">
-                          <a:lumMod val="85000"/>
-                        </a:schemeClr>
-                      </a:solidFill>
-                      <a:prstDash val="solid"/>
-                      <a:round/>
-                      <a:headEnd type="none" w="med" len="med"/>
-                      <a:tailEnd type="none" w="med" len="med"/>
-                    </a:lnL>
-                    <a:lnR w="12700" cap="flat" cmpd="sng" algn="ctr">
-                      <a:solidFill>
-                        <a:schemeClr val="bg1">
-                          <a:lumMod val="85000"/>
-                        </a:schemeClr>
-                      </a:solidFill>
-                      <a:prstDash val="solid"/>
-                      <a:round/>
-                      <a:headEnd type="none" w="med" len="med"/>
-                      <a:tailEnd type="none" w="med" len="med"/>
-                    </a:lnR>
-                    <a:lnT w="12700" cap="flat" cmpd="sng" algn="ctr">
-                      <a:solidFill>
-                        <a:schemeClr val="bg1">
-                          <a:lumMod val="85000"/>
-                        </a:schemeClr>
-                      </a:solidFill>
-                      <a:prstDash val="solid"/>
-                      <a:round/>
-                      <a:headEnd type="none" w="med" len="med"/>
-                      <a:tailEnd type="none" w="med" len="med"/>
-                    </a:lnT>
-                    <a:lnB w="12700" cap="flat" cmpd="sng" algn="ctr">
-                      <a:solidFill>
-                        <a:schemeClr val="bg1">
-                          <a:lumMod val="85000"/>
-                        </a:schemeClr>
-                      </a:solidFill>
-                      <a:prstDash val="solid"/>
-                      <a:round/>
-                      <a:headEnd type="none" w="med" len="med"/>
-                      <a:tailEnd type="none" w="med" len="med"/>
-                    </a:lnB>
-                    <a:lnTlToBr w="12700" cmpd="sng">
-                      <a:noFill/>
-                      <a:prstDash val="solid"/>
-                    </a:lnTlToBr>
-                    <a:lnBlToTr w="12700" cmpd="sng">
-                      <a:noFill/>
-                      <a:prstDash val="solid"/>
-                    </a:lnBlToTr>
-                    <a:solidFill>
-                      <a:srgbClr val="FFFFFF"/>
-                    </a:solidFill>
-                  </a:tcPr>
-                </a:tc>
-                <a:tc>
-                  <a:txBody>
-                    <a:bodyPr/>
-                    <a:lstStyle/>
-                    <a:p>
-                      <a:pPr algn="ctr">
-                        <a:lnSpc>
-                          <a:spcPct val="100000"/>
-                        </a:lnSpc>
-                      </a:pPr>
-                      <a:r>
-                        <a:rPr lang="en-US" altLang="ko-Kore-KR" sz="1100" dirty="0">
-                          <a:latin typeface="나눔고딕" panose="020D0604000000000000" pitchFamily="50" charset="-127"/>
-                          <a:ea typeface="나눔고딕" panose="020D0604000000000000" pitchFamily="50" charset="-127"/>
-                        </a:rPr>
-                        <a:t>:</a:t>
-                      </a:r>
-                      <a:endParaRPr lang="ko-Kore-KR" altLang="en-US" sz="1100" dirty="0">
-                        <a:latin typeface="나눔고딕" panose="020D0604000000000000" pitchFamily="50" charset="-127"/>
-                        <a:ea typeface="나눔고딕" panose="020D0604000000000000" pitchFamily="50" charset="-127"/>
-                      </a:endParaRPr>
-                    </a:p>
-                  </a:txBody>
-                  <a:tcPr marT="45721" marB="45721" anchor="ctr">
-                    <a:lnL w="12700" cap="flat" cmpd="sng" algn="ctr">
-                      <a:solidFill>
-                        <a:schemeClr val="bg1">
-                          <a:lumMod val="85000"/>
-                        </a:schemeClr>
-                      </a:solidFill>
-                      <a:prstDash val="solid"/>
-                      <a:round/>
-                      <a:headEnd type="none" w="med" len="med"/>
-                      <a:tailEnd type="none" w="med" len="med"/>
-                    </a:lnL>
-                    <a:lnR w="12700" cap="flat" cmpd="sng" algn="ctr">
-                      <a:solidFill>
-                        <a:schemeClr val="bg1">
-                          <a:lumMod val="85000"/>
-                        </a:schemeClr>
-                      </a:solidFill>
-                      <a:prstDash val="solid"/>
-                      <a:round/>
-                      <a:headEnd type="none" w="med" len="med"/>
-                      <a:tailEnd type="none" w="med" len="med"/>
-                    </a:lnR>
-                    <a:lnT w="12700" cap="flat" cmpd="sng" algn="ctr">
-                      <a:solidFill>
-                        <a:schemeClr val="bg1">
-                          <a:lumMod val="85000"/>
-                        </a:schemeClr>
-                      </a:solidFill>
-                      <a:prstDash val="solid"/>
-                      <a:round/>
-                      <a:headEnd type="none" w="med" len="med"/>
-                      <a:tailEnd type="none" w="med" len="med"/>
-                    </a:lnT>
-                    <a:lnB w="12700" cap="flat" cmpd="sng" algn="ctr">
-                      <a:solidFill>
-                        <a:schemeClr val="bg1">
-                          <a:lumMod val="85000"/>
-                        </a:schemeClr>
-                      </a:solidFill>
-                      <a:prstDash val="solid"/>
-                      <a:round/>
-                      <a:headEnd type="none" w="med" len="med"/>
-                      <a:tailEnd type="none" w="med" len="med"/>
-                    </a:lnB>
-                    <a:lnTlToBr w="12700" cmpd="sng">
-                      <a:noFill/>
-                      <a:prstDash val="solid"/>
-                    </a:lnTlToBr>
-                    <a:lnBlToTr w="12700" cmpd="sng">
-                      <a:noFill/>
-                      <a:prstDash val="solid"/>
-                    </a:lnBlToTr>
-                    <a:solidFill>
-                      <a:srgbClr val="FFFFFF"/>
-                    </a:solidFill>
-                  </a:tcPr>
-                </a:tc>
-                <a:tc>
-                  <a:txBody>
-                    <a:bodyPr/>
-                    <a:lstStyle/>
-                    <a:p>
-                      <a:pPr algn="ctr">
-                        <a:lnSpc>
-                          <a:spcPct val="100000"/>
-                        </a:lnSpc>
-                      </a:pPr>
-                      <a:r>
-                        <a:rPr lang="en-US" altLang="ko-Kore-KR" sz="1100" dirty="0">
-                          <a:latin typeface="나눔고딕" panose="020D0604000000000000" pitchFamily="50" charset="-127"/>
-                          <a:ea typeface="나눔고딕" panose="020D0604000000000000" pitchFamily="50" charset="-127"/>
-                        </a:rPr>
-                        <a:t>:</a:t>
-                      </a:r>
-                      <a:endParaRPr lang="ko-Kore-KR" altLang="en-US" sz="1100" dirty="0">
-                        <a:latin typeface="나눔고딕" panose="020D0604000000000000" pitchFamily="50" charset="-127"/>
-                        <a:ea typeface="나눔고딕" panose="020D0604000000000000" pitchFamily="50" charset="-127"/>
-                      </a:endParaRPr>
-                    </a:p>
-                  </a:txBody>
-                  <a:tcPr marT="45721" marB="45721" anchor="ctr">
-                    <a:lnL w="12700" cap="flat" cmpd="sng" algn="ctr">
-                      <a:solidFill>
-                        <a:schemeClr val="bg1">
-                          <a:lumMod val="85000"/>
-                        </a:schemeClr>
-                      </a:solidFill>
-                      <a:prstDash val="solid"/>
-                      <a:round/>
-                      <a:headEnd type="none" w="med" len="med"/>
-                      <a:tailEnd type="none" w="med" len="med"/>
-                    </a:lnL>
-                    <a:lnR w="12700" cap="flat" cmpd="sng" algn="ctr">
-                      <a:solidFill>
-                        <a:schemeClr val="bg1">
-                          <a:lumMod val="85000"/>
-                        </a:schemeClr>
-                      </a:solidFill>
-                      <a:prstDash val="solid"/>
-                      <a:round/>
-                      <a:headEnd type="none" w="med" len="med"/>
-                      <a:tailEnd type="none" w="med" len="med"/>
-                    </a:lnR>
-                    <a:lnT w="12700" cap="flat" cmpd="sng" algn="ctr">
-                      <a:solidFill>
-                        <a:schemeClr val="bg1">
-                          <a:lumMod val="85000"/>
-                        </a:schemeClr>
-                      </a:solidFill>
-                      <a:prstDash val="solid"/>
-                      <a:round/>
-                      <a:headEnd type="none" w="med" len="med"/>
-                      <a:tailEnd type="none" w="med" len="med"/>
-                    </a:lnT>
-                    <a:lnB w="12700" cap="flat" cmpd="sng" algn="ctr">
-                      <a:solidFill>
-                        <a:schemeClr val="bg1">
-                          <a:lumMod val="85000"/>
-                        </a:schemeClr>
-                      </a:solidFill>
-                      <a:prstDash val="solid"/>
-                      <a:round/>
-                      <a:headEnd type="none" w="med" len="med"/>
-                      <a:tailEnd type="none" w="med" len="med"/>
-                    </a:lnB>
-                    <a:lnTlToBr w="12700" cmpd="sng">
-                      <a:noFill/>
-                      <a:prstDash val="solid"/>
-                    </a:lnTlToBr>
-                    <a:lnBlToTr w="12700" cmpd="sng">
-                      <a:noFill/>
-                      <a:prstDash val="solid"/>
-                    </a:lnBlToTr>
-                    <a:solidFill>
-                      <a:srgbClr val="FFFFFF"/>
-                    </a:solidFill>
-                  </a:tcPr>
-                </a:tc>
-                <a:tc>
-                  <a:txBody>
-                    <a:bodyPr/>
-                    <a:lstStyle/>
-                    <a:p>
-                      <a:pPr algn="ctr">
-                        <a:lnSpc>
-                          <a:spcPct val="100000"/>
-                        </a:lnSpc>
-                      </a:pPr>
-                      <a:r>
-                        <a:rPr lang="en-US" altLang="ko-Kore-KR" sz="1100" dirty="0">
-                          <a:latin typeface="나눔고딕" panose="020D0604000000000000" pitchFamily="50" charset="-127"/>
-                          <a:ea typeface="나눔고딕" panose="020D0604000000000000" pitchFamily="50" charset="-127"/>
-                        </a:rPr>
-                        <a:t>:</a:t>
-                      </a:r>
-                      <a:endParaRPr lang="ko-Kore-KR" altLang="en-US" sz="1100" dirty="0">
-                        <a:latin typeface="나눔고딕" panose="020D0604000000000000" pitchFamily="50" charset="-127"/>
-                        <a:ea typeface="나눔고딕" panose="020D0604000000000000" pitchFamily="50" charset="-127"/>
-                      </a:endParaRPr>
-                    </a:p>
-                  </a:txBody>
-                  <a:tcPr marT="45721" marB="45721" anchor="ctr">
-                    <a:lnL w="12700" cap="flat" cmpd="sng" algn="ctr">
-                      <a:solidFill>
-                        <a:schemeClr val="bg1">
-                          <a:lumMod val="85000"/>
-                        </a:schemeClr>
-                      </a:solidFill>
-                      <a:prstDash val="solid"/>
-                      <a:round/>
-                      <a:headEnd type="none" w="med" len="med"/>
-                      <a:tailEnd type="none" w="med" len="med"/>
-                    </a:lnL>
-                    <a:lnR w="12700" cap="flat" cmpd="sng" algn="ctr">
-                      <a:solidFill>
-                        <a:schemeClr val="bg1">
-                          <a:lumMod val="85000"/>
-                        </a:schemeClr>
-                      </a:solidFill>
-                      <a:prstDash val="solid"/>
-                      <a:round/>
-                      <a:headEnd type="none" w="med" len="med"/>
-                      <a:tailEnd type="none" w="med" len="med"/>
-                    </a:lnR>
-                    <a:lnT w="12700" cap="flat" cmpd="sng" algn="ctr">
-                      <a:solidFill>
-                        <a:schemeClr val="bg1">
-                          <a:lumMod val="85000"/>
-                        </a:schemeClr>
-                      </a:solidFill>
-                      <a:prstDash val="solid"/>
-                      <a:round/>
-                      <a:headEnd type="none" w="med" len="med"/>
-                      <a:tailEnd type="none" w="med" len="med"/>
-                    </a:lnT>
-                    <a:lnB w="12700" cap="flat" cmpd="sng" algn="ctr">
-                      <a:solidFill>
-                        <a:schemeClr val="bg1">
-                          <a:lumMod val="85000"/>
-                        </a:schemeClr>
-                      </a:solidFill>
-                      <a:prstDash val="solid"/>
-                      <a:round/>
-                      <a:headEnd type="none" w="med" len="med"/>
-                      <a:tailEnd type="none" w="med" len="med"/>
-                    </a:lnB>
-                    <a:lnTlToBr w="12700" cmpd="sng">
-                      <a:noFill/>
-                      <a:prstDash val="solid"/>
-                    </a:lnTlToBr>
-                    <a:lnBlToTr w="12700" cmpd="sng">
-                      <a:noFill/>
-                      <a:prstDash val="solid"/>
-                    </a:lnBlToTr>
-                    <a:solidFill>
-                      <a:srgbClr val="FFFFFF"/>
-                    </a:solidFill>
-                  </a:tcPr>
-                </a:tc>
-                <a:extLst>
-                  <a:ext uri="{0D108BD9-81ED-4DB2-BD59-A6C34878D82A}">
-                    <a16:rowId xmlns:a16="http://schemas.microsoft.com/office/drawing/2014/main" val="1916491588"/>
-                  </a:ext>
-                </a:extLst>
-              </a:tr>
-              <a:tr h="304990">
-                <a:tc>
-                  <a:txBody>
-                    <a:bodyPr/>
-                    <a:lstStyle/>
-                    <a:p>
-                      <a:pPr algn="ctr">
-                        <a:lnSpc>
-                          <a:spcPct val="100000"/>
-                        </a:lnSpc>
-                      </a:pPr>
-                      <a:endParaRPr lang="ko-Kore-KR" altLang="en-US" sz="1100" dirty="0">
-                        <a:latin typeface="나눔고딕" panose="020D0604000000000000" pitchFamily="50" charset="-127"/>
-                        <a:ea typeface="나눔고딕" panose="020D0604000000000000" pitchFamily="50" charset="-127"/>
-                      </a:endParaRPr>
-                    </a:p>
-                  </a:txBody>
-                  <a:tcPr marT="45721" marB="45721" anchor="ctr">
-                    <a:lnL w="12700" cap="flat" cmpd="sng" algn="ctr">
-                      <a:solidFill>
-                        <a:schemeClr val="bg1">
-                          <a:lumMod val="85000"/>
-                        </a:schemeClr>
-                      </a:solidFill>
-                      <a:prstDash val="solid"/>
-                      <a:round/>
-                      <a:headEnd type="none" w="med" len="med"/>
-                      <a:tailEnd type="none" w="med" len="med"/>
-                    </a:lnL>
-                    <a:lnR w="12700" cap="flat" cmpd="sng" algn="ctr">
-                      <a:solidFill>
-                        <a:schemeClr val="bg1">
-                          <a:lumMod val="85000"/>
-                        </a:schemeClr>
-                      </a:solidFill>
-                      <a:prstDash val="solid"/>
-                      <a:round/>
-                      <a:headEnd type="none" w="med" len="med"/>
-                      <a:tailEnd type="none" w="med" len="med"/>
-                    </a:lnR>
-                    <a:lnT w="12700" cap="flat" cmpd="sng" algn="ctr">
-                      <a:solidFill>
-                        <a:schemeClr val="bg1">
-                          <a:lumMod val="85000"/>
-                        </a:schemeClr>
-                      </a:solidFill>
-                      <a:prstDash val="solid"/>
-                      <a:round/>
-                      <a:headEnd type="none" w="med" len="med"/>
-                      <a:tailEnd type="none" w="med" len="med"/>
-                    </a:lnT>
-                    <a:lnB w="12700" cap="flat" cmpd="sng" algn="ctr">
-                      <a:solidFill>
-                        <a:schemeClr val="bg1">
-                          <a:lumMod val="85000"/>
-                        </a:schemeClr>
-                      </a:solidFill>
-                      <a:prstDash val="solid"/>
-                      <a:round/>
-                      <a:headEnd type="none" w="med" len="med"/>
-                      <a:tailEnd type="none" w="med" len="med"/>
-                    </a:lnB>
-                    <a:lnTlToBr w="12700" cmpd="sng">
-                      <a:noFill/>
-                      <a:prstDash val="solid"/>
-                    </a:lnTlToBr>
-                    <a:lnBlToTr w="12700" cmpd="sng">
-                      <a:noFill/>
-                      <a:prstDash val="solid"/>
-                    </a:lnBlToTr>
-                    <a:solidFill>
-                      <a:srgbClr val="F1F2F7"/>
-                    </a:solidFill>
-                  </a:tcPr>
-                </a:tc>
-                <a:tc>
-                  <a:txBody>
-                    <a:bodyPr/>
-                    <a:lstStyle/>
-                    <a:p>
-                      <a:pPr algn="ctr">
-                        <a:lnSpc>
-                          <a:spcPct val="100000"/>
-                        </a:lnSpc>
-                      </a:pPr>
-                      <a:endParaRPr lang="ko-Kore-KR" altLang="en-US" sz="1100" dirty="0">
-                        <a:latin typeface="나눔고딕" panose="020D0604000000000000" pitchFamily="50" charset="-127"/>
-                        <a:ea typeface="나눔고딕" panose="020D0604000000000000" pitchFamily="50" charset="-127"/>
-                      </a:endParaRPr>
-                    </a:p>
-                  </a:txBody>
-                  <a:tcPr marT="45721" marB="45721" anchor="ctr">
-                    <a:lnL w="12700" cap="flat" cmpd="sng" algn="ctr">
-                      <a:solidFill>
-                        <a:schemeClr val="bg1">
-                          <a:lumMod val="85000"/>
-                        </a:schemeClr>
-                      </a:solidFill>
-                      <a:prstDash val="solid"/>
-                      <a:round/>
-                      <a:headEnd type="none" w="med" len="med"/>
-                      <a:tailEnd type="none" w="med" len="med"/>
-                    </a:lnL>
-                    <a:lnR w="12700" cap="flat" cmpd="sng" algn="ctr">
-                      <a:solidFill>
-                        <a:schemeClr val="bg1">
-                          <a:lumMod val="85000"/>
-                        </a:schemeClr>
-                      </a:solidFill>
-                      <a:prstDash val="solid"/>
-                      <a:round/>
-                      <a:headEnd type="none" w="med" len="med"/>
-                      <a:tailEnd type="none" w="med" len="med"/>
-                    </a:lnR>
-                    <a:lnT w="12700" cap="flat" cmpd="sng" algn="ctr">
-                      <a:solidFill>
-                        <a:schemeClr val="bg1">
-                          <a:lumMod val="85000"/>
-                        </a:schemeClr>
-                      </a:solidFill>
-                      <a:prstDash val="solid"/>
-                      <a:round/>
-                      <a:headEnd type="none" w="med" len="med"/>
-                      <a:tailEnd type="none" w="med" len="med"/>
-                    </a:lnT>
-                    <a:lnB w="12700" cap="flat" cmpd="sng" algn="ctr">
-                      <a:solidFill>
-                        <a:schemeClr val="bg1">
-                          <a:lumMod val="85000"/>
-                        </a:schemeClr>
-                      </a:solidFill>
-                      <a:prstDash val="solid"/>
-                      <a:round/>
-                      <a:headEnd type="none" w="med" len="med"/>
-                      <a:tailEnd type="none" w="med" len="med"/>
-                    </a:lnB>
-                    <a:lnTlToBr w="12700" cmpd="sng">
-                      <a:noFill/>
-                      <a:prstDash val="solid"/>
-                    </a:lnTlToBr>
-                    <a:lnBlToTr w="12700" cmpd="sng">
-                      <a:noFill/>
-                      <a:prstDash val="solid"/>
-                    </a:lnBlToTr>
-                    <a:solidFill>
-                      <a:srgbClr val="F1F2F7"/>
-                    </a:solidFill>
-                  </a:tcPr>
-                </a:tc>
-                <a:tc>
-                  <a:txBody>
-                    <a:bodyPr/>
-                    <a:lstStyle/>
-                    <a:p>
-                      <a:pPr algn="ctr">
-                        <a:lnSpc>
-                          <a:spcPct val="100000"/>
-                        </a:lnSpc>
-                      </a:pPr>
-                      <a:endParaRPr lang="ko-Kore-KR" altLang="en-US" sz="1100" dirty="0">
-                        <a:latin typeface="나눔고딕" panose="020D0604000000000000" pitchFamily="50" charset="-127"/>
-                        <a:ea typeface="나눔고딕" panose="020D0604000000000000" pitchFamily="50" charset="-127"/>
-                      </a:endParaRPr>
-                    </a:p>
-                  </a:txBody>
-                  <a:tcPr marT="45721" marB="45721" anchor="ctr">
-                    <a:lnL w="12700" cap="flat" cmpd="sng" algn="ctr">
-                      <a:solidFill>
-                        <a:schemeClr val="bg1">
-                          <a:lumMod val="85000"/>
-                        </a:schemeClr>
-                      </a:solidFill>
-                      <a:prstDash val="solid"/>
-                      <a:round/>
-                      <a:headEnd type="none" w="med" len="med"/>
-                      <a:tailEnd type="none" w="med" len="med"/>
-                    </a:lnL>
-                    <a:lnR w="12700" cap="flat" cmpd="sng" algn="ctr">
-                      <a:solidFill>
-                        <a:schemeClr val="bg1">
-                          <a:lumMod val="85000"/>
-                        </a:schemeClr>
-                      </a:solidFill>
-                      <a:prstDash val="solid"/>
-                      <a:round/>
-                      <a:headEnd type="none" w="med" len="med"/>
-                      <a:tailEnd type="none" w="med" len="med"/>
-                    </a:lnR>
-                    <a:lnT w="12700" cap="flat" cmpd="sng" algn="ctr">
-                      <a:solidFill>
-                        <a:schemeClr val="bg1">
-                          <a:lumMod val="85000"/>
-                        </a:schemeClr>
-                      </a:solidFill>
-                      <a:prstDash val="solid"/>
-                      <a:round/>
-                      <a:headEnd type="none" w="med" len="med"/>
-                      <a:tailEnd type="none" w="med" len="med"/>
-                    </a:lnT>
-                    <a:lnB w="12700" cap="flat" cmpd="sng" algn="ctr">
-                      <a:solidFill>
-                        <a:schemeClr val="bg1">
-                          <a:lumMod val="85000"/>
-                        </a:schemeClr>
-                      </a:solidFill>
-                      <a:prstDash val="solid"/>
-                      <a:round/>
-                      <a:headEnd type="none" w="med" len="med"/>
-                      <a:tailEnd type="none" w="med" len="med"/>
-                    </a:lnB>
-                    <a:lnTlToBr w="12700" cmpd="sng">
-                      <a:noFill/>
-                      <a:prstDash val="solid"/>
-                    </a:lnTlToBr>
-                    <a:lnBlToTr w="12700" cmpd="sng">
-                      <a:noFill/>
-                      <a:prstDash val="solid"/>
-                    </a:lnBlToTr>
-                    <a:solidFill>
-                      <a:srgbClr val="F1F2F7"/>
-                    </a:solidFill>
-                  </a:tcPr>
-                </a:tc>
-                <a:tc>
-                  <a:txBody>
-                    <a:bodyPr/>
-                    <a:lstStyle/>
-                    <a:p>
-                      <a:pPr algn="ctr">
-                        <a:lnSpc>
-                          <a:spcPct val="100000"/>
-                        </a:lnSpc>
-                      </a:pPr>
-                      <a:endParaRPr lang="ko-Kore-KR" altLang="en-US" sz="1100" dirty="0">
-                        <a:latin typeface="나눔고딕" panose="020D0604000000000000" pitchFamily="50" charset="-127"/>
-                        <a:ea typeface="나눔고딕" panose="020D0604000000000000" pitchFamily="50" charset="-127"/>
-                      </a:endParaRPr>
-                    </a:p>
-                  </a:txBody>
-                  <a:tcPr marT="45721" marB="45721" anchor="ctr">
-                    <a:lnL w="12700" cap="flat" cmpd="sng" algn="ctr">
-                      <a:solidFill>
-                        <a:schemeClr val="bg1">
-                          <a:lumMod val="85000"/>
-                        </a:schemeClr>
-                      </a:solidFill>
-                      <a:prstDash val="solid"/>
-                      <a:round/>
-                      <a:headEnd type="none" w="med" len="med"/>
-                      <a:tailEnd type="none" w="med" len="med"/>
-                    </a:lnL>
-                    <a:lnR w="12700" cap="flat" cmpd="sng" algn="ctr">
-                      <a:solidFill>
-                        <a:schemeClr val="bg1">
-                          <a:lumMod val="85000"/>
-                        </a:schemeClr>
-                      </a:solidFill>
-                      <a:prstDash val="solid"/>
-                      <a:round/>
-                      <a:headEnd type="none" w="med" len="med"/>
-                      <a:tailEnd type="none" w="med" len="med"/>
-                    </a:lnR>
-                    <a:lnT w="12700" cap="flat" cmpd="sng" algn="ctr">
-                      <a:solidFill>
-                        <a:schemeClr val="bg1">
-                          <a:lumMod val="85000"/>
-                        </a:schemeClr>
-                      </a:solidFill>
-                      <a:prstDash val="solid"/>
-                      <a:round/>
-                      <a:headEnd type="none" w="med" len="med"/>
-                      <a:tailEnd type="none" w="med" len="med"/>
-                    </a:lnT>
-                    <a:lnB w="12700" cap="flat" cmpd="sng" algn="ctr">
-                      <a:solidFill>
-                        <a:schemeClr val="bg1">
-                          <a:lumMod val="85000"/>
-                        </a:schemeClr>
-                      </a:solidFill>
-                      <a:prstDash val="solid"/>
-                      <a:round/>
-                      <a:headEnd type="none" w="med" len="med"/>
-                      <a:tailEnd type="none" w="med" len="med"/>
-                    </a:lnB>
-                    <a:lnTlToBr w="12700" cmpd="sng">
-                      <a:noFill/>
-                      <a:prstDash val="solid"/>
-                    </a:lnTlToBr>
-                    <a:lnBlToTr w="12700" cmpd="sng">
-                      <a:noFill/>
-                      <a:prstDash val="solid"/>
-                    </a:lnBlToTr>
-                    <a:solidFill>
-                      <a:srgbClr val="F1F2F7"/>
-                    </a:solidFill>
-                  </a:tcPr>
-                </a:tc>
-                <a:extLst>
-                  <a:ext uri="{0D108BD9-81ED-4DB2-BD59-A6C34878D82A}">
-                    <a16:rowId xmlns:a16="http://schemas.microsoft.com/office/drawing/2014/main" val="3921890218"/>
-                  </a:ext>
-                </a:extLst>
-              </a:tr>
-              <a:tr h="304990">
-                <a:tc>
-                  <a:txBody>
-                    <a:bodyPr/>
-                    <a:lstStyle/>
-                    <a:p>
-                      <a:pPr algn="ctr">
-                        <a:lnSpc>
-                          <a:spcPct val="100000"/>
-                        </a:lnSpc>
-                      </a:pPr>
-                      <a:endParaRPr lang="ko-Kore-KR" altLang="en-US" sz="1100" dirty="0">
-                        <a:latin typeface="나눔고딕" panose="020D0604000000000000" pitchFamily="50" charset="-127"/>
-                        <a:ea typeface="나눔고딕" panose="020D0604000000000000" pitchFamily="50" charset="-127"/>
-                      </a:endParaRPr>
-                    </a:p>
-                  </a:txBody>
-                  <a:tcPr marT="45721" marB="45721" anchor="ctr">
-                    <a:lnL w="12700" cap="flat" cmpd="sng" algn="ctr">
-                      <a:solidFill>
-                        <a:schemeClr val="bg1">
-                          <a:lumMod val="85000"/>
-                        </a:schemeClr>
-                      </a:solidFill>
-                      <a:prstDash val="solid"/>
-                      <a:round/>
-                      <a:headEnd type="none" w="med" len="med"/>
-                      <a:tailEnd type="none" w="med" len="med"/>
-                    </a:lnL>
-                    <a:lnR w="12700" cap="flat" cmpd="sng" algn="ctr">
-                      <a:solidFill>
-                        <a:schemeClr val="bg1">
-                          <a:lumMod val="85000"/>
-                        </a:schemeClr>
-                      </a:solidFill>
-                      <a:prstDash val="solid"/>
-                      <a:round/>
-                      <a:headEnd type="none" w="med" len="med"/>
-                      <a:tailEnd type="none" w="med" len="med"/>
-                    </a:lnR>
-                    <a:lnT w="12700" cap="flat" cmpd="sng" algn="ctr">
-                      <a:solidFill>
-                        <a:schemeClr val="bg1">
-                          <a:lumMod val="85000"/>
-                        </a:schemeClr>
-                      </a:solidFill>
-                      <a:prstDash val="solid"/>
-                      <a:round/>
-                      <a:headEnd type="none" w="med" len="med"/>
-                      <a:tailEnd type="none" w="med" len="med"/>
-                    </a:lnT>
-                    <a:lnB w="12700" cap="flat" cmpd="sng" algn="ctr">
-                      <a:solidFill>
-                        <a:schemeClr val="bg1">
-                          <a:lumMod val="85000"/>
-                        </a:schemeClr>
-                      </a:solidFill>
-                      <a:prstDash val="solid"/>
-                      <a:round/>
-                      <a:headEnd type="none" w="med" len="med"/>
-                      <a:tailEnd type="none" w="med" len="med"/>
-                    </a:lnB>
-                    <a:lnTlToBr w="12700" cmpd="sng">
-                      <a:noFill/>
-                      <a:prstDash val="solid"/>
-                    </a:lnTlToBr>
-                    <a:lnBlToTr w="12700" cmpd="sng">
-                      <a:noFill/>
-                      <a:prstDash val="solid"/>
-                    </a:lnBlToTr>
-                    <a:solidFill>
-                      <a:srgbClr val="FFFFFF"/>
-                    </a:solidFill>
-                  </a:tcPr>
-                </a:tc>
-                <a:tc>
-                  <a:txBody>
-                    <a:bodyPr/>
-                    <a:lstStyle/>
-                    <a:p>
-                      <a:pPr algn="ctr">
-                        <a:lnSpc>
-                          <a:spcPct val="100000"/>
-                        </a:lnSpc>
-                      </a:pPr>
-                      <a:endParaRPr lang="ko-Kore-KR" altLang="en-US" sz="1100" dirty="0">
-                        <a:latin typeface="나눔고딕" panose="020D0604000000000000" pitchFamily="50" charset="-127"/>
-                        <a:ea typeface="나눔고딕" panose="020D0604000000000000" pitchFamily="50" charset="-127"/>
-                      </a:endParaRPr>
-                    </a:p>
-                  </a:txBody>
-                  <a:tcPr marT="45721" marB="45721" anchor="ctr">
-                    <a:lnL w="12700" cap="flat" cmpd="sng" algn="ctr">
-                      <a:solidFill>
-                        <a:schemeClr val="bg1">
-                          <a:lumMod val="85000"/>
-                        </a:schemeClr>
-                      </a:solidFill>
-                      <a:prstDash val="solid"/>
-                      <a:round/>
-                      <a:headEnd type="none" w="med" len="med"/>
-                      <a:tailEnd type="none" w="med" len="med"/>
-                    </a:lnL>
-                    <a:lnR w="12700" cap="flat" cmpd="sng" algn="ctr">
-                      <a:solidFill>
-                        <a:schemeClr val="bg1">
-                          <a:lumMod val="85000"/>
-                        </a:schemeClr>
-                      </a:solidFill>
-                      <a:prstDash val="solid"/>
-                      <a:round/>
-                      <a:headEnd type="none" w="med" len="med"/>
-                      <a:tailEnd type="none" w="med" len="med"/>
-                    </a:lnR>
-                    <a:lnT w="12700" cap="flat" cmpd="sng" algn="ctr">
-                      <a:solidFill>
-                        <a:schemeClr val="bg1">
-                          <a:lumMod val="85000"/>
-                        </a:schemeClr>
-                      </a:solidFill>
-                      <a:prstDash val="solid"/>
-                      <a:round/>
-                      <a:headEnd type="none" w="med" len="med"/>
-                      <a:tailEnd type="none" w="med" len="med"/>
-                    </a:lnT>
-                    <a:lnB w="12700" cap="flat" cmpd="sng" algn="ctr">
-                      <a:solidFill>
-                        <a:schemeClr val="bg1">
-                          <a:lumMod val="85000"/>
-                        </a:schemeClr>
-                      </a:solidFill>
-                      <a:prstDash val="solid"/>
-                      <a:round/>
-                      <a:headEnd type="none" w="med" len="med"/>
-                      <a:tailEnd type="none" w="med" len="med"/>
-                    </a:lnB>
-                    <a:lnTlToBr w="12700" cmpd="sng">
-                      <a:noFill/>
-                      <a:prstDash val="solid"/>
-                    </a:lnTlToBr>
-                    <a:lnBlToTr w="12700" cmpd="sng">
-                      <a:noFill/>
-                      <a:prstDash val="solid"/>
-                    </a:lnBlToTr>
-                    <a:solidFill>
-                      <a:srgbClr val="FFFFFF"/>
-                    </a:solidFill>
-                  </a:tcPr>
-                </a:tc>
-                <a:tc>
-                  <a:txBody>
-                    <a:bodyPr/>
-                    <a:lstStyle/>
-                    <a:p>
-                      <a:pPr algn="ctr">
-                        <a:lnSpc>
-                          <a:spcPct val="100000"/>
-                        </a:lnSpc>
-                      </a:pPr>
-                      <a:endParaRPr lang="ko-Kore-KR" altLang="en-US" sz="1100" dirty="0">
-                        <a:latin typeface="나눔고딕" panose="020D0604000000000000" pitchFamily="50" charset="-127"/>
-                        <a:ea typeface="나눔고딕" panose="020D0604000000000000" pitchFamily="50" charset="-127"/>
-                      </a:endParaRPr>
-                    </a:p>
-                  </a:txBody>
-                  <a:tcPr marT="45721" marB="45721" anchor="ctr">
-                    <a:lnL w="12700" cap="flat" cmpd="sng" algn="ctr">
-                      <a:solidFill>
-                        <a:schemeClr val="bg1">
-                          <a:lumMod val="85000"/>
-                        </a:schemeClr>
-                      </a:solidFill>
-                      <a:prstDash val="solid"/>
-                      <a:round/>
-                      <a:headEnd type="none" w="med" len="med"/>
-                      <a:tailEnd type="none" w="med" len="med"/>
-                    </a:lnL>
-                    <a:lnR w="12700" cap="flat" cmpd="sng" algn="ctr">
-                      <a:solidFill>
-                        <a:schemeClr val="bg1">
-                          <a:lumMod val="85000"/>
-                        </a:schemeClr>
-                      </a:solidFill>
-                      <a:prstDash val="solid"/>
-                      <a:round/>
-                      <a:headEnd type="none" w="med" len="med"/>
-                      <a:tailEnd type="none" w="med" len="med"/>
-                    </a:lnR>
-                    <a:lnT w="12700" cap="flat" cmpd="sng" algn="ctr">
-                      <a:solidFill>
-                        <a:schemeClr val="bg1">
-                          <a:lumMod val="85000"/>
-                        </a:schemeClr>
-                      </a:solidFill>
-                      <a:prstDash val="solid"/>
-                      <a:round/>
-                      <a:headEnd type="none" w="med" len="med"/>
-                      <a:tailEnd type="none" w="med" len="med"/>
-                    </a:lnT>
-                    <a:lnB w="12700" cap="flat" cmpd="sng" algn="ctr">
-                      <a:solidFill>
-                        <a:schemeClr val="bg1">
-                          <a:lumMod val="85000"/>
-                        </a:schemeClr>
-                      </a:solidFill>
-                      <a:prstDash val="solid"/>
-                      <a:round/>
-                      <a:headEnd type="none" w="med" len="med"/>
-                      <a:tailEnd type="none" w="med" len="med"/>
-                    </a:lnB>
-                    <a:lnTlToBr w="12700" cmpd="sng">
-                      <a:noFill/>
-                      <a:prstDash val="solid"/>
-                    </a:lnTlToBr>
-                    <a:lnBlToTr w="12700" cmpd="sng">
-                      <a:noFill/>
-                      <a:prstDash val="solid"/>
-                    </a:lnBlToTr>
-                    <a:solidFill>
-                      <a:srgbClr val="FFFFFF"/>
-                    </a:solidFill>
-                  </a:tcPr>
-                </a:tc>
-                <a:tc>
-                  <a:txBody>
-                    <a:bodyPr/>
-                    <a:lstStyle/>
-                    <a:p>
-                      <a:pPr algn="ctr">
-                        <a:lnSpc>
-                          <a:spcPct val="100000"/>
-                        </a:lnSpc>
-                      </a:pPr>
-                      <a:endParaRPr lang="ko-Kore-KR" altLang="en-US" sz="1100" dirty="0">
-                        <a:latin typeface="나눔고딕" panose="020D0604000000000000" pitchFamily="50" charset="-127"/>
-                        <a:ea typeface="나눔고딕" panose="020D0604000000000000" pitchFamily="50" charset="-127"/>
-                      </a:endParaRPr>
-                    </a:p>
-                  </a:txBody>
-                  <a:tcPr marT="45721" marB="45721" anchor="ctr">
-                    <a:lnL w="12700" cap="flat" cmpd="sng" algn="ctr">
-                      <a:solidFill>
-                        <a:schemeClr val="bg1">
-                          <a:lumMod val="85000"/>
-                        </a:schemeClr>
-                      </a:solidFill>
-                      <a:prstDash val="solid"/>
-                      <a:round/>
-                      <a:headEnd type="none" w="med" len="med"/>
-                      <a:tailEnd type="none" w="med" len="med"/>
-                    </a:lnL>
-                    <a:lnR w="12700" cap="flat" cmpd="sng" algn="ctr">
-                      <a:solidFill>
-                        <a:schemeClr val="bg1">
-                          <a:lumMod val="85000"/>
-                        </a:schemeClr>
-                      </a:solidFill>
-                      <a:prstDash val="solid"/>
-                      <a:round/>
-                      <a:headEnd type="none" w="med" len="med"/>
-                      <a:tailEnd type="none" w="med" len="med"/>
-                    </a:lnR>
-                    <a:lnT w="12700" cap="flat" cmpd="sng" algn="ctr">
-                      <a:solidFill>
-                        <a:schemeClr val="bg1">
-                          <a:lumMod val="85000"/>
-                        </a:schemeClr>
-                      </a:solidFill>
-                      <a:prstDash val="solid"/>
-                      <a:round/>
-                      <a:headEnd type="none" w="med" len="med"/>
-                      <a:tailEnd type="none" w="med" len="med"/>
-                    </a:lnT>
-                    <a:lnB w="12700" cap="flat" cmpd="sng" algn="ctr">
-                      <a:solidFill>
-                        <a:schemeClr val="bg1">
-                          <a:lumMod val="85000"/>
-                        </a:schemeClr>
-                      </a:solidFill>
-                      <a:prstDash val="solid"/>
-                      <a:round/>
-                      <a:headEnd type="none" w="med" len="med"/>
-                      <a:tailEnd type="none" w="med" len="med"/>
-                    </a:lnB>
-                    <a:lnTlToBr w="12700" cmpd="sng">
-                      <a:noFill/>
-                      <a:prstDash val="solid"/>
-                    </a:lnTlToBr>
-                    <a:lnBlToTr w="12700" cmpd="sng">
-                      <a:noFill/>
-                      <a:prstDash val="solid"/>
-                    </a:lnBlToTr>
-                    <a:solidFill>
-                      <a:srgbClr val="FFFFFF"/>
-                    </a:solidFill>
-                  </a:tcPr>
-                </a:tc>
-                <a:extLst>
-                  <a:ext uri="{0D108BD9-81ED-4DB2-BD59-A6C34878D82A}">
-                    <a16:rowId xmlns:a16="http://schemas.microsoft.com/office/drawing/2014/main" val="2960650416"/>
-                  </a:ext>
-                </a:extLst>
-              </a:tr>
-            </a:tbl>
-          </a:graphicData>
-        </a:graphic>
-      </p:graphicFrame>
-      <p:sp>
-        <p:nvSpPr>
-          <p:cNvPr id="39" name="직사각형 38">
-            <a:extLst>
-              <a:ext uri="{FF2B5EF4-FFF2-40B4-BE49-F238E27FC236}">
-                <a16:creationId xmlns:a16="http://schemas.microsoft.com/office/drawing/2014/main" id="{0C1765B6-42DD-1544-905F-B4740BD8CBDE}"/>
-              </a:ext>
-            </a:extLst>
-          </p:cNvPr>
-          <p:cNvSpPr/>
-          <p:nvPr/>
-        </p:nvSpPr>
-        <p:spPr>
-          <a:xfrm>
-            <a:off x="11294254" y="5027918"/>
-            <a:ext cx="191625" cy="231540"/>
-          </a:xfrm>
-          <a:prstGeom prst="rect">
-            <a:avLst/>
-          </a:prstGeom>
-          <a:solidFill>
-            <a:schemeClr val="bg1">
-              <a:lumMod val="85000"/>
-            </a:schemeClr>
-          </a:solidFill>
-          <a:ln>
-            <a:solidFill>
-              <a:schemeClr val="bg1">
-                <a:lumMod val="75000"/>
-              </a:schemeClr>
-            </a:solidFill>
-          </a:ln>
-        </p:spPr>
-        <p:style>
-          <a:lnRef idx="2">
-            <a:schemeClr val="accent1">
-              <a:shade val="50000"/>
-            </a:schemeClr>
-          </a:lnRef>
-          <a:fillRef idx="1">
-            <a:schemeClr val="accent1"/>
-          </a:fillRef>
-          <a:effectRef idx="0">
-            <a:schemeClr val="accent1"/>
-          </a:effectRef>
-          <a:fontRef idx="minor">
-            <a:schemeClr val="lt1"/>
-          </a:fontRef>
-        </p:style>
-        <p:txBody>
-          <a:bodyPr rtlCol="0" anchor="ctr"/>
-          <a:lstStyle/>
-          <a:p>
-            <a:pPr algn="ctr"/>
-            <a:endParaRPr kumimoji="1" lang="ko-Kore-KR" altLang="en-US">
-              <a:latin typeface="Nanum Gothic" panose="020D0604000000000000" pitchFamily="34" charset="-127"/>
-              <a:ea typeface="Nanum Gothic" panose="020D0604000000000000" pitchFamily="34" charset="-127"/>
-            </a:endParaRPr>
-          </a:p>
-        </p:txBody>
-      </p:sp>
-      <p:sp>
-        <p:nvSpPr>
-          <p:cNvPr id="40" name="병합 69">
-            <a:extLst>
-              <a:ext uri="{FF2B5EF4-FFF2-40B4-BE49-F238E27FC236}">
-                <a16:creationId xmlns:a16="http://schemas.microsoft.com/office/drawing/2014/main" id="{F9760229-99D6-2646-835C-E5D50C47CEAC}"/>
-              </a:ext>
-            </a:extLst>
-          </p:cNvPr>
-          <p:cNvSpPr/>
-          <p:nvPr/>
-        </p:nvSpPr>
-        <p:spPr>
-          <a:xfrm>
-            <a:off x="11323157" y="5080868"/>
-            <a:ext cx="134702" cy="135133"/>
-          </a:xfrm>
-          <a:prstGeom prst="flowChartMerge">
-            <a:avLst/>
-          </a:prstGeom>
-          <a:solidFill>
-            <a:schemeClr val="bg1">
-              <a:lumMod val="50000"/>
-            </a:schemeClr>
-          </a:solidFill>
-          <a:ln>
-            <a:noFill/>
-          </a:ln>
-        </p:spPr>
-        <p:style>
-          <a:lnRef idx="2">
-            <a:schemeClr val="accent1">
-              <a:shade val="50000"/>
-            </a:schemeClr>
-          </a:lnRef>
-          <a:fillRef idx="1">
-            <a:schemeClr val="accent1"/>
-          </a:fillRef>
-          <a:effectRef idx="0">
-            <a:schemeClr val="accent1"/>
-          </a:effectRef>
-          <a:fontRef idx="minor">
-            <a:schemeClr val="lt1"/>
-          </a:fontRef>
-        </p:style>
-        <p:txBody>
-          <a:bodyPr rot="0" spcFirstLastPara="0" vertOverflow="overflow" horzOverflow="overflow" vert="horz" wrap="square" lIns="91440" tIns="45721" rIns="91440" bIns="45721" numCol="1" spcCol="0" rtlCol="0" fromWordArt="0" anchor="ctr" anchorCtr="0" forceAA="0" compatLnSpc="1">
-            <a:prstTxWarp prst="textNoShape">
-              <a:avLst/>
-            </a:prstTxWarp>
-            <a:noAutofit/>
-          </a:bodyPr>
-          <a:lstStyle/>
-          <a:p>
-            <a:pPr algn="ctr"/>
-            <a:endParaRPr kumimoji="1" lang="ko-Kore-KR" altLang="en-US" sz="1801">
-              <a:latin typeface="Nanum Gothic" panose="020D0604000000000000" pitchFamily="34" charset="-127"/>
-              <a:ea typeface="Nanum Gothic" panose="020D0604000000000000" pitchFamily="34" charset="-127"/>
-            </a:endParaRPr>
-          </a:p>
-        </p:txBody>
-      </p:sp>
-      <p:sp>
-        <p:nvSpPr>
-          <p:cNvPr id="12" name="TextBox 11">
-            <a:extLst>
-              <a:ext uri="{FF2B5EF4-FFF2-40B4-BE49-F238E27FC236}">
-                <a16:creationId xmlns:a16="http://schemas.microsoft.com/office/drawing/2014/main" id="{79EED055-D183-7841-9D93-D1C3F8738DA3}"/>
-              </a:ext>
-            </a:extLst>
-          </p:cNvPr>
-          <p:cNvSpPr txBox="1"/>
-          <p:nvPr/>
-        </p:nvSpPr>
-        <p:spPr>
-          <a:xfrm>
-            <a:off x="718510" y="1475095"/>
-            <a:ext cx="3008244" cy="338554"/>
-          </a:xfrm>
-          <a:prstGeom prst="rect">
-            <a:avLst/>
-          </a:prstGeom>
-          <a:noFill/>
-        </p:spPr>
-        <p:txBody>
-          <a:bodyPr wrap="square" rtlCol="0">
-            <a:spAutoFit/>
-          </a:bodyPr>
-          <a:lstStyle/>
-          <a:p>
-            <a:r>
-              <a:rPr kumimoji="1" lang="en-US" altLang="ko-KR" sz="1600" dirty="0">
-                <a:solidFill>
-                  <a:schemeClr val="accent1">
-                    <a:lumMod val="50000"/>
-                  </a:schemeClr>
-                </a:solidFill>
-                <a:latin typeface="나눔고딕" panose="020D0604000000000000" pitchFamily="50" charset="-127"/>
-                <a:ea typeface="나눔고딕" panose="020D0604000000000000" pitchFamily="50" charset="-127"/>
-              </a:rPr>
-              <a:t>___</a:t>
-            </a:r>
-            <a:r>
-              <a:rPr kumimoji="1" lang="ko-KR" altLang="en-US" sz="1600" dirty="0">
-                <a:solidFill>
-                  <a:schemeClr val="accent1">
-                    <a:lumMod val="50000"/>
-                  </a:schemeClr>
-                </a:solidFill>
-                <a:latin typeface="나눔고딕" panose="020D0604000000000000" pitchFamily="50" charset="-127"/>
-                <a:ea typeface="나눔고딕" panose="020D0604000000000000" pitchFamily="50" charset="-127"/>
-              </a:rPr>
-              <a:t>주제 게시판</a:t>
-            </a:r>
-            <a:endParaRPr kumimoji="1" lang="en-US" altLang="ko-KR" sz="1600" dirty="0">
-              <a:solidFill>
-                <a:schemeClr val="accent1">
-                  <a:lumMod val="50000"/>
-                </a:schemeClr>
-              </a:solidFill>
-              <a:latin typeface="나눔고딕" panose="020D0604000000000000" pitchFamily="50" charset="-127"/>
-              <a:ea typeface="나눔고딕" panose="020D0604000000000000" pitchFamily="50" charset="-127"/>
-            </a:endParaRPr>
-          </a:p>
-        </p:txBody>
-      </p:sp>
-    </p:spTree>
-    <p:extLst>
-      <p:ext uri="{BB962C8B-B14F-4D97-AF65-F5344CB8AC3E}">
-        <p14:creationId xmlns:p14="http://schemas.microsoft.com/office/powerpoint/2010/main" val="1291491980"/>
       </p:ext>
     </p:extLst>
   </p:cSld>
@@ -17951,7 +18600,7 @@
         </p:nvSpPr>
         <p:spPr>
           <a:xfrm>
-            <a:off x="830697" y="847367"/>
+            <a:off x="719787" y="820091"/>
             <a:ext cx="3008244" cy="400110"/>
           </a:xfrm>
           <a:prstGeom prst="rect">
@@ -17966,18 +18615,11 @@
           <a:lstStyle/>
           <a:p>
             <a:r>
-              <a:rPr kumimoji="1" lang="en-US" altLang="ko-KR" sz="2000" b="1" dirty="0">
-                <a:latin typeface="나눔고딕" panose="020D0604000000000000" pitchFamily="50" charset="-127"/>
-                <a:ea typeface="나눔고딕" panose="020D0604000000000000" pitchFamily="50" charset="-127"/>
-              </a:rPr>
-              <a:t>OOO</a:t>
-            </a:r>
-            <a:r>
               <a:rPr kumimoji="1" lang="ko-KR" altLang="en-US" sz="2000" b="1" dirty="0">
                 <a:latin typeface="나눔고딕" panose="020D0604000000000000" pitchFamily="50" charset="-127"/>
                 <a:ea typeface="나눔고딕" panose="020D0604000000000000" pitchFamily="50" charset="-127"/>
               </a:rPr>
-              <a:t>님 관심 분야 이벤트</a:t>
+              <a:t>관심 주제별 게시판</a:t>
             </a:r>
             <a:endParaRPr kumimoji="1" lang="en-US" altLang="ko-KR" sz="2000" b="1" dirty="0">
               <a:latin typeface="나눔고딕" panose="020D0604000000000000" pitchFamily="50" charset="-127"/>
@@ -18000,7 +18642,7 @@
         </p:nvSpPr>
         <p:spPr>
           <a:xfrm>
-            <a:off x="11295530" y="1510035"/>
+            <a:off x="11294260" y="1877782"/>
             <a:ext cx="192889" cy="3371335"/>
           </a:xfrm>
           <a:prstGeom prst="rect">
@@ -18061,7 +18703,7 @@
         </p:nvSpPr>
         <p:spPr>
           <a:xfrm>
-            <a:off x="11295530" y="1510035"/>
+            <a:off x="11294260" y="1877782"/>
             <a:ext cx="192889" cy="209435"/>
           </a:xfrm>
           <a:prstGeom prst="rect">
@@ -18122,7 +18764,7 @@
         </p:nvSpPr>
         <p:spPr>
           <a:xfrm rot="10800000">
-            <a:off x="11324426" y="1543953"/>
+            <a:off x="11323156" y="1911700"/>
             <a:ext cx="134703" cy="134853"/>
           </a:xfrm>
           <a:prstGeom prst="flowChartMerge">
@@ -18185,7 +18827,7 @@
           <p:nvPr/>
         </p:nvGraphicFramePr>
         <p:xfrm>
-          <a:off x="721057" y="1510035"/>
+          <a:off x="719787" y="1877782"/>
           <a:ext cx="10573196" cy="3371336"/>
         </p:xfrm>
         <a:graphic>
@@ -18317,11 +18959,11 @@
                         </a:lnSpc>
                       </a:pPr>
                       <a:r>
-                        <a:rPr lang="ko-KR" altLang="en-US" sz="1100" dirty="0">
+                        <a:rPr lang="ko-KR" altLang="en-US" sz="1100" dirty="0" err="1">
                           <a:latin typeface="나눔고딕" panose="020D0604000000000000" pitchFamily="50" charset="-127"/>
                           <a:ea typeface="나눔고딕" panose="020D0604000000000000" pitchFamily="50" charset="-127"/>
                         </a:rPr>
-                        <a:t>관련 행사</a:t>
+                        <a:t>글제목</a:t>
                       </a:r>
                       <a:endParaRPr lang="ko-Kore-KR" altLang="en-US" sz="1100" dirty="0">
                         <a:latin typeface="나눔고딕" panose="020D0604000000000000" pitchFamily="50" charset="-127"/>
@@ -18402,7 +19044,7 @@
                           <a:latin typeface="나눔고딕" panose="020D0604000000000000" pitchFamily="50" charset="-127"/>
                           <a:ea typeface="나눔고딕" panose="020D0604000000000000" pitchFamily="50" charset="-127"/>
                         </a:rPr>
-                        <a:t>주최 기관</a:t>
+                        <a:t>작성자</a:t>
                       </a:r>
                       <a:endParaRPr lang="ko-Kore-KR" altLang="en-US" sz="1100" dirty="0">
                         <a:latin typeface="나눔고딕" panose="020D0604000000000000" pitchFamily="50" charset="-127"/>
@@ -18479,11 +19121,11 @@
                         </a:lnSpc>
                       </a:pPr>
                       <a:r>
-                        <a:rPr lang="ko-KR" altLang="en-US" sz="1100" dirty="0">
+                        <a:rPr lang="ko-KR" altLang="en-US" sz="1100" dirty="0" err="1">
                           <a:latin typeface="나눔고딕" panose="020D0604000000000000" pitchFamily="50" charset="-127"/>
                           <a:ea typeface="나눔고딕" panose="020D0604000000000000" pitchFamily="50" charset="-127"/>
                         </a:rPr>
-                        <a:t>신청기간</a:t>
+                        <a:t>작성날짜</a:t>
                       </a:r>
                       <a:endParaRPr lang="ko-Kore-KR" altLang="en-US" sz="1100" dirty="0">
                         <a:latin typeface="나눔고딕" panose="020D0604000000000000" pitchFamily="50" charset="-127"/>
@@ -18660,18 +19302,18 @@
                         <a:defRPr/>
                       </a:pPr>
                       <a:r>
-                        <a:rPr lang="ko-KR" altLang="en-US" sz="1100" dirty="0" err="1">
-                          <a:latin typeface="나눔고딕" panose="020D0604000000000000" pitchFamily="50" charset="-127"/>
-                          <a:ea typeface="나눔고딕" panose="020D0604000000000000" pitchFamily="50" charset="-127"/>
-                        </a:rPr>
-                        <a:t>ㅁㅁㅁ</a:t>
-                      </a:r>
-                      <a:r>
                         <a:rPr lang="ko-KR" altLang="en-US" sz="1100" dirty="0">
                           <a:latin typeface="나눔고딕" panose="020D0604000000000000" pitchFamily="50" charset="-127"/>
                           <a:ea typeface="나눔고딕" panose="020D0604000000000000" pitchFamily="50" charset="-127"/>
                         </a:rPr>
-                        <a:t> 경진대회</a:t>
+                        <a:t>이번 논문 주제</a:t>
+                      </a:r>
+                      <a:r>
+                        <a:rPr lang="en-US" altLang="ko-KR" sz="1100" dirty="0">
+                          <a:latin typeface="나눔고딕" panose="020D0604000000000000" pitchFamily="50" charset="-127"/>
+                          <a:ea typeface="나눔고딕" panose="020D0604000000000000" pitchFamily="50" charset="-127"/>
+                        </a:rPr>
+                        <a:t>…</a:t>
                       </a:r>
                       <a:endParaRPr lang="ko-Kore-KR" altLang="en-US" sz="1100" dirty="0">
                         <a:latin typeface="나눔고딕" panose="020D0604000000000000" pitchFamily="50" charset="-127"/>
@@ -18760,11 +19402,25 @@
                         <a:defRPr/>
                       </a:pPr>
                       <a:r>
-                        <a:rPr lang="ko-KR" altLang="en-US" sz="1100" dirty="0" err="1">
+                        <a:rPr lang="ko-KR" altLang="en-US" sz="1100" dirty="0">
                           <a:latin typeface="나눔고딕" panose="020D0604000000000000" pitchFamily="50" charset="-127"/>
                           <a:ea typeface="나눔고딕" panose="020D0604000000000000" pitchFamily="50" charset="-127"/>
                         </a:rPr>
-                        <a:t>ㅁㅁ연구소</a:t>
+                        <a:t>김</a:t>
+                      </a:r>
+                      <a:r>
+                        <a:rPr lang="en-US" altLang="ko-KR" sz="1100" dirty="0">
+                          <a:latin typeface="나눔고딕" panose="020D0604000000000000" pitchFamily="50" charset="-127"/>
+                          <a:ea typeface="나눔고딕" panose="020D0604000000000000" pitchFamily="50" charset="-127"/>
+                        </a:rPr>
+                        <a:t>*</a:t>
+                      </a:r>
+                      <a:r>
+                        <a:rPr lang="ko-KR" altLang="en-US" sz="1100" dirty="0">
+                          <a:latin typeface="나눔고딕" panose="020D0604000000000000" pitchFamily="50" charset="-127"/>
+                          <a:ea typeface="나눔고딕" panose="020D0604000000000000" pitchFamily="50" charset="-127"/>
+                        </a:rPr>
+                        <a:t>운</a:t>
                       </a:r>
                       <a:endParaRPr lang="ko-Kore-KR" altLang="en-US" sz="1100" dirty="0">
                         <a:latin typeface="나눔고딕" panose="020D0604000000000000" pitchFamily="50" charset="-127"/>
@@ -18835,29 +19491,17 @@
                     <a:bodyPr/>
                     <a:lstStyle/>
                     <a:p>
-                      <a:pPr marL="0" marR="0" indent="0" algn="ctr" defTabSz="914422" rtl="0" eaLnBrk="1" fontAlgn="auto" latinLnBrk="0" hangingPunct="1">
+                      <a:pPr algn="ctr">
                         <a:lnSpc>
                           <a:spcPct val="100000"/>
                         </a:lnSpc>
-                        <a:spcBef>
-                          <a:spcPts val="0"/>
-                        </a:spcBef>
-                        <a:spcAft>
-                          <a:spcPts val="0"/>
-                        </a:spcAft>
-                        <a:buClrTx/>
-                        <a:buSzTx/>
-                        <a:buFontTx/>
-                        <a:buNone/>
-                        <a:tabLst/>
-                        <a:defRPr/>
                       </a:pPr>
                       <a:r>
                         <a:rPr lang="en-US" altLang="en-US" sz="1100" dirty="0">
                           <a:latin typeface="나눔고딕" panose="020D0604000000000000" pitchFamily="50" charset="-127"/>
                           <a:ea typeface="나눔고딕" panose="020D0604000000000000" pitchFamily="50" charset="-127"/>
                         </a:rPr>
-                        <a:t>2020.04.01~2020.04.10</a:t>
+                        <a:t>2020.04.01</a:t>
                       </a:r>
                       <a:endParaRPr lang="ko-Kore-KR" altLang="en-US" sz="1100" dirty="0">
                         <a:latin typeface="나눔고딕" panose="020D0604000000000000" pitchFamily="50" charset="-127"/>
@@ -19034,25 +19678,18 @@
                         <a:defRPr/>
                       </a:pPr>
                       <a:r>
-                        <a:rPr lang="en-US" altLang="en-US" sz="1100" dirty="0">
+                        <a:rPr lang="ko-KR" altLang="en-US" sz="1100" dirty="0">
                           <a:latin typeface="나눔고딕" panose="020D0604000000000000" pitchFamily="50" charset="-127"/>
                           <a:ea typeface="나눔고딕" panose="020D0604000000000000" pitchFamily="50" charset="-127"/>
                         </a:rPr>
-                        <a:t>**</a:t>
+                        <a:t>과제 수행에 대해</a:t>
                       </a:r>
                       <a:r>
-                        <a:rPr lang="en-US" altLang="en-US" sz="1100" baseline="0" dirty="0">
+                        <a:rPr lang="en-US" altLang="ko-KR" sz="1100" dirty="0">
                           <a:latin typeface="나눔고딕" panose="020D0604000000000000" pitchFamily="50" charset="-127"/>
                           <a:ea typeface="나눔고딕" panose="020D0604000000000000" pitchFamily="50" charset="-127"/>
                         </a:rPr>
-                        <a:t> </a:t>
-                      </a:r>
-                      <a:r>
-                        <a:rPr lang="ko-KR" altLang="en-US" sz="1100" baseline="0" dirty="0">
-                          <a:latin typeface="나눔고딕" panose="020D0604000000000000" pitchFamily="50" charset="-127"/>
-                          <a:ea typeface="나눔고딕" panose="020D0604000000000000" pitchFamily="50" charset="-127"/>
-                        </a:rPr>
-                        <a:t>공모전</a:t>
+                        <a:t>…</a:t>
                       </a:r>
                       <a:endParaRPr lang="ko-Kore-KR" altLang="en-US" sz="1100" dirty="0">
                         <a:latin typeface="나눔고딕" panose="020D0604000000000000" pitchFamily="50" charset="-127"/>
@@ -19141,18 +19778,25 @@
                         <a:defRPr/>
                       </a:pPr>
                       <a:r>
-                        <a:rPr lang="en-US" altLang="en-US" sz="1100" dirty="0">
+                        <a:rPr lang="ko-KR" altLang="en-US" sz="1100" dirty="0">
                           <a:latin typeface="나눔고딕" panose="020D0604000000000000" pitchFamily="50" charset="-127"/>
                           <a:ea typeface="나눔고딕" panose="020D0604000000000000" pitchFamily="50" charset="-127"/>
                         </a:rPr>
-                        <a:t>**</a:t>
+                        <a:t>정</a:t>
+                      </a:r>
+                      <a:r>
+                        <a:rPr lang="en-US" altLang="ko-KR" sz="1100" dirty="0">
+                          <a:latin typeface="나눔고딕" panose="020D0604000000000000" pitchFamily="50" charset="-127"/>
+                          <a:ea typeface="나눔고딕" panose="020D0604000000000000" pitchFamily="50" charset="-127"/>
+                        </a:rPr>
+                        <a:t>*</a:t>
                       </a:r>
                       <a:r>
                         <a:rPr lang="ko-KR" altLang="en-US" sz="1100" dirty="0">
                           <a:latin typeface="나눔고딕" panose="020D0604000000000000" pitchFamily="50" charset="-127"/>
                           <a:ea typeface="나눔고딕" panose="020D0604000000000000" pitchFamily="50" charset="-127"/>
                         </a:rPr>
-                        <a:t>사</a:t>
+                        <a:t>수</a:t>
                       </a:r>
                       <a:endParaRPr lang="ko-Kore-KR" altLang="en-US" sz="1100" dirty="0">
                         <a:latin typeface="나눔고딕" panose="020D0604000000000000" pitchFamily="50" charset="-127"/>
@@ -19223,29 +19867,17 @@
                     <a:bodyPr/>
                     <a:lstStyle/>
                     <a:p>
-                      <a:pPr marL="0" marR="0" indent="0" algn="ctr" defTabSz="914422" rtl="0" eaLnBrk="1" fontAlgn="auto" latinLnBrk="0" hangingPunct="1">
+                      <a:pPr algn="ctr">
                         <a:lnSpc>
                           <a:spcPct val="100000"/>
                         </a:lnSpc>
-                        <a:spcBef>
-                          <a:spcPts val="0"/>
-                        </a:spcBef>
-                        <a:spcAft>
-                          <a:spcPts val="0"/>
-                        </a:spcAft>
-                        <a:buClrTx/>
-                        <a:buSzTx/>
-                        <a:buFontTx/>
-                        <a:buNone/>
-                        <a:tabLst/>
-                        <a:defRPr/>
                       </a:pPr>
                       <a:r>
                         <a:rPr lang="en-US" altLang="en-US" sz="1100" dirty="0">
                           <a:latin typeface="나눔고딕" panose="020D0604000000000000" pitchFamily="50" charset="-127"/>
                           <a:ea typeface="나눔고딕" panose="020D0604000000000000" pitchFamily="50" charset="-127"/>
                         </a:rPr>
-                        <a:t>2020.04.15~2020.05.10</a:t>
+                        <a:t>2020.04.10</a:t>
                       </a:r>
                       <a:endParaRPr lang="ko-Kore-KR" altLang="en-US" sz="1100" dirty="0">
                         <a:latin typeface="나눔고딕" panose="020D0604000000000000" pitchFamily="50" charset="-127"/>
@@ -19422,25 +20054,18 @@
                         <a:defRPr/>
                       </a:pPr>
                       <a:r>
-                        <a:rPr lang="ko-KR" altLang="en-US" sz="1100" dirty="0" err="1">
-                          <a:latin typeface="나눔고딕" panose="020D0604000000000000" pitchFamily="50" charset="-127"/>
-                          <a:ea typeface="나눔고딕" panose="020D0604000000000000" pitchFamily="50" charset="-127"/>
-                        </a:rPr>
-                        <a:t>ㄴㄴ</a:t>
-                      </a:r>
-                      <a:r>
                         <a:rPr lang="ko-KR" altLang="en-US" sz="1100" dirty="0">
                           <a:latin typeface="나눔고딕" panose="020D0604000000000000" pitchFamily="50" charset="-127"/>
                           <a:ea typeface="나눔고딕" panose="020D0604000000000000" pitchFamily="50" charset="-127"/>
                         </a:rPr>
-                        <a:t> </a:t>
+                        <a:t>최근 논문 동향</a:t>
                       </a:r>
                       <a:r>
-                        <a:rPr lang="ko-KR" altLang="en-US" sz="1100" dirty="0" err="1">
+                        <a:rPr lang="en-US" altLang="ko-KR" sz="1100" dirty="0">
                           <a:latin typeface="나눔고딕" panose="020D0604000000000000" pitchFamily="50" charset="-127"/>
                           <a:ea typeface="나눔고딕" panose="020D0604000000000000" pitchFamily="50" charset="-127"/>
                         </a:rPr>
-                        <a:t>논문대회</a:t>
+                        <a:t>…</a:t>
                       </a:r>
                       <a:endParaRPr lang="ko-Kore-KR" altLang="en-US" sz="1100" dirty="0">
                         <a:latin typeface="나눔고딕" panose="020D0604000000000000" pitchFamily="50" charset="-127"/>
@@ -19529,11 +20154,25 @@
                         <a:defRPr/>
                       </a:pPr>
                       <a:r>
-                        <a:rPr lang="ko-KR" altLang="en-US" sz="1100" dirty="0" err="1">
+                        <a:rPr lang="ko-KR" altLang="en-US" sz="1100" dirty="0">
                           <a:latin typeface="나눔고딕" panose="020D0604000000000000" pitchFamily="50" charset="-127"/>
                           <a:ea typeface="나눔고딕" panose="020D0604000000000000" pitchFamily="50" charset="-127"/>
                         </a:rPr>
-                        <a:t>ㄴㄴ협회</a:t>
+                        <a:t>정</a:t>
+                      </a:r>
+                      <a:r>
+                        <a:rPr lang="en-US" altLang="ko-KR" sz="1100" dirty="0">
+                          <a:latin typeface="나눔고딕" panose="020D0604000000000000" pitchFamily="50" charset="-127"/>
+                          <a:ea typeface="나눔고딕" panose="020D0604000000000000" pitchFamily="50" charset="-127"/>
+                        </a:rPr>
+                        <a:t>*</a:t>
+                      </a:r>
+                      <a:r>
+                        <a:rPr lang="ko-KR" altLang="en-US" sz="1100" dirty="0">
+                          <a:latin typeface="나눔고딕" panose="020D0604000000000000" pitchFamily="50" charset="-127"/>
+                          <a:ea typeface="나눔고딕" panose="020D0604000000000000" pitchFamily="50" charset="-127"/>
+                        </a:rPr>
+                        <a:t>경</a:t>
                       </a:r>
                       <a:endParaRPr lang="ko-Kore-KR" altLang="en-US" sz="1100" dirty="0">
                         <a:latin typeface="나눔고딕" panose="020D0604000000000000" pitchFamily="50" charset="-127"/>
@@ -19604,29 +20243,17 @@
                     <a:bodyPr/>
                     <a:lstStyle/>
                     <a:p>
-                      <a:pPr marL="0" marR="0" indent="0" algn="ctr" defTabSz="914422" rtl="0" eaLnBrk="1" fontAlgn="auto" latinLnBrk="0" hangingPunct="1">
+                      <a:pPr algn="ctr">
                         <a:lnSpc>
                           <a:spcPct val="100000"/>
                         </a:lnSpc>
-                        <a:spcBef>
-                          <a:spcPts val="0"/>
-                        </a:spcBef>
-                        <a:spcAft>
-                          <a:spcPts val="0"/>
-                        </a:spcAft>
-                        <a:buClrTx/>
-                        <a:buSzTx/>
-                        <a:buFontTx/>
-                        <a:buNone/>
-                        <a:tabLst/>
-                        <a:defRPr/>
                       </a:pPr>
                       <a:r>
                         <a:rPr lang="en-US" altLang="en-US" sz="1100" dirty="0">
                           <a:latin typeface="나눔고딕" panose="020D0604000000000000" pitchFamily="50" charset="-127"/>
                           <a:ea typeface="나눔고딕" panose="020D0604000000000000" pitchFamily="50" charset="-127"/>
                         </a:rPr>
-                        <a:t>2020.03.20~2020.04.25</a:t>
+                        <a:t>2020.04.20</a:t>
                       </a:r>
                       <a:endParaRPr lang="ko-Kore-KR" altLang="en-US" sz="1100" dirty="0">
                         <a:latin typeface="나눔고딕" panose="020D0604000000000000" pitchFamily="50" charset="-127"/>
@@ -19795,14 +20422,7 @@
                           <a:latin typeface="나눔고딕" panose="020D0604000000000000" pitchFamily="50" charset="-127"/>
                           <a:ea typeface="나눔고딕" panose="020D0604000000000000" pitchFamily="50" charset="-127"/>
                         </a:rPr>
-                        <a:t>N</a:t>
-                      </a:r>
-                      <a:r>
-                        <a:rPr lang="ko-KR" altLang="en-US" sz="1100" dirty="0">
-                          <a:latin typeface="나눔고딕" panose="020D0604000000000000" pitchFamily="50" charset="-127"/>
-                          <a:ea typeface="나눔고딕" panose="020D0604000000000000" pitchFamily="50" charset="-127"/>
-                        </a:rPr>
-                        <a:t>사 채용공고</a:t>
+                        <a:t>:</a:t>
                       </a:r>
                       <a:endParaRPr lang="ko-Kore-KR" altLang="en-US" sz="1100" dirty="0">
                         <a:latin typeface="나눔고딕" panose="020D0604000000000000" pitchFamily="50" charset="-127"/>
@@ -19883,14 +20503,7 @@
                           <a:latin typeface="나눔고딕" panose="020D0604000000000000" pitchFamily="50" charset="-127"/>
                           <a:ea typeface="나눔고딕" panose="020D0604000000000000" pitchFamily="50" charset="-127"/>
                         </a:rPr>
-                        <a:t>N</a:t>
-                      </a:r>
-                      <a:r>
-                        <a:rPr lang="ko-KR" altLang="en-US" sz="1100" dirty="0">
-                          <a:latin typeface="나눔고딕" panose="020D0604000000000000" pitchFamily="50" charset="-127"/>
-                          <a:ea typeface="나눔고딕" panose="020D0604000000000000" pitchFamily="50" charset="-127"/>
-                        </a:rPr>
-                        <a:t>사</a:t>
+                        <a:t>:</a:t>
                       </a:r>
                       <a:endParaRPr lang="ko-Kore-KR" altLang="en-US" sz="1100" dirty="0">
                         <a:latin typeface="나눔고딕" panose="020D0604000000000000" pitchFamily="50" charset="-127"/>
@@ -19961,29 +20574,17 @@
                     <a:bodyPr/>
                     <a:lstStyle/>
                     <a:p>
-                      <a:pPr marL="0" marR="0" indent="0" algn="ctr" defTabSz="914422" rtl="0" eaLnBrk="1" fontAlgn="auto" latinLnBrk="0" hangingPunct="1">
+                      <a:pPr algn="ctr">
                         <a:lnSpc>
                           <a:spcPct val="100000"/>
                         </a:lnSpc>
-                        <a:spcBef>
-                          <a:spcPts val="0"/>
-                        </a:spcBef>
-                        <a:spcAft>
-                          <a:spcPts val="0"/>
-                        </a:spcAft>
-                        <a:buClrTx/>
-                        <a:buSzTx/>
-                        <a:buFontTx/>
-                        <a:buNone/>
-                        <a:tabLst/>
-                        <a:defRPr/>
                       </a:pPr>
                       <a:r>
                         <a:rPr lang="en-US" altLang="en-US" sz="1100" dirty="0">
                           <a:latin typeface="나눔고딕" panose="020D0604000000000000" pitchFamily="50" charset="-127"/>
                           <a:ea typeface="나눔고딕" panose="020D0604000000000000" pitchFamily="50" charset="-127"/>
                         </a:rPr>
-                        <a:t>2020.04.20~2020.04.25</a:t>
+                        <a:t>:</a:t>
                       </a:r>
                       <a:endParaRPr lang="ko-Kore-KR" altLang="en-US" sz="1100" dirty="0">
                         <a:latin typeface="나눔고딕" panose="020D0604000000000000" pitchFamily="50" charset="-127"/>
@@ -21672,7 +22273,7 @@
         </p:nvSpPr>
         <p:spPr>
           <a:xfrm>
-            <a:off x="11295524" y="4660171"/>
+            <a:off x="11294254" y="5027918"/>
             <a:ext cx="191625" cy="231540"/>
           </a:xfrm>
           <a:prstGeom prst="rect">
@@ -21733,7 +22334,7 @@
         </p:nvSpPr>
         <p:spPr>
           <a:xfrm>
-            <a:off x="11324427" y="4713121"/>
+            <a:off x="11323157" y="5080868"/>
             <a:ext cx="134702" cy="135133"/>
           </a:xfrm>
           <a:prstGeom prst="flowChartMerge">
@@ -21781,10 +22382,74 @@
           </a:p>
         </p:txBody>
       </p:sp>
+      <p:sp>
+        <p:nvSpPr>
+          <p:cNvPr id="12" name="TextBox 11">
+            <a:extLst>
+              <a:ext uri="{FF2B5EF4-FFF2-40B4-BE49-F238E27FC236}">
+                <a16:creationId xmlns:a16="http://schemas.microsoft.com/office/drawing/2014/main" id="{79EED055-D183-7841-9D93-D1C3F8738DA3}"/>
+              </a:ext>
+            </a:extLst>
+          </p:cNvPr>
+          <p:cNvSpPr txBox="1"/>
+          <p:nvPr/>
+        </p:nvSpPr>
+        <p:spPr>
+          <a:xfrm>
+            <a:off x="718510" y="1475095"/>
+            <a:ext cx="3008244" cy="338554"/>
+          </a:xfrm>
+          <a:prstGeom prst="rect">
+            <a:avLst/>
+          </a:prstGeom>
+          <a:noFill/>
+        </p:spPr>
+        <p:txBody>
+          <a:bodyPr wrap="square" rtlCol="0">
+            <a:spAutoFit/>
+          </a:bodyPr>
+          <a:lstStyle/>
+          <a:p>
+            <a:r>
+              <a:rPr kumimoji="1" lang="en-US" altLang="ko-KR" sz="1600" dirty="0">
+                <a:solidFill>
+                  <a:schemeClr val="accent1">
+                    <a:lumMod val="50000"/>
+                  </a:schemeClr>
+                </a:solidFill>
+                <a:latin typeface="나눔고딕" panose="020D0604000000000000" pitchFamily="50" charset="-127"/>
+                <a:ea typeface="나눔고딕" panose="020D0604000000000000" pitchFamily="50" charset="-127"/>
+              </a:rPr>
+              <a:t>___</a:t>
+            </a:r>
+            <a:r>
+              <a:rPr kumimoji="1" lang="ko-KR" altLang="en-US" sz="1600" dirty="0">
+                <a:solidFill>
+                  <a:schemeClr val="accent1">
+                    <a:lumMod val="50000"/>
+                  </a:schemeClr>
+                </a:solidFill>
+                <a:latin typeface="나눔고딕" panose="020D0604000000000000" pitchFamily="50" charset="-127"/>
+                <a:ea typeface="나눔고딕" panose="020D0604000000000000" pitchFamily="50" charset="-127"/>
+              </a:rPr>
+              <a:t>주제 게시판</a:t>
+            </a:r>
+            <a:endParaRPr kumimoji="1" lang="en-US" altLang="ko-KR" sz="1600" dirty="0">
+              <a:solidFill>
+                <a:schemeClr val="accent1">
+                  <a:lumMod val="50000"/>
+                </a:schemeClr>
+              </a:solidFill>
+              <a:latin typeface="나눔고딕" panose="020D0604000000000000" pitchFamily="50" charset="-127"/>
+              <a:ea typeface="나눔고딕" panose="020D0604000000000000" pitchFamily="50" charset="-127"/>
+            </a:endParaRPr>
+          </a:p>
+        </p:txBody>
+      </p:sp>
     </p:spTree>
     <p:extLst>
       <p:ext uri="{BB962C8B-B14F-4D97-AF65-F5344CB8AC3E}">
-        <p14:creationId xmlns:p14="http://schemas.microsoft.com/office/powerpoint/2010/main" val="225296146"/>
+        <p14:creationId xmlns:p14="http://schemas.microsoft.com/office/powerpoint/2010/main" val="1291491980"/>
       </p:ext>
     </p:extLst>
   </p:cSld>
